--- a/AO-Smith-MSFT-MCHP-r6.pptx
+++ b/AO-Smith-MSFT-MCHP-r6.pptx
@@ -444,7 +444,7 @@
           <a:p>
             <a:fld id="{98615C2D-FB91-8740-95C2-23C11A10F2F2}" type="datetimeFigureOut">
               <a:rPr lang="en-US" smtClean="0"/>
-              <a:t>10/24/21</a:t>
+              <a:t>10/26/21</a:t>
             </a:fld>
             <a:endParaRPr lang="en-US"/>
           </a:p>
@@ -622,7 +622,7 @@
           <a:p>
             <a:fld id="{F154E49F-5C3A-ED4E-A68A-CCB3AA3B5D59}" type="datetimeFigureOut">
               <a:rPr lang="en-US" smtClean="0"/>
-              <a:t>10/24/21</a:t>
+              <a:t>10/26/21</a:t>
             </a:fld>
             <a:endParaRPr lang="en-US"/>
           </a:p>
@@ -8736,7 +8736,7 @@
                   <a:schemeClr val="tx1"/>
                 </a:solidFill>
               </a:rPr>
-              <a:t>UART (460,800 baud)</a:t>
+              <a:t>UART (9600 baud)</a:t>
             </a:r>
           </a:p>
         </p:txBody>
@@ -15234,6 +15234,63 @@
           </a:p>
         </p:txBody>
       </p:sp>
+      <p:sp>
+        <p:nvSpPr>
+          <p:cNvPr id="23" name="Rectangle 22">
+            <a:extLst>
+              <a:ext uri="{FF2B5EF4-FFF2-40B4-BE49-F238E27FC236}">
+                <a16:creationId xmlns:a16="http://schemas.microsoft.com/office/drawing/2014/main" id="{DB9BD300-FC0A-EE46-A83C-F416A76D4A5A}"/>
+              </a:ext>
+            </a:extLst>
+          </p:cNvPr>
+          <p:cNvSpPr/>
+          <p:nvPr/>
+        </p:nvSpPr>
+        <p:spPr>
+          <a:xfrm>
+            <a:off x="4374045" y="2226924"/>
+            <a:ext cx="1470164" cy="949105"/>
+          </a:xfrm>
+          <a:prstGeom prst="rect">
+            <a:avLst/>
+          </a:prstGeom>
+          <a:noFill/>
+          <a:ln w="19050">
+            <a:solidFill>
+              <a:srgbClr val="FF0000"/>
+            </a:solidFill>
+            <a:prstDash val="dash"/>
+          </a:ln>
+          <a:effectLst/>
+        </p:spPr>
+        <p:style>
+          <a:lnRef idx="1">
+            <a:schemeClr val="accent1"/>
+          </a:lnRef>
+          <a:fillRef idx="3">
+            <a:schemeClr val="accent1"/>
+          </a:fillRef>
+          <a:effectRef idx="2">
+            <a:schemeClr val="accent1"/>
+          </a:effectRef>
+          <a:fontRef idx="minor">
+            <a:schemeClr val="lt1"/>
+          </a:fontRef>
+        </p:style>
+        <p:txBody>
+          <a:bodyPr rot="0" spcFirstLastPara="0" vertOverflow="overflow" horzOverflow="overflow" vert="horz" wrap="square" lIns="91440" tIns="45720" rIns="91440" bIns="45720" numCol="1" spcCol="0" rtlCol="0" fromWordArt="0" anchor="ctr" anchorCtr="0" forceAA="0" compatLnSpc="1">
+            <a:prstTxWarp prst="textNoShape">
+              <a:avLst/>
+            </a:prstTxWarp>
+            <a:noAutofit/>
+          </a:bodyPr>
+          <a:lstStyle/>
+          <a:p>
+            <a:pPr algn="ctr"/>
+            <a:endParaRPr lang="en-US"/>
+          </a:p>
+        </p:txBody>
+      </p:sp>
     </p:spTree>
     <p:extLst>
       <p:ext uri="{BB962C8B-B14F-4D97-AF65-F5344CB8AC3E}">
@@ -30760,74 +30817,6 @@
 </file>
 
 <file path=customXml/item1.xml><?xml version="1.0" encoding="utf-8"?>
-<?mso-contentType ?>
-<FormTemplates xmlns="http://schemas.microsoft.com/sharepoint/v3/contenttype/forms">
-  <Display>DocumentLibraryForm</Display>
-  <Edit>DocumentLibraryForm</Edit>
-  <New>DocumentLibraryForm</New>
-</FormTemplates>
-</file>
-
-<file path=customXml/item2.xml><?xml version="1.0" encoding="utf-8"?>
-<p:properties xmlns:p="http://schemas.microsoft.com/office/2006/metadata/properties" xmlns:xsi="http://www.w3.org/2001/XMLSchema-instance" xmlns:pc="http://schemas.microsoft.com/office/infopath/2007/PartnerControls">
-  <documentManagement>
-    <Content_x0020_Archived xmlns="df7acb31-37ac-40e2-81bb-c44e3630f613">false</Content_x0020_Archived>
-    <_dlc_DocId xmlns="38ef598d-997c-498b-b737-2f6b2c50ccab">SV5CHKDEWJXD-84-133</_dlc_DocId>
-    <_dlc_DocIdUrl xmlns="38ef598d-997c-498b-b737-2f6b2c50ccab">
-      <Url>http://mchpweb-2010/marcom/home/Resources/_layouts/DocIdRedir.aspx?ID=SV5CHKDEWJXD-84-133</Url>
-      <Description>SV5CHKDEWJXD-84-133</Description>
-    </_dlc_DocIdUrl>
-  </documentManagement>
-</p:properties>
-</file>
-
-<file path=customXml/item3.xml><?xml version="1.0" encoding="utf-8"?>
-<?mso-contentType ?>
-<spe:Receivers xmlns:spe="http://schemas.microsoft.com/sharepoint/events">
-  <Receiver>
-    <Name>Document ID Generator</Name>
-    <Synchronization>Synchronous</Synchronization>
-    <Type>10001</Type>
-    <SequenceNumber>1000</SequenceNumber>
-    <Assembly>Microsoft.Office.DocumentManagement, Version=14.0.0.0, Culture=neutral, PublicKeyToken=71e9bce111e9429c</Assembly>
-    <Class>Microsoft.Office.DocumentManagement.Internal.DocIdHandler</Class>
-    <Data/>
-    <Filter/>
-  </Receiver>
-  <Receiver>
-    <Name>Document ID Generator</Name>
-    <Synchronization>Synchronous</Synchronization>
-    <Type>10002</Type>
-    <SequenceNumber>1001</SequenceNumber>
-    <Assembly>Microsoft.Office.DocumentManagement, Version=14.0.0.0, Culture=neutral, PublicKeyToken=71e9bce111e9429c</Assembly>
-    <Class>Microsoft.Office.DocumentManagement.Internal.DocIdHandler</Class>
-    <Data/>
-    <Filter/>
-  </Receiver>
-  <Receiver>
-    <Name>Document ID Generator</Name>
-    <Synchronization>Synchronous</Synchronization>
-    <Type>10004</Type>
-    <SequenceNumber>1002</SequenceNumber>
-    <Assembly>Microsoft.Office.DocumentManagement, Version=14.0.0.0, Culture=neutral, PublicKeyToken=71e9bce111e9429c</Assembly>
-    <Class>Microsoft.Office.DocumentManagement.Internal.DocIdHandler</Class>
-    <Data/>
-    <Filter/>
-  </Receiver>
-  <Receiver>
-    <Name>Document ID Generator</Name>
-    <Synchronization>Synchronous</Synchronization>
-    <Type>10006</Type>
-    <SequenceNumber>1003</SequenceNumber>
-    <Assembly>Microsoft.Office.DocumentManagement, Version=14.0.0.0, Culture=neutral, PublicKeyToken=71e9bce111e9429c</Assembly>
-    <Class>Microsoft.Office.DocumentManagement.Internal.DocIdHandler</Class>
-    <Data/>
-    <Filter/>
-  </Receiver>
-</spe:Receivers>
-</file>
-
-<file path=customXml/item4.xml><?xml version="1.0" encoding="utf-8"?>
 <ct:contentTypeSchema xmlns:ct="http://schemas.microsoft.com/office/2006/metadata/contentType" xmlns:ma="http://schemas.microsoft.com/office/2006/metadata/properties/metaAttributes" ct:_="" ma:_="" ma:contentTypeName="Document" ma:contentTypeID="0x01010006EF9829FE6FB94D84D3D1D5B1820991" ma:contentTypeVersion="2" ma:contentTypeDescription="Create a new document." ma:contentTypeScope="" ma:versionID="84d427fd2fb92a215479da5b0fe5e4ad">
   <xsd:schema xmlns:xsd="http://www.w3.org/2001/XMLSchema" xmlns:xs="http://www.w3.org/2001/XMLSchema" xmlns:p="http://schemas.microsoft.com/office/2006/metadata/properties" xmlns:ns2="38ef598d-997c-498b-b737-2f6b2c50ccab" xmlns:ns3="df7acb31-37ac-40e2-81bb-c44e3630f613" targetNamespace="http://schemas.microsoft.com/office/2006/metadata/properties" ma:root="true" ma:fieldsID="156788901a84a305ff90b9b24ba2d9fb" ns2:_="" ns3:_="">
     <xsd:import namespace="38ef598d-997c-498b-b737-2f6b2c50ccab"/>
@@ -30983,34 +30972,75 @@
 </ct:contentTypeSchema>
 </file>
 
-<file path=customXml/itemProps1.xml><?xml version="1.0" encoding="utf-8"?>
-<ds:datastoreItem xmlns:ds="http://schemas.openxmlformats.org/officeDocument/2006/customXml" ds:itemID="{0CE24DD7-9317-4AD8-82D4-5A6998DA79C7}">
-  <ds:schemaRefs>
-    <ds:schemaRef ds:uri="http://schemas.microsoft.com/sharepoint/v3/contenttype/forms"/>
-  </ds:schemaRefs>
-</ds:datastoreItem>
+<file path=customXml/item2.xml><?xml version="1.0" encoding="utf-8"?>
+<?mso-contentType ?>
+<spe:Receivers xmlns:spe="http://schemas.microsoft.com/sharepoint/events">
+  <Receiver>
+    <Name>Document ID Generator</Name>
+    <Synchronization>Synchronous</Synchronization>
+    <Type>10001</Type>
+    <SequenceNumber>1000</SequenceNumber>
+    <Assembly>Microsoft.Office.DocumentManagement, Version=14.0.0.0, Culture=neutral, PublicKeyToken=71e9bce111e9429c</Assembly>
+    <Class>Microsoft.Office.DocumentManagement.Internal.DocIdHandler</Class>
+    <Data/>
+    <Filter/>
+  </Receiver>
+  <Receiver>
+    <Name>Document ID Generator</Name>
+    <Synchronization>Synchronous</Synchronization>
+    <Type>10002</Type>
+    <SequenceNumber>1001</SequenceNumber>
+    <Assembly>Microsoft.Office.DocumentManagement, Version=14.0.0.0, Culture=neutral, PublicKeyToken=71e9bce111e9429c</Assembly>
+    <Class>Microsoft.Office.DocumentManagement.Internal.DocIdHandler</Class>
+    <Data/>
+    <Filter/>
+  </Receiver>
+  <Receiver>
+    <Name>Document ID Generator</Name>
+    <Synchronization>Synchronous</Synchronization>
+    <Type>10004</Type>
+    <SequenceNumber>1002</SequenceNumber>
+    <Assembly>Microsoft.Office.DocumentManagement, Version=14.0.0.0, Culture=neutral, PublicKeyToken=71e9bce111e9429c</Assembly>
+    <Class>Microsoft.Office.DocumentManagement.Internal.DocIdHandler</Class>
+    <Data/>
+    <Filter/>
+  </Receiver>
+  <Receiver>
+    <Name>Document ID Generator</Name>
+    <Synchronization>Synchronous</Synchronization>
+    <Type>10006</Type>
+    <SequenceNumber>1003</SequenceNumber>
+    <Assembly>Microsoft.Office.DocumentManagement, Version=14.0.0.0, Culture=neutral, PublicKeyToken=71e9bce111e9429c</Assembly>
+    <Class>Microsoft.Office.DocumentManagement.Internal.DocIdHandler</Class>
+    <Data/>
+    <Filter/>
+  </Receiver>
+</spe:Receivers>
 </file>
 
-<file path=customXml/itemProps2.xml><?xml version="1.0" encoding="utf-8"?>
-<ds:datastoreItem xmlns:ds="http://schemas.openxmlformats.org/officeDocument/2006/customXml" ds:itemID="{15774815-801A-4D0C-AAC8-304A8EA5EAE0}">
-  <ds:schemaRefs>
-    <ds:schemaRef ds:uri="http://schemas.microsoft.com/office/2006/metadata/properties"/>
-    <ds:schemaRef ds:uri="http://schemas.microsoft.com/office/infopath/2007/PartnerControls"/>
-    <ds:schemaRef ds:uri="df7acb31-37ac-40e2-81bb-c44e3630f613"/>
-    <ds:schemaRef ds:uri="38ef598d-997c-498b-b737-2f6b2c50ccab"/>
-  </ds:schemaRefs>
-</ds:datastoreItem>
+<file path=customXml/item3.xml><?xml version="1.0" encoding="utf-8"?>
+<p:properties xmlns:p="http://schemas.microsoft.com/office/2006/metadata/properties" xmlns:xsi="http://www.w3.org/2001/XMLSchema-instance" xmlns:pc="http://schemas.microsoft.com/office/infopath/2007/PartnerControls">
+  <documentManagement>
+    <Content_x0020_Archived xmlns="df7acb31-37ac-40e2-81bb-c44e3630f613">false</Content_x0020_Archived>
+    <_dlc_DocId xmlns="38ef598d-997c-498b-b737-2f6b2c50ccab">SV5CHKDEWJXD-84-133</_dlc_DocId>
+    <_dlc_DocIdUrl xmlns="38ef598d-997c-498b-b737-2f6b2c50ccab">
+      <Url>http://mchpweb-2010/marcom/home/Resources/_layouts/DocIdRedir.aspx?ID=SV5CHKDEWJXD-84-133</Url>
+      <Description>SV5CHKDEWJXD-84-133</Description>
+    </_dlc_DocIdUrl>
+  </documentManagement>
+</p:properties>
 </file>
 
-<file path=customXml/itemProps3.xml><?xml version="1.0" encoding="utf-8"?>
-<ds:datastoreItem xmlns:ds="http://schemas.openxmlformats.org/officeDocument/2006/customXml" ds:itemID="{36ECED7C-7E24-4B80-B6AD-5BF0A508FB7B}">
-  <ds:schemaRefs>
-    <ds:schemaRef ds:uri="http://schemas.microsoft.com/sharepoint/events"/>
-  </ds:schemaRefs>
-</ds:datastoreItem>
+<file path=customXml/item4.xml><?xml version="1.0" encoding="utf-8"?>
+<?mso-contentType ?>
+<FormTemplates xmlns="http://schemas.microsoft.com/sharepoint/v3/contenttype/forms">
+  <Display>DocumentLibraryForm</Display>
+  <Edit>DocumentLibraryForm</Edit>
+  <New>DocumentLibraryForm</New>
+</FormTemplates>
 </file>
 
-<file path=customXml/itemProps4.xml><?xml version="1.0" encoding="utf-8"?>
+<file path=customXml/itemProps1.xml><?xml version="1.0" encoding="utf-8"?>
 <ds:datastoreItem xmlns:ds="http://schemas.openxmlformats.org/officeDocument/2006/customXml" ds:itemID="{AF9647E8-EA5A-4469-8198-396AF1DA17E0}">
   <ds:schemaRefs>
     <ds:schemaRef ds:uri="http://schemas.microsoft.com/office/2006/metadata/contentType"/>
@@ -31027,4 +31057,31 @@
     <ds:schemaRef ds:uri="http://schemas.microsoft.com/internal/obd"/>
   </ds:schemaRefs>
 </ds:datastoreItem>
+</file>
+
+<file path=customXml/itemProps2.xml><?xml version="1.0" encoding="utf-8"?>
+<ds:datastoreItem xmlns:ds="http://schemas.openxmlformats.org/officeDocument/2006/customXml" ds:itemID="{36ECED7C-7E24-4B80-B6AD-5BF0A508FB7B}">
+  <ds:schemaRefs>
+    <ds:schemaRef ds:uri="http://schemas.microsoft.com/sharepoint/events"/>
+  </ds:schemaRefs>
+</ds:datastoreItem>
+</file>
+
+<file path=customXml/itemProps3.xml><?xml version="1.0" encoding="utf-8"?>
+<ds:datastoreItem xmlns:ds="http://schemas.openxmlformats.org/officeDocument/2006/customXml" ds:itemID="{15774815-801A-4D0C-AAC8-304A8EA5EAE0}">
+  <ds:schemaRefs>
+    <ds:schemaRef ds:uri="http://schemas.microsoft.com/office/2006/metadata/properties"/>
+    <ds:schemaRef ds:uri="http://schemas.microsoft.com/office/infopath/2007/PartnerControls"/>
+    <ds:schemaRef ds:uri="df7acb31-37ac-40e2-81bb-c44e3630f613"/>
+    <ds:schemaRef ds:uri="38ef598d-997c-498b-b737-2f6b2c50ccab"/>
+  </ds:schemaRefs>
+</ds:datastoreItem>
+</file>
+
+<file path=customXml/itemProps4.xml><?xml version="1.0" encoding="utf-8"?>
+<ds:datastoreItem xmlns:ds="http://schemas.openxmlformats.org/officeDocument/2006/customXml" ds:itemID="{0CE24DD7-9317-4AD8-82D4-5A6998DA79C7}">
+  <ds:schemaRefs>
+    <ds:schemaRef ds:uri="http://schemas.microsoft.com/sharepoint/v3/contenttype/forms"/>
+  </ds:schemaRefs>
+</ds:datastoreItem>
 </file>
--- a/AO-Smith-MSFT-MCHP-r6.pptx
+++ b/AO-Smith-MSFT-MCHP-r6.pptx
@@ -5,10 +5,10 @@
     <p:sldMasterId id="2147483648" r:id="rId5"/>
   </p:sldMasterIdLst>
   <p:notesMasterIdLst>
-    <p:notesMasterId r:id="rId27"/>
+    <p:notesMasterId r:id="rId28"/>
   </p:notesMasterIdLst>
   <p:handoutMasterIdLst>
-    <p:handoutMasterId r:id="rId28"/>
+    <p:handoutMasterId r:id="rId29"/>
   </p:handoutMasterIdLst>
   <p:sldIdLst>
     <p:sldId id="1954" r:id="rId6"/>
@@ -24,14 +24,15 @@
     <p:sldId id="1978" r:id="rId16"/>
     <p:sldId id="1972" r:id="rId17"/>
     <p:sldId id="1977" r:id="rId18"/>
-    <p:sldId id="1973" r:id="rId19"/>
-    <p:sldId id="2146846839" r:id="rId20"/>
-    <p:sldId id="2146846837" r:id="rId21"/>
-    <p:sldId id="1974" r:id="rId22"/>
-    <p:sldId id="1975" r:id="rId23"/>
-    <p:sldId id="1976" r:id="rId24"/>
-    <p:sldId id="2146846836" r:id="rId25"/>
-    <p:sldId id="2146846835" r:id="rId26"/>
+    <p:sldId id="2146846840" r:id="rId19"/>
+    <p:sldId id="1973" r:id="rId20"/>
+    <p:sldId id="2146846839" r:id="rId21"/>
+    <p:sldId id="2146846837" r:id="rId22"/>
+    <p:sldId id="1974" r:id="rId23"/>
+    <p:sldId id="1975" r:id="rId24"/>
+    <p:sldId id="1976" r:id="rId25"/>
+    <p:sldId id="2146846836" r:id="rId26"/>
+    <p:sldId id="2146846835" r:id="rId27"/>
   </p:sldIdLst>
   <p:sldSz cx="12188825" cy="6858000"/>
   <p:notesSz cx="6858000" cy="9144000"/>
@@ -350,6 +351,71 @@
 </p188:cmLst>
 </file>
 
+<file path=ppt/comments/modernComment_7FF64878_A0D6FDE5.xml><?xml version="1.0" encoding="utf-8"?>
+<p188:cmLst xmlns:a="http://schemas.openxmlformats.org/drawingml/2006/main" xmlns:r="http://schemas.openxmlformats.org/officeDocument/2006/relationships" xmlns:p188="http://schemas.microsoft.com/office/powerpoint/2018/8/main">
+  <p188:cm id="{7D7A1D54-8E69-4C4A-A2A8-9513B01DD8C2}" authorId="{419A0461-70A0-26D9-7B07-101F9229DE0D}" created="2021-10-11T20:33:21.559">
+    <ac:txMkLst xmlns:ac="http://schemas.microsoft.com/office/drawing/2013/main/command">
+      <pc:docMk xmlns:pc="http://schemas.microsoft.com/office/powerpoint/2013/main/command"/>
+      <pc:sldMk xmlns:pc="http://schemas.microsoft.com/office/powerpoint/2013/main/command" cId="2698444261" sldId="2146846840"/>
+      <ac:graphicFrameMk id="4" creationId="{A6FD4C91-BE13-1F40-8D22-AB7220626C6A}"/>
+      <ac:tblMk/>
+      <ac:tcMk rowId="2398759049" colId="1610446745"/>
+      <ac:txMk cp="2" len="27">
+        <ac:context len="20" hash="885886408"/>
+      </ac:txMk>
+    </ac:txMkLst>
+    <p188:replyLst>
+      <p188:reply id="{9044AAD5-B2D3-5D49-A8A9-09AAE72E20A3}" authorId="{825F0767-8775-E7B1-B711-385AF8BAF186}" created="2021-10-11T20:57:24.525">
+        <p188:txBody>
+          <a:bodyPr/>
+          <a:lstStyle/>
+          <a:p>
+            <a:r>
+              <a:rPr lang="en-US"/>
+              <a:t>Yes!</a:t>
+            </a:r>
+          </a:p>
+        </p188:txBody>
+      </p188:reply>
+      <p188:reply id="{3BCFE135-397F-F640-8718-80AAF6854D6E}" authorId="{825F0767-8775-E7B1-B711-385AF8BAF186}" created="2021-10-11T21:14:58.687">
+        <p188:txBody>
+          <a:bodyPr/>
+          <a:lstStyle/>
+          <a:p>
+            <a:r>
+              <a:rPr lang="en-US"/>
+              <a:t>I assume the string can be of any length?</a:t>
+            </a:r>
+          </a:p>
+        </p188:txBody>
+      </p188:reply>
+      <p188:reply id="{1E290C84-079A-4DA1-809A-9F78CDFD6B25}" authorId="{419A0461-70A0-26D9-7B07-101F9229DE0D}" created="2021-10-11T21:50:02.696">
+        <p188:txBody>
+          <a:bodyPr/>
+          <a:lstStyle/>
+          <a:p>
+            <a:r>
+              <a:rPr lang="en-US"/>
+              <a:t>I had to expand TX buffer from 512 to 1024, so technically up to 1024 minus 13 (telemetry 11,)</a:t>
+            </a:r>
+          </a:p>
+        </p188:txBody>
+      </p188:reply>
+    </p188:replyLst>
+    <p188:txBody>
+      <a:bodyPr/>
+      <a:lstStyle/>
+      <a:p>
+        <a:r>
+          <a:rPr lang="en-US"/>
+          <a:t>Probably a good idea to include ""</a:t>
+        </a:r>
+      </a:p>
+    </p188:txBody>
+  </p188:cm>
+</p188:cmLst>
+</file>
+
 <file path=ppt/handoutMasters/handoutMaster1.xml><?xml version="1.0" encoding="utf-8"?>
 <p:handoutMaster xmlns:a="http://schemas.openxmlformats.org/drawingml/2006/main" xmlns:r="http://schemas.openxmlformats.org/officeDocument/2006/relationships" xmlns:p="http://schemas.openxmlformats.org/presentationml/2006/main">
   <p:cSld>
@@ -1198,7 +1264,7 @@
     </p:spTree>
     <p:extLst>
       <p:ext uri="{BB962C8B-B14F-4D97-AF65-F5344CB8AC3E}">
-        <p14:creationId xmlns:p14="http://schemas.microsoft.com/office/powerpoint/2010/main" val="711247971"/>
+        <p14:creationId xmlns:p14="http://schemas.microsoft.com/office/powerpoint/2010/main" val="3236407114"/>
       </p:ext>
     </p:extLst>
   </p:cSld>
@@ -1252,42 +1318,7 @@
           <a:bodyPr/>
           <a:lstStyle/>
           <a:p>
-            <a:r>
-              <a:rPr lang="en-US" dirty="0"/>
-              <a:t>4096 Bytes = 2048 Words = 1024 Integers</a:t>
-            </a:r>
-          </a:p>
-          <a:p>
             <a:endParaRPr lang="en-US" dirty="0"/>
-          </a:p>
-          <a:p>
-            <a:pPr marL="0" marR="0" lvl="0" indent="0" algn="l" defTabSz="1218936" rtl="0" eaLnBrk="1" fontAlgn="auto" latinLnBrk="0" hangingPunct="1">
-              <a:lnSpc>
-                <a:spcPct val="100000"/>
-              </a:lnSpc>
-              <a:spcBef>
-                <a:spcPts val="0"/>
-              </a:spcBef>
-              <a:spcAft>
-                <a:spcPts val="0"/>
-              </a:spcAft>
-              <a:buClrTx/>
-              <a:buSzTx/>
-              <a:buFontTx/>
-              <a:buNone/>
-              <a:tabLst/>
-              <a:defRPr/>
-            </a:pPr>
-            <a:r>
-              <a:rPr lang="en-US" dirty="0"/>
-              <a:t>1. (5000 milliseconds / 2048 Words) = 2.44 msec per update</a:t>
-            </a:r>
-          </a:p>
-          <a:p>
-            <a:r>
-              <a:rPr lang="en-US" dirty="0"/>
-              <a:t>2. (5000 milliseconds / 1024 Integers) = 4.88 msec per update</a:t>
-            </a:r>
           </a:p>
         </p:txBody>
       </p:sp>
@@ -1317,7 +1348,7 @@
     </p:spTree>
     <p:extLst>
       <p:ext uri="{BB962C8B-B14F-4D97-AF65-F5344CB8AC3E}">
-        <p14:creationId xmlns:p14="http://schemas.microsoft.com/office/powerpoint/2010/main" val="904166358"/>
+        <p14:creationId xmlns:p14="http://schemas.microsoft.com/office/powerpoint/2010/main" val="711247971"/>
       </p:ext>
     </p:extLst>
   </p:cSld>
@@ -1371,6 +1402,12 @@
           <a:bodyPr/>
           <a:lstStyle/>
           <a:p>
+            <a:r>
+              <a:rPr lang="en-US" dirty="0"/>
+              <a:t>4096 Bytes = 2048 Words = 1024 Integers</a:t>
+            </a:r>
+          </a:p>
+          <a:p>
             <a:endParaRPr lang="en-US" dirty="0"/>
           </a:p>
           <a:p>
@@ -1430,7 +1467,7 @@
     </p:spTree>
     <p:extLst>
       <p:ext uri="{BB962C8B-B14F-4D97-AF65-F5344CB8AC3E}">
-        <p14:creationId xmlns:p14="http://schemas.microsoft.com/office/powerpoint/2010/main" val="3757753522"/>
+        <p14:creationId xmlns:p14="http://schemas.microsoft.com/office/powerpoint/2010/main" val="904166358"/>
       </p:ext>
     </p:extLst>
   </p:cSld>
@@ -1484,6 +1521,119 @@
           <a:bodyPr/>
           <a:lstStyle/>
           <a:p>
+            <a:endParaRPr lang="en-US" dirty="0"/>
+          </a:p>
+          <a:p>
+            <a:pPr marL="0" marR="0" lvl="0" indent="0" algn="l" defTabSz="1218936" rtl="0" eaLnBrk="1" fontAlgn="auto" latinLnBrk="0" hangingPunct="1">
+              <a:lnSpc>
+                <a:spcPct val="100000"/>
+              </a:lnSpc>
+              <a:spcBef>
+                <a:spcPts val="0"/>
+              </a:spcBef>
+              <a:spcAft>
+                <a:spcPts val="0"/>
+              </a:spcAft>
+              <a:buClrTx/>
+              <a:buSzTx/>
+              <a:buFontTx/>
+              <a:buNone/>
+              <a:tabLst/>
+              <a:defRPr/>
+            </a:pPr>
+            <a:r>
+              <a:rPr lang="en-US" dirty="0"/>
+              <a:t>1. (5000 milliseconds / 2048 Words) = 2.44 msec per update</a:t>
+            </a:r>
+          </a:p>
+          <a:p>
+            <a:r>
+              <a:rPr lang="en-US" dirty="0"/>
+              <a:t>2. (5000 milliseconds / 1024 Integers) = 4.88 msec per update</a:t>
+            </a:r>
+          </a:p>
+        </p:txBody>
+      </p:sp>
+      <p:sp>
+        <p:nvSpPr>
+          <p:cNvPr id="4" name="Slide Number Placeholder 3"/>
+          <p:cNvSpPr>
+            <a:spLocks noGrp="1"/>
+          </p:cNvSpPr>
+          <p:nvPr>
+            <p:ph type="sldNum" sz="quarter" idx="5"/>
+          </p:nvPr>
+        </p:nvSpPr>
+        <p:spPr/>
+        <p:txBody>
+          <a:bodyPr/>
+          <a:lstStyle/>
+          <a:p>
+            <a:fld id="{BFF8CB49-A7FB-5E4A-B599-DE2118135120}" type="slidenum">
+              <a:rPr lang="en-US" smtClean="0"/>
+              <a:t>17</a:t>
+            </a:fld>
+            <a:endParaRPr lang="en-US"/>
+          </a:p>
+        </p:txBody>
+      </p:sp>
+    </p:spTree>
+    <p:extLst>
+      <p:ext uri="{BB962C8B-B14F-4D97-AF65-F5344CB8AC3E}">
+        <p14:creationId xmlns:p14="http://schemas.microsoft.com/office/powerpoint/2010/main" val="3757753522"/>
+      </p:ext>
+    </p:extLst>
+  </p:cSld>
+  <p:clrMapOvr>
+    <a:masterClrMapping/>
+  </p:clrMapOvr>
+</p:notes>
+</file>
+
+<file path=ppt/notesSlides/notesSlide7.xml><?xml version="1.0" encoding="utf-8"?>
+<p:notes xmlns:a="http://schemas.openxmlformats.org/drawingml/2006/main" xmlns:r="http://schemas.openxmlformats.org/officeDocument/2006/relationships" xmlns:p="http://schemas.openxmlformats.org/presentationml/2006/main">
+  <p:cSld>
+    <p:spTree>
+      <p:nvGrpSpPr>
+        <p:cNvPr id="1" name=""/>
+        <p:cNvGrpSpPr/>
+        <p:nvPr/>
+      </p:nvGrpSpPr>
+      <p:grpSpPr>
+        <a:xfrm>
+          <a:off x="0" y="0"/>
+          <a:ext cx="0" cy="0"/>
+          <a:chOff x="0" y="0"/>
+          <a:chExt cx="0" cy="0"/>
+        </a:xfrm>
+      </p:grpSpPr>
+      <p:sp>
+        <p:nvSpPr>
+          <p:cNvPr id="2" name="Slide Image Placeholder 1"/>
+          <p:cNvSpPr>
+            <a:spLocks noGrp="1" noRot="1" noChangeAspect="1"/>
+          </p:cNvSpPr>
+          <p:nvPr>
+            <p:ph type="sldImg"/>
+          </p:nvPr>
+        </p:nvSpPr>
+        <p:spPr/>
+      </p:sp>
+      <p:sp>
+        <p:nvSpPr>
+          <p:cNvPr id="3" name="Notes Placeholder 2"/>
+          <p:cNvSpPr>
+            <a:spLocks noGrp="1"/>
+          </p:cNvSpPr>
+          <p:nvPr>
+            <p:ph type="body" idx="1"/>
+          </p:nvPr>
+        </p:nvSpPr>
+        <p:spPr/>
+        <p:txBody>
+          <a:bodyPr/>
+          <a:lstStyle/>
+          <a:p>
             <a:r>
               <a:rPr lang="en-US" dirty="0"/>
               <a:t>4 blocks of 1KB every 5 seconds</a:t>
@@ -1555,7 +1705,7 @@
                 <a:tabLst/>
                 <a:defRPr/>
               </a:pPr>
-              <a:t>21</a:t>
+              <a:t>22</a:t>
             </a:fld>
             <a:endParaRPr kumimoji="0" lang="en-US" altLang="en-US" sz="1200" b="0" i="0" u="none" strike="noStrike" kern="1200" cap="none" spc="0" normalizeH="0" baseline="0" noProof="0">
               <a:ln>
@@ -9156,14 +9306,14 @@
           <p:nvPr>
             <p:extLst>
               <p:ext uri="{D42A27DB-BD31-4B8C-83A1-F6EECF244321}">
-                <p14:modId xmlns:p14="http://schemas.microsoft.com/office/powerpoint/2010/main" val="3037768964"/>
+                <p14:modId xmlns:p14="http://schemas.microsoft.com/office/powerpoint/2010/main" val="1141965909"/>
               </p:ext>
             </p:extLst>
           </p:nvPr>
         </p:nvGraphicFramePr>
         <p:xfrm>
           <a:off x="432655" y="909218"/>
-          <a:ext cx="11434667" cy="5455920"/>
+          <a:ext cx="11434667" cy="5486400"/>
         </p:xfrm>
         <a:graphic>
           <a:graphicData uri="http://schemas.openxmlformats.org/drawingml/2006/table">
@@ -9172,14 +9322,14 @@
                 <a:tableStyleId>{5C22544A-7EE6-4342-B048-85BDC9FD1C3A}</a:tableStyleId>
               </a:tblPr>
               <a:tblGrid>
-                <a:gridCol w="5617942">
+                <a:gridCol w="5400586">
                   <a:extLst>
                     <a:ext uri="{9D8B030D-6E8A-4147-A177-3AD203B41FA5}">
                       <a16:colId xmlns:a16="http://schemas.microsoft.com/office/drawing/2014/main" val="4112609081"/>
                     </a:ext>
                   </a:extLst>
                 </a:gridCol>
-                <a:gridCol w="5816725">
+                <a:gridCol w="6034081">
                   <a:extLst>
                     <a:ext uri="{9D8B030D-6E8A-4147-A177-3AD203B41FA5}">
                       <a16:colId xmlns:a16="http://schemas.microsoft.com/office/drawing/2014/main" val="3353879140"/>
@@ -9246,7 +9396,7 @@
                         <a:defRPr/>
                       </a:pPr>
                       <a:r>
-                        <a:rPr lang="en-US" sz="2000" dirty="0" err="1">
+                        <a:rPr lang="en-US" sz="1800" dirty="0" err="1">
                           <a:solidFill>
                             <a:schemeClr val="tx1"/>
                           </a:solidFill>
@@ -9255,7 +9405,7 @@
                         <a:t>idscope</a:t>
                       </a:r>
                       <a:r>
-                        <a:rPr lang="en-US" sz="2000" dirty="0">
+                        <a:rPr lang="en-US" sz="1800" dirty="0">
                           <a:solidFill>
                             <a:schemeClr val="tx1"/>
                           </a:solidFill>
@@ -9273,13 +9423,12 @@
                     <a:lstStyle/>
                     <a:p>
                       <a:r>
-                        <a:rPr lang="en-US" sz="2000" dirty="0">
+                        <a:rPr lang="en-US" sz="1800" dirty="0">
                           <a:latin typeface="Arial" panose="020B0604020202020204" pitchFamily="34" charset="0"/>
                           <a:cs typeface="Arial" panose="020B0604020202020204" pitchFamily="34" charset="0"/>
                         </a:rPr>
                         <a:t>Get and set Azure DPS ID Scope</a:t>
                       </a:r>
-                      <a:endParaRPr lang="en-US" sz="2000" dirty="0"/>
                     </a:p>
                   </a:txBody>
                   <a:tcPr/>
@@ -9314,7 +9463,7 @@
                         <a:defRPr/>
                       </a:pPr>
                       <a:r>
-                        <a:rPr lang="en-US" sz="2000" dirty="0">
+                        <a:rPr lang="en-US" sz="1800" dirty="0">
                           <a:solidFill>
                             <a:schemeClr val="tx1"/>
                           </a:solidFill>
@@ -9349,7 +9498,7 @@
                         <a:defRPr/>
                       </a:pPr>
                       <a:r>
-                        <a:rPr lang="en-US" sz="2000" dirty="0">
+                        <a:rPr lang="en-US" sz="1800" dirty="0">
                           <a:latin typeface="Arial" panose="020B0604020202020204" pitchFamily="34" charset="0"/>
                           <a:cs typeface="Arial" panose="020B0604020202020204" pitchFamily="34" charset="0"/>
                         </a:rPr>
@@ -9372,7 +9521,7 @@
                     <a:lstStyle/>
                     <a:p>
                       <a:r>
-                        <a:rPr lang="en-US" sz="2000" dirty="0" err="1">
+                        <a:rPr lang="en-US" sz="1800" dirty="0" err="1">
                           <a:solidFill>
                             <a:schemeClr val="tx1"/>
                           </a:solidFill>
@@ -9381,16 +9530,16 @@
                         <a:t>wifi</a:t>
                       </a:r>
                       <a:r>
-                        <a:rPr lang="en-US" sz="2000" dirty="0">
+                        <a:rPr lang="en-US" sz="1800" dirty="0">
                           <a:solidFill>
                             <a:schemeClr val="tx1"/>
                           </a:solidFill>
                           <a:latin typeface="Courier" pitchFamily="2" charset="0"/>
                         </a:rPr>
-                        <a:t> &lt;</a:t>
+                        <a:t> –set &lt;</a:t>
                       </a:r>
                       <a:r>
-                        <a:rPr lang="en-US" sz="2000" dirty="0" err="1">
+                        <a:rPr lang="en-US" sz="1800" dirty="0" err="1">
                           <a:solidFill>
                             <a:schemeClr val="tx1"/>
                           </a:solidFill>
@@ -9399,7 +9548,7 @@
                         <a:t>ssid</a:t>
                       </a:r>
                       <a:r>
-                        <a:rPr lang="en-US" sz="2000" dirty="0">
+                        <a:rPr lang="en-US" sz="1800" dirty="0">
                           <a:solidFill>
                             <a:schemeClr val="tx1"/>
                           </a:solidFill>
@@ -9408,7 +9557,7 @@
                         <a:t>&gt;[,&lt;pass&gt;,[</a:t>
                       </a:r>
                       <a:r>
-                        <a:rPr lang="en-US" sz="2000" dirty="0" err="1">
+                        <a:rPr lang="en-US" sz="1800" dirty="0" err="1">
                           <a:solidFill>
                             <a:schemeClr val="tx1"/>
                           </a:solidFill>
@@ -9417,7 +9566,7 @@
                         <a:t>authType</a:t>
                       </a:r>
                       <a:r>
-                        <a:rPr lang="en-US" sz="2000" dirty="0">
+                        <a:rPr lang="en-US" sz="1800" dirty="0">
                           <a:solidFill>
                             <a:schemeClr val="tx1"/>
                           </a:solidFill>
@@ -9428,7 +9577,7 @@
                     </a:p>
                     <a:p>
                       <a:pPr lvl="0"/>
-                      <a:endParaRPr lang="en-US" sz="2000" dirty="0">
+                      <a:endParaRPr lang="en-US" sz="1800" dirty="0">
                         <a:solidFill>
                           <a:schemeClr val="tx1"/>
                         </a:solidFill>
@@ -9461,7 +9610,7 @@
                         <a:defRPr/>
                       </a:pPr>
                       <a:r>
-                        <a:rPr lang="en-US" sz="2000" dirty="0">
+                        <a:rPr lang="en-US" sz="1800" dirty="0">
                           <a:latin typeface="Arial" panose="020B0604020202020204" pitchFamily="34" charset="0"/>
                           <a:cs typeface="Arial" panose="020B0604020202020204" pitchFamily="34" charset="0"/>
                         </a:rPr>
@@ -9470,15 +9619,24 @@
                     </a:p>
                     <a:p>
                       <a:r>
-                        <a:rPr lang="en-US" sz="2000" dirty="0"/>
+                        <a:rPr lang="en-US" sz="1800" dirty="0">
+                          <a:latin typeface="Arial" panose="020B0604020202020204" pitchFamily="34" charset="0"/>
+                          <a:cs typeface="Arial" panose="020B0604020202020204" pitchFamily="34" charset="0"/>
+                        </a:rPr>
                         <a:t>(</a:t>
                       </a:r>
                       <a:r>
-                        <a:rPr lang="en-US" sz="2000" dirty="0" err="1"/>
+                        <a:rPr lang="en-US" sz="1800" dirty="0" err="1">
+                          <a:latin typeface="Arial" panose="020B0604020202020204" pitchFamily="34" charset="0"/>
+                          <a:cs typeface="Arial" panose="020B0604020202020204" pitchFamily="34" charset="0"/>
+                        </a:rPr>
                         <a:t>authType</a:t>
                       </a:r>
                       <a:r>
-                        <a:rPr lang="en-US" sz="2000" dirty="0"/>
+                        <a:rPr lang="en-US" sz="1800" dirty="0">
+                          <a:latin typeface="Arial" panose="020B0604020202020204" pitchFamily="34" charset="0"/>
+                          <a:cs typeface="Arial" panose="020B0604020202020204" pitchFamily="34" charset="0"/>
+                        </a:rPr>
                         <a:t>: 1 = Open, 2 = WPA, 3 = WEP)</a:t>
                       </a:r>
                     </a:p>
@@ -9515,7 +9673,7 @@
                         <a:defRPr/>
                       </a:pPr>
                       <a:r>
-                        <a:rPr lang="en-US" sz="2000" dirty="0" err="1">
+                        <a:rPr lang="en-US" sz="1800" dirty="0" err="1">
                           <a:solidFill>
                             <a:schemeClr val="tx1"/>
                           </a:solidFill>
@@ -9524,7 +9682,7 @@
                         <a:t>wifi</a:t>
                       </a:r>
                       <a:r>
-                        <a:rPr lang="en-US" sz="2000" dirty="0">
+                        <a:rPr lang="en-US" sz="1800" dirty="0">
                           <a:solidFill>
                             <a:schemeClr val="tx1"/>
                           </a:solidFill>
@@ -9533,7 +9691,7 @@
                         <a:t> –[</a:t>
                       </a:r>
                       <a:r>
-                        <a:rPr lang="en-US" sz="2000" dirty="0" err="1">
+                        <a:rPr lang="en-US" sz="1800" dirty="0" err="1">
                           <a:solidFill>
                             <a:schemeClr val="tx1"/>
                           </a:solidFill>
@@ -9542,7 +9700,7 @@
                         <a:t>scan|status</a:t>
                       </a:r>
                       <a:r>
-                        <a:rPr lang="en-US" sz="2000" dirty="0">
+                        <a:rPr lang="en-US" sz="1800" dirty="0">
                           <a:solidFill>
                             <a:schemeClr val="tx1"/>
                           </a:solidFill>
@@ -9577,7 +9735,7 @@
                         <a:defRPr/>
                       </a:pPr>
                       <a:r>
-                        <a:rPr lang="en-US" sz="2000" dirty="0">
+                        <a:rPr lang="en-US" sz="1800" dirty="0">
                           <a:latin typeface="Arial" panose="020B0604020202020204" pitchFamily="34" charset="0"/>
                           <a:cs typeface="Arial" panose="020B0604020202020204" pitchFamily="34" charset="0"/>
                         </a:rPr>
@@ -9617,7 +9775,82 @@
                         <a:defRPr/>
                       </a:pPr>
                       <a:r>
-                        <a:rPr lang="en-US" sz="2000" dirty="0">
+                        <a:rPr lang="en-US" sz="1800" dirty="0">
+                          <a:solidFill>
+                            <a:schemeClr val="tx1"/>
+                          </a:solidFill>
+                          <a:latin typeface="Courier" pitchFamily="2" charset="0"/>
+                        </a:rPr>
+                        <a:t>cloud -status</a:t>
+                      </a:r>
+                    </a:p>
+                  </a:txBody>
+                  <a:tcPr/>
+                </a:tc>
+                <a:tc>
+                  <a:txBody>
+                    <a:bodyPr/>
+                    <a:lstStyle/>
+                    <a:p>
+                      <a:pPr marL="0" marR="0" lvl="0" indent="0" algn="l" defTabSz="609443" rtl="0" eaLnBrk="1" fontAlgn="auto" latinLnBrk="0" hangingPunct="1">
+                        <a:lnSpc>
+                          <a:spcPct val="100000"/>
+                        </a:lnSpc>
+                        <a:spcBef>
+                          <a:spcPts val="0"/>
+                        </a:spcBef>
+                        <a:spcAft>
+                          <a:spcPts val="0"/>
+                        </a:spcAft>
+                        <a:buClrTx/>
+                        <a:buSzTx/>
+                        <a:buFontTx/>
+                        <a:buNone/>
+                        <a:tabLst/>
+                        <a:defRPr/>
+                      </a:pPr>
+                      <a:r>
+                        <a:rPr lang="en-US" sz="1800" dirty="0">
+                          <a:latin typeface="Arial" panose="020B0604020202020204" pitchFamily="34" charset="0"/>
+                          <a:cs typeface="Arial" panose="020B0604020202020204" pitchFamily="34" charset="0"/>
+                        </a:rPr>
+                        <a:t>Get cloud connection status</a:t>
+                      </a:r>
+                    </a:p>
+                  </a:txBody>
+                  <a:tcPr/>
+                </a:tc>
+                <a:extLst>
+                  <a:ext uri="{0D108BD9-81ED-4DB2-BD59-A6C34878D82A}">
+                    <a16:rowId xmlns:a16="http://schemas.microsoft.com/office/drawing/2014/main" val="3352591356"/>
+                  </a:ext>
+                </a:extLst>
+              </a:tr>
+              <a:tr h="370840">
+                <a:tc>
+                  <a:txBody>
+                    <a:bodyPr/>
+                    <a:lstStyle/>
+                    <a:p>
+                      <a:pPr marL="0" marR="0" lvl="0" indent="0" algn="l" defTabSz="609443" rtl="0" eaLnBrk="1" fontAlgn="auto" latinLnBrk="0" hangingPunct="1">
+                        <a:lnSpc>
+                          <a:spcPct val="100000"/>
+                        </a:lnSpc>
+                        <a:spcBef>
+                          <a:spcPts val="0"/>
+                        </a:spcBef>
+                        <a:spcAft>
+                          <a:spcPts val="0"/>
+                        </a:spcAft>
+                        <a:buClrTx/>
+                        <a:buSzTx/>
+                        <a:buFontTx/>
+                        <a:buNone/>
+                        <a:tabLst/>
+                        <a:defRPr/>
+                      </a:pPr>
+                      <a:r>
+                        <a:rPr lang="en-US" sz="1800" dirty="0">
                           <a:solidFill>
                             <a:schemeClr val="tx1"/>
                           </a:solidFill>
@@ -9652,7 +9885,7 @@
                         <a:defRPr/>
                       </a:pPr>
                       <a:r>
-                        <a:rPr lang="en-US" sz="2000" dirty="0">
+                        <a:rPr lang="en-US" sz="1800" dirty="0">
                           <a:latin typeface="Arial" panose="020B0604020202020204" pitchFamily="34" charset="0"/>
                           <a:cs typeface="Arial" panose="020B0604020202020204" pitchFamily="34" charset="0"/>
                         </a:rPr>
@@ -9692,7 +9925,7 @@
                         <a:defRPr/>
                       </a:pPr>
                       <a:r>
-                        <a:rPr lang="en-US" sz="2000" dirty="0">
+                        <a:rPr lang="en-US" sz="1800" dirty="0">
                           <a:solidFill>
                             <a:schemeClr val="tx1"/>
                           </a:solidFill>
@@ -9727,7 +9960,7 @@
                         <a:defRPr/>
                       </a:pPr>
                       <a:r>
-                        <a:rPr lang="en-US" sz="2000" dirty="0">
+                        <a:rPr lang="en-US" sz="1800" dirty="0">
                           <a:latin typeface="Arial" panose="020B0604020202020204" pitchFamily="34" charset="0"/>
                           <a:cs typeface="Arial" panose="020B0604020202020204" pitchFamily="34" charset="0"/>
                         </a:rPr>
@@ -9767,7 +10000,7 @@
                         <a:defRPr/>
                       </a:pPr>
                       <a:r>
-                        <a:rPr lang="en-US" sz="2000" dirty="0" err="1">
+                        <a:rPr lang="en-US" sz="1800" dirty="0" err="1">
                           <a:solidFill>
                             <a:schemeClr val="tx1"/>
                           </a:solidFill>
@@ -9775,7 +10008,7 @@
                         </a:rPr>
                         <a:t>cli_version</a:t>
                       </a:r>
-                      <a:endParaRPr lang="en-US" sz="2000" dirty="0">
+                      <a:endParaRPr lang="en-US" sz="1800" dirty="0">
                         <a:solidFill>
                           <a:schemeClr val="tx1"/>
                         </a:solidFill>
@@ -9808,7 +10041,7 @@
                         <a:defRPr/>
                       </a:pPr>
                       <a:r>
-                        <a:rPr lang="en-US" sz="2000" dirty="0">
+                        <a:rPr lang="en-US" sz="1800" dirty="0">
                           <a:latin typeface="Arial" panose="020B0604020202020204" pitchFamily="34" charset="0"/>
                           <a:cs typeface="Arial" panose="020B0604020202020204" pitchFamily="34" charset="0"/>
                         </a:rPr>
@@ -9848,7 +10081,7 @@
                         <a:defRPr/>
                       </a:pPr>
                       <a:r>
-                        <a:rPr lang="en-US" sz="2000" dirty="0">
+                        <a:rPr lang="en-US" sz="1800" dirty="0">
                           <a:solidFill>
                             <a:schemeClr val="tx1"/>
                           </a:solidFill>
@@ -9883,7 +10116,7 @@
                         <a:defRPr/>
                       </a:pPr>
                       <a:r>
-                        <a:rPr kumimoji="0" lang="en-US" altLang="en-US" sz="2000" b="0" i="0" u="none" strike="noStrike" cap="none" normalizeH="0" baseline="0" dirty="0">
+                        <a:rPr kumimoji="0" lang="en-US" altLang="en-US" sz="1800" b="0" i="0" u="none" strike="noStrike" cap="none" normalizeH="0" baseline="0" dirty="0">
                           <a:ln>
                             <a:noFill/>
                           </a:ln>
@@ -9895,7 +10128,7 @@
                           <a:ea typeface="Calibri" panose="020F0502020204030204" pitchFamily="34" charset="0"/>
                           <a:cs typeface="Arial" panose="020B0604020202020204" pitchFamily="34" charset="0"/>
                         </a:rPr>
-                        <a:t>Get firmware version</a:t>
+                        <a:t>Get MCU application firmware version</a:t>
                       </a:r>
                     </a:p>
                   </a:txBody>
@@ -9931,7 +10164,7 @@
                         <a:defRPr/>
                       </a:pPr>
                       <a:r>
-                        <a:rPr lang="en-US" sz="2000" dirty="0">
+                        <a:rPr lang="en-US" sz="1800" dirty="0">
                           <a:solidFill>
                             <a:schemeClr val="tx1"/>
                           </a:solidFill>
@@ -9966,7 +10199,7 @@
                         <a:defRPr/>
                       </a:pPr>
                       <a:r>
-                        <a:rPr lang="en-US" altLang="en-US" sz="2000" dirty="0">
+                        <a:rPr lang="en-US" altLang="en-US" sz="1800" dirty="0">
                           <a:latin typeface="Arial" panose="020B0604020202020204" pitchFamily="34" charset="0"/>
                           <a:ea typeface="Calibri" panose="020F0502020204030204" pitchFamily="34" charset="0"/>
                           <a:cs typeface="Arial" panose="020B0604020202020204" pitchFamily="34" charset="0"/>
@@ -10007,7 +10240,7 @@
                         <a:defRPr/>
                       </a:pPr>
                       <a:r>
-                        <a:rPr lang="en-US" sz="2000" dirty="0">
+                        <a:rPr lang="en-US" sz="1800" dirty="0">
                           <a:solidFill>
                             <a:schemeClr val="tx1"/>
                           </a:solidFill>
@@ -10042,7 +10275,7 @@
                         <a:defRPr/>
                       </a:pPr>
                       <a:r>
-                        <a:rPr kumimoji="0" lang="en-US" altLang="en-US" sz="2000" b="0" i="0" u="none" strike="noStrike" cap="none" normalizeH="0" baseline="0" dirty="0">
+                        <a:rPr kumimoji="0" lang="en-US" altLang="en-US" sz="1800" b="0" i="0" u="none" strike="noStrike" cap="none" normalizeH="0" baseline="0" dirty="0">
                           <a:ln>
                             <a:noFill/>
                           </a:ln>
@@ -10056,7 +10289,7 @@
                         </a:rPr>
                         <a:t>Reset host</a:t>
                       </a:r>
-                      <a:endParaRPr lang="en-US" altLang="en-US" sz="2000" dirty="0">
+                      <a:endParaRPr lang="en-US" altLang="en-US" sz="1800" dirty="0">
                         <a:latin typeface="Arial" panose="020B0604020202020204" pitchFamily="34" charset="0"/>
                         <a:ea typeface="Calibri" panose="020F0502020204030204" pitchFamily="34" charset="0"/>
                         <a:cs typeface="Arial" panose="020B0604020202020204" pitchFamily="34" charset="0"/>
@@ -10095,7 +10328,7 @@
                         <a:defRPr/>
                       </a:pPr>
                       <a:r>
-                        <a:rPr lang="en-US" sz="2000" dirty="0">
+                        <a:rPr lang="en-US" sz="1800" dirty="0">
                           <a:solidFill>
                             <a:schemeClr val="tx1"/>
                           </a:solidFill>
@@ -10130,7 +10363,7 @@
                         <a:defRPr/>
                       </a:pPr>
                       <a:r>
-                        <a:rPr kumimoji="0" lang="en-US" altLang="en-US" sz="2000" b="0" i="0" u="none" strike="noStrike" cap="none" normalizeH="0" baseline="0" dirty="0">
+                        <a:rPr kumimoji="0" lang="en-US" altLang="en-US" sz="1800" b="0" i="0" u="none" strike="noStrike" cap="none" normalizeH="0" baseline="0" dirty="0">
                           <a:ln>
                             <a:noFill/>
                           </a:ln>
@@ -10145,7 +10378,7 @@
                         <a:t>Qui</a:t>
                       </a:r>
                       <a:r>
-                        <a:rPr lang="en-US" altLang="en-US" sz="2000" dirty="0">
+                        <a:rPr lang="en-US" altLang="en-US" sz="1800" dirty="0">
                           <a:latin typeface="Arial" panose="020B0604020202020204" pitchFamily="34" charset="0"/>
                           <a:ea typeface="Calibri" panose="020F0502020204030204" pitchFamily="34" charset="0"/>
                           <a:cs typeface="Arial" panose="020B0604020202020204" pitchFamily="34" charset="0"/>
@@ -10186,7 +10419,7 @@
                         <a:defRPr/>
                       </a:pPr>
                       <a:r>
-                        <a:rPr lang="en-US" sz="2000" dirty="0">
+                        <a:rPr lang="en-US" sz="1800" dirty="0">
                           <a:solidFill>
                             <a:schemeClr val="tx1"/>
                           </a:solidFill>
@@ -10204,7 +10437,7 @@
                     <a:lstStyle/>
                     <a:p>
                       <a:r>
-                        <a:rPr lang="en-US" sz="2000" dirty="0">
+                        <a:rPr lang="en-US" sz="1800" dirty="0">
                           <a:latin typeface="Arial" panose="020B0604020202020204" pitchFamily="34" charset="0"/>
                           <a:cs typeface="Arial" panose="020B0604020202020204" pitchFamily="34" charset="0"/>
                         </a:rPr>
@@ -10224,121 +10457,6 @@
           </a:graphicData>
         </a:graphic>
       </p:graphicFrame>
-      <p:sp>
-        <p:nvSpPr>
-          <p:cNvPr id="3" name="Rectangle 2">
-            <a:extLst>
-              <a:ext uri="{FF2B5EF4-FFF2-40B4-BE49-F238E27FC236}">
-                <a16:creationId xmlns:a16="http://schemas.microsoft.com/office/drawing/2014/main" id="{2BE1E2B3-52D2-2944-9A3E-A644456CDB10}"/>
-              </a:ext>
-            </a:extLst>
-          </p:cNvPr>
-          <p:cNvSpPr/>
-          <p:nvPr/>
-        </p:nvSpPr>
-        <p:spPr>
-          <a:xfrm>
-            <a:off x="355509" y="2753710"/>
-            <a:ext cx="11605263" cy="493987"/>
-          </a:xfrm>
-          <a:prstGeom prst="rect">
-            <a:avLst/>
-          </a:prstGeom>
-          <a:noFill/>
-          <a:ln w="31750">
-            <a:solidFill>
-              <a:srgbClr val="FF0000"/>
-            </a:solidFill>
-          </a:ln>
-          <a:effectLst/>
-        </p:spPr>
-        <p:style>
-          <a:lnRef idx="1">
-            <a:schemeClr val="accent1"/>
-          </a:lnRef>
-          <a:fillRef idx="3">
-            <a:schemeClr val="accent1"/>
-          </a:fillRef>
-          <a:effectRef idx="2">
-            <a:schemeClr val="accent1"/>
-          </a:effectRef>
-          <a:fontRef idx="minor">
-            <a:schemeClr val="lt1"/>
-          </a:fontRef>
-        </p:style>
-        <p:txBody>
-          <a:bodyPr rot="0" spcFirstLastPara="0" vertOverflow="overflow" horzOverflow="overflow" vert="horz" wrap="square" lIns="91440" tIns="45720" rIns="91440" bIns="45720" numCol="1" spcCol="0" rtlCol="0" fromWordArt="0" anchor="ctr" anchorCtr="0" forceAA="0" compatLnSpc="1">
-            <a:prstTxWarp prst="textNoShape">
-              <a:avLst/>
-            </a:prstTxWarp>
-            <a:noAutofit/>
-          </a:bodyPr>
-          <a:lstStyle/>
-          <a:p>
-            <a:pPr algn="ctr"/>
-            <a:endParaRPr lang="en-US"/>
-          </a:p>
-        </p:txBody>
-      </p:sp>
-      <p:sp>
-        <p:nvSpPr>
-          <p:cNvPr id="6" name="Rectangle 5">
-            <a:extLst>
-              <a:ext uri="{FF2B5EF4-FFF2-40B4-BE49-F238E27FC236}">
-                <a16:creationId xmlns:a16="http://schemas.microsoft.com/office/drawing/2014/main" id="{FD09DC78-5B68-B04A-9485-3069C6DBDB39}"/>
-              </a:ext>
-            </a:extLst>
-          </p:cNvPr>
-          <p:cNvSpPr/>
-          <p:nvPr/>
-        </p:nvSpPr>
-        <p:spPr>
-          <a:xfrm>
-            <a:off x="3493266" y="2832446"/>
-            <a:ext cx="928947" cy="336514"/>
-          </a:xfrm>
-          <a:prstGeom prst="rect">
-            <a:avLst/>
-          </a:prstGeom>
-          <a:solidFill>
-            <a:srgbClr val="FF0000"/>
-          </a:solidFill>
-          <a:ln>
-            <a:noFill/>
-          </a:ln>
-          <a:effectLst/>
-        </p:spPr>
-        <p:style>
-          <a:lnRef idx="1">
-            <a:schemeClr val="accent1"/>
-          </a:lnRef>
-          <a:fillRef idx="3">
-            <a:schemeClr val="accent1"/>
-          </a:fillRef>
-          <a:effectRef idx="2">
-            <a:schemeClr val="accent1"/>
-          </a:effectRef>
-          <a:fontRef idx="minor">
-            <a:schemeClr val="lt1"/>
-          </a:fontRef>
-        </p:style>
-        <p:txBody>
-          <a:bodyPr rot="0" spcFirstLastPara="0" vertOverflow="overflow" horzOverflow="overflow" vert="horz" wrap="square" lIns="91440" tIns="45720" rIns="91440" bIns="45720" numCol="1" spcCol="0" rtlCol="0" fromWordArt="0" anchor="ctr" anchorCtr="0" forceAA="0" compatLnSpc="1">
-            <a:prstTxWarp prst="textNoShape">
-              <a:avLst/>
-            </a:prstTxWarp>
-            <a:noAutofit/>
-          </a:bodyPr>
-          <a:lstStyle/>
-          <a:p>
-            <a:pPr algn="ctr"/>
-            <a:r>
-              <a:rPr lang="en-US" sz="2000" dirty="0"/>
-              <a:t>ADD</a:t>
-            </a:r>
-          </a:p>
-        </p:txBody>
-      </p:sp>
     </p:spTree>
     <p:extLst>
       <p:ext uri="{BB962C8B-B14F-4D97-AF65-F5344CB8AC3E}">
@@ -10353,6 +10471,1248 @@
 </file>
 
 <file path=ppt/slides/slide14.xml><?xml version="1.0" encoding="utf-8"?>
+<p:sld xmlns:a="http://schemas.openxmlformats.org/drawingml/2006/main" xmlns:r="http://schemas.openxmlformats.org/officeDocument/2006/relationships" xmlns:p="http://schemas.openxmlformats.org/presentationml/2006/main">
+  <p:cSld>
+    <p:spTree>
+      <p:nvGrpSpPr>
+        <p:cNvPr id="1" name=""/>
+        <p:cNvGrpSpPr/>
+        <p:nvPr/>
+      </p:nvGrpSpPr>
+      <p:grpSpPr>
+        <a:xfrm>
+          <a:off x="0" y="0"/>
+          <a:ext cx="0" cy="0"/>
+          <a:chOff x="0" y="0"/>
+          <a:chExt cx="0" cy="0"/>
+        </a:xfrm>
+      </p:grpSpPr>
+      <p:sp>
+        <p:nvSpPr>
+          <p:cNvPr id="2" name="Title 1">
+            <a:extLst>
+              <a:ext uri="{FF2B5EF4-FFF2-40B4-BE49-F238E27FC236}">
+                <a16:creationId xmlns:a16="http://schemas.microsoft.com/office/drawing/2014/main" id="{95AC07ED-0E8F-3341-BD66-CC6F287C0B94}"/>
+              </a:ext>
+            </a:extLst>
+          </p:cNvPr>
+          <p:cNvSpPr>
+            <a:spLocks noGrp="1"/>
+          </p:cNvSpPr>
+          <p:nvPr>
+            <p:ph type="title"/>
+          </p:nvPr>
+        </p:nvSpPr>
+        <p:spPr/>
+        <p:txBody>
+          <a:bodyPr/>
+          <a:lstStyle/>
+          <a:p>
+            <a:r>
+              <a:rPr lang="en-US" sz="4000" dirty="0"/>
+              <a:t>CLI Responses for [</a:t>
+            </a:r>
+            <a:r>
+              <a:rPr lang="en-US" sz="4000" dirty="0" err="1">
+                <a:highlight>
+                  <a:srgbClr val="FFFF00"/>
+                </a:highlight>
+                <a:latin typeface="Courier" pitchFamily="2" charset="0"/>
+              </a:rPr>
+              <a:t>wifi</a:t>
+            </a:r>
+            <a:r>
+              <a:rPr lang="en-US" sz="4000" dirty="0">
+                <a:highlight>
+                  <a:srgbClr val="FFFF00"/>
+                </a:highlight>
+                <a:latin typeface="Courier" pitchFamily="2" charset="0"/>
+              </a:rPr>
+              <a:t> &amp; cloud</a:t>
+            </a:r>
+            <a:r>
+              <a:rPr lang="en-US" sz="4000" dirty="0"/>
+              <a:t>] commands</a:t>
+            </a:r>
+          </a:p>
+        </p:txBody>
+      </p:sp>
+      <p:sp>
+        <p:nvSpPr>
+          <p:cNvPr id="7" name="Rectangle 1">
+            <a:extLst>
+              <a:ext uri="{FF2B5EF4-FFF2-40B4-BE49-F238E27FC236}">
+                <a16:creationId xmlns:a16="http://schemas.microsoft.com/office/drawing/2014/main" id="{736E5F6F-3DCB-8540-8430-FED5F8B9453F}"/>
+              </a:ext>
+            </a:extLst>
+          </p:cNvPr>
+          <p:cNvSpPr>
+            <a:spLocks noChangeArrowheads="1"/>
+          </p:cNvSpPr>
+          <p:nvPr/>
+        </p:nvSpPr>
+        <p:spPr bwMode="auto">
+          <a:xfrm>
+            <a:off x="629548" y="1120003"/>
+            <a:ext cx="1877437" cy="846386"/>
+          </a:xfrm>
+          <a:prstGeom prst="rect">
+            <a:avLst/>
+          </a:prstGeom>
+          <a:noFill/>
+          <a:ln>
+            <a:noFill/>
+          </a:ln>
+          <a:effectLst/>
+          <a:extLst>
+            <a:ext uri="{909E8E84-426E-40DD-AFC4-6F175D3DCCD1}">
+              <a14:hiddenFill xmlns:a14="http://schemas.microsoft.com/office/drawing/2010/main">
+                <a:solidFill>
+                  <a:schemeClr val="accent1"/>
+                </a:solidFill>
+              </a14:hiddenFill>
+            </a:ext>
+            <a:ext uri="{91240B29-F687-4F45-9708-019B960494DF}">
+              <a14:hiddenLine xmlns:a14="http://schemas.microsoft.com/office/drawing/2010/main" w="9525">
+                <a:solidFill>
+                  <a:schemeClr val="tx1"/>
+                </a:solidFill>
+                <a:miter lim="800000"/>
+                <a:headEnd/>
+                <a:tailEnd/>
+              </a14:hiddenLine>
+            </a:ext>
+            <a:ext uri="{AF507438-7753-43E0-B8FC-AC1667EBCBE1}">
+              <a14:hiddenEffects xmlns:a14="http://schemas.microsoft.com/office/drawing/2010/main">
+                <a:effectLst>
+                  <a:outerShdw dist="35921" dir="2700000" algn="ctr" rotWithShape="0">
+                    <a:schemeClr val="bg2"/>
+                  </a:outerShdw>
+                </a:effectLst>
+              </a14:hiddenEffects>
+            </a:ext>
+          </a:extLst>
+        </p:spPr>
+        <p:txBody>
+          <a:bodyPr vert="horz" wrap="none" lIns="91440" tIns="45720" rIns="91440" bIns="45720" numCol="1" anchor="ctr" anchorCtr="0" compatLnSpc="1">
+            <a:prstTxWarp prst="textNoShape">
+              <a:avLst/>
+            </a:prstTxWarp>
+            <a:spAutoFit/>
+          </a:bodyPr>
+          <a:lstStyle/>
+          <a:p>
+            <a:pPr defTabSz="914400" eaLnBrk="0" fontAlgn="base" hangingPunct="0">
+              <a:spcBef>
+                <a:spcPct val="0"/>
+              </a:spcBef>
+              <a:spcAft>
+                <a:spcPct val="0"/>
+              </a:spcAft>
+            </a:pPr>
+            <a:r>
+              <a:rPr lang="en-US" sz="2000" dirty="0">
+                <a:latin typeface="Courier" pitchFamily="2" charset="0"/>
+                <a:cs typeface="Arial" panose="020B0604020202020204" pitchFamily="34" charset="0"/>
+              </a:rPr>
+              <a:t>&gt;</a:t>
+            </a:r>
+            <a:r>
+              <a:rPr lang="en-US" sz="2000" dirty="0" err="1">
+                <a:latin typeface="Courier" pitchFamily="2" charset="0"/>
+                <a:cs typeface="Arial" panose="020B0604020202020204" pitchFamily="34" charset="0"/>
+              </a:rPr>
+              <a:t>wifi</a:t>
+            </a:r>
+            <a:r>
+              <a:rPr lang="en-US" sz="2000" dirty="0">
+                <a:latin typeface="Courier" pitchFamily="2" charset="0"/>
+                <a:cs typeface="Arial" panose="020B0604020202020204" pitchFamily="34" charset="0"/>
+              </a:rPr>
+              <a:t> -scan</a:t>
+            </a:r>
+            <a:endParaRPr lang="en-US" sz="2000" dirty="0">
+              <a:latin typeface="Arial" panose="020B0604020202020204" pitchFamily="34" charset="0"/>
+              <a:cs typeface="Arial" panose="020B0604020202020204" pitchFamily="34" charset="0"/>
+            </a:endParaRPr>
+          </a:p>
+          <a:p>
+            <a:pPr marL="0" marR="0" lvl="0" indent="0" algn="l" defTabSz="914400" rtl="0" eaLnBrk="0" fontAlgn="base" latinLnBrk="0" hangingPunct="0">
+              <a:lnSpc>
+                <a:spcPct val="100000"/>
+              </a:lnSpc>
+              <a:spcBef>
+                <a:spcPct val="0"/>
+              </a:spcBef>
+              <a:spcAft>
+                <a:spcPct val="0"/>
+              </a:spcAft>
+              <a:buClrTx/>
+              <a:buSzTx/>
+              <a:buFontTx/>
+              <a:buNone/>
+              <a:tabLst/>
+            </a:pPr>
+            <a:endParaRPr kumimoji="0" lang="en-US" altLang="en-US" sz="1200" b="0" i="0" u="none" strike="noStrike" cap="none" normalizeH="0" baseline="0" dirty="0">
+              <a:ln>
+                <a:noFill/>
+              </a:ln>
+              <a:solidFill>
+                <a:schemeClr val="tx1"/>
+              </a:solidFill>
+              <a:effectLst/>
+              <a:latin typeface="Arial" panose="020B0604020202020204" pitchFamily="34" charset="0"/>
+              <a:ea typeface="Calibri" panose="020F0502020204030204" pitchFamily="34" charset="0"/>
+              <a:cs typeface="Times New Roman" panose="02020603050405020304" pitchFamily="18" charset="0"/>
+            </a:endParaRPr>
+          </a:p>
+          <a:p>
+            <a:pPr marL="0" marR="0" lvl="0" indent="0" algn="l" defTabSz="914400" rtl="0" eaLnBrk="0" fontAlgn="base" latinLnBrk="0" hangingPunct="0">
+              <a:lnSpc>
+                <a:spcPct val="100000"/>
+              </a:lnSpc>
+              <a:spcBef>
+                <a:spcPct val="0"/>
+              </a:spcBef>
+              <a:spcAft>
+                <a:spcPct val="0"/>
+              </a:spcAft>
+              <a:buClrTx/>
+              <a:buSzTx/>
+              <a:buFontTx/>
+              <a:buNone/>
+              <a:tabLst/>
+            </a:pPr>
+            <a:endParaRPr kumimoji="0" lang="en-US" altLang="en-US" sz="1200" b="0" i="0" u="none" strike="noStrike" cap="none" normalizeH="0" baseline="0" dirty="0">
+              <a:ln>
+                <a:noFill/>
+              </a:ln>
+              <a:solidFill>
+                <a:schemeClr val="tx1"/>
+              </a:solidFill>
+              <a:effectLst/>
+              <a:latin typeface="Arial" panose="020B0604020202020204" pitchFamily="34" charset="0"/>
+              <a:ea typeface="Calibri" panose="020F0502020204030204" pitchFamily="34" charset="0"/>
+              <a:cs typeface="Times New Roman" panose="02020603050405020304" pitchFamily="18" charset="0"/>
+            </a:endParaRPr>
+          </a:p>
+          <a:p>
+            <a:pPr marL="0" marR="0" lvl="0" indent="0" algn="l" defTabSz="914400" rtl="0" eaLnBrk="0" fontAlgn="base" latinLnBrk="0" hangingPunct="0">
+              <a:lnSpc>
+                <a:spcPct val="100000"/>
+              </a:lnSpc>
+              <a:spcBef>
+                <a:spcPct val="0"/>
+              </a:spcBef>
+              <a:spcAft>
+                <a:spcPct val="0"/>
+              </a:spcAft>
+              <a:buClrTx/>
+              <a:buSzTx/>
+              <a:buFontTx/>
+              <a:buNone/>
+              <a:tabLst/>
+            </a:pPr>
+            <a:endParaRPr kumimoji="0" lang="en-US" altLang="en-US" sz="500" b="0" i="0" u="none" strike="noStrike" cap="none" normalizeH="0" baseline="0" dirty="0">
+              <a:ln>
+                <a:noFill/>
+              </a:ln>
+              <a:solidFill>
+                <a:schemeClr val="tx1"/>
+              </a:solidFill>
+              <a:effectLst/>
+            </a:endParaRPr>
+          </a:p>
+        </p:txBody>
+      </p:sp>
+      <p:graphicFrame>
+        <p:nvGraphicFramePr>
+          <p:cNvPr id="6" name="Table 5">
+            <a:extLst>
+              <a:ext uri="{FF2B5EF4-FFF2-40B4-BE49-F238E27FC236}">
+                <a16:creationId xmlns:a16="http://schemas.microsoft.com/office/drawing/2014/main" id="{7AA00C35-D20A-A546-9B8E-8113BD285F24}"/>
+              </a:ext>
+            </a:extLst>
+          </p:cNvPr>
+          <p:cNvGraphicFramePr>
+            <a:graphicFrameLocks noGrp="1"/>
+          </p:cNvGraphicFramePr>
+          <p:nvPr>
+            <p:extLst>
+              <p:ext uri="{D42A27DB-BD31-4B8C-83A1-F6EECF244321}">
+                <p14:modId xmlns:p14="http://schemas.microsoft.com/office/powerpoint/2010/main" val="5793562"/>
+              </p:ext>
+            </p:extLst>
+          </p:nvPr>
+        </p:nvGraphicFramePr>
+        <p:xfrm>
+          <a:off x="629548" y="1643896"/>
+          <a:ext cx="10562447" cy="767080"/>
+        </p:xfrm>
+        <a:graphic>
+          <a:graphicData uri="http://schemas.openxmlformats.org/drawingml/2006/table">
+            <a:tbl>
+              <a:tblPr firstRow="1" bandRow="1">
+                <a:tableStyleId>{5C22544A-7EE6-4342-B048-85BDC9FD1C3A}</a:tableStyleId>
+              </a:tblPr>
+              <a:tblGrid>
+                <a:gridCol w="4529637">
+                  <a:extLst>
+                    <a:ext uri="{9D8B030D-6E8A-4147-A177-3AD203B41FA5}">
+                      <a16:colId xmlns:a16="http://schemas.microsoft.com/office/drawing/2014/main" val="4112609081"/>
+                    </a:ext>
+                  </a:extLst>
+                </a:gridCol>
+                <a:gridCol w="6032810">
+                  <a:extLst>
+                    <a:ext uri="{9D8B030D-6E8A-4147-A177-3AD203B41FA5}">
+                      <a16:colId xmlns:a16="http://schemas.microsoft.com/office/drawing/2014/main" val="3353879140"/>
+                    </a:ext>
+                  </a:extLst>
+                </a:gridCol>
+              </a:tblGrid>
+              <a:tr h="0">
+                <a:tc>
+                  <a:txBody>
+                    <a:bodyPr/>
+                    <a:lstStyle/>
+                    <a:p>
+                      <a:pPr algn="ctr"/>
+                      <a:r>
+                        <a:rPr lang="en-US" sz="2000" dirty="0"/>
+                        <a:t>Action</a:t>
+                      </a:r>
+                    </a:p>
+                  </a:txBody>
+                  <a:tcPr/>
+                </a:tc>
+                <a:tc>
+                  <a:txBody>
+                    <a:bodyPr/>
+                    <a:lstStyle/>
+                    <a:p>
+                      <a:pPr algn="ctr"/>
+                      <a:r>
+                        <a:rPr lang="en-US" sz="2000" dirty="0"/>
+                        <a:t>CLI Response</a:t>
+                      </a:r>
+                    </a:p>
+                  </a:txBody>
+                  <a:tcPr/>
+                </a:tc>
+                <a:extLst>
+                  <a:ext uri="{0D108BD9-81ED-4DB2-BD59-A6C34878D82A}">
+                    <a16:rowId xmlns:a16="http://schemas.microsoft.com/office/drawing/2014/main" val="3515271163"/>
+                  </a:ext>
+                </a:extLst>
+              </a:tr>
+              <a:tr h="370840">
+                <a:tc>
+                  <a:txBody>
+                    <a:bodyPr/>
+                    <a:lstStyle/>
+                    <a:p>
+                      <a:pPr algn="ctr"/>
+                      <a:r>
+                        <a:rPr lang="en-US" sz="1800" dirty="0">
+                          <a:latin typeface="Arial" panose="020B0604020202020204" pitchFamily="34" charset="0"/>
+                          <a:cs typeface="Arial" panose="020B0604020202020204" pitchFamily="34" charset="0"/>
+                        </a:rPr>
+                        <a:t>Get list of all SSID’s currently in range</a:t>
+                      </a:r>
+                    </a:p>
+                  </a:txBody>
+                  <a:tcPr/>
+                </a:tc>
+                <a:tc>
+                  <a:txBody>
+                    <a:bodyPr/>
+                    <a:lstStyle/>
+                    <a:p>
+                      <a:pPr marL="0" marR="0" lvl="0" indent="0" algn="ctr" defTabSz="609443" rtl="0" eaLnBrk="1" fontAlgn="auto" latinLnBrk="0" hangingPunct="1">
+                        <a:lnSpc>
+                          <a:spcPct val="100000"/>
+                        </a:lnSpc>
+                        <a:spcBef>
+                          <a:spcPts val="0"/>
+                        </a:spcBef>
+                        <a:spcAft>
+                          <a:spcPts val="0"/>
+                        </a:spcAft>
+                        <a:buClrTx/>
+                        <a:buSzTx/>
+                        <a:buFontTx/>
+                        <a:buNone/>
+                        <a:tabLst/>
+                        <a:defRPr/>
+                      </a:pPr>
+                      <a:r>
+                        <a:rPr lang="en-US" sz="1800" dirty="0">
+                          <a:solidFill>
+                            <a:schemeClr val="tx1"/>
+                          </a:solidFill>
+                          <a:latin typeface="Courier" pitchFamily="2" charset="0"/>
+                        </a:rPr>
+                        <a:t>&lt;SSID_1&gt;,&lt;SSID_2&gt;,..,&lt;SSID_N&gt;</a:t>
+                      </a:r>
+                    </a:p>
+                  </a:txBody>
+                  <a:tcPr/>
+                </a:tc>
+                <a:extLst>
+                  <a:ext uri="{0D108BD9-81ED-4DB2-BD59-A6C34878D82A}">
+                    <a16:rowId xmlns:a16="http://schemas.microsoft.com/office/drawing/2014/main" val="3838076239"/>
+                  </a:ext>
+                </a:extLst>
+              </a:tr>
+            </a:tbl>
+          </a:graphicData>
+        </a:graphic>
+      </p:graphicFrame>
+      <p:sp>
+        <p:nvSpPr>
+          <p:cNvPr id="9" name="Rectangle 1">
+            <a:extLst>
+              <a:ext uri="{FF2B5EF4-FFF2-40B4-BE49-F238E27FC236}">
+                <a16:creationId xmlns:a16="http://schemas.microsoft.com/office/drawing/2014/main" id="{D32BC391-D100-F64E-954C-43B52280D6D7}"/>
+              </a:ext>
+            </a:extLst>
+          </p:cNvPr>
+          <p:cNvSpPr>
+            <a:spLocks noChangeArrowheads="1"/>
+          </p:cNvSpPr>
+          <p:nvPr/>
+        </p:nvSpPr>
+        <p:spPr bwMode="auto">
+          <a:xfrm>
+            <a:off x="629548" y="2649918"/>
+            <a:ext cx="2265364" cy="846386"/>
+          </a:xfrm>
+          <a:prstGeom prst="rect">
+            <a:avLst/>
+          </a:prstGeom>
+          <a:noFill/>
+          <a:ln>
+            <a:noFill/>
+          </a:ln>
+          <a:effectLst/>
+          <a:extLst>
+            <a:ext uri="{909E8E84-426E-40DD-AFC4-6F175D3DCCD1}">
+              <a14:hiddenFill xmlns:a14="http://schemas.microsoft.com/office/drawing/2010/main">
+                <a:solidFill>
+                  <a:schemeClr val="accent1"/>
+                </a:solidFill>
+              </a14:hiddenFill>
+            </a:ext>
+            <a:ext uri="{91240B29-F687-4F45-9708-019B960494DF}">
+              <a14:hiddenLine xmlns:a14="http://schemas.microsoft.com/office/drawing/2010/main" w="9525">
+                <a:solidFill>
+                  <a:schemeClr val="tx1"/>
+                </a:solidFill>
+                <a:miter lim="800000"/>
+                <a:headEnd/>
+                <a:tailEnd/>
+              </a14:hiddenLine>
+            </a:ext>
+            <a:ext uri="{AF507438-7753-43E0-B8FC-AC1667EBCBE1}">
+              <a14:hiddenEffects xmlns:a14="http://schemas.microsoft.com/office/drawing/2010/main">
+                <a:effectLst>
+                  <a:outerShdw dist="35921" dir="2700000" algn="ctr" rotWithShape="0">
+                    <a:schemeClr val="bg2"/>
+                  </a:outerShdw>
+                </a:effectLst>
+              </a14:hiddenEffects>
+            </a:ext>
+          </a:extLst>
+        </p:spPr>
+        <p:txBody>
+          <a:bodyPr vert="horz" wrap="none" lIns="91440" tIns="45720" rIns="91440" bIns="45720" numCol="1" anchor="ctr" anchorCtr="0" compatLnSpc="1">
+            <a:prstTxWarp prst="textNoShape">
+              <a:avLst/>
+            </a:prstTxWarp>
+            <a:spAutoFit/>
+          </a:bodyPr>
+          <a:lstStyle/>
+          <a:p>
+            <a:pPr defTabSz="914400" eaLnBrk="0" fontAlgn="base" hangingPunct="0">
+              <a:spcBef>
+                <a:spcPct val="0"/>
+              </a:spcBef>
+              <a:spcAft>
+                <a:spcPct val="0"/>
+              </a:spcAft>
+            </a:pPr>
+            <a:r>
+              <a:rPr lang="en-US" sz="2000" dirty="0">
+                <a:latin typeface="Arial" panose="020B0604020202020204" pitchFamily="34" charset="0"/>
+                <a:cs typeface="Arial" panose="020B0604020202020204" pitchFamily="34" charset="0"/>
+              </a:rPr>
+              <a:t>&gt;</a:t>
+            </a:r>
+            <a:r>
+              <a:rPr lang="en-US" sz="2000" dirty="0" err="1">
+                <a:latin typeface="Courier" pitchFamily="2" charset="0"/>
+                <a:cs typeface="Arial" panose="020B0604020202020204" pitchFamily="34" charset="0"/>
+              </a:rPr>
+              <a:t>wifi</a:t>
+            </a:r>
+            <a:r>
+              <a:rPr lang="en-US" sz="2000" dirty="0">
+                <a:latin typeface="Courier" pitchFamily="2" charset="0"/>
+                <a:cs typeface="Arial" panose="020B0604020202020204" pitchFamily="34" charset="0"/>
+              </a:rPr>
+              <a:t> -status</a:t>
+            </a:r>
+            <a:endParaRPr lang="en-US" sz="2000" dirty="0">
+              <a:latin typeface="Arial" panose="020B0604020202020204" pitchFamily="34" charset="0"/>
+              <a:cs typeface="Arial" panose="020B0604020202020204" pitchFamily="34" charset="0"/>
+            </a:endParaRPr>
+          </a:p>
+          <a:p>
+            <a:pPr marL="0" marR="0" lvl="0" indent="0" algn="l" defTabSz="914400" rtl="0" eaLnBrk="0" fontAlgn="base" latinLnBrk="0" hangingPunct="0">
+              <a:lnSpc>
+                <a:spcPct val="100000"/>
+              </a:lnSpc>
+              <a:spcBef>
+                <a:spcPct val="0"/>
+              </a:spcBef>
+              <a:spcAft>
+                <a:spcPct val="0"/>
+              </a:spcAft>
+              <a:buClrTx/>
+              <a:buSzTx/>
+              <a:buFontTx/>
+              <a:buNone/>
+              <a:tabLst/>
+            </a:pPr>
+            <a:endParaRPr kumimoji="0" lang="en-US" altLang="en-US" sz="1200" b="0" i="0" u="none" strike="noStrike" cap="none" normalizeH="0" baseline="0" dirty="0">
+              <a:ln>
+                <a:noFill/>
+              </a:ln>
+              <a:solidFill>
+                <a:schemeClr val="tx1"/>
+              </a:solidFill>
+              <a:effectLst/>
+              <a:latin typeface="Arial" panose="020B0604020202020204" pitchFamily="34" charset="0"/>
+              <a:ea typeface="Calibri" panose="020F0502020204030204" pitchFamily="34" charset="0"/>
+              <a:cs typeface="Times New Roman" panose="02020603050405020304" pitchFamily="18" charset="0"/>
+            </a:endParaRPr>
+          </a:p>
+          <a:p>
+            <a:pPr marL="0" marR="0" lvl="0" indent="0" algn="l" defTabSz="914400" rtl="0" eaLnBrk="0" fontAlgn="base" latinLnBrk="0" hangingPunct="0">
+              <a:lnSpc>
+                <a:spcPct val="100000"/>
+              </a:lnSpc>
+              <a:spcBef>
+                <a:spcPct val="0"/>
+              </a:spcBef>
+              <a:spcAft>
+                <a:spcPct val="0"/>
+              </a:spcAft>
+              <a:buClrTx/>
+              <a:buSzTx/>
+              <a:buFontTx/>
+              <a:buNone/>
+              <a:tabLst/>
+            </a:pPr>
+            <a:endParaRPr kumimoji="0" lang="en-US" altLang="en-US" sz="1200" b="0" i="0" u="none" strike="noStrike" cap="none" normalizeH="0" baseline="0" dirty="0">
+              <a:ln>
+                <a:noFill/>
+              </a:ln>
+              <a:solidFill>
+                <a:schemeClr val="tx1"/>
+              </a:solidFill>
+              <a:effectLst/>
+              <a:latin typeface="Arial" panose="020B0604020202020204" pitchFamily="34" charset="0"/>
+              <a:ea typeface="Calibri" panose="020F0502020204030204" pitchFamily="34" charset="0"/>
+              <a:cs typeface="Times New Roman" panose="02020603050405020304" pitchFamily="18" charset="0"/>
+            </a:endParaRPr>
+          </a:p>
+          <a:p>
+            <a:pPr marL="0" marR="0" lvl="0" indent="0" algn="l" defTabSz="914400" rtl="0" eaLnBrk="0" fontAlgn="base" latinLnBrk="0" hangingPunct="0">
+              <a:lnSpc>
+                <a:spcPct val="100000"/>
+              </a:lnSpc>
+              <a:spcBef>
+                <a:spcPct val="0"/>
+              </a:spcBef>
+              <a:spcAft>
+                <a:spcPct val="0"/>
+              </a:spcAft>
+              <a:buClrTx/>
+              <a:buSzTx/>
+              <a:buFontTx/>
+              <a:buNone/>
+              <a:tabLst/>
+            </a:pPr>
+            <a:endParaRPr kumimoji="0" lang="en-US" altLang="en-US" sz="500" b="0" i="0" u="none" strike="noStrike" cap="none" normalizeH="0" baseline="0" dirty="0">
+              <a:ln>
+                <a:noFill/>
+              </a:ln>
+              <a:solidFill>
+                <a:schemeClr val="tx1"/>
+              </a:solidFill>
+              <a:effectLst/>
+            </a:endParaRPr>
+          </a:p>
+        </p:txBody>
+      </p:sp>
+      <p:graphicFrame>
+        <p:nvGraphicFramePr>
+          <p:cNvPr id="10" name="Table 9">
+            <a:extLst>
+              <a:ext uri="{FF2B5EF4-FFF2-40B4-BE49-F238E27FC236}">
+                <a16:creationId xmlns:a16="http://schemas.microsoft.com/office/drawing/2014/main" id="{0AD58943-AD67-C843-9D2F-014825E905EF}"/>
+              </a:ext>
+            </a:extLst>
+          </p:cNvPr>
+          <p:cNvGraphicFramePr>
+            <a:graphicFrameLocks noGrp="1"/>
+          </p:cNvGraphicFramePr>
+          <p:nvPr>
+            <p:extLst>
+              <p:ext uri="{D42A27DB-BD31-4B8C-83A1-F6EECF244321}">
+                <p14:modId xmlns:p14="http://schemas.microsoft.com/office/powerpoint/2010/main" val="3877672130"/>
+              </p:ext>
+            </p:extLst>
+          </p:nvPr>
+        </p:nvGraphicFramePr>
+        <p:xfrm>
+          <a:off x="629548" y="3173811"/>
+          <a:ext cx="10562447" cy="1137920"/>
+        </p:xfrm>
+        <a:graphic>
+          <a:graphicData uri="http://schemas.openxmlformats.org/drawingml/2006/table">
+            <a:tbl>
+              <a:tblPr firstRow="1" bandRow="1">
+                <a:tableStyleId>{5C22544A-7EE6-4342-B048-85BDC9FD1C3A}</a:tableStyleId>
+              </a:tblPr>
+              <a:tblGrid>
+                <a:gridCol w="4529637">
+                  <a:extLst>
+                    <a:ext uri="{9D8B030D-6E8A-4147-A177-3AD203B41FA5}">
+                      <a16:colId xmlns:a16="http://schemas.microsoft.com/office/drawing/2014/main" val="4112609081"/>
+                    </a:ext>
+                  </a:extLst>
+                </a:gridCol>
+                <a:gridCol w="6032810">
+                  <a:extLst>
+                    <a:ext uri="{9D8B030D-6E8A-4147-A177-3AD203B41FA5}">
+                      <a16:colId xmlns:a16="http://schemas.microsoft.com/office/drawing/2014/main" val="3353879140"/>
+                    </a:ext>
+                  </a:extLst>
+                </a:gridCol>
+              </a:tblGrid>
+              <a:tr h="0">
+                <a:tc>
+                  <a:txBody>
+                    <a:bodyPr/>
+                    <a:lstStyle/>
+                    <a:p>
+                      <a:pPr algn="ctr"/>
+                      <a:r>
+                        <a:rPr lang="en-US" sz="2000" dirty="0"/>
+                        <a:t>Wi-Fi Connection Status</a:t>
+                      </a:r>
+                    </a:p>
+                  </a:txBody>
+                  <a:tcPr/>
+                </a:tc>
+                <a:tc>
+                  <a:txBody>
+                    <a:bodyPr/>
+                    <a:lstStyle/>
+                    <a:p>
+                      <a:pPr algn="ctr"/>
+                      <a:r>
+                        <a:rPr lang="en-US" sz="2000" dirty="0"/>
+                        <a:t>CLI Response</a:t>
+                      </a:r>
+                    </a:p>
+                  </a:txBody>
+                  <a:tcPr/>
+                </a:tc>
+                <a:extLst>
+                  <a:ext uri="{0D108BD9-81ED-4DB2-BD59-A6C34878D82A}">
+                    <a16:rowId xmlns:a16="http://schemas.microsoft.com/office/drawing/2014/main" val="3515271163"/>
+                  </a:ext>
+                </a:extLst>
+              </a:tr>
+              <a:tr h="370840">
+                <a:tc>
+                  <a:txBody>
+                    <a:bodyPr/>
+                    <a:lstStyle/>
+                    <a:p>
+                      <a:pPr algn="ctr"/>
+                      <a:r>
+                        <a:rPr lang="en-US" sz="1800" dirty="0">
+                          <a:latin typeface="Arial" panose="020B0604020202020204" pitchFamily="34" charset="0"/>
+                          <a:cs typeface="Arial" panose="020B0604020202020204" pitchFamily="34" charset="0"/>
+                        </a:rPr>
+                        <a:t>Disconnected</a:t>
+                      </a:r>
+                    </a:p>
+                  </a:txBody>
+                  <a:tcPr/>
+                </a:tc>
+                <a:tc>
+                  <a:txBody>
+                    <a:bodyPr/>
+                    <a:lstStyle/>
+                    <a:p>
+                      <a:pPr marL="0" marR="0" lvl="0" indent="0" algn="ctr" defTabSz="609443" rtl="0" eaLnBrk="1" fontAlgn="auto" latinLnBrk="0" hangingPunct="1">
+                        <a:lnSpc>
+                          <a:spcPct val="100000"/>
+                        </a:lnSpc>
+                        <a:spcBef>
+                          <a:spcPts val="0"/>
+                        </a:spcBef>
+                        <a:spcAft>
+                          <a:spcPts val="0"/>
+                        </a:spcAft>
+                        <a:buClrTx/>
+                        <a:buSzTx/>
+                        <a:buFontTx/>
+                        <a:buNone/>
+                        <a:tabLst/>
+                        <a:defRPr/>
+                      </a:pPr>
+                      <a:r>
+                        <a:rPr lang="en-US" sz="1800" dirty="0">
+                          <a:solidFill>
+                            <a:schemeClr val="tx1"/>
+                          </a:solidFill>
+                          <a:latin typeface="Courier" pitchFamily="2" charset="0"/>
+                        </a:rPr>
+                        <a:t>0.0.0.0</a:t>
+                      </a:r>
+                    </a:p>
+                  </a:txBody>
+                  <a:tcPr/>
+                </a:tc>
+                <a:extLst>
+                  <a:ext uri="{0D108BD9-81ED-4DB2-BD59-A6C34878D82A}">
+                    <a16:rowId xmlns:a16="http://schemas.microsoft.com/office/drawing/2014/main" val="3838076239"/>
+                  </a:ext>
+                </a:extLst>
+              </a:tr>
+              <a:tr h="370840">
+                <a:tc>
+                  <a:txBody>
+                    <a:bodyPr/>
+                    <a:lstStyle/>
+                    <a:p>
+                      <a:pPr marL="0" marR="0" lvl="0" indent="0" algn="ctr" defTabSz="609443" rtl="0" eaLnBrk="1" fontAlgn="auto" latinLnBrk="0" hangingPunct="1">
+                        <a:lnSpc>
+                          <a:spcPct val="100000"/>
+                        </a:lnSpc>
+                        <a:spcBef>
+                          <a:spcPts val="0"/>
+                        </a:spcBef>
+                        <a:spcAft>
+                          <a:spcPts val="0"/>
+                        </a:spcAft>
+                        <a:buClrTx/>
+                        <a:buSzTx/>
+                        <a:buFontTx/>
+                        <a:buNone/>
+                        <a:tabLst/>
+                        <a:defRPr/>
+                      </a:pPr>
+                      <a:r>
+                        <a:rPr lang="en-US" sz="1800" dirty="0">
+                          <a:latin typeface="Arial" panose="020B0604020202020204" pitchFamily="34" charset="0"/>
+                          <a:cs typeface="Arial" panose="020B0604020202020204" pitchFamily="34" charset="0"/>
+                        </a:rPr>
+                        <a:t>Connected</a:t>
+                      </a:r>
+                    </a:p>
+                  </a:txBody>
+                  <a:tcPr/>
+                </a:tc>
+                <a:tc>
+                  <a:txBody>
+                    <a:bodyPr/>
+                    <a:lstStyle/>
+                    <a:p>
+                      <a:pPr marL="0" marR="0" lvl="0" indent="0" algn="ctr" defTabSz="609443" rtl="0" eaLnBrk="1" fontAlgn="auto" latinLnBrk="0" hangingPunct="1">
+                        <a:lnSpc>
+                          <a:spcPct val="100000"/>
+                        </a:lnSpc>
+                        <a:spcBef>
+                          <a:spcPts val="0"/>
+                        </a:spcBef>
+                        <a:spcAft>
+                          <a:spcPts val="0"/>
+                        </a:spcAft>
+                        <a:buClrTx/>
+                        <a:buSzTx/>
+                        <a:buFontTx/>
+                        <a:buNone/>
+                        <a:tabLst/>
+                        <a:defRPr/>
+                      </a:pPr>
+                      <a:r>
+                        <a:rPr lang="en-US" sz="1800" dirty="0">
+                          <a:solidFill>
+                            <a:schemeClr val="tx1"/>
+                          </a:solidFill>
+                          <a:latin typeface="Courier" pitchFamily="2" charset="0"/>
+                        </a:rPr>
+                        <a:t>&lt;</a:t>
+                      </a:r>
+                      <a:r>
+                        <a:rPr lang="en-US" sz="1800" dirty="0" err="1">
+                          <a:solidFill>
+                            <a:schemeClr val="tx1"/>
+                          </a:solidFill>
+                          <a:latin typeface="Courier" pitchFamily="2" charset="0"/>
+                        </a:rPr>
+                        <a:t>IP_Addr</a:t>
+                      </a:r>
+                      <a:r>
+                        <a:rPr lang="en-US" sz="1800" dirty="0">
+                          <a:solidFill>
+                            <a:schemeClr val="tx1"/>
+                          </a:solidFill>
+                          <a:latin typeface="Courier" pitchFamily="2" charset="0"/>
+                        </a:rPr>
+                        <a:t>&gt;,&lt;SSID&gt;</a:t>
+                      </a:r>
+                    </a:p>
+                  </a:txBody>
+                  <a:tcPr/>
+                </a:tc>
+                <a:extLst>
+                  <a:ext uri="{0D108BD9-81ED-4DB2-BD59-A6C34878D82A}">
+                    <a16:rowId xmlns:a16="http://schemas.microsoft.com/office/drawing/2014/main" val="1076267225"/>
+                  </a:ext>
+                </a:extLst>
+              </a:tr>
+            </a:tbl>
+          </a:graphicData>
+        </a:graphic>
+      </p:graphicFrame>
+      <p:sp>
+        <p:nvSpPr>
+          <p:cNvPr id="11" name="Rectangle 1">
+            <a:extLst>
+              <a:ext uri="{FF2B5EF4-FFF2-40B4-BE49-F238E27FC236}">
+                <a16:creationId xmlns:a16="http://schemas.microsoft.com/office/drawing/2014/main" id="{1B72858F-149B-104C-BD78-9A707644AE70}"/>
+              </a:ext>
+            </a:extLst>
+          </p:cNvPr>
+          <p:cNvSpPr>
+            <a:spLocks noChangeArrowheads="1"/>
+          </p:cNvSpPr>
+          <p:nvPr/>
+        </p:nvSpPr>
+        <p:spPr bwMode="auto">
+          <a:xfrm>
+            <a:off x="629548" y="4558198"/>
+            <a:ext cx="2419252" cy="846386"/>
+          </a:xfrm>
+          <a:prstGeom prst="rect">
+            <a:avLst/>
+          </a:prstGeom>
+          <a:noFill/>
+          <a:ln>
+            <a:noFill/>
+          </a:ln>
+          <a:effectLst/>
+          <a:extLst>
+            <a:ext uri="{909E8E84-426E-40DD-AFC4-6F175D3DCCD1}">
+              <a14:hiddenFill xmlns:a14="http://schemas.microsoft.com/office/drawing/2010/main">
+                <a:solidFill>
+                  <a:schemeClr val="accent1"/>
+                </a:solidFill>
+              </a14:hiddenFill>
+            </a:ext>
+            <a:ext uri="{91240B29-F687-4F45-9708-019B960494DF}">
+              <a14:hiddenLine xmlns:a14="http://schemas.microsoft.com/office/drawing/2010/main" w="9525">
+                <a:solidFill>
+                  <a:schemeClr val="tx1"/>
+                </a:solidFill>
+                <a:miter lim="800000"/>
+                <a:headEnd/>
+                <a:tailEnd/>
+              </a14:hiddenLine>
+            </a:ext>
+            <a:ext uri="{AF507438-7753-43E0-B8FC-AC1667EBCBE1}">
+              <a14:hiddenEffects xmlns:a14="http://schemas.microsoft.com/office/drawing/2010/main">
+                <a:effectLst>
+                  <a:outerShdw dist="35921" dir="2700000" algn="ctr" rotWithShape="0">
+                    <a:schemeClr val="bg2"/>
+                  </a:outerShdw>
+                </a:effectLst>
+              </a14:hiddenEffects>
+            </a:ext>
+          </a:extLst>
+        </p:spPr>
+        <p:txBody>
+          <a:bodyPr vert="horz" wrap="none" lIns="91440" tIns="45720" rIns="91440" bIns="45720" numCol="1" anchor="ctr" anchorCtr="0" compatLnSpc="1">
+            <a:prstTxWarp prst="textNoShape">
+              <a:avLst/>
+            </a:prstTxWarp>
+            <a:spAutoFit/>
+          </a:bodyPr>
+          <a:lstStyle/>
+          <a:p>
+            <a:pPr defTabSz="914400" eaLnBrk="0" fontAlgn="base" hangingPunct="0">
+              <a:spcBef>
+                <a:spcPct val="0"/>
+              </a:spcBef>
+              <a:spcAft>
+                <a:spcPct val="0"/>
+              </a:spcAft>
+            </a:pPr>
+            <a:r>
+              <a:rPr lang="en-US" sz="2000" dirty="0">
+                <a:latin typeface="Arial" panose="020B0604020202020204" pitchFamily="34" charset="0"/>
+                <a:cs typeface="Arial" panose="020B0604020202020204" pitchFamily="34" charset="0"/>
+              </a:rPr>
+              <a:t>&gt;</a:t>
+            </a:r>
+            <a:r>
+              <a:rPr lang="en-US" sz="2000" dirty="0">
+                <a:latin typeface="Courier" pitchFamily="2" charset="0"/>
+                <a:cs typeface="Arial" panose="020B0604020202020204" pitchFamily="34" charset="0"/>
+              </a:rPr>
+              <a:t>cloud -status</a:t>
+            </a:r>
+            <a:endParaRPr lang="en-US" sz="2000" dirty="0">
+              <a:latin typeface="Arial" panose="020B0604020202020204" pitchFamily="34" charset="0"/>
+              <a:cs typeface="Arial" panose="020B0604020202020204" pitchFamily="34" charset="0"/>
+            </a:endParaRPr>
+          </a:p>
+          <a:p>
+            <a:pPr marL="0" marR="0" lvl="0" indent="0" algn="l" defTabSz="914400" rtl="0" eaLnBrk="0" fontAlgn="base" latinLnBrk="0" hangingPunct="0">
+              <a:lnSpc>
+                <a:spcPct val="100000"/>
+              </a:lnSpc>
+              <a:spcBef>
+                <a:spcPct val="0"/>
+              </a:spcBef>
+              <a:spcAft>
+                <a:spcPct val="0"/>
+              </a:spcAft>
+              <a:buClrTx/>
+              <a:buSzTx/>
+              <a:buFontTx/>
+              <a:buNone/>
+              <a:tabLst/>
+            </a:pPr>
+            <a:endParaRPr kumimoji="0" lang="en-US" altLang="en-US" sz="1200" b="0" i="0" u="none" strike="noStrike" cap="none" normalizeH="0" baseline="0" dirty="0">
+              <a:ln>
+                <a:noFill/>
+              </a:ln>
+              <a:solidFill>
+                <a:schemeClr val="tx1"/>
+              </a:solidFill>
+              <a:effectLst/>
+              <a:latin typeface="Arial" panose="020B0604020202020204" pitchFamily="34" charset="0"/>
+              <a:ea typeface="Calibri" panose="020F0502020204030204" pitchFamily="34" charset="0"/>
+              <a:cs typeface="Times New Roman" panose="02020603050405020304" pitchFamily="18" charset="0"/>
+            </a:endParaRPr>
+          </a:p>
+          <a:p>
+            <a:pPr marL="0" marR="0" lvl="0" indent="0" algn="l" defTabSz="914400" rtl="0" eaLnBrk="0" fontAlgn="base" latinLnBrk="0" hangingPunct="0">
+              <a:lnSpc>
+                <a:spcPct val="100000"/>
+              </a:lnSpc>
+              <a:spcBef>
+                <a:spcPct val="0"/>
+              </a:spcBef>
+              <a:spcAft>
+                <a:spcPct val="0"/>
+              </a:spcAft>
+              <a:buClrTx/>
+              <a:buSzTx/>
+              <a:buFontTx/>
+              <a:buNone/>
+              <a:tabLst/>
+            </a:pPr>
+            <a:endParaRPr kumimoji="0" lang="en-US" altLang="en-US" sz="1200" b="0" i="0" u="none" strike="noStrike" cap="none" normalizeH="0" baseline="0" dirty="0">
+              <a:ln>
+                <a:noFill/>
+              </a:ln>
+              <a:solidFill>
+                <a:schemeClr val="tx1"/>
+              </a:solidFill>
+              <a:effectLst/>
+              <a:latin typeface="Arial" panose="020B0604020202020204" pitchFamily="34" charset="0"/>
+              <a:ea typeface="Calibri" panose="020F0502020204030204" pitchFamily="34" charset="0"/>
+              <a:cs typeface="Times New Roman" panose="02020603050405020304" pitchFamily="18" charset="0"/>
+            </a:endParaRPr>
+          </a:p>
+          <a:p>
+            <a:pPr marL="0" marR="0" lvl="0" indent="0" algn="l" defTabSz="914400" rtl="0" eaLnBrk="0" fontAlgn="base" latinLnBrk="0" hangingPunct="0">
+              <a:lnSpc>
+                <a:spcPct val="100000"/>
+              </a:lnSpc>
+              <a:spcBef>
+                <a:spcPct val="0"/>
+              </a:spcBef>
+              <a:spcAft>
+                <a:spcPct val="0"/>
+              </a:spcAft>
+              <a:buClrTx/>
+              <a:buSzTx/>
+              <a:buFontTx/>
+              <a:buNone/>
+              <a:tabLst/>
+            </a:pPr>
+            <a:endParaRPr kumimoji="0" lang="en-US" altLang="en-US" sz="500" b="0" i="0" u="none" strike="noStrike" cap="none" normalizeH="0" baseline="0" dirty="0">
+              <a:ln>
+                <a:noFill/>
+              </a:ln>
+              <a:solidFill>
+                <a:schemeClr val="tx1"/>
+              </a:solidFill>
+              <a:effectLst/>
+            </a:endParaRPr>
+          </a:p>
+        </p:txBody>
+      </p:sp>
+      <p:graphicFrame>
+        <p:nvGraphicFramePr>
+          <p:cNvPr id="12" name="Table 11">
+            <a:extLst>
+              <a:ext uri="{FF2B5EF4-FFF2-40B4-BE49-F238E27FC236}">
+                <a16:creationId xmlns:a16="http://schemas.microsoft.com/office/drawing/2014/main" id="{2833037C-3F75-3748-8D0A-0CE2DDF4816D}"/>
+              </a:ext>
+            </a:extLst>
+          </p:cNvPr>
+          <p:cNvGraphicFramePr>
+            <a:graphicFrameLocks noGrp="1"/>
+          </p:cNvGraphicFramePr>
+          <p:nvPr>
+            <p:extLst>
+              <p:ext uri="{D42A27DB-BD31-4B8C-83A1-F6EECF244321}">
+                <p14:modId xmlns:p14="http://schemas.microsoft.com/office/powerpoint/2010/main" val="3514607525"/>
+              </p:ext>
+            </p:extLst>
+          </p:nvPr>
+        </p:nvGraphicFramePr>
+        <p:xfrm>
+          <a:off x="629548" y="5082091"/>
+          <a:ext cx="10562447" cy="1137920"/>
+        </p:xfrm>
+        <a:graphic>
+          <a:graphicData uri="http://schemas.openxmlformats.org/drawingml/2006/table">
+            <a:tbl>
+              <a:tblPr firstRow="1" bandRow="1">
+                <a:tableStyleId>{5C22544A-7EE6-4342-B048-85BDC9FD1C3A}</a:tableStyleId>
+              </a:tblPr>
+              <a:tblGrid>
+                <a:gridCol w="4529637">
+                  <a:extLst>
+                    <a:ext uri="{9D8B030D-6E8A-4147-A177-3AD203B41FA5}">
+                      <a16:colId xmlns:a16="http://schemas.microsoft.com/office/drawing/2014/main" val="4112609081"/>
+                    </a:ext>
+                  </a:extLst>
+                </a:gridCol>
+                <a:gridCol w="6032810">
+                  <a:extLst>
+                    <a:ext uri="{9D8B030D-6E8A-4147-A177-3AD203B41FA5}">
+                      <a16:colId xmlns:a16="http://schemas.microsoft.com/office/drawing/2014/main" val="3353879140"/>
+                    </a:ext>
+                  </a:extLst>
+                </a:gridCol>
+              </a:tblGrid>
+              <a:tr h="0">
+                <a:tc>
+                  <a:txBody>
+                    <a:bodyPr/>
+                    <a:lstStyle/>
+                    <a:p>
+                      <a:pPr algn="ctr"/>
+                      <a:r>
+                        <a:rPr lang="en-US" sz="2000" dirty="0"/>
+                        <a:t>Cloud Connection Status</a:t>
+                      </a:r>
+                    </a:p>
+                  </a:txBody>
+                  <a:tcPr/>
+                </a:tc>
+                <a:tc>
+                  <a:txBody>
+                    <a:bodyPr/>
+                    <a:lstStyle/>
+                    <a:p>
+                      <a:pPr algn="ctr"/>
+                      <a:r>
+                        <a:rPr lang="en-US" sz="2000" dirty="0"/>
+                        <a:t>CLI Response</a:t>
+                      </a:r>
+                    </a:p>
+                  </a:txBody>
+                  <a:tcPr/>
+                </a:tc>
+                <a:extLst>
+                  <a:ext uri="{0D108BD9-81ED-4DB2-BD59-A6C34878D82A}">
+                    <a16:rowId xmlns:a16="http://schemas.microsoft.com/office/drawing/2014/main" val="3515271163"/>
+                  </a:ext>
+                </a:extLst>
+              </a:tr>
+              <a:tr h="370840">
+                <a:tc>
+                  <a:txBody>
+                    <a:bodyPr/>
+                    <a:lstStyle/>
+                    <a:p>
+                      <a:pPr algn="ctr"/>
+                      <a:r>
+                        <a:rPr lang="en-US" sz="1800" dirty="0">
+                          <a:latin typeface="Arial" panose="020B0604020202020204" pitchFamily="34" charset="0"/>
+                          <a:cs typeface="Arial" panose="020B0604020202020204" pitchFamily="34" charset="0"/>
+                        </a:rPr>
+                        <a:t>Disconnected</a:t>
+                      </a:r>
+                    </a:p>
+                  </a:txBody>
+                  <a:tcPr/>
+                </a:tc>
+                <a:tc>
+                  <a:txBody>
+                    <a:bodyPr/>
+                    <a:lstStyle/>
+                    <a:p>
+                      <a:pPr marL="0" marR="0" lvl="0" indent="0" algn="ctr" defTabSz="609443" rtl="0" eaLnBrk="1" fontAlgn="auto" latinLnBrk="0" hangingPunct="1">
+                        <a:lnSpc>
+                          <a:spcPct val="100000"/>
+                        </a:lnSpc>
+                        <a:spcBef>
+                          <a:spcPts val="0"/>
+                        </a:spcBef>
+                        <a:spcAft>
+                          <a:spcPts val="0"/>
+                        </a:spcAft>
+                        <a:buClrTx/>
+                        <a:buSzTx/>
+                        <a:buFontTx/>
+                        <a:buNone/>
+                        <a:tabLst/>
+                        <a:defRPr/>
+                      </a:pPr>
+                      <a:r>
+                        <a:rPr lang="en-US" sz="1800" dirty="0">
+                          <a:solidFill>
+                            <a:schemeClr val="tx1"/>
+                          </a:solidFill>
+                          <a:latin typeface="Courier" pitchFamily="2" charset="0"/>
+                        </a:rPr>
+                        <a:t>false (not connected to cloud)</a:t>
+                      </a:r>
+                    </a:p>
+                  </a:txBody>
+                  <a:tcPr/>
+                </a:tc>
+                <a:extLst>
+                  <a:ext uri="{0D108BD9-81ED-4DB2-BD59-A6C34878D82A}">
+                    <a16:rowId xmlns:a16="http://schemas.microsoft.com/office/drawing/2014/main" val="3838076239"/>
+                  </a:ext>
+                </a:extLst>
+              </a:tr>
+              <a:tr h="370840">
+                <a:tc>
+                  <a:txBody>
+                    <a:bodyPr/>
+                    <a:lstStyle/>
+                    <a:p>
+                      <a:pPr marL="0" marR="0" lvl="0" indent="0" algn="ctr" defTabSz="609443" rtl="0" eaLnBrk="1" fontAlgn="auto" latinLnBrk="0" hangingPunct="1">
+                        <a:lnSpc>
+                          <a:spcPct val="100000"/>
+                        </a:lnSpc>
+                        <a:spcBef>
+                          <a:spcPts val="0"/>
+                        </a:spcBef>
+                        <a:spcAft>
+                          <a:spcPts val="0"/>
+                        </a:spcAft>
+                        <a:buClrTx/>
+                        <a:buSzTx/>
+                        <a:buFontTx/>
+                        <a:buNone/>
+                        <a:tabLst/>
+                        <a:defRPr/>
+                      </a:pPr>
+                      <a:r>
+                        <a:rPr lang="en-US" sz="1800" dirty="0">
+                          <a:latin typeface="Arial" panose="020B0604020202020204" pitchFamily="34" charset="0"/>
+                          <a:cs typeface="Arial" panose="020B0604020202020204" pitchFamily="34" charset="0"/>
+                        </a:rPr>
+                        <a:t>Connected</a:t>
+                      </a:r>
+                    </a:p>
+                  </a:txBody>
+                  <a:tcPr/>
+                </a:tc>
+                <a:tc>
+                  <a:txBody>
+                    <a:bodyPr/>
+                    <a:lstStyle/>
+                    <a:p>
+                      <a:pPr marL="0" marR="0" lvl="0" indent="0" algn="ctr" defTabSz="609443" rtl="0" eaLnBrk="1" fontAlgn="auto" latinLnBrk="0" hangingPunct="1">
+                        <a:lnSpc>
+                          <a:spcPct val="100000"/>
+                        </a:lnSpc>
+                        <a:spcBef>
+                          <a:spcPts val="0"/>
+                        </a:spcBef>
+                        <a:spcAft>
+                          <a:spcPts val="0"/>
+                        </a:spcAft>
+                        <a:buClrTx/>
+                        <a:buSzTx/>
+                        <a:buFontTx/>
+                        <a:buNone/>
+                        <a:tabLst/>
+                        <a:defRPr/>
+                      </a:pPr>
+                      <a:r>
+                        <a:rPr lang="en-US" sz="1800" dirty="0">
+                          <a:solidFill>
+                            <a:schemeClr val="tx1"/>
+                          </a:solidFill>
+                          <a:latin typeface="Courier" pitchFamily="2" charset="0"/>
+                        </a:rPr>
+                        <a:t>true (connected to cloud) </a:t>
+                      </a:r>
+                    </a:p>
+                  </a:txBody>
+                  <a:tcPr/>
+                </a:tc>
+                <a:extLst>
+                  <a:ext uri="{0D108BD9-81ED-4DB2-BD59-A6C34878D82A}">
+                    <a16:rowId xmlns:a16="http://schemas.microsoft.com/office/drawing/2014/main" val="1076267225"/>
+                  </a:ext>
+                </a:extLst>
+              </a:tr>
+            </a:tbl>
+          </a:graphicData>
+        </a:graphic>
+      </p:graphicFrame>
+    </p:spTree>
+    <p:extLst>
+      <p:ext uri="{BB962C8B-B14F-4D97-AF65-F5344CB8AC3E}">
+        <p14:creationId xmlns:p14="http://schemas.microsoft.com/office/powerpoint/2010/main" val="2698444261"/>
+      </p:ext>
+    </p:extLst>
+  </p:cSld>
+  <p:clrMapOvr>
+    <a:masterClrMapping/>
+  </p:clrMapOvr>
+  <p:extLst>
+    <p:ext uri="{6950BFC3-D8DA-4A85-94F7-54DA5524770B}">
+      <p188:commentRel xmlns:p188="http://schemas.microsoft.com/office/powerpoint/2018/8/main" r:id="rId3"/>
+    </p:ext>
+  </p:extLst>
+</p:sld>
+</file>
+
+<file path=ppt/slides/slide15.xml><?xml version="1.0" encoding="utf-8"?>
 <p:sld xmlns:a="http://schemas.openxmlformats.org/drawingml/2006/main" xmlns:r="http://schemas.openxmlformats.org/officeDocument/2006/relationships" xmlns:p="http://schemas.openxmlformats.org/presentationml/2006/main">
   <p:cSld>
     <p:spTree>
@@ -13939,7 +15299,7 @@
 </p:sld>
 </file>
 
-<file path=ppt/slides/slide15.xml><?xml version="1.0" encoding="utf-8"?>
+<file path=ppt/slides/slide16.xml><?xml version="1.0" encoding="utf-8"?>
 <p:sld xmlns:a="http://schemas.openxmlformats.org/drawingml/2006/main" xmlns:r="http://schemas.openxmlformats.org/officeDocument/2006/relationships" xmlns:p="http://schemas.openxmlformats.org/presentationml/2006/main">
   <p:cSld>
     <p:spTree>
@@ -15304,7 +16664,7 @@
 </p:sld>
 </file>
 
-<file path=ppt/slides/slide16.xml><?xml version="1.0" encoding="utf-8"?>
+<file path=ppt/slides/slide17.xml><?xml version="1.0" encoding="utf-8"?>
 <p:sld xmlns:a="http://schemas.openxmlformats.org/drawingml/2006/main" xmlns:r="http://schemas.openxmlformats.org/officeDocument/2006/relationships" xmlns:p="http://schemas.openxmlformats.org/presentationml/2006/main">
   <p:cSld>
     <p:spTree>
@@ -16812,7 +18172,7 @@
 </p:sld>
 </file>
 
-<file path=ppt/slides/slide17.xml><?xml version="1.0" encoding="utf-8"?>
+<file path=ppt/slides/slide18.xml><?xml version="1.0" encoding="utf-8"?>
 <p:sld xmlns:a="http://schemas.openxmlformats.org/drawingml/2006/main" xmlns:r="http://schemas.openxmlformats.org/officeDocument/2006/relationships" xmlns:p="http://schemas.openxmlformats.org/presentationml/2006/main">
   <p:cSld>
     <p:spTree>
@@ -18199,7 +19559,7 @@
 </p:sld>
 </file>
 
-<file path=ppt/slides/slide18.xml><?xml version="1.0" encoding="utf-8"?>
+<file path=ppt/slides/slide19.xml><?xml version="1.0" encoding="utf-8"?>
 <p:sld xmlns:a="http://schemas.openxmlformats.org/drawingml/2006/main" xmlns:r="http://schemas.openxmlformats.org/officeDocument/2006/relationships" xmlns:p="http://schemas.openxmlformats.org/presentationml/2006/main">
   <p:cSld>
     <p:spTree>
@@ -19607,7 +20967,720 @@
 </p:sld>
 </file>
 
-<file path=ppt/slides/slide19.xml><?xml version="1.0" encoding="utf-8"?>
+<file path=ppt/slides/slide2.xml><?xml version="1.0" encoding="utf-8"?>
+<p:sld xmlns:a="http://schemas.openxmlformats.org/drawingml/2006/main" xmlns:r="http://schemas.openxmlformats.org/officeDocument/2006/relationships" xmlns:p="http://schemas.openxmlformats.org/presentationml/2006/main">
+  <p:cSld>
+    <p:spTree>
+      <p:nvGrpSpPr>
+        <p:cNvPr id="1" name=""/>
+        <p:cNvGrpSpPr/>
+        <p:nvPr/>
+      </p:nvGrpSpPr>
+      <p:grpSpPr>
+        <a:xfrm>
+          <a:off x="0" y="0"/>
+          <a:ext cx="0" cy="0"/>
+          <a:chOff x="0" y="0"/>
+          <a:chExt cx="0" cy="0"/>
+        </a:xfrm>
+      </p:grpSpPr>
+      <p:sp>
+        <p:nvSpPr>
+          <p:cNvPr id="2" name="Title 1">
+            <a:extLst>
+              <a:ext uri="{FF2B5EF4-FFF2-40B4-BE49-F238E27FC236}">
+                <a16:creationId xmlns:a16="http://schemas.microsoft.com/office/drawing/2014/main" id="{95AC07ED-0E8F-3341-BD66-CC6F287C0B94}"/>
+              </a:ext>
+            </a:extLst>
+          </p:cNvPr>
+          <p:cNvSpPr>
+            <a:spLocks noGrp="1"/>
+          </p:cNvSpPr>
+          <p:nvPr>
+            <p:ph type="title"/>
+          </p:nvPr>
+        </p:nvSpPr>
+        <p:spPr/>
+        <p:txBody>
+          <a:bodyPr/>
+          <a:lstStyle/>
+          <a:p>
+            <a:r>
+              <a:rPr lang="en-US" dirty="0"/>
+              <a:t>Current Solution</a:t>
+            </a:r>
+          </a:p>
+        </p:txBody>
+      </p:sp>
+      <p:sp>
+        <p:nvSpPr>
+          <p:cNvPr id="4" name="Rectangle 3">
+            <a:extLst>
+              <a:ext uri="{FF2B5EF4-FFF2-40B4-BE49-F238E27FC236}">
+                <a16:creationId xmlns:a16="http://schemas.microsoft.com/office/drawing/2014/main" id="{957CEA58-F2E8-40AA-A902-6AAAA41643D7}"/>
+              </a:ext>
+            </a:extLst>
+          </p:cNvPr>
+          <p:cNvSpPr/>
+          <p:nvPr/>
+        </p:nvSpPr>
+        <p:spPr>
+          <a:xfrm>
+            <a:off x="8044624" y="2351595"/>
+            <a:ext cx="2620597" cy="1427834"/>
+          </a:xfrm>
+          <a:prstGeom prst="rect">
+            <a:avLst/>
+          </a:prstGeom>
+        </p:spPr>
+        <p:style>
+          <a:lnRef idx="2">
+            <a:schemeClr val="accent1">
+              <a:shade val="50000"/>
+            </a:schemeClr>
+          </a:lnRef>
+          <a:fillRef idx="1">
+            <a:schemeClr val="accent1"/>
+          </a:fillRef>
+          <a:effectRef idx="0">
+            <a:schemeClr val="accent1"/>
+          </a:effectRef>
+          <a:fontRef idx="minor">
+            <a:schemeClr val="lt1"/>
+          </a:fontRef>
+        </p:style>
+        <p:txBody>
+          <a:bodyPr rtlCol="0" anchor="ctr"/>
+          <a:lstStyle/>
+          <a:p>
+            <a:pPr algn="ctr"/>
+            <a:r>
+              <a:rPr lang="en-US" sz="2399" dirty="0" err="1"/>
+              <a:t>uRata</a:t>
+            </a:r>
+            <a:endParaRPr lang="en-US" sz="2399" dirty="0"/>
+          </a:p>
+          <a:p>
+            <a:pPr algn="ctr"/>
+            <a:endParaRPr lang="en-US" sz="2399" dirty="0"/>
+          </a:p>
+          <a:p>
+            <a:pPr algn="ctr"/>
+            <a:endParaRPr lang="en-US" sz="2399" dirty="0"/>
+          </a:p>
+        </p:txBody>
+      </p:sp>
+      <p:sp>
+        <p:nvSpPr>
+          <p:cNvPr id="5" name="Rectangle 4">
+            <a:extLst>
+              <a:ext uri="{FF2B5EF4-FFF2-40B4-BE49-F238E27FC236}">
+                <a16:creationId xmlns:a16="http://schemas.microsoft.com/office/drawing/2014/main" id="{4A6A00AE-C3A4-4DCA-B518-F319B792FC9A}"/>
+              </a:ext>
+            </a:extLst>
+          </p:cNvPr>
+          <p:cNvSpPr/>
+          <p:nvPr/>
+        </p:nvSpPr>
+        <p:spPr>
+          <a:xfrm>
+            <a:off x="4218204" y="2351595"/>
+            <a:ext cx="2620597" cy="1427834"/>
+          </a:xfrm>
+          <a:prstGeom prst="rect">
+            <a:avLst/>
+          </a:prstGeom>
+        </p:spPr>
+        <p:style>
+          <a:lnRef idx="2">
+            <a:schemeClr val="accent1">
+              <a:shade val="50000"/>
+            </a:schemeClr>
+          </a:lnRef>
+          <a:fillRef idx="1">
+            <a:schemeClr val="accent1"/>
+          </a:fillRef>
+          <a:effectRef idx="0">
+            <a:schemeClr val="accent1"/>
+          </a:effectRef>
+          <a:fontRef idx="minor">
+            <a:schemeClr val="lt1"/>
+          </a:fontRef>
+        </p:style>
+        <p:txBody>
+          <a:bodyPr rtlCol="0" anchor="ctr"/>
+          <a:lstStyle/>
+          <a:p>
+            <a:pPr algn="ctr"/>
+            <a:r>
+              <a:rPr lang="en-US" sz="2399" dirty="0"/>
+              <a:t>Application MCU – (NXP </a:t>
+            </a:r>
+            <a:r>
+              <a:rPr lang="en-US" sz="2399" dirty="0" err="1"/>
+              <a:t>Kinetis</a:t>
+            </a:r>
+            <a:r>
+              <a:rPr lang="en-US" sz="2399" dirty="0"/>
+              <a:t>)</a:t>
+            </a:r>
+          </a:p>
+        </p:txBody>
+      </p:sp>
+      <p:sp>
+        <p:nvSpPr>
+          <p:cNvPr id="11" name="Rectangle 10">
+            <a:extLst>
+              <a:ext uri="{FF2B5EF4-FFF2-40B4-BE49-F238E27FC236}">
+                <a16:creationId xmlns:a16="http://schemas.microsoft.com/office/drawing/2014/main" id="{82B1EB7C-5887-4E47-8CC0-AD047993B3CD}"/>
+              </a:ext>
+            </a:extLst>
+          </p:cNvPr>
+          <p:cNvSpPr/>
+          <p:nvPr/>
+        </p:nvSpPr>
+        <p:spPr>
+          <a:xfrm>
+            <a:off x="6642908" y="4895089"/>
+            <a:ext cx="1401716" cy="724798"/>
+          </a:xfrm>
+          <a:prstGeom prst="rect">
+            <a:avLst/>
+          </a:prstGeom>
+        </p:spPr>
+        <p:style>
+          <a:lnRef idx="2">
+            <a:schemeClr val="accent1">
+              <a:shade val="50000"/>
+            </a:schemeClr>
+          </a:lnRef>
+          <a:fillRef idx="1">
+            <a:schemeClr val="accent1"/>
+          </a:fillRef>
+          <a:effectRef idx="0">
+            <a:schemeClr val="accent1"/>
+          </a:effectRef>
+          <a:fontRef idx="minor">
+            <a:schemeClr val="lt1"/>
+          </a:fontRef>
+        </p:style>
+        <p:txBody>
+          <a:bodyPr rtlCol="0" anchor="ctr"/>
+          <a:lstStyle/>
+          <a:p>
+            <a:pPr algn="ctr"/>
+            <a:r>
+              <a:rPr lang="en-US" sz="2399" dirty="0"/>
+              <a:t>BLE</a:t>
+            </a:r>
+          </a:p>
+          <a:p>
+            <a:pPr algn="ctr"/>
+            <a:r>
+              <a:rPr lang="en-US" sz="1600" dirty="0"/>
+              <a:t>(unused)</a:t>
+            </a:r>
+          </a:p>
+        </p:txBody>
+      </p:sp>
+      <p:sp>
+        <p:nvSpPr>
+          <p:cNvPr id="12" name="Rectangle 11">
+            <a:extLst>
+              <a:ext uri="{FF2B5EF4-FFF2-40B4-BE49-F238E27FC236}">
+                <a16:creationId xmlns:a16="http://schemas.microsoft.com/office/drawing/2014/main" id="{4684F5A1-19FE-49A2-A180-A11CF3CEB66F}"/>
+              </a:ext>
+            </a:extLst>
+          </p:cNvPr>
+          <p:cNvSpPr/>
+          <p:nvPr/>
+        </p:nvSpPr>
+        <p:spPr>
+          <a:xfrm>
+            <a:off x="9720071" y="3136392"/>
+            <a:ext cx="945149" cy="643037"/>
+          </a:xfrm>
+          <a:prstGeom prst="rect">
+            <a:avLst/>
+          </a:prstGeom>
+          <a:solidFill>
+            <a:srgbClr val="777777"/>
+          </a:solidFill>
+        </p:spPr>
+        <p:style>
+          <a:lnRef idx="2">
+            <a:schemeClr val="accent1">
+              <a:shade val="50000"/>
+            </a:schemeClr>
+          </a:lnRef>
+          <a:fillRef idx="1">
+            <a:schemeClr val="accent1"/>
+          </a:fillRef>
+          <a:effectRef idx="0">
+            <a:schemeClr val="accent1"/>
+          </a:effectRef>
+          <a:fontRef idx="minor">
+            <a:schemeClr val="lt1"/>
+          </a:fontRef>
+        </p:style>
+        <p:txBody>
+          <a:bodyPr rtlCol="0" anchor="ctr"/>
+          <a:lstStyle/>
+          <a:p>
+            <a:pPr algn="ctr"/>
+            <a:r>
+              <a:rPr lang="en-US" sz="1600" dirty="0"/>
+              <a:t>BCM43</a:t>
+            </a:r>
+          </a:p>
+        </p:txBody>
+      </p:sp>
+      <p:sp>
+        <p:nvSpPr>
+          <p:cNvPr id="13" name="Rectangle 12">
+            <a:extLst>
+              <a:ext uri="{FF2B5EF4-FFF2-40B4-BE49-F238E27FC236}">
+                <a16:creationId xmlns:a16="http://schemas.microsoft.com/office/drawing/2014/main" id="{36AB5B0C-6ADB-4E2B-826F-EC1EA7E7BE13}"/>
+              </a:ext>
+            </a:extLst>
+          </p:cNvPr>
+          <p:cNvSpPr/>
+          <p:nvPr/>
+        </p:nvSpPr>
+        <p:spPr>
+          <a:xfrm>
+            <a:off x="8044624" y="3142487"/>
+            <a:ext cx="1238472" cy="643037"/>
+          </a:xfrm>
+          <a:prstGeom prst="rect">
+            <a:avLst/>
+          </a:prstGeom>
+          <a:solidFill>
+            <a:srgbClr val="777777"/>
+          </a:solidFill>
+        </p:spPr>
+        <p:style>
+          <a:lnRef idx="2">
+            <a:schemeClr val="accent1">
+              <a:shade val="50000"/>
+            </a:schemeClr>
+          </a:lnRef>
+          <a:fillRef idx="1">
+            <a:schemeClr val="accent1"/>
+          </a:fillRef>
+          <a:effectRef idx="0">
+            <a:schemeClr val="accent1"/>
+          </a:effectRef>
+          <a:fontRef idx="minor">
+            <a:schemeClr val="lt1"/>
+          </a:fontRef>
+        </p:style>
+        <p:txBody>
+          <a:bodyPr rtlCol="0" anchor="ctr"/>
+          <a:lstStyle/>
+          <a:p>
+            <a:pPr algn="ctr"/>
+            <a:r>
+              <a:rPr lang="en-US" sz="1600" dirty="0"/>
+              <a:t>STM32</a:t>
+            </a:r>
+          </a:p>
+        </p:txBody>
+      </p:sp>
+      <p:sp>
+        <p:nvSpPr>
+          <p:cNvPr id="14" name="Rectangle 13">
+            <a:extLst>
+              <a:ext uri="{FF2B5EF4-FFF2-40B4-BE49-F238E27FC236}">
+                <a16:creationId xmlns:a16="http://schemas.microsoft.com/office/drawing/2014/main" id="{A12AE01F-AEEA-434C-9DFE-A5DEE353DC21}"/>
+              </a:ext>
+            </a:extLst>
+          </p:cNvPr>
+          <p:cNvSpPr/>
+          <p:nvPr/>
+        </p:nvSpPr>
+        <p:spPr>
+          <a:xfrm>
+            <a:off x="9210892" y="4935969"/>
+            <a:ext cx="1382125" cy="643037"/>
+          </a:xfrm>
+          <a:prstGeom prst="rect">
+            <a:avLst/>
+          </a:prstGeom>
+        </p:spPr>
+        <p:style>
+          <a:lnRef idx="2">
+            <a:schemeClr val="accent1">
+              <a:shade val="50000"/>
+            </a:schemeClr>
+          </a:lnRef>
+          <a:fillRef idx="1">
+            <a:schemeClr val="accent1"/>
+          </a:fillRef>
+          <a:effectRef idx="0">
+            <a:schemeClr val="accent1"/>
+          </a:effectRef>
+          <a:fontRef idx="minor">
+            <a:schemeClr val="lt1"/>
+          </a:fontRef>
+        </p:style>
+        <p:txBody>
+          <a:bodyPr rtlCol="0" anchor="ctr"/>
+          <a:lstStyle/>
+          <a:p>
+            <a:pPr algn="ctr"/>
+            <a:r>
+              <a:rPr lang="en-US" sz="2399" dirty="0"/>
+              <a:t>Security?</a:t>
+            </a:r>
+          </a:p>
+        </p:txBody>
+      </p:sp>
+      <p:cxnSp>
+        <p:nvCxnSpPr>
+          <p:cNvPr id="15" name="Straight Arrow Connector 14">
+            <a:extLst>
+              <a:ext uri="{FF2B5EF4-FFF2-40B4-BE49-F238E27FC236}">
+                <a16:creationId xmlns:a16="http://schemas.microsoft.com/office/drawing/2014/main" id="{C76E5750-EFF2-4DA2-97C1-799CFC1BF979}"/>
+              </a:ext>
+            </a:extLst>
+          </p:cNvPr>
+          <p:cNvCxnSpPr>
+            <a:cxnSpLocks/>
+          </p:cNvCxnSpPr>
+          <p:nvPr/>
+        </p:nvCxnSpPr>
+        <p:spPr>
+          <a:xfrm>
+            <a:off x="6838801" y="3429000"/>
+            <a:ext cx="1205823" cy="0"/>
+          </a:xfrm>
+          <a:prstGeom prst="straightConnector1">
+            <a:avLst/>
+          </a:prstGeom>
+          <a:ln w="57150">
+            <a:headEnd type="triangle"/>
+            <a:tailEnd type="triangle"/>
+          </a:ln>
+          <a:effectLst/>
+        </p:spPr>
+        <p:style>
+          <a:lnRef idx="2">
+            <a:schemeClr val="accent1"/>
+          </a:lnRef>
+          <a:fillRef idx="0">
+            <a:schemeClr val="accent1"/>
+          </a:fillRef>
+          <a:effectRef idx="1">
+            <a:schemeClr val="accent1"/>
+          </a:effectRef>
+          <a:fontRef idx="minor">
+            <a:schemeClr val="tx1"/>
+          </a:fontRef>
+        </p:style>
+      </p:cxnSp>
+      <p:cxnSp>
+        <p:nvCxnSpPr>
+          <p:cNvPr id="17" name="Straight Arrow Connector 16">
+            <a:extLst>
+              <a:ext uri="{FF2B5EF4-FFF2-40B4-BE49-F238E27FC236}">
+                <a16:creationId xmlns:a16="http://schemas.microsoft.com/office/drawing/2014/main" id="{4A7BF50D-F82E-4120-B0E8-682ED77A8B71}"/>
+              </a:ext>
+            </a:extLst>
+          </p:cNvPr>
+          <p:cNvCxnSpPr>
+            <a:cxnSpLocks/>
+          </p:cNvCxnSpPr>
+          <p:nvPr/>
+        </p:nvCxnSpPr>
+        <p:spPr>
+          <a:xfrm>
+            <a:off x="9283096" y="3429000"/>
+            <a:ext cx="436975" cy="0"/>
+          </a:xfrm>
+          <a:prstGeom prst="straightConnector1">
+            <a:avLst/>
+          </a:prstGeom>
+          <a:ln w="57150">
+            <a:solidFill>
+              <a:srgbClr val="777777"/>
+            </a:solidFill>
+            <a:headEnd type="triangle"/>
+            <a:tailEnd type="triangle"/>
+          </a:ln>
+          <a:effectLst/>
+        </p:spPr>
+        <p:style>
+          <a:lnRef idx="2">
+            <a:schemeClr val="accent1"/>
+          </a:lnRef>
+          <a:fillRef idx="0">
+            <a:schemeClr val="accent1"/>
+          </a:fillRef>
+          <a:effectRef idx="1">
+            <a:schemeClr val="accent1"/>
+          </a:effectRef>
+          <a:fontRef idx="minor">
+            <a:schemeClr val="tx1"/>
+          </a:fontRef>
+        </p:style>
+      </p:cxnSp>
+      <p:sp>
+        <p:nvSpPr>
+          <p:cNvPr id="20" name="Callout: Double Bent Line 19">
+            <a:extLst>
+              <a:ext uri="{FF2B5EF4-FFF2-40B4-BE49-F238E27FC236}">
+                <a16:creationId xmlns:a16="http://schemas.microsoft.com/office/drawing/2014/main" id="{A842DDE3-EC20-466F-8A0B-0F04DB2527D1}"/>
+              </a:ext>
+            </a:extLst>
+          </p:cNvPr>
+          <p:cNvSpPr/>
+          <p:nvPr/>
+        </p:nvSpPr>
+        <p:spPr>
+          <a:xfrm>
+            <a:off x="9720071" y="1418197"/>
+            <a:ext cx="1617878" cy="487021"/>
+          </a:xfrm>
+          <a:prstGeom prst="borderCallout3">
+            <a:avLst>
+              <a:gd name="adj1" fmla="val 20012"/>
+              <a:gd name="adj2" fmla="val -1682"/>
+              <a:gd name="adj3" fmla="val 18750"/>
+              <a:gd name="adj4" fmla="val -16667"/>
+              <a:gd name="adj5" fmla="val 100000"/>
+              <a:gd name="adj6" fmla="val -16667"/>
+              <a:gd name="adj7" fmla="val 350094"/>
+              <a:gd name="adj8" fmla="val 30383"/>
+            </a:avLst>
+          </a:prstGeom>
+          <a:solidFill>
+            <a:schemeClr val="accent3">
+              <a:lumMod val="60000"/>
+              <a:lumOff val="40000"/>
+            </a:schemeClr>
+          </a:solidFill>
+          <a:ln w="28575">
+            <a:solidFill>
+              <a:srgbClr val="070707"/>
+            </a:solidFill>
+          </a:ln>
+          <a:effectLst/>
+        </p:spPr>
+        <p:style>
+          <a:lnRef idx="1">
+            <a:schemeClr val="accent1"/>
+          </a:lnRef>
+          <a:fillRef idx="3">
+            <a:schemeClr val="accent1"/>
+          </a:fillRef>
+          <a:effectRef idx="2">
+            <a:schemeClr val="accent1"/>
+          </a:effectRef>
+          <a:fontRef idx="minor">
+            <a:schemeClr val="lt1"/>
+          </a:fontRef>
+        </p:style>
+        <p:txBody>
+          <a:bodyPr rot="0" spcFirstLastPara="0" vertOverflow="overflow" horzOverflow="overflow" vert="horz" wrap="square" lIns="91440" tIns="45720" rIns="91440" bIns="45720" numCol="1" spcCol="0" rtlCol="0" fromWordArt="0" anchor="ctr" anchorCtr="0" forceAA="0" compatLnSpc="1">
+            <a:prstTxWarp prst="textNoShape">
+              <a:avLst/>
+            </a:prstTxWarp>
+            <a:noAutofit/>
+          </a:bodyPr>
+          <a:lstStyle/>
+          <a:p>
+            <a:pPr algn="ctr"/>
+            <a:r>
+              <a:rPr lang="en-US" sz="1200" dirty="0">
+                <a:solidFill>
+                  <a:schemeClr val="tx1"/>
+                </a:solidFill>
+              </a:rPr>
+              <a:t>Networking: TCP/IP, TLS</a:t>
+            </a:r>
+          </a:p>
+        </p:txBody>
+      </p:sp>
+      <p:sp>
+        <p:nvSpPr>
+          <p:cNvPr id="21" name="Callout: Double Bent Line 20">
+            <a:extLst>
+              <a:ext uri="{FF2B5EF4-FFF2-40B4-BE49-F238E27FC236}">
+                <a16:creationId xmlns:a16="http://schemas.microsoft.com/office/drawing/2014/main" id="{5BD9CF54-B587-456D-BBC7-CDEA68293270}"/>
+              </a:ext>
+            </a:extLst>
+          </p:cNvPr>
+          <p:cNvSpPr/>
+          <p:nvPr/>
+        </p:nvSpPr>
+        <p:spPr>
+          <a:xfrm>
+            <a:off x="7665218" y="1405757"/>
+            <a:ext cx="1617878" cy="487021"/>
+          </a:xfrm>
+          <a:prstGeom prst="borderCallout3">
+            <a:avLst>
+              <a:gd name="adj1" fmla="val 20012"/>
+              <a:gd name="adj2" fmla="val -1682"/>
+              <a:gd name="adj3" fmla="val 18750"/>
+              <a:gd name="adj4" fmla="val -16667"/>
+              <a:gd name="adj5" fmla="val 100000"/>
+              <a:gd name="adj6" fmla="val -16667"/>
+              <a:gd name="adj7" fmla="val 350094"/>
+              <a:gd name="adj8" fmla="val 30383"/>
+            </a:avLst>
+          </a:prstGeom>
+          <a:solidFill>
+            <a:schemeClr val="accent3">
+              <a:lumMod val="60000"/>
+              <a:lumOff val="40000"/>
+            </a:schemeClr>
+          </a:solidFill>
+          <a:ln w="28575">
+            <a:solidFill>
+              <a:srgbClr val="070707"/>
+            </a:solidFill>
+          </a:ln>
+          <a:effectLst/>
+        </p:spPr>
+        <p:style>
+          <a:lnRef idx="1">
+            <a:schemeClr val="accent1"/>
+          </a:lnRef>
+          <a:fillRef idx="3">
+            <a:schemeClr val="accent1"/>
+          </a:fillRef>
+          <a:effectRef idx="2">
+            <a:schemeClr val="accent1"/>
+          </a:effectRef>
+          <a:fontRef idx="minor">
+            <a:schemeClr val="lt1"/>
+          </a:fontRef>
+        </p:style>
+        <p:txBody>
+          <a:bodyPr rot="0" spcFirstLastPara="0" vertOverflow="overflow" horzOverflow="overflow" vert="horz" wrap="square" lIns="91440" tIns="45720" rIns="91440" bIns="45720" numCol="1" spcCol="0" rtlCol="0" fromWordArt="0" anchor="ctr" anchorCtr="0" forceAA="0" compatLnSpc="1">
+            <a:prstTxWarp prst="textNoShape">
+              <a:avLst/>
+            </a:prstTxWarp>
+            <a:noAutofit/>
+          </a:bodyPr>
+          <a:lstStyle/>
+          <a:p>
+            <a:pPr algn="ctr"/>
+            <a:r>
+              <a:rPr lang="en-US" sz="1200" dirty="0">
+                <a:solidFill>
+                  <a:schemeClr val="tx1"/>
+                </a:solidFill>
+              </a:rPr>
+              <a:t>Ayla Production Agent</a:t>
+            </a:r>
+          </a:p>
+        </p:txBody>
+      </p:sp>
+      <p:sp>
+        <p:nvSpPr>
+          <p:cNvPr id="22" name="Callout: Double Bent Line 21">
+            <a:extLst>
+              <a:ext uri="{FF2B5EF4-FFF2-40B4-BE49-F238E27FC236}">
+                <a16:creationId xmlns:a16="http://schemas.microsoft.com/office/drawing/2014/main" id="{138BD285-5FD5-49EA-93BE-9E14F053D58D}"/>
+              </a:ext>
+            </a:extLst>
+          </p:cNvPr>
+          <p:cNvSpPr/>
+          <p:nvPr/>
+        </p:nvSpPr>
+        <p:spPr>
+          <a:xfrm>
+            <a:off x="3768127" y="1418197"/>
+            <a:ext cx="1617878" cy="487021"/>
+          </a:xfrm>
+          <a:prstGeom prst="borderCallout3">
+            <a:avLst>
+              <a:gd name="adj1" fmla="val 20012"/>
+              <a:gd name="adj2" fmla="val -1682"/>
+              <a:gd name="adj3" fmla="val 18750"/>
+              <a:gd name="adj4" fmla="val -16667"/>
+              <a:gd name="adj5" fmla="val 100000"/>
+              <a:gd name="adj6" fmla="val -16667"/>
+              <a:gd name="adj7" fmla="val 350094"/>
+              <a:gd name="adj8" fmla="val 30383"/>
+            </a:avLst>
+          </a:prstGeom>
+          <a:solidFill>
+            <a:schemeClr val="accent3">
+              <a:lumMod val="60000"/>
+              <a:lumOff val="40000"/>
+            </a:schemeClr>
+          </a:solidFill>
+          <a:ln w="28575">
+            <a:solidFill>
+              <a:srgbClr val="070707"/>
+            </a:solidFill>
+          </a:ln>
+          <a:effectLst/>
+        </p:spPr>
+        <p:style>
+          <a:lnRef idx="1">
+            <a:schemeClr val="accent1"/>
+          </a:lnRef>
+          <a:fillRef idx="3">
+            <a:schemeClr val="accent1"/>
+          </a:fillRef>
+          <a:effectRef idx="2">
+            <a:schemeClr val="accent1"/>
+          </a:effectRef>
+          <a:fontRef idx="minor">
+            <a:schemeClr val="lt1"/>
+          </a:fontRef>
+        </p:style>
+        <p:txBody>
+          <a:bodyPr rot="0" spcFirstLastPara="0" vertOverflow="overflow" horzOverflow="overflow" vert="horz" wrap="square" lIns="91440" tIns="45720" rIns="91440" bIns="45720" numCol="1" spcCol="0" rtlCol="0" fromWordArt="0" anchor="ctr" anchorCtr="0" forceAA="0" compatLnSpc="1">
+            <a:prstTxWarp prst="textNoShape">
+              <a:avLst/>
+            </a:prstTxWarp>
+            <a:noAutofit/>
+          </a:bodyPr>
+          <a:lstStyle/>
+          <a:p>
+            <a:pPr algn="ctr"/>
+            <a:r>
+              <a:rPr lang="en-US" sz="1200" dirty="0">
+                <a:solidFill>
+                  <a:schemeClr val="tx1"/>
+                </a:solidFill>
+              </a:rPr>
+              <a:t>A.O. Smith Application</a:t>
+            </a:r>
+          </a:p>
+          <a:p>
+            <a:pPr algn="ctr"/>
+            <a:r>
+              <a:rPr lang="en-US" sz="1200" dirty="0">
+                <a:solidFill>
+                  <a:schemeClr val="tx1"/>
+                </a:solidFill>
+              </a:rPr>
+              <a:t>(No RTOS)</a:t>
+            </a:r>
+          </a:p>
+        </p:txBody>
+      </p:sp>
+    </p:spTree>
+    <p:extLst>
+      <p:ext uri="{BB962C8B-B14F-4D97-AF65-F5344CB8AC3E}">
+        <p14:creationId xmlns:p14="http://schemas.microsoft.com/office/powerpoint/2010/main" val="2441716438"/>
+      </p:ext>
+    </p:extLst>
+  </p:cSld>
+  <p:clrMapOvr>
+    <a:masterClrMapping/>
+  </p:clrMapOvr>
+</p:sld>
+</file>
+
+<file path=ppt/slides/slide20.xml><?xml version="1.0" encoding="utf-8"?>
 <p:sld xmlns:a="http://schemas.openxmlformats.org/drawingml/2006/main" xmlns:r="http://schemas.openxmlformats.org/officeDocument/2006/relationships" xmlns:p="http://schemas.openxmlformats.org/presentationml/2006/main">
   <p:cSld>
     <p:spTree>
@@ -20606,720 +22679,7 @@
 </p:sld>
 </file>
 
-<file path=ppt/slides/slide2.xml><?xml version="1.0" encoding="utf-8"?>
-<p:sld xmlns:a="http://schemas.openxmlformats.org/drawingml/2006/main" xmlns:r="http://schemas.openxmlformats.org/officeDocument/2006/relationships" xmlns:p="http://schemas.openxmlformats.org/presentationml/2006/main">
-  <p:cSld>
-    <p:spTree>
-      <p:nvGrpSpPr>
-        <p:cNvPr id="1" name=""/>
-        <p:cNvGrpSpPr/>
-        <p:nvPr/>
-      </p:nvGrpSpPr>
-      <p:grpSpPr>
-        <a:xfrm>
-          <a:off x="0" y="0"/>
-          <a:ext cx="0" cy="0"/>
-          <a:chOff x="0" y="0"/>
-          <a:chExt cx="0" cy="0"/>
-        </a:xfrm>
-      </p:grpSpPr>
-      <p:sp>
-        <p:nvSpPr>
-          <p:cNvPr id="2" name="Title 1">
-            <a:extLst>
-              <a:ext uri="{FF2B5EF4-FFF2-40B4-BE49-F238E27FC236}">
-                <a16:creationId xmlns:a16="http://schemas.microsoft.com/office/drawing/2014/main" id="{95AC07ED-0E8F-3341-BD66-CC6F287C0B94}"/>
-              </a:ext>
-            </a:extLst>
-          </p:cNvPr>
-          <p:cNvSpPr>
-            <a:spLocks noGrp="1"/>
-          </p:cNvSpPr>
-          <p:nvPr>
-            <p:ph type="title"/>
-          </p:nvPr>
-        </p:nvSpPr>
-        <p:spPr/>
-        <p:txBody>
-          <a:bodyPr/>
-          <a:lstStyle/>
-          <a:p>
-            <a:r>
-              <a:rPr lang="en-US" dirty="0"/>
-              <a:t>Current Solution</a:t>
-            </a:r>
-          </a:p>
-        </p:txBody>
-      </p:sp>
-      <p:sp>
-        <p:nvSpPr>
-          <p:cNvPr id="4" name="Rectangle 3">
-            <a:extLst>
-              <a:ext uri="{FF2B5EF4-FFF2-40B4-BE49-F238E27FC236}">
-                <a16:creationId xmlns:a16="http://schemas.microsoft.com/office/drawing/2014/main" id="{957CEA58-F2E8-40AA-A902-6AAAA41643D7}"/>
-              </a:ext>
-            </a:extLst>
-          </p:cNvPr>
-          <p:cNvSpPr/>
-          <p:nvPr/>
-        </p:nvSpPr>
-        <p:spPr>
-          <a:xfrm>
-            <a:off x="8044624" y="2351595"/>
-            <a:ext cx="2620597" cy="1427834"/>
-          </a:xfrm>
-          <a:prstGeom prst="rect">
-            <a:avLst/>
-          </a:prstGeom>
-        </p:spPr>
-        <p:style>
-          <a:lnRef idx="2">
-            <a:schemeClr val="accent1">
-              <a:shade val="50000"/>
-            </a:schemeClr>
-          </a:lnRef>
-          <a:fillRef idx="1">
-            <a:schemeClr val="accent1"/>
-          </a:fillRef>
-          <a:effectRef idx="0">
-            <a:schemeClr val="accent1"/>
-          </a:effectRef>
-          <a:fontRef idx="minor">
-            <a:schemeClr val="lt1"/>
-          </a:fontRef>
-        </p:style>
-        <p:txBody>
-          <a:bodyPr rtlCol="0" anchor="ctr"/>
-          <a:lstStyle/>
-          <a:p>
-            <a:pPr algn="ctr"/>
-            <a:r>
-              <a:rPr lang="en-US" sz="2399" dirty="0" err="1"/>
-              <a:t>uRata</a:t>
-            </a:r>
-            <a:endParaRPr lang="en-US" sz="2399" dirty="0"/>
-          </a:p>
-          <a:p>
-            <a:pPr algn="ctr"/>
-            <a:endParaRPr lang="en-US" sz="2399" dirty="0"/>
-          </a:p>
-          <a:p>
-            <a:pPr algn="ctr"/>
-            <a:endParaRPr lang="en-US" sz="2399" dirty="0"/>
-          </a:p>
-        </p:txBody>
-      </p:sp>
-      <p:sp>
-        <p:nvSpPr>
-          <p:cNvPr id="5" name="Rectangle 4">
-            <a:extLst>
-              <a:ext uri="{FF2B5EF4-FFF2-40B4-BE49-F238E27FC236}">
-                <a16:creationId xmlns:a16="http://schemas.microsoft.com/office/drawing/2014/main" id="{4A6A00AE-C3A4-4DCA-B518-F319B792FC9A}"/>
-              </a:ext>
-            </a:extLst>
-          </p:cNvPr>
-          <p:cNvSpPr/>
-          <p:nvPr/>
-        </p:nvSpPr>
-        <p:spPr>
-          <a:xfrm>
-            <a:off x="4218204" y="2351595"/>
-            <a:ext cx="2620597" cy="1427834"/>
-          </a:xfrm>
-          <a:prstGeom prst="rect">
-            <a:avLst/>
-          </a:prstGeom>
-        </p:spPr>
-        <p:style>
-          <a:lnRef idx="2">
-            <a:schemeClr val="accent1">
-              <a:shade val="50000"/>
-            </a:schemeClr>
-          </a:lnRef>
-          <a:fillRef idx="1">
-            <a:schemeClr val="accent1"/>
-          </a:fillRef>
-          <a:effectRef idx="0">
-            <a:schemeClr val="accent1"/>
-          </a:effectRef>
-          <a:fontRef idx="minor">
-            <a:schemeClr val="lt1"/>
-          </a:fontRef>
-        </p:style>
-        <p:txBody>
-          <a:bodyPr rtlCol="0" anchor="ctr"/>
-          <a:lstStyle/>
-          <a:p>
-            <a:pPr algn="ctr"/>
-            <a:r>
-              <a:rPr lang="en-US" sz="2399" dirty="0"/>
-              <a:t>Application MCU – (NXP </a:t>
-            </a:r>
-            <a:r>
-              <a:rPr lang="en-US" sz="2399" dirty="0" err="1"/>
-              <a:t>Kinetis</a:t>
-            </a:r>
-            <a:r>
-              <a:rPr lang="en-US" sz="2399" dirty="0"/>
-              <a:t>)</a:t>
-            </a:r>
-          </a:p>
-        </p:txBody>
-      </p:sp>
-      <p:sp>
-        <p:nvSpPr>
-          <p:cNvPr id="11" name="Rectangle 10">
-            <a:extLst>
-              <a:ext uri="{FF2B5EF4-FFF2-40B4-BE49-F238E27FC236}">
-                <a16:creationId xmlns:a16="http://schemas.microsoft.com/office/drawing/2014/main" id="{82B1EB7C-5887-4E47-8CC0-AD047993B3CD}"/>
-              </a:ext>
-            </a:extLst>
-          </p:cNvPr>
-          <p:cNvSpPr/>
-          <p:nvPr/>
-        </p:nvSpPr>
-        <p:spPr>
-          <a:xfrm>
-            <a:off x="6642908" y="4895089"/>
-            <a:ext cx="1401716" cy="724798"/>
-          </a:xfrm>
-          <a:prstGeom prst="rect">
-            <a:avLst/>
-          </a:prstGeom>
-        </p:spPr>
-        <p:style>
-          <a:lnRef idx="2">
-            <a:schemeClr val="accent1">
-              <a:shade val="50000"/>
-            </a:schemeClr>
-          </a:lnRef>
-          <a:fillRef idx="1">
-            <a:schemeClr val="accent1"/>
-          </a:fillRef>
-          <a:effectRef idx="0">
-            <a:schemeClr val="accent1"/>
-          </a:effectRef>
-          <a:fontRef idx="minor">
-            <a:schemeClr val="lt1"/>
-          </a:fontRef>
-        </p:style>
-        <p:txBody>
-          <a:bodyPr rtlCol="0" anchor="ctr"/>
-          <a:lstStyle/>
-          <a:p>
-            <a:pPr algn="ctr"/>
-            <a:r>
-              <a:rPr lang="en-US" sz="2399" dirty="0"/>
-              <a:t>BLE</a:t>
-            </a:r>
-          </a:p>
-          <a:p>
-            <a:pPr algn="ctr"/>
-            <a:r>
-              <a:rPr lang="en-US" sz="1600" dirty="0"/>
-              <a:t>(unused)</a:t>
-            </a:r>
-          </a:p>
-        </p:txBody>
-      </p:sp>
-      <p:sp>
-        <p:nvSpPr>
-          <p:cNvPr id="12" name="Rectangle 11">
-            <a:extLst>
-              <a:ext uri="{FF2B5EF4-FFF2-40B4-BE49-F238E27FC236}">
-                <a16:creationId xmlns:a16="http://schemas.microsoft.com/office/drawing/2014/main" id="{4684F5A1-19FE-49A2-A180-A11CF3CEB66F}"/>
-              </a:ext>
-            </a:extLst>
-          </p:cNvPr>
-          <p:cNvSpPr/>
-          <p:nvPr/>
-        </p:nvSpPr>
-        <p:spPr>
-          <a:xfrm>
-            <a:off x="9720071" y="3136392"/>
-            <a:ext cx="945149" cy="643037"/>
-          </a:xfrm>
-          <a:prstGeom prst="rect">
-            <a:avLst/>
-          </a:prstGeom>
-          <a:solidFill>
-            <a:srgbClr val="777777"/>
-          </a:solidFill>
-        </p:spPr>
-        <p:style>
-          <a:lnRef idx="2">
-            <a:schemeClr val="accent1">
-              <a:shade val="50000"/>
-            </a:schemeClr>
-          </a:lnRef>
-          <a:fillRef idx="1">
-            <a:schemeClr val="accent1"/>
-          </a:fillRef>
-          <a:effectRef idx="0">
-            <a:schemeClr val="accent1"/>
-          </a:effectRef>
-          <a:fontRef idx="minor">
-            <a:schemeClr val="lt1"/>
-          </a:fontRef>
-        </p:style>
-        <p:txBody>
-          <a:bodyPr rtlCol="0" anchor="ctr"/>
-          <a:lstStyle/>
-          <a:p>
-            <a:pPr algn="ctr"/>
-            <a:r>
-              <a:rPr lang="en-US" sz="1600" dirty="0"/>
-              <a:t>BCM43</a:t>
-            </a:r>
-          </a:p>
-        </p:txBody>
-      </p:sp>
-      <p:sp>
-        <p:nvSpPr>
-          <p:cNvPr id="13" name="Rectangle 12">
-            <a:extLst>
-              <a:ext uri="{FF2B5EF4-FFF2-40B4-BE49-F238E27FC236}">
-                <a16:creationId xmlns:a16="http://schemas.microsoft.com/office/drawing/2014/main" id="{36AB5B0C-6ADB-4E2B-826F-EC1EA7E7BE13}"/>
-              </a:ext>
-            </a:extLst>
-          </p:cNvPr>
-          <p:cNvSpPr/>
-          <p:nvPr/>
-        </p:nvSpPr>
-        <p:spPr>
-          <a:xfrm>
-            <a:off x="8044624" y="3142487"/>
-            <a:ext cx="1238472" cy="643037"/>
-          </a:xfrm>
-          <a:prstGeom prst="rect">
-            <a:avLst/>
-          </a:prstGeom>
-          <a:solidFill>
-            <a:srgbClr val="777777"/>
-          </a:solidFill>
-        </p:spPr>
-        <p:style>
-          <a:lnRef idx="2">
-            <a:schemeClr val="accent1">
-              <a:shade val="50000"/>
-            </a:schemeClr>
-          </a:lnRef>
-          <a:fillRef idx="1">
-            <a:schemeClr val="accent1"/>
-          </a:fillRef>
-          <a:effectRef idx="0">
-            <a:schemeClr val="accent1"/>
-          </a:effectRef>
-          <a:fontRef idx="minor">
-            <a:schemeClr val="lt1"/>
-          </a:fontRef>
-        </p:style>
-        <p:txBody>
-          <a:bodyPr rtlCol="0" anchor="ctr"/>
-          <a:lstStyle/>
-          <a:p>
-            <a:pPr algn="ctr"/>
-            <a:r>
-              <a:rPr lang="en-US" sz="1600" dirty="0"/>
-              <a:t>STM32</a:t>
-            </a:r>
-          </a:p>
-        </p:txBody>
-      </p:sp>
-      <p:sp>
-        <p:nvSpPr>
-          <p:cNvPr id="14" name="Rectangle 13">
-            <a:extLst>
-              <a:ext uri="{FF2B5EF4-FFF2-40B4-BE49-F238E27FC236}">
-                <a16:creationId xmlns:a16="http://schemas.microsoft.com/office/drawing/2014/main" id="{A12AE01F-AEEA-434C-9DFE-A5DEE353DC21}"/>
-              </a:ext>
-            </a:extLst>
-          </p:cNvPr>
-          <p:cNvSpPr/>
-          <p:nvPr/>
-        </p:nvSpPr>
-        <p:spPr>
-          <a:xfrm>
-            <a:off x="9210892" y="4935969"/>
-            <a:ext cx="1382125" cy="643037"/>
-          </a:xfrm>
-          <a:prstGeom prst="rect">
-            <a:avLst/>
-          </a:prstGeom>
-        </p:spPr>
-        <p:style>
-          <a:lnRef idx="2">
-            <a:schemeClr val="accent1">
-              <a:shade val="50000"/>
-            </a:schemeClr>
-          </a:lnRef>
-          <a:fillRef idx="1">
-            <a:schemeClr val="accent1"/>
-          </a:fillRef>
-          <a:effectRef idx="0">
-            <a:schemeClr val="accent1"/>
-          </a:effectRef>
-          <a:fontRef idx="minor">
-            <a:schemeClr val="lt1"/>
-          </a:fontRef>
-        </p:style>
-        <p:txBody>
-          <a:bodyPr rtlCol="0" anchor="ctr"/>
-          <a:lstStyle/>
-          <a:p>
-            <a:pPr algn="ctr"/>
-            <a:r>
-              <a:rPr lang="en-US" sz="2399" dirty="0"/>
-              <a:t>Security?</a:t>
-            </a:r>
-          </a:p>
-        </p:txBody>
-      </p:sp>
-      <p:cxnSp>
-        <p:nvCxnSpPr>
-          <p:cNvPr id="15" name="Straight Arrow Connector 14">
-            <a:extLst>
-              <a:ext uri="{FF2B5EF4-FFF2-40B4-BE49-F238E27FC236}">
-                <a16:creationId xmlns:a16="http://schemas.microsoft.com/office/drawing/2014/main" id="{C76E5750-EFF2-4DA2-97C1-799CFC1BF979}"/>
-              </a:ext>
-            </a:extLst>
-          </p:cNvPr>
-          <p:cNvCxnSpPr>
-            <a:cxnSpLocks/>
-          </p:cNvCxnSpPr>
-          <p:nvPr/>
-        </p:nvCxnSpPr>
-        <p:spPr>
-          <a:xfrm>
-            <a:off x="6838801" y="3429000"/>
-            <a:ext cx="1205823" cy="0"/>
-          </a:xfrm>
-          <a:prstGeom prst="straightConnector1">
-            <a:avLst/>
-          </a:prstGeom>
-          <a:ln w="57150">
-            <a:headEnd type="triangle"/>
-            <a:tailEnd type="triangle"/>
-          </a:ln>
-          <a:effectLst/>
-        </p:spPr>
-        <p:style>
-          <a:lnRef idx="2">
-            <a:schemeClr val="accent1"/>
-          </a:lnRef>
-          <a:fillRef idx="0">
-            <a:schemeClr val="accent1"/>
-          </a:fillRef>
-          <a:effectRef idx="1">
-            <a:schemeClr val="accent1"/>
-          </a:effectRef>
-          <a:fontRef idx="minor">
-            <a:schemeClr val="tx1"/>
-          </a:fontRef>
-        </p:style>
-      </p:cxnSp>
-      <p:cxnSp>
-        <p:nvCxnSpPr>
-          <p:cNvPr id="17" name="Straight Arrow Connector 16">
-            <a:extLst>
-              <a:ext uri="{FF2B5EF4-FFF2-40B4-BE49-F238E27FC236}">
-                <a16:creationId xmlns:a16="http://schemas.microsoft.com/office/drawing/2014/main" id="{4A7BF50D-F82E-4120-B0E8-682ED77A8B71}"/>
-              </a:ext>
-            </a:extLst>
-          </p:cNvPr>
-          <p:cNvCxnSpPr>
-            <a:cxnSpLocks/>
-          </p:cNvCxnSpPr>
-          <p:nvPr/>
-        </p:nvCxnSpPr>
-        <p:spPr>
-          <a:xfrm>
-            <a:off x="9283096" y="3429000"/>
-            <a:ext cx="436975" cy="0"/>
-          </a:xfrm>
-          <a:prstGeom prst="straightConnector1">
-            <a:avLst/>
-          </a:prstGeom>
-          <a:ln w="57150">
-            <a:solidFill>
-              <a:srgbClr val="777777"/>
-            </a:solidFill>
-            <a:headEnd type="triangle"/>
-            <a:tailEnd type="triangle"/>
-          </a:ln>
-          <a:effectLst/>
-        </p:spPr>
-        <p:style>
-          <a:lnRef idx="2">
-            <a:schemeClr val="accent1"/>
-          </a:lnRef>
-          <a:fillRef idx="0">
-            <a:schemeClr val="accent1"/>
-          </a:fillRef>
-          <a:effectRef idx="1">
-            <a:schemeClr val="accent1"/>
-          </a:effectRef>
-          <a:fontRef idx="minor">
-            <a:schemeClr val="tx1"/>
-          </a:fontRef>
-        </p:style>
-      </p:cxnSp>
-      <p:sp>
-        <p:nvSpPr>
-          <p:cNvPr id="20" name="Callout: Double Bent Line 19">
-            <a:extLst>
-              <a:ext uri="{FF2B5EF4-FFF2-40B4-BE49-F238E27FC236}">
-                <a16:creationId xmlns:a16="http://schemas.microsoft.com/office/drawing/2014/main" id="{A842DDE3-EC20-466F-8A0B-0F04DB2527D1}"/>
-              </a:ext>
-            </a:extLst>
-          </p:cNvPr>
-          <p:cNvSpPr/>
-          <p:nvPr/>
-        </p:nvSpPr>
-        <p:spPr>
-          <a:xfrm>
-            <a:off x="9720071" y="1418197"/>
-            <a:ext cx="1617878" cy="487021"/>
-          </a:xfrm>
-          <a:prstGeom prst="borderCallout3">
-            <a:avLst>
-              <a:gd name="adj1" fmla="val 20012"/>
-              <a:gd name="adj2" fmla="val -1682"/>
-              <a:gd name="adj3" fmla="val 18750"/>
-              <a:gd name="adj4" fmla="val -16667"/>
-              <a:gd name="adj5" fmla="val 100000"/>
-              <a:gd name="adj6" fmla="val -16667"/>
-              <a:gd name="adj7" fmla="val 350094"/>
-              <a:gd name="adj8" fmla="val 30383"/>
-            </a:avLst>
-          </a:prstGeom>
-          <a:solidFill>
-            <a:schemeClr val="accent3">
-              <a:lumMod val="60000"/>
-              <a:lumOff val="40000"/>
-            </a:schemeClr>
-          </a:solidFill>
-          <a:ln w="28575">
-            <a:solidFill>
-              <a:srgbClr val="070707"/>
-            </a:solidFill>
-          </a:ln>
-          <a:effectLst/>
-        </p:spPr>
-        <p:style>
-          <a:lnRef idx="1">
-            <a:schemeClr val="accent1"/>
-          </a:lnRef>
-          <a:fillRef idx="3">
-            <a:schemeClr val="accent1"/>
-          </a:fillRef>
-          <a:effectRef idx="2">
-            <a:schemeClr val="accent1"/>
-          </a:effectRef>
-          <a:fontRef idx="minor">
-            <a:schemeClr val="lt1"/>
-          </a:fontRef>
-        </p:style>
-        <p:txBody>
-          <a:bodyPr rot="0" spcFirstLastPara="0" vertOverflow="overflow" horzOverflow="overflow" vert="horz" wrap="square" lIns="91440" tIns="45720" rIns="91440" bIns="45720" numCol="1" spcCol="0" rtlCol="0" fromWordArt="0" anchor="ctr" anchorCtr="0" forceAA="0" compatLnSpc="1">
-            <a:prstTxWarp prst="textNoShape">
-              <a:avLst/>
-            </a:prstTxWarp>
-            <a:noAutofit/>
-          </a:bodyPr>
-          <a:lstStyle/>
-          <a:p>
-            <a:pPr algn="ctr"/>
-            <a:r>
-              <a:rPr lang="en-US" sz="1200" dirty="0">
-                <a:solidFill>
-                  <a:schemeClr val="tx1"/>
-                </a:solidFill>
-              </a:rPr>
-              <a:t>Networking: TCP/IP, TLS</a:t>
-            </a:r>
-          </a:p>
-        </p:txBody>
-      </p:sp>
-      <p:sp>
-        <p:nvSpPr>
-          <p:cNvPr id="21" name="Callout: Double Bent Line 20">
-            <a:extLst>
-              <a:ext uri="{FF2B5EF4-FFF2-40B4-BE49-F238E27FC236}">
-                <a16:creationId xmlns:a16="http://schemas.microsoft.com/office/drawing/2014/main" id="{5BD9CF54-B587-456D-BBC7-CDEA68293270}"/>
-              </a:ext>
-            </a:extLst>
-          </p:cNvPr>
-          <p:cNvSpPr/>
-          <p:nvPr/>
-        </p:nvSpPr>
-        <p:spPr>
-          <a:xfrm>
-            <a:off x="7665218" y="1405757"/>
-            <a:ext cx="1617878" cy="487021"/>
-          </a:xfrm>
-          <a:prstGeom prst="borderCallout3">
-            <a:avLst>
-              <a:gd name="adj1" fmla="val 20012"/>
-              <a:gd name="adj2" fmla="val -1682"/>
-              <a:gd name="adj3" fmla="val 18750"/>
-              <a:gd name="adj4" fmla="val -16667"/>
-              <a:gd name="adj5" fmla="val 100000"/>
-              <a:gd name="adj6" fmla="val -16667"/>
-              <a:gd name="adj7" fmla="val 350094"/>
-              <a:gd name="adj8" fmla="val 30383"/>
-            </a:avLst>
-          </a:prstGeom>
-          <a:solidFill>
-            <a:schemeClr val="accent3">
-              <a:lumMod val="60000"/>
-              <a:lumOff val="40000"/>
-            </a:schemeClr>
-          </a:solidFill>
-          <a:ln w="28575">
-            <a:solidFill>
-              <a:srgbClr val="070707"/>
-            </a:solidFill>
-          </a:ln>
-          <a:effectLst/>
-        </p:spPr>
-        <p:style>
-          <a:lnRef idx="1">
-            <a:schemeClr val="accent1"/>
-          </a:lnRef>
-          <a:fillRef idx="3">
-            <a:schemeClr val="accent1"/>
-          </a:fillRef>
-          <a:effectRef idx="2">
-            <a:schemeClr val="accent1"/>
-          </a:effectRef>
-          <a:fontRef idx="minor">
-            <a:schemeClr val="lt1"/>
-          </a:fontRef>
-        </p:style>
-        <p:txBody>
-          <a:bodyPr rot="0" spcFirstLastPara="0" vertOverflow="overflow" horzOverflow="overflow" vert="horz" wrap="square" lIns="91440" tIns="45720" rIns="91440" bIns="45720" numCol="1" spcCol="0" rtlCol="0" fromWordArt="0" anchor="ctr" anchorCtr="0" forceAA="0" compatLnSpc="1">
-            <a:prstTxWarp prst="textNoShape">
-              <a:avLst/>
-            </a:prstTxWarp>
-            <a:noAutofit/>
-          </a:bodyPr>
-          <a:lstStyle/>
-          <a:p>
-            <a:pPr algn="ctr"/>
-            <a:r>
-              <a:rPr lang="en-US" sz="1200" dirty="0">
-                <a:solidFill>
-                  <a:schemeClr val="tx1"/>
-                </a:solidFill>
-              </a:rPr>
-              <a:t>Ayla Production Agent</a:t>
-            </a:r>
-          </a:p>
-        </p:txBody>
-      </p:sp>
-      <p:sp>
-        <p:nvSpPr>
-          <p:cNvPr id="22" name="Callout: Double Bent Line 21">
-            <a:extLst>
-              <a:ext uri="{FF2B5EF4-FFF2-40B4-BE49-F238E27FC236}">
-                <a16:creationId xmlns:a16="http://schemas.microsoft.com/office/drawing/2014/main" id="{138BD285-5FD5-49EA-93BE-9E14F053D58D}"/>
-              </a:ext>
-            </a:extLst>
-          </p:cNvPr>
-          <p:cNvSpPr/>
-          <p:nvPr/>
-        </p:nvSpPr>
-        <p:spPr>
-          <a:xfrm>
-            <a:off x="3768127" y="1418197"/>
-            <a:ext cx="1617878" cy="487021"/>
-          </a:xfrm>
-          <a:prstGeom prst="borderCallout3">
-            <a:avLst>
-              <a:gd name="adj1" fmla="val 20012"/>
-              <a:gd name="adj2" fmla="val -1682"/>
-              <a:gd name="adj3" fmla="val 18750"/>
-              <a:gd name="adj4" fmla="val -16667"/>
-              <a:gd name="adj5" fmla="val 100000"/>
-              <a:gd name="adj6" fmla="val -16667"/>
-              <a:gd name="adj7" fmla="val 350094"/>
-              <a:gd name="adj8" fmla="val 30383"/>
-            </a:avLst>
-          </a:prstGeom>
-          <a:solidFill>
-            <a:schemeClr val="accent3">
-              <a:lumMod val="60000"/>
-              <a:lumOff val="40000"/>
-            </a:schemeClr>
-          </a:solidFill>
-          <a:ln w="28575">
-            <a:solidFill>
-              <a:srgbClr val="070707"/>
-            </a:solidFill>
-          </a:ln>
-          <a:effectLst/>
-        </p:spPr>
-        <p:style>
-          <a:lnRef idx="1">
-            <a:schemeClr val="accent1"/>
-          </a:lnRef>
-          <a:fillRef idx="3">
-            <a:schemeClr val="accent1"/>
-          </a:fillRef>
-          <a:effectRef idx="2">
-            <a:schemeClr val="accent1"/>
-          </a:effectRef>
-          <a:fontRef idx="minor">
-            <a:schemeClr val="lt1"/>
-          </a:fontRef>
-        </p:style>
-        <p:txBody>
-          <a:bodyPr rot="0" spcFirstLastPara="0" vertOverflow="overflow" horzOverflow="overflow" vert="horz" wrap="square" lIns="91440" tIns="45720" rIns="91440" bIns="45720" numCol="1" spcCol="0" rtlCol="0" fromWordArt="0" anchor="ctr" anchorCtr="0" forceAA="0" compatLnSpc="1">
-            <a:prstTxWarp prst="textNoShape">
-              <a:avLst/>
-            </a:prstTxWarp>
-            <a:noAutofit/>
-          </a:bodyPr>
-          <a:lstStyle/>
-          <a:p>
-            <a:pPr algn="ctr"/>
-            <a:r>
-              <a:rPr lang="en-US" sz="1200" dirty="0">
-                <a:solidFill>
-                  <a:schemeClr val="tx1"/>
-                </a:solidFill>
-              </a:rPr>
-              <a:t>A.O. Smith Application</a:t>
-            </a:r>
-          </a:p>
-          <a:p>
-            <a:pPr algn="ctr"/>
-            <a:r>
-              <a:rPr lang="en-US" sz="1200" dirty="0">
-                <a:solidFill>
-                  <a:schemeClr val="tx1"/>
-                </a:solidFill>
-              </a:rPr>
-              <a:t>(No RTOS)</a:t>
-            </a:r>
-          </a:p>
-        </p:txBody>
-      </p:sp>
-    </p:spTree>
-    <p:extLst>
-      <p:ext uri="{BB962C8B-B14F-4D97-AF65-F5344CB8AC3E}">
-        <p14:creationId xmlns:p14="http://schemas.microsoft.com/office/powerpoint/2010/main" val="2441716438"/>
-      </p:ext>
-    </p:extLst>
-  </p:cSld>
-  <p:clrMapOvr>
-    <a:masterClrMapping/>
-  </p:clrMapOvr>
-</p:sld>
-</file>
-
-<file path=ppt/slides/slide20.xml><?xml version="1.0" encoding="utf-8"?>
+<file path=ppt/slides/slide21.xml><?xml version="1.0" encoding="utf-8"?>
 <p:sld xmlns:a="http://schemas.openxmlformats.org/drawingml/2006/main" xmlns:r="http://schemas.openxmlformats.org/officeDocument/2006/relationships" xmlns:p="http://schemas.openxmlformats.org/presentationml/2006/main">
   <p:cSld>
     <p:spTree>
@@ -22227,7 +23587,7 @@
 </p:sld>
 </file>
 
-<file path=ppt/slides/slide21.xml><?xml version="1.0" encoding="utf-8"?>
+<file path=ppt/slides/slide22.xml><?xml version="1.0" encoding="utf-8"?>
 <p:sld xmlns:a="http://schemas.openxmlformats.org/drawingml/2006/main" xmlns:r="http://schemas.openxmlformats.org/officeDocument/2006/relationships" xmlns:p="http://schemas.openxmlformats.org/presentationml/2006/main">
   <p:cSld>
     <p:spTree>
@@ -30817,6 +32177,65 @@
 </file>
 
 <file path=customXml/item1.xml><?xml version="1.0" encoding="utf-8"?>
+<p:properties xmlns:p="http://schemas.microsoft.com/office/2006/metadata/properties" xmlns:xsi="http://www.w3.org/2001/XMLSchema-instance" xmlns:pc="http://schemas.microsoft.com/office/infopath/2007/PartnerControls">
+  <documentManagement>
+    <Content_x0020_Archived xmlns="df7acb31-37ac-40e2-81bb-c44e3630f613">false</Content_x0020_Archived>
+    <_dlc_DocId xmlns="38ef598d-997c-498b-b737-2f6b2c50ccab">SV5CHKDEWJXD-84-133</_dlc_DocId>
+    <_dlc_DocIdUrl xmlns="38ef598d-997c-498b-b737-2f6b2c50ccab">
+      <Url>http://mchpweb-2010/marcom/home/Resources/_layouts/DocIdRedir.aspx?ID=SV5CHKDEWJXD-84-133</Url>
+      <Description>SV5CHKDEWJXD-84-133</Description>
+    </_dlc_DocIdUrl>
+  </documentManagement>
+</p:properties>
+</file>
+
+<file path=customXml/item2.xml><?xml version="1.0" encoding="utf-8"?>
+<?mso-contentType ?>
+<spe:Receivers xmlns:spe="http://schemas.microsoft.com/sharepoint/events">
+  <Receiver>
+    <Name>Document ID Generator</Name>
+    <Synchronization>Synchronous</Synchronization>
+    <Type>10001</Type>
+    <SequenceNumber>1000</SequenceNumber>
+    <Assembly>Microsoft.Office.DocumentManagement, Version=14.0.0.0, Culture=neutral, PublicKeyToken=71e9bce111e9429c</Assembly>
+    <Class>Microsoft.Office.DocumentManagement.Internal.DocIdHandler</Class>
+    <Data/>
+    <Filter/>
+  </Receiver>
+  <Receiver>
+    <Name>Document ID Generator</Name>
+    <Synchronization>Synchronous</Synchronization>
+    <Type>10002</Type>
+    <SequenceNumber>1001</SequenceNumber>
+    <Assembly>Microsoft.Office.DocumentManagement, Version=14.0.0.0, Culture=neutral, PublicKeyToken=71e9bce111e9429c</Assembly>
+    <Class>Microsoft.Office.DocumentManagement.Internal.DocIdHandler</Class>
+    <Data/>
+    <Filter/>
+  </Receiver>
+  <Receiver>
+    <Name>Document ID Generator</Name>
+    <Synchronization>Synchronous</Synchronization>
+    <Type>10004</Type>
+    <SequenceNumber>1002</SequenceNumber>
+    <Assembly>Microsoft.Office.DocumentManagement, Version=14.0.0.0, Culture=neutral, PublicKeyToken=71e9bce111e9429c</Assembly>
+    <Class>Microsoft.Office.DocumentManagement.Internal.DocIdHandler</Class>
+    <Data/>
+    <Filter/>
+  </Receiver>
+  <Receiver>
+    <Name>Document ID Generator</Name>
+    <Synchronization>Synchronous</Synchronization>
+    <Type>10006</Type>
+    <SequenceNumber>1003</SequenceNumber>
+    <Assembly>Microsoft.Office.DocumentManagement, Version=14.0.0.0, Culture=neutral, PublicKeyToken=71e9bce111e9429c</Assembly>
+    <Class>Microsoft.Office.DocumentManagement.Internal.DocIdHandler</Class>
+    <Data/>
+    <Filter/>
+  </Receiver>
+</spe:Receivers>
+</file>
+
+<file path=customXml/item3.xml><?xml version="1.0" encoding="utf-8"?>
 <ct:contentTypeSchema xmlns:ct="http://schemas.microsoft.com/office/2006/metadata/contentType" xmlns:ma="http://schemas.microsoft.com/office/2006/metadata/properties/metaAttributes" ct:_="" ma:_="" ma:contentTypeName="Document" ma:contentTypeID="0x01010006EF9829FE6FB94D84D3D1D5B1820991" ma:contentTypeVersion="2" ma:contentTypeDescription="Create a new document." ma:contentTypeScope="" ma:versionID="84d427fd2fb92a215479da5b0fe5e4ad">
   <xsd:schema xmlns:xsd="http://www.w3.org/2001/XMLSchema" xmlns:xs="http://www.w3.org/2001/XMLSchema" xmlns:p="http://schemas.microsoft.com/office/2006/metadata/properties" xmlns:ns2="38ef598d-997c-498b-b737-2f6b2c50ccab" xmlns:ns3="df7acb31-37ac-40e2-81bb-c44e3630f613" targetNamespace="http://schemas.microsoft.com/office/2006/metadata/properties" ma:root="true" ma:fieldsID="156788901a84a305ff90b9b24ba2d9fb" ns2:_="" ns3:_="">
     <xsd:import namespace="38ef598d-997c-498b-b737-2f6b2c50ccab"/>
@@ -30972,65 +32391,6 @@
 </ct:contentTypeSchema>
 </file>
 
-<file path=customXml/item2.xml><?xml version="1.0" encoding="utf-8"?>
-<?mso-contentType ?>
-<spe:Receivers xmlns:spe="http://schemas.microsoft.com/sharepoint/events">
-  <Receiver>
-    <Name>Document ID Generator</Name>
-    <Synchronization>Synchronous</Synchronization>
-    <Type>10001</Type>
-    <SequenceNumber>1000</SequenceNumber>
-    <Assembly>Microsoft.Office.DocumentManagement, Version=14.0.0.0, Culture=neutral, PublicKeyToken=71e9bce111e9429c</Assembly>
-    <Class>Microsoft.Office.DocumentManagement.Internal.DocIdHandler</Class>
-    <Data/>
-    <Filter/>
-  </Receiver>
-  <Receiver>
-    <Name>Document ID Generator</Name>
-    <Synchronization>Synchronous</Synchronization>
-    <Type>10002</Type>
-    <SequenceNumber>1001</SequenceNumber>
-    <Assembly>Microsoft.Office.DocumentManagement, Version=14.0.0.0, Culture=neutral, PublicKeyToken=71e9bce111e9429c</Assembly>
-    <Class>Microsoft.Office.DocumentManagement.Internal.DocIdHandler</Class>
-    <Data/>
-    <Filter/>
-  </Receiver>
-  <Receiver>
-    <Name>Document ID Generator</Name>
-    <Synchronization>Synchronous</Synchronization>
-    <Type>10004</Type>
-    <SequenceNumber>1002</SequenceNumber>
-    <Assembly>Microsoft.Office.DocumentManagement, Version=14.0.0.0, Culture=neutral, PublicKeyToken=71e9bce111e9429c</Assembly>
-    <Class>Microsoft.Office.DocumentManagement.Internal.DocIdHandler</Class>
-    <Data/>
-    <Filter/>
-  </Receiver>
-  <Receiver>
-    <Name>Document ID Generator</Name>
-    <Synchronization>Synchronous</Synchronization>
-    <Type>10006</Type>
-    <SequenceNumber>1003</SequenceNumber>
-    <Assembly>Microsoft.Office.DocumentManagement, Version=14.0.0.0, Culture=neutral, PublicKeyToken=71e9bce111e9429c</Assembly>
-    <Class>Microsoft.Office.DocumentManagement.Internal.DocIdHandler</Class>
-    <Data/>
-    <Filter/>
-  </Receiver>
-</spe:Receivers>
-</file>
-
-<file path=customXml/item3.xml><?xml version="1.0" encoding="utf-8"?>
-<p:properties xmlns:p="http://schemas.microsoft.com/office/2006/metadata/properties" xmlns:xsi="http://www.w3.org/2001/XMLSchema-instance" xmlns:pc="http://schemas.microsoft.com/office/infopath/2007/PartnerControls">
-  <documentManagement>
-    <Content_x0020_Archived xmlns="df7acb31-37ac-40e2-81bb-c44e3630f613">false</Content_x0020_Archived>
-    <_dlc_DocId xmlns="38ef598d-997c-498b-b737-2f6b2c50ccab">SV5CHKDEWJXD-84-133</_dlc_DocId>
-    <_dlc_DocIdUrl xmlns="38ef598d-997c-498b-b737-2f6b2c50ccab">
-      <Url>http://mchpweb-2010/marcom/home/Resources/_layouts/DocIdRedir.aspx?ID=SV5CHKDEWJXD-84-133</Url>
-      <Description>SV5CHKDEWJXD-84-133</Description>
-    </_dlc_DocIdUrl>
-  </documentManagement>
-</p:properties>
-</file>
-
 <file path=customXml/item4.xml><?xml version="1.0" encoding="utf-8"?>
 <?mso-contentType ?>
 <FormTemplates xmlns="http://schemas.microsoft.com/sharepoint/v3/contenttype/forms">
@@ -31041,6 +32401,25 @@
 </file>
 
 <file path=customXml/itemProps1.xml><?xml version="1.0" encoding="utf-8"?>
+<ds:datastoreItem xmlns:ds="http://schemas.openxmlformats.org/officeDocument/2006/customXml" ds:itemID="{15774815-801A-4D0C-AAC8-304A8EA5EAE0}">
+  <ds:schemaRefs>
+    <ds:schemaRef ds:uri="http://schemas.microsoft.com/office/2006/metadata/properties"/>
+    <ds:schemaRef ds:uri="http://schemas.microsoft.com/office/infopath/2007/PartnerControls"/>
+    <ds:schemaRef ds:uri="df7acb31-37ac-40e2-81bb-c44e3630f613"/>
+    <ds:schemaRef ds:uri="38ef598d-997c-498b-b737-2f6b2c50ccab"/>
+  </ds:schemaRefs>
+</ds:datastoreItem>
+</file>
+
+<file path=customXml/itemProps2.xml><?xml version="1.0" encoding="utf-8"?>
+<ds:datastoreItem xmlns:ds="http://schemas.openxmlformats.org/officeDocument/2006/customXml" ds:itemID="{36ECED7C-7E24-4B80-B6AD-5BF0A508FB7B}">
+  <ds:schemaRefs>
+    <ds:schemaRef ds:uri="http://schemas.microsoft.com/sharepoint/events"/>
+  </ds:schemaRefs>
+</ds:datastoreItem>
+</file>
+
+<file path=customXml/itemProps3.xml><?xml version="1.0" encoding="utf-8"?>
 <ds:datastoreItem xmlns:ds="http://schemas.openxmlformats.org/officeDocument/2006/customXml" ds:itemID="{AF9647E8-EA5A-4469-8198-396AF1DA17E0}">
   <ds:schemaRefs>
     <ds:schemaRef ds:uri="http://schemas.microsoft.com/office/2006/metadata/contentType"/>
@@ -31059,25 +32438,6 @@
 </ds:datastoreItem>
 </file>
 
-<file path=customXml/itemProps2.xml><?xml version="1.0" encoding="utf-8"?>
-<ds:datastoreItem xmlns:ds="http://schemas.openxmlformats.org/officeDocument/2006/customXml" ds:itemID="{36ECED7C-7E24-4B80-B6AD-5BF0A508FB7B}">
-  <ds:schemaRefs>
-    <ds:schemaRef ds:uri="http://schemas.microsoft.com/sharepoint/events"/>
-  </ds:schemaRefs>
-</ds:datastoreItem>
-</file>
-
-<file path=customXml/itemProps3.xml><?xml version="1.0" encoding="utf-8"?>
-<ds:datastoreItem xmlns:ds="http://schemas.openxmlformats.org/officeDocument/2006/customXml" ds:itemID="{15774815-801A-4D0C-AAC8-304A8EA5EAE0}">
-  <ds:schemaRefs>
-    <ds:schemaRef ds:uri="http://schemas.microsoft.com/office/2006/metadata/properties"/>
-    <ds:schemaRef ds:uri="http://schemas.microsoft.com/office/infopath/2007/PartnerControls"/>
-    <ds:schemaRef ds:uri="df7acb31-37ac-40e2-81bb-c44e3630f613"/>
-    <ds:schemaRef ds:uri="38ef598d-997c-498b-b737-2f6b2c50ccab"/>
-  </ds:schemaRefs>
-</ds:datastoreItem>
-</file>
-
 <file path=customXml/itemProps4.xml><?xml version="1.0" encoding="utf-8"?>
 <ds:datastoreItem xmlns:ds="http://schemas.openxmlformats.org/officeDocument/2006/customXml" ds:itemID="{0CE24DD7-9317-4AD8-82D4-5A6998DA79C7}">
   <ds:schemaRefs>

--- a/AO-Smith-MSFT-MCHP-r6.pptx
+++ b/AO-Smith-MSFT-MCHP-r6.pptx
@@ -510,7 +510,7 @@
           <a:p>
             <a:fld id="{98615C2D-FB91-8740-95C2-23C11A10F2F2}" type="datetimeFigureOut">
               <a:rPr lang="en-US" smtClean="0"/>
-              <a:t>10/26/21</a:t>
+              <a:t>10/27/21</a:t>
             </a:fld>
             <a:endParaRPr lang="en-US"/>
           </a:p>
@@ -688,7 +688,7 @@
           <a:p>
             <a:fld id="{F154E49F-5C3A-ED4E-A68A-CCB3AA3B5D59}" type="datetimeFigureOut">
               <a:rPr lang="en-US" smtClean="0"/>
-              <a:t>10/26/21</a:t>
+              <a:t>10/27/21</a:t>
             </a:fld>
             <a:endParaRPr lang="en-US"/>
           </a:p>
@@ -15765,23 +15765,385 @@
           </a:p>
         </p:txBody>
       </p:sp>
+      <p:sp>
+        <p:nvSpPr>
+          <p:cNvPr id="60" name="TextBox 59">
+            <a:extLst>
+              <a:ext uri="{FF2B5EF4-FFF2-40B4-BE49-F238E27FC236}">
+                <a16:creationId xmlns:a16="http://schemas.microsoft.com/office/drawing/2014/main" id="{ADE814F8-2063-E446-8FAF-8298B9B54BAD}"/>
+              </a:ext>
+            </a:extLst>
+          </p:cNvPr>
+          <p:cNvSpPr txBox="1"/>
+          <p:nvPr/>
+        </p:nvSpPr>
+        <p:spPr>
+          <a:xfrm>
+            <a:off x="3191172" y="1333191"/>
+            <a:ext cx="3944903" cy="400110"/>
+          </a:xfrm>
+          <a:prstGeom prst="rect">
+            <a:avLst/>
+          </a:prstGeom>
+          <a:noFill/>
+        </p:spPr>
+        <p:txBody>
+          <a:bodyPr wrap="square" rtlCol="0">
+            <a:spAutoFit/>
+          </a:bodyPr>
+          <a:lstStyle/>
+          <a:p>
+            <a:pPr algn="ctr"/>
+            <a:r>
+              <a:rPr lang="en-US" sz="2000" u="sng" dirty="0">
+                <a:latin typeface="Arial" panose="020B0604020202020204" pitchFamily="34" charset="0"/>
+                <a:cs typeface="Arial" panose="020B0604020202020204" pitchFamily="34" charset="0"/>
+              </a:rPr>
+              <a:t>SERCOM2</a:t>
+            </a:r>
+          </a:p>
+        </p:txBody>
+      </p:sp>
+      <p:sp>
+        <p:nvSpPr>
+          <p:cNvPr id="63" name="TextBox 62">
+            <a:extLst>
+              <a:ext uri="{FF2B5EF4-FFF2-40B4-BE49-F238E27FC236}">
+                <a16:creationId xmlns:a16="http://schemas.microsoft.com/office/drawing/2014/main" id="{E2A06480-3486-6644-8FEA-4296107D5F36}"/>
+              </a:ext>
+            </a:extLst>
+          </p:cNvPr>
+          <p:cNvSpPr txBox="1"/>
+          <p:nvPr/>
+        </p:nvSpPr>
+        <p:spPr>
+          <a:xfrm>
+            <a:off x="9933681" y="1341006"/>
+            <a:ext cx="1597438" cy="400110"/>
+          </a:xfrm>
+          <a:prstGeom prst="rect">
+            <a:avLst/>
+          </a:prstGeom>
+          <a:noFill/>
+        </p:spPr>
+        <p:txBody>
+          <a:bodyPr wrap="square" rtlCol="0">
+            <a:spAutoFit/>
+          </a:bodyPr>
+          <a:lstStyle/>
+          <a:p>
+            <a:pPr algn="ctr"/>
+            <a:r>
+              <a:rPr lang="en-US" sz="2000" dirty="0">
+                <a:latin typeface="Arial" panose="020B0604020202020204" pitchFamily="34" charset="0"/>
+                <a:cs typeface="Arial" panose="020B0604020202020204" pitchFamily="34" charset="0"/>
+              </a:rPr>
+              <a:t>Azure Cloud</a:t>
+            </a:r>
+          </a:p>
+        </p:txBody>
+      </p:sp>
+      <p:sp>
+        <p:nvSpPr>
+          <p:cNvPr id="4" name="Rectangular Callout 3">
+            <a:extLst>
+              <a:ext uri="{FF2B5EF4-FFF2-40B4-BE49-F238E27FC236}">
+                <a16:creationId xmlns:a16="http://schemas.microsoft.com/office/drawing/2014/main" id="{AEB2807A-E1C6-724D-955E-AD31860AB627}"/>
+              </a:ext>
+            </a:extLst>
+          </p:cNvPr>
+          <p:cNvSpPr/>
+          <p:nvPr/>
+        </p:nvSpPr>
+        <p:spPr>
+          <a:xfrm>
+            <a:off x="1432209" y="4305668"/>
+            <a:ext cx="5703865" cy="486213"/>
+          </a:xfrm>
+          <a:prstGeom prst="wedgeRectCallout">
+            <a:avLst>
+              <a:gd name="adj1" fmla="val 8048"/>
+              <a:gd name="adj2" fmla="val -307254"/>
+            </a:avLst>
+          </a:prstGeom>
+          <a:solidFill>
+            <a:srgbClr val="7030A0"/>
+          </a:solidFill>
+          <a:ln>
+            <a:noFill/>
+          </a:ln>
+          <a:effectLst/>
+        </p:spPr>
+        <p:style>
+          <a:lnRef idx="1">
+            <a:schemeClr val="accent1"/>
+          </a:lnRef>
+          <a:fillRef idx="3">
+            <a:schemeClr val="accent1"/>
+          </a:fillRef>
+          <a:effectRef idx="2">
+            <a:schemeClr val="accent1"/>
+          </a:effectRef>
+          <a:fontRef idx="minor">
+            <a:schemeClr val="lt1"/>
+          </a:fontRef>
+        </p:style>
+        <p:txBody>
+          <a:bodyPr rot="0" spcFirstLastPara="0" vertOverflow="overflow" horzOverflow="overflow" vert="horz" wrap="square" lIns="91440" tIns="45720" rIns="91440" bIns="45720" numCol="1" spcCol="0" rtlCol="0" fromWordArt="0" anchor="ctr" anchorCtr="0" forceAA="0" compatLnSpc="1">
+            <a:prstTxWarp prst="textNoShape">
+              <a:avLst/>
+            </a:prstTxWarp>
+            <a:noAutofit/>
+          </a:bodyPr>
+          <a:lstStyle/>
+          <a:p>
+            <a:r>
+              <a:rPr lang="en-US" sz="1800" dirty="0">
+                <a:solidFill>
+                  <a:schemeClr val="bg1"/>
+                </a:solidFill>
+                <a:latin typeface="Arial" panose="020B0604020202020204" pitchFamily="34" charset="0"/>
+                <a:cs typeface="Arial" panose="020B0604020202020204" pitchFamily="34" charset="0"/>
+              </a:rPr>
+              <a:t>Send Telemetry Data Frame after generating interrupt</a:t>
+            </a:r>
+          </a:p>
+        </p:txBody>
+      </p:sp>
+      <p:sp>
+        <p:nvSpPr>
+          <p:cNvPr id="20" name="Rectangular Callout 19">
+            <a:extLst>
+              <a:ext uri="{FF2B5EF4-FFF2-40B4-BE49-F238E27FC236}">
+                <a16:creationId xmlns:a16="http://schemas.microsoft.com/office/drawing/2014/main" id="{21920869-7145-6A4B-9353-F214CE231241}"/>
+              </a:ext>
+            </a:extLst>
+          </p:cNvPr>
+          <p:cNvSpPr/>
+          <p:nvPr/>
+        </p:nvSpPr>
+        <p:spPr>
+          <a:xfrm>
+            <a:off x="8933793" y="3882796"/>
+            <a:ext cx="3016469" cy="777241"/>
+          </a:xfrm>
+          <a:prstGeom prst="wedgeRectCallout">
+            <a:avLst>
+              <a:gd name="adj1" fmla="val 14691"/>
+              <a:gd name="adj2" fmla="val -192006"/>
+            </a:avLst>
+          </a:prstGeom>
+          <a:solidFill>
+            <a:srgbClr val="92D050"/>
+          </a:solidFill>
+          <a:ln>
+            <a:noFill/>
+          </a:ln>
+          <a:effectLst/>
+        </p:spPr>
+        <p:style>
+          <a:lnRef idx="1">
+            <a:schemeClr val="accent1"/>
+          </a:lnRef>
+          <a:fillRef idx="3">
+            <a:schemeClr val="accent1"/>
+          </a:fillRef>
+          <a:effectRef idx="2">
+            <a:schemeClr val="accent1"/>
+          </a:effectRef>
+          <a:fontRef idx="minor">
+            <a:schemeClr val="lt1"/>
+          </a:fontRef>
+        </p:style>
+        <p:txBody>
+          <a:bodyPr rot="0" spcFirstLastPara="0" vertOverflow="overflow" horzOverflow="overflow" vert="horz" wrap="square" lIns="91440" tIns="45720" rIns="91440" bIns="45720" numCol="1" spcCol="0" rtlCol="0" fromWordArt="0" anchor="ctr" anchorCtr="0" forceAA="0" compatLnSpc="1">
+            <a:prstTxWarp prst="textNoShape">
+              <a:avLst/>
+            </a:prstTxWarp>
+            <a:noAutofit/>
+          </a:bodyPr>
+          <a:lstStyle/>
+          <a:p>
+            <a:r>
+              <a:rPr lang="en-US" sz="2000" dirty="0">
+                <a:solidFill>
+                  <a:schemeClr val="tx1"/>
+                </a:solidFill>
+                <a:latin typeface="Arial" panose="020B0604020202020204" pitchFamily="34" charset="0"/>
+                <a:cs typeface="Arial" panose="020B0604020202020204" pitchFamily="34" charset="0"/>
+              </a:rPr>
+              <a:t>Larger telemetry strings can get updated faster</a:t>
+            </a:r>
+          </a:p>
+        </p:txBody>
+      </p:sp>
+      <p:pic>
+        <p:nvPicPr>
+          <p:cNvPr id="13" name="Picture 12" descr="Text&#10;&#10;Description automatically generated">
+            <a:extLst>
+              <a:ext uri="{FF2B5EF4-FFF2-40B4-BE49-F238E27FC236}">
+                <a16:creationId xmlns:a16="http://schemas.microsoft.com/office/drawing/2014/main" id="{947D16E8-74BB-EA4D-B4C7-C27F846EF625}"/>
+              </a:ext>
+            </a:extLst>
+          </p:cNvPr>
+          <p:cNvPicPr>
+            <a:picLocks noChangeAspect="1"/>
+          </p:cNvPicPr>
+          <p:nvPr/>
+        </p:nvPicPr>
+        <p:blipFill>
+          <a:blip r:embed="rId4"/>
+          <a:stretch>
+            <a:fillRect/>
+          </a:stretch>
+        </p:blipFill>
+        <p:spPr>
+          <a:xfrm>
+            <a:off x="9933681" y="1822804"/>
+            <a:ext cx="1600200" cy="952500"/>
+          </a:xfrm>
+          <a:prstGeom prst="rect">
+            <a:avLst/>
+          </a:prstGeom>
+        </p:spPr>
+      </p:pic>
+      <p:sp>
+        <p:nvSpPr>
+          <p:cNvPr id="27" name="Rectangle 26">
+            <a:extLst>
+              <a:ext uri="{FF2B5EF4-FFF2-40B4-BE49-F238E27FC236}">
+                <a16:creationId xmlns:a16="http://schemas.microsoft.com/office/drawing/2014/main" id="{6F44C02D-EEC8-2847-87C0-25C73BD1F821}"/>
+              </a:ext>
+            </a:extLst>
+          </p:cNvPr>
+          <p:cNvSpPr/>
+          <p:nvPr/>
+        </p:nvSpPr>
+        <p:spPr>
+          <a:xfrm>
+            <a:off x="4234298" y="1316137"/>
+            <a:ext cx="1803879" cy="1424332"/>
+          </a:xfrm>
+          <a:prstGeom prst="rect">
+            <a:avLst/>
+          </a:prstGeom>
+          <a:noFill/>
+          <a:ln w="25400">
+            <a:solidFill>
+              <a:schemeClr val="tx1"/>
+            </a:solidFill>
+            <a:prstDash val="solid"/>
+          </a:ln>
+          <a:effectLst/>
+        </p:spPr>
+        <p:style>
+          <a:lnRef idx="1">
+            <a:schemeClr val="accent1"/>
+          </a:lnRef>
+          <a:fillRef idx="3">
+            <a:schemeClr val="accent1"/>
+          </a:fillRef>
+          <a:effectRef idx="2">
+            <a:schemeClr val="accent1"/>
+          </a:effectRef>
+          <a:fontRef idx="minor">
+            <a:schemeClr val="lt1"/>
+          </a:fontRef>
+        </p:style>
+        <p:txBody>
+          <a:bodyPr rot="0" spcFirstLastPara="0" vertOverflow="overflow" horzOverflow="overflow" vert="horz" wrap="square" lIns="91440" tIns="45720" rIns="91440" bIns="45720" numCol="1" spcCol="0" rtlCol="0" fromWordArt="0" anchor="ctr" anchorCtr="0" forceAA="0" compatLnSpc="1">
+            <a:prstTxWarp prst="textNoShape">
+              <a:avLst/>
+            </a:prstTxWarp>
+            <a:noAutofit/>
+          </a:bodyPr>
+          <a:lstStyle/>
+          <a:p>
+            <a:pPr algn="ctr"/>
+            <a:endParaRPr lang="en-US"/>
+          </a:p>
+        </p:txBody>
+      </p:sp>
+      <p:sp>
+        <p:nvSpPr>
+          <p:cNvPr id="23" name="Rectangle 22">
+            <a:extLst>
+              <a:ext uri="{FF2B5EF4-FFF2-40B4-BE49-F238E27FC236}">
+                <a16:creationId xmlns:a16="http://schemas.microsoft.com/office/drawing/2014/main" id="{DB9BD300-FC0A-EE46-A83C-F416A76D4A5A}"/>
+              </a:ext>
+            </a:extLst>
+          </p:cNvPr>
+          <p:cNvSpPr/>
+          <p:nvPr/>
+        </p:nvSpPr>
+        <p:spPr>
+          <a:xfrm>
+            <a:off x="4374045" y="2226924"/>
+            <a:ext cx="1470164" cy="949105"/>
+          </a:xfrm>
+          <a:prstGeom prst="rect">
+            <a:avLst/>
+          </a:prstGeom>
+          <a:noFill/>
+          <a:ln w="19050">
+            <a:solidFill>
+              <a:srgbClr val="FF0000"/>
+            </a:solidFill>
+            <a:prstDash val="dash"/>
+          </a:ln>
+          <a:effectLst/>
+        </p:spPr>
+        <p:style>
+          <a:lnRef idx="1">
+            <a:schemeClr val="accent1"/>
+          </a:lnRef>
+          <a:fillRef idx="3">
+            <a:schemeClr val="accent1"/>
+          </a:fillRef>
+          <a:effectRef idx="2">
+            <a:schemeClr val="accent1"/>
+          </a:effectRef>
+          <a:fontRef idx="minor">
+            <a:schemeClr val="lt1"/>
+          </a:fontRef>
+        </p:style>
+        <p:txBody>
+          <a:bodyPr rot="0" spcFirstLastPara="0" vertOverflow="overflow" horzOverflow="overflow" vert="horz" wrap="square" lIns="91440" tIns="45720" rIns="91440" bIns="45720" numCol="1" spcCol="0" rtlCol="0" fromWordArt="0" anchor="ctr" anchorCtr="0" forceAA="0" compatLnSpc="1">
+            <a:prstTxWarp prst="textNoShape">
+              <a:avLst/>
+            </a:prstTxWarp>
+            <a:noAutofit/>
+          </a:bodyPr>
+          <a:lstStyle/>
+          <a:p>
+            <a:pPr algn="ctr"/>
+            <a:endParaRPr lang="en-US"/>
+          </a:p>
+        </p:txBody>
+      </p:sp>
       <p:graphicFrame>
         <p:nvGraphicFramePr>
-          <p:cNvPr id="10" name="Table 10">
+          <p:cNvPr id="25" name="Table 10">
             <a:extLst>
               <a:ext uri="{FF2B5EF4-FFF2-40B4-BE49-F238E27FC236}">
-                <a16:creationId xmlns:a16="http://schemas.microsoft.com/office/drawing/2014/main" id="{BF78424B-A652-EC45-9AE7-6C51CBFEFCBE}"/>
+                <a16:creationId xmlns:a16="http://schemas.microsoft.com/office/drawing/2014/main" id="{59F1D05C-6F57-FF4E-98B2-425D1C59B706}"/>
               </a:ext>
             </a:extLst>
           </p:cNvPr>
           <p:cNvGraphicFramePr>
             <a:graphicFrameLocks noGrp="1"/>
           </p:cNvGraphicFramePr>
-          <p:nvPr/>
+          <p:nvPr>
+            <p:extLst>
+              <p:ext uri="{D42A27DB-BD31-4B8C-83A1-F6EECF244321}">
+                <p14:modId xmlns:p14="http://schemas.microsoft.com/office/powerpoint/2010/main" val="1532898753"/>
+              </p:ext>
+            </p:extLst>
+          </p:nvPr>
         </p:nvGraphicFramePr>
         <p:xfrm>
-          <a:off x="1443651" y="5186645"/>
-          <a:ext cx="6544211" cy="640080"/>
+          <a:off x="1443650" y="5186645"/>
+          <a:ext cx="7490145" cy="640080"/>
         </p:xfrm>
         <a:graphic>
           <a:graphicData uri="http://schemas.openxmlformats.org/drawingml/2006/table">
@@ -15790,42 +16152,49 @@
                 <a:tableStyleId>{5C22544A-7EE6-4342-B048-85BDC9FD1C3A}</a:tableStyleId>
               </a:tblPr>
               <a:tblGrid>
-                <a:gridCol w="983847">
+                <a:gridCol w="1310060">
+                  <a:extLst>
+                    <a:ext uri="{9D8B030D-6E8A-4147-A177-3AD203B41FA5}">
+                      <a16:colId xmlns:a16="http://schemas.microsoft.com/office/drawing/2014/main" val="740228285"/>
+                    </a:ext>
+                  </a:extLst>
+                </a:gridCol>
+                <a:gridCol w="945931">
                   <a:extLst>
                     <a:ext uri="{9D8B030D-6E8A-4147-A177-3AD203B41FA5}">
                       <a16:colId xmlns:a16="http://schemas.microsoft.com/office/drawing/2014/main" val="2062451749"/>
                     </a:ext>
                   </a:extLst>
                 </a:gridCol>
-                <a:gridCol w="983847">
+                <a:gridCol w="1072056">
                   <a:extLst>
                     <a:ext uri="{9D8B030D-6E8A-4147-A177-3AD203B41FA5}">
                       <a16:colId xmlns:a16="http://schemas.microsoft.com/office/drawing/2014/main" val="2207569799"/>
                     </a:ext>
                   </a:extLst>
                 </a:gridCol>
-                <a:gridCol w="983847">
+                <a:gridCol w="1030013">
                   <a:extLst>
                     <a:ext uri="{9D8B030D-6E8A-4147-A177-3AD203B41FA5}">
                       <a16:colId xmlns:a16="http://schemas.microsoft.com/office/drawing/2014/main" val="2389990835"/>
                     </a:ext>
                   </a:extLst>
                 </a:gridCol>
-                <a:gridCol w="983847">
+                <a:gridCol w="966952">
                   <a:extLst>
                     <a:ext uri="{9D8B030D-6E8A-4147-A177-3AD203B41FA5}">
                       <a16:colId xmlns:a16="http://schemas.microsoft.com/office/drawing/2014/main" val="2351764435"/>
                     </a:ext>
                   </a:extLst>
                 </a:gridCol>
-                <a:gridCol w="1557789">
+                <a:gridCol w="1119392">
                   <a:extLst>
                     <a:ext uri="{9D8B030D-6E8A-4147-A177-3AD203B41FA5}">
                       <a16:colId xmlns:a16="http://schemas.microsoft.com/office/drawing/2014/main" val="1259906589"/>
                     </a:ext>
                   </a:extLst>
                 </a:gridCol>
-                <a:gridCol w="1051034">
+                <a:gridCol w="1045741">
                   <a:extLst>
                     <a:ext uri="{9D8B030D-6E8A-4147-A177-3AD203B41FA5}">
                       <a16:colId xmlns:a16="http://schemas.microsoft.com/office/drawing/2014/main" val="4242141684"/>
@@ -15834,6 +16203,39 @@
                 </a:gridCol>
               </a:tblGrid>
               <a:tr h="370840">
+                <a:tc>
+                  <a:txBody>
+                    <a:bodyPr/>
+                    <a:lstStyle/>
+                    <a:p>
+                      <a:pPr algn="ctr"/>
+                      <a:r>
+                        <a:rPr lang="en-US" sz="1800" dirty="0">
+                          <a:solidFill>
+                            <a:schemeClr val="bg1"/>
+                          </a:solidFill>
+                          <a:latin typeface="Arial" panose="020B0604020202020204" pitchFamily="34" charset="0"/>
+                          <a:cs typeface="Arial" panose="020B0604020202020204" pitchFamily="34" charset="0"/>
+                        </a:rPr>
+                        <a:t>Command</a:t>
+                      </a:r>
+                    </a:p>
+                    <a:p>
+                      <a:pPr algn="ctr"/>
+                      <a:r>
+                        <a:rPr lang="en-US" sz="1800" dirty="0">
+                          <a:solidFill>
+                            <a:schemeClr val="bg1"/>
+                          </a:solidFill>
+                          <a:latin typeface="Arial" panose="020B0604020202020204" pitchFamily="34" charset="0"/>
+                          <a:cs typeface="Arial" panose="020B0604020202020204" pitchFamily="34" charset="0"/>
+                        </a:rPr>
+                        <a:t>Byte</a:t>
+                      </a:r>
+                    </a:p>
+                  </a:txBody>
+                  <a:tcPr/>
+                </a:tc>
                 <a:tc>
                   <a:txBody>
                     <a:bodyPr/>
@@ -15963,7 +16365,7 @@
                           <a:latin typeface="Arial" panose="020B0604020202020204" pitchFamily="34" charset="0"/>
                           <a:cs typeface="Arial" panose="020B0604020202020204" pitchFamily="34" charset="0"/>
                         </a:rPr>
-                        <a:t>Data Byte</a:t>
+                        <a:t>Data Byte 1</a:t>
                       </a:r>
                     </a:p>
                   </a:txBody>
@@ -15999,7 +16401,7 @@
                           <a:latin typeface="Arial" panose="020B0604020202020204" pitchFamily="34" charset="0"/>
                           <a:cs typeface="Arial" panose="020B0604020202020204" pitchFamily="34" charset="0"/>
                         </a:rPr>
-                        <a:t>. . . . . . . . . . .</a:t>
+                        <a:t>. . . . . . .</a:t>
                       </a:r>
                     </a:p>
                     <a:p>
@@ -16045,7 +16447,7 @@
                           <a:latin typeface="Arial" panose="020B0604020202020204" pitchFamily="34" charset="0"/>
                           <a:cs typeface="Arial" panose="020B0604020202020204" pitchFamily="34" charset="0"/>
                         </a:rPr>
-                        <a:t>Data Byte</a:t>
+                        <a:t>Data Byte N</a:t>
                       </a:r>
                     </a:p>
                   </a:txBody>
@@ -16063,10 +16465,10 @@
       </p:graphicFrame>
       <p:sp>
         <p:nvSpPr>
-          <p:cNvPr id="11" name="TextBox 10">
+          <p:cNvPr id="29" name="TextBox 28">
             <a:extLst>
               <a:ext uri="{FF2B5EF4-FFF2-40B4-BE49-F238E27FC236}">
-                <a16:creationId xmlns:a16="http://schemas.microsoft.com/office/drawing/2014/main" id="{990E4138-BA1B-6D43-8D1E-04D8B4BC1A4D}"/>
+                <a16:creationId xmlns:a16="http://schemas.microsoft.com/office/drawing/2014/main" id="{8A2139BD-E853-654E-B91F-97C910AD770F}"/>
               </a:ext>
             </a:extLst>
           </p:cNvPr>
@@ -16094,17 +16496,17 @@
                 <a:latin typeface="Courier" pitchFamily="2" charset="0"/>
                 <a:cs typeface="Arial" panose="020B0604020202020204" pitchFamily="34" charset="0"/>
               </a:rPr>
-              <a:t>TXD</a:t>
+              <a:t>MOSI</a:t>
             </a:r>
           </a:p>
         </p:txBody>
       </p:sp>
       <p:sp>
         <p:nvSpPr>
-          <p:cNvPr id="24" name="TextBox 23">
+          <p:cNvPr id="30" name="TextBox 29">
             <a:extLst>
               <a:ext uri="{FF2B5EF4-FFF2-40B4-BE49-F238E27FC236}">
-                <a16:creationId xmlns:a16="http://schemas.microsoft.com/office/drawing/2014/main" id="{F2ABB784-408D-B346-ADC0-B407A51F5238}"/>
+                <a16:creationId xmlns:a16="http://schemas.microsoft.com/office/drawing/2014/main" id="{A58B835B-9272-F143-872B-01319CEFA72C}"/>
               </a:ext>
             </a:extLst>
           </p:cNvPr>
@@ -16113,7 +16515,7 @@
         </p:nvSpPr>
         <p:spPr>
           <a:xfrm>
-            <a:off x="208370" y="5955046"/>
+            <a:off x="239900" y="5955046"/>
             <a:ext cx="805048" cy="400110"/>
           </a:xfrm>
           <a:prstGeom prst="rect">
@@ -16139,10 +16541,10 @@
       </p:sp>
       <p:cxnSp>
         <p:nvCxnSpPr>
-          <p:cNvPr id="26" name="Elbow Connector 25">
+          <p:cNvPr id="32" name="Elbow Connector 31">
             <a:extLst>
               <a:ext uri="{FF2B5EF4-FFF2-40B4-BE49-F238E27FC236}">
-                <a16:creationId xmlns:a16="http://schemas.microsoft.com/office/drawing/2014/main" id="{2E0AF413-9808-9241-B5D3-C6788A9FFDF6}"/>
+                <a16:creationId xmlns:a16="http://schemas.microsoft.com/office/drawing/2014/main" id="{D85B8093-8522-1F4E-B8A3-D260564518BC}"/>
               </a:ext>
             </a:extLst>
           </p:cNvPr>
@@ -16178,10 +16580,10 @@
       </p:cxnSp>
       <p:cxnSp>
         <p:nvCxnSpPr>
-          <p:cNvPr id="31" name="Elbow Connector 30">
+          <p:cNvPr id="33" name="Elbow Connector 32">
             <a:extLst>
               <a:ext uri="{FF2B5EF4-FFF2-40B4-BE49-F238E27FC236}">
-                <a16:creationId xmlns:a16="http://schemas.microsoft.com/office/drawing/2014/main" id="{8616908D-CF4C-9947-93C3-69925F4007E4}"/>
+                <a16:creationId xmlns:a16="http://schemas.microsoft.com/office/drawing/2014/main" id="{1B518957-6A07-CA4B-99FC-1D01797B4990}"/>
               </a:ext>
             </a:extLst>
           </p:cNvPr>
@@ -16192,7 +16594,7 @@
         </p:nvCxnSpPr>
         <p:spPr>
           <a:xfrm rot="10800000" flipV="1">
-            <a:off x="7998371" y="6155101"/>
+            <a:off x="8900642" y="6155101"/>
             <a:ext cx="466748" cy="447352"/>
           </a:xfrm>
           <a:prstGeom prst="bentConnector3">
@@ -16219,10 +16621,10 @@
       </p:cxnSp>
       <p:cxnSp>
         <p:nvCxnSpPr>
-          <p:cNvPr id="36" name="Straight Connector 35">
+          <p:cNvPr id="34" name="Straight Connector 33">
             <a:extLst>
               <a:ext uri="{FF2B5EF4-FFF2-40B4-BE49-F238E27FC236}">
-                <a16:creationId xmlns:a16="http://schemas.microsoft.com/office/drawing/2014/main" id="{D97F5425-C89D-C548-8859-D29DECE9C886}"/>
+                <a16:creationId xmlns:a16="http://schemas.microsoft.com/office/drawing/2014/main" id="{16B70E58-A534-A546-AAA1-7DA6FD3E1D7F}"/>
               </a:ext>
             </a:extLst>
           </p:cNvPr>
@@ -16234,7 +16636,7 @@
         <p:spPr>
           <a:xfrm>
             <a:off x="1442720" y="6602453"/>
-            <a:ext cx="6610349" cy="0"/>
+            <a:ext cx="7457922" cy="1"/>
           </a:xfrm>
           <a:prstGeom prst="line">
             <a:avLst/>
@@ -16258,10 +16660,10 @@
       </p:cxnSp>
       <p:sp>
         <p:nvSpPr>
-          <p:cNvPr id="60" name="TextBox 59">
+          <p:cNvPr id="35" name="TextBox 34">
             <a:extLst>
               <a:ext uri="{FF2B5EF4-FFF2-40B4-BE49-F238E27FC236}">
-                <a16:creationId xmlns:a16="http://schemas.microsoft.com/office/drawing/2014/main" id="{ADE814F8-2063-E446-8FAF-8298B9B54BAD}"/>
+                <a16:creationId xmlns:a16="http://schemas.microsoft.com/office/drawing/2014/main" id="{A191CA53-4F96-E44F-B280-D7E4832A3656}"/>
               </a:ext>
             </a:extLst>
           </p:cNvPr>
@@ -16270,8 +16672,8 @@
         </p:nvSpPr>
         <p:spPr>
           <a:xfrm>
-            <a:off x="3191172" y="1333191"/>
-            <a:ext cx="3944903" cy="400110"/>
+            <a:off x="1442720" y="5880542"/>
+            <a:ext cx="6544211" cy="584775"/>
           </a:xfrm>
           <a:prstGeom prst="rect">
             <a:avLst/>
@@ -16286,368 +16688,22 @@
           <a:p>
             <a:pPr algn="ctr"/>
             <a:r>
-              <a:rPr lang="en-US" sz="2000" u="sng" dirty="0">
-                <a:latin typeface="Arial" panose="020B0604020202020204" pitchFamily="34" charset="0"/>
-                <a:cs typeface="Arial" panose="020B0604020202020204" pitchFamily="34" charset="0"/>
-              </a:rPr>
-              <a:t>SERCOM2</a:t>
-            </a:r>
-          </a:p>
-        </p:txBody>
-      </p:sp>
-      <p:sp>
-        <p:nvSpPr>
-          <p:cNvPr id="63" name="TextBox 62">
-            <a:extLst>
-              <a:ext uri="{FF2B5EF4-FFF2-40B4-BE49-F238E27FC236}">
-                <a16:creationId xmlns:a16="http://schemas.microsoft.com/office/drawing/2014/main" id="{E2A06480-3486-6644-8FEA-4296107D5F36}"/>
-              </a:ext>
-            </a:extLst>
-          </p:cNvPr>
-          <p:cNvSpPr txBox="1"/>
-          <p:nvPr/>
-        </p:nvSpPr>
-        <p:spPr>
-          <a:xfrm>
-            <a:off x="9933681" y="1341006"/>
-            <a:ext cx="1597438" cy="400110"/>
-          </a:xfrm>
-          <a:prstGeom prst="rect">
-            <a:avLst/>
-          </a:prstGeom>
-          <a:noFill/>
-        </p:spPr>
-        <p:txBody>
-          <a:bodyPr wrap="square" rtlCol="0">
-            <a:spAutoFit/>
-          </a:bodyPr>
-          <a:lstStyle/>
-          <a:p>
-            <a:pPr algn="ctr"/>
-            <a:r>
-              <a:rPr lang="en-US" sz="2000" dirty="0">
-                <a:latin typeface="Arial" panose="020B0604020202020204" pitchFamily="34" charset="0"/>
-                <a:cs typeface="Arial" panose="020B0604020202020204" pitchFamily="34" charset="0"/>
-              </a:rPr>
-              <a:t>Azure Cloud</a:t>
-            </a:r>
-          </a:p>
-        </p:txBody>
-      </p:sp>
-      <p:sp>
-        <p:nvSpPr>
-          <p:cNvPr id="4" name="Rectangular Callout 3">
-            <a:extLst>
-              <a:ext uri="{FF2B5EF4-FFF2-40B4-BE49-F238E27FC236}">
-                <a16:creationId xmlns:a16="http://schemas.microsoft.com/office/drawing/2014/main" id="{AEB2807A-E1C6-724D-955E-AD31860AB627}"/>
-              </a:ext>
-            </a:extLst>
-          </p:cNvPr>
-          <p:cNvSpPr/>
-          <p:nvPr/>
-        </p:nvSpPr>
-        <p:spPr>
-          <a:xfrm>
-            <a:off x="1432209" y="4305668"/>
-            <a:ext cx="5703865" cy="486213"/>
-          </a:xfrm>
-          <a:prstGeom prst="wedgeRectCallout">
-            <a:avLst>
-              <a:gd name="adj1" fmla="val 8048"/>
-              <a:gd name="adj2" fmla="val -307254"/>
-            </a:avLst>
-          </a:prstGeom>
-          <a:solidFill>
-            <a:srgbClr val="7030A0"/>
-          </a:solidFill>
-          <a:ln>
-            <a:noFill/>
-          </a:ln>
-          <a:effectLst/>
-        </p:spPr>
-        <p:style>
-          <a:lnRef idx="1">
-            <a:schemeClr val="accent1"/>
-          </a:lnRef>
-          <a:fillRef idx="3">
-            <a:schemeClr val="accent1"/>
-          </a:fillRef>
-          <a:effectRef idx="2">
-            <a:schemeClr val="accent1"/>
-          </a:effectRef>
-          <a:fontRef idx="minor">
-            <a:schemeClr val="lt1"/>
-          </a:fontRef>
-        </p:style>
-        <p:txBody>
-          <a:bodyPr rot="0" spcFirstLastPara="0" vertOverflow="overflow" horzOverflow="overflow" vert="horz" wrap="square" lIns="91440" tIns="45720" rIns="91440" bIns="45720" numCol="1" spcCol="0" rtlCol="0" fromWordArt="0" anchor="ctr" anchorCtr="0" forceAA="0" compatLnSpc="1">
-            <a:prstTxWarp prst="textNoShape">
-              <a:avLst/>
-            </a:prstTxWarp>
-            <a:noAutofit/>
-          </a:bodyPr>
-          <a:lstStyle/>
-          <a:p>
-            <a:r>
-              <a:rPr lang="en-US" sz="1800" dirty="0">
-                <a:solidFill>
-                  <a:schemeClr val="bg1"/>
-                </a:solidFill>
-                <a:latin typeface="Arial" panose="020B0604020202020204" pitchFamily="34" charset="0"/>
-                <a:cs typeface="Arial" panose="020B0604020202020204" pitchFamily="34" charset="0"/>
-              </a:rPr>
-              <a:t>Send Telemetry Data Frame after generating interrupt</a:t>
-            </a:r>
-          </a:p>
-        </p:txBody>
-      </p:sp>
-      <p:sp>
-        <p:nvSpPr>
-          <p:cNvPr id="20" name="Rectangular Callout 19">
-            <a:extLst>
-              <a:ext uri="{FF2B5EF4-FFF2-40B4-BE49-F238E27FC236}">
-                <a16:creationId xmlns:a16="http://schemas.microsoft.com/office/drawing/2014/main" id="{21920869-7145-6A4B-9353-F214CE231241}"/>
-              </a:ext>
-            </a:extLst>
-          </p:cNvPr>
-          <p:cNvSpPr/>
-          <p:nvPr/>
-        </p:nvSpPr>
-        <p:spPr>
-          <a:xfrm>
-            <a:off x="8933793" y="3882796"/>
-            <a:ext cx="3016469" cy="777241"/>
-          </a:xfrm>
-          <a:prstGeom prst="wedgeRectCallout">
-            <a:avLst>
-              <a:gd name="adj1" fmla="val 14691"/>
-              <a:gd name="adj2" fmla="val -192006"/>
-            </a:avLst>
-          </a:prstGeom>
-          <a:solidFill>
-            <a:srgbClr val="92D050"/>
-          </a:solidFill>
-          <a:ln>
-            <a:noFill/>
-          </a:ln>
-          <a:effectLst/>
-        </p:spPr>
-        <p:style>
-          <a:lnRef idx="1">
-            <a:schemeClr val="accent1"/>
-          </a:lnRef>
-          <a:fillRef idx="3">
-            <a:schemeClr val="accent1"/>
-          </a:fillRef>
-          <a:effectRef idx="2">
-            <a:schemeClr val="accent1"/>
-          </a:effectRef>
-          <a:fontRef idx="minor">
-            <a:schemeClr val="lt1"/>
-          </a:fontRef>
-        </p:style>
-        <p:txBody>
-          <a:bodyPr rot="0" spcFirstLastPara="0" vertOverflow="overflow" horzOverflow="overflow" vert="horz" wrap="square" lIns="91440" tIns="45720" rIns="91440" bIns="45720" numCol="1" spcCol="0" rtlCol="0" fromWordArt="0" anchor="ctr" anchorCtr="0" forceAA="0" compatLnSpc="1">
-            <a:prstTxWarp prst="textNoShape">
-              <a:avLst/>
-            </a:prstTxWarp>
-            <a:noAutofit/>
-          </a:bodyPr>
-          <a:lstStyle/>
-          <a:p>
-            <a:r>
-              <a:rPr lang="en-US" sz="2000" dirty="0">
-                <a:solidFill>
-                  <a:schemeClr val="tx1"/>
-                </a:solidFill>
-                <a:latin typeface="Arial" panose="020B0604020202020204" pitchFamily="34" charset="0"/>
-                <a:cs typeface="Arial" panose="020B0604020202020204" pitchFamily="34" charset="0"/>
-              </a:rPr>
-              <a:t>Larger telemetry strings can get updated faster</a:t>
-            </a:r>
-          </a:p>
-        </p:txBody>
-      </p:sp>
-      <p:pic>
-        <p:nvPicPr>
-          <p:cNvPr id="13" name="Picture 12" descr="Text&#10;&#10;Description automatically generated">
-            <a:extLst>
-              <a:ext uri="{FF2B5EF4-FFF2-40B4-BE49-F238E27FC236}">
-                <a16:creationId xmlns:a16="http://schemas.microsoft.com/office/drawing/2014/main" id="{947D16E8-74BB-EA4D-B4C7-C27F846EF625}"/>
-              </a:ext>
-            </a:extLst>
-          </p:cNvPr>
-          <p:cNvPicPr>
-            <a:picLocks noChangeAspect="1"/>
-          </p:cNvPicPr>
-          <p:nvPr/>
-        </p:nvPicPr>
-        <p:blipFill>
-          <a:blip r:embed="rId4"/>
-          <a:stretch>
-            <a:fillRect/>
-          </a:stretch>
-        </p:blipFill>
-        <p:spPr>
-          <a:xfrm>
-            <a:off x="9933681" y="1822804"/>
-            <a:ext cx="1600200" cy="952500"/>
-          </a:xfrm>
-          <a:prstGeom prst="rect">
-            <a:avLst/>
-          </a:prstGeom>
-        </p:spPr>
-      </p:pic>
-      <p:sp>
-        <p:nvSpPr>
-          <p:cNvPr id="27" name="Rectangle 26">
-            <a:extLst>
-              <a:ext uri="{FF2B5EF4-FFF2-40B4-BE49-F238E27FC236}">
-                <a16:creationId xmlns:a16="http://schemas.microsoft.com/office/drawing/2014/main" id="{6F44C02D-EEC8-2847-87C0-25C73BD1F821}"/>
-              </a:ext>
-            </a:extLst>
-          </p:cNvPr>
-          <p:cNvSpPr/>
-          <p:nvPr/>
-        </p:nvSpPr>
-        <p:spPr>
-          <a:xfrm>
-            <a:off x="4234298" y="1316137"/>
-            <a:ext cx="1803879" cy="1424332"/>
-          </a:xfrm>
-          <a:prstGeom prst="rect">
-            <a:avLst/>
-          </a:prstGeom>
-          <a:noFill/>
-          <a:ln w="25400">
-            <a:solidFill>
-              <a:schemeClr val="tx1"/>
-            </a:solidFill>
-            <a:prstDash val="solid"/>
-          </a:ln>
-          <a:effectLst/>
-        </p:spPr>
-        <p:style>
-          <a:lnRef idx="1">
-            <a:schemeClr val="accent1"/>
-          </a:lnRef>
-          <a:fillRef idx="3">
-            <a:schemeClr val="accent1"/>
-          </a:fillRef>
-          <a:effectRef idx="2">
-            <a:schemeClr val="accent1"/>
-          </a:effectRef>
-          <a:fontRef idx="minor">
-            <a:schemeClr val="lt1"/>
-          </a:fontRef>
-        </p:style>
-        <p:txBody>
-          <a:bodyPr rot="0" spcFirstLastPara="0" vertOverflow="overflow" horzOverflow="overflow" vert="horz" wrap="square" lIns="91440" tIns="45720" rIns="91440" bIns="45720" numCol="1" spcCol="0" rtlCol="0" fromWordArt="0" anchor="ctr" anchorCtr="0" forceAA="0" compatLnSpc="1">
-            <a:prstTxWarp prst="textNoShape">
-              <a:avLst/>
-            </a:prstTxWarp>
-            <a:noAutofit/>
-          </a:bodyPr>
-          <a:lstStyle/>
-          <a:p>
-            <a:pPr algn="ctr"/>
-            <a:endParaRPr lang="en-US"/>
-          </a:p>
-        </p:txBody>
-      </p:sp>
-      <p:sp>
-        <p:nvSpPr>
-          <p:cNvPr id="22" name="TextBox 21">
-            <a:extLst>
-              <a:ext uri="{FF2B5EF4-FFF2-40B4-BE49-F238E27FC236}">
-                <a16:creationId xmlns:a16="http://schemas.microsoft.com/office/drawing/2014/main" id="{153D7657-591E-5B47-9326-BCA8C68C58CE}"/>
-              </a:ext>
-            </a:extLst>
-          </p:cNvPr>
-          <p:cNvSpPr txBox="1"/>
-          <p:nvPr/>
-        </p:nvSpPr>
-        <p:spPr>
-          <a:xfrm>
-            <a:off x="1442720" y="5880542"/>
-            <a:ext cx="6544211" cy="338554"/>
-          </a:xfrm>
-          <a:prstGeom prst="rect">
-            <a:avLst/>
-          </a:prstGeom>
-          <a:noFill/>
-        </p:spPr>
-        <p:txBody>
-          <a:bodyPr wrap="square" rtlCol="0">
-            <a:spAutoFit/>
-          </a:bodyPr>
-          <a:lstStyle/>
-          <a:p>
-            <a:pPr algn="ctr"/>
-            <a:r>
               <a:rPr lang="en-US" sz="1600" dirty="0">
                 <a:latin typeface="Arial" panose="020B0604020202020204" pitchFamily="34" charset="0"/>
                 <a:cs typeface="Arial" panose="020B0604020202020204" pitchFamily="34" charset="0"/>
               </a:rPr>
-              <a:t>Minimum Rx buffer size = (3 + 1024) bytes = 1027 bytes</a:t>
-            </a:r>
-          </a:p>
-        </p:txBody>
-      </p:sp>
-      <p:sp>
-        <p:nvSpPr>
-          <p:cNvPr id="23" name="Rectangle 22">
-            <a:extLst>
-              <a:ext uri="{FF2B5EF4-FFF2-40B4-BE49-F238E27FC236}">
-                <a16:creationId xmlns:a16="http://schemas.microsoft.com/office/drawing/2014/main" id="{DB9BD300-FC0A-EE46-A83C-F416A76D4A5A}"/>
-              </a:ext>
-            </a:extLst>
-          </p:cNvPr>
-          <p:cNvSpPr/>
-          <p:nvPr/>
-        </p:nvSpPr>
-        <p:spPr>
-          <a:xfrm>
-            <a:off x="4374045" y="2226924"/>
-            <a:ext cx="1470164" cy="949105"/>
-          </a:xfrm>
-          <a:prstGeom prst="rect">
-            <a:avLst/>
-          </a:prstGeom>
-          <a:noFill/>
-          <a:ln w="19050">
-            <a:solidFill>
-              <a:srgbClr val="FF0000"/>
-            </a:solidFill>
-            <a:prstDash val="dash"/>
-          </a:ln>
-          <a:effectLst/>
-        </p:spPr>
-        <p:style>
-          <a:lnRef idx="1">
-            <a:schemeClr val="accent1"/>
-          </a:lnRef>
-          <a:fillRef idx="3">
-            <a:schemeClr val="accent1"/>
-          </a:fillRef>
-          <a:effectRef idx="2">
-            <a:schemeClr val="accent1"/>
-          </a:effectRef>
-          <a:fontRef idx="minor">
-            <a:schemeClr val="lt1"/>
-          </a:fontRef>
-        </p:style>
-        <p:txBody>
-          <a:bodyPr rot="0" spcFirstLastPara="0" vertOverflow="overflow" horzOverflow="overflow" vert="horz" wrap="square" lIns="91440" tIns="45720" rIns="91440" bIns="45720" numCol="1" spcCol="0" rtlCol="0" fromWordArt="0" anchor="ctr" anchorCtr="0" forceAA="0" compatLnSpc="1">
-            <a:prstTxWarp prst="textNoShape">
-              <a:avLst/>
-            </a:prstTxWarp>
-            <a:noAutofit/>
-          </a:bodyPr>
-          <a:lstStyle/>
+              <a:t>Minimum Rx buffer size = (4 + 1024) bytes = 1028 bytes</a:t>
+            </a:r>
+          </a:p>
           <a:p>
             <a:pPr algn="ctr"/>
-            <a:endParaRPr lang="en-US"/>
+            <a:r>
+              <a:rPr lang="en-US" sz="1600" dirty="0">
+                <a:latin typeface="Arial" panose="020B0604020202020204" pitchFamily="34" charset="0"/>
+                <a:cs typeface="Arial" panose="020B0604020202020204" pitchFamily="34" charset="0"/>
+              </a:rPr>
+              <a:t>Command Byte = ‘T’ or ‘t’ (0x54 or 0x74)</a:t>
+            </a:r>
           </a:p>
         </p:txBody>
       </p:sp>
@@ -17251,14 +17307,14 @@
           <p:nvPr>
             <p:extLst>
               <p:ext uri="{D42A27DB-BD31-4B8C-83A1-F6EECF244321}">
-                <p14:modId xmlns:p14="http://schemas.microsoft.com/office/powerpoint/2010/main" val="3400722622"/>
+                <p14:modId xmlns:p14="http://schemas.microsoft.com/office/powerpoint/2010/main" val="3948870421"/>
               </p:ext>
             </p:extLst>
           </p:nvPr>
         </p:nvGraphicFramePr>
         <p:xfrm>
-          <a:off x="1443651" y="5186645"/>
-          <a:ext cx="6544211" cy="640080"/>
+          <a:off x="1443650" y="5186645"/>
+          <a:ext cx="7490145" cy="640080"/>
         </p:xfrm>
         <a:graphic>
           <a:graphicData uri="http://schemas.openxmlformats.org/drawingml/2006/table">
@@ -17267,42 +17323,49 @@
                 <a:tableStyleId>{5C22544A-7EE6-4342-B048-85BDC9FD1C3A}</a:tableStyleId>
               </a:tblPr>
               <a:tblGrid>
-                <a:gridCol w="983847">
+                <a:gridCol w="1310060">
+                  <a:extLst>
+                    <a:ext uri="{9D8B030D-6E8A-4147-A177-3AD203B41FA5}">
+                      <a16:colId xmlns:a16="http://schemas.microsoft.com/office/drawing/2014/main" val="740228285"/>
+                    </a:ext>
+                  </a:extLst>
+                </a:gridCol>
+                <a:gridCol w="945931">
                   <a:extLst>
                     <a:ext uri="{9D8B030D-6E8A-4147-A177-3AD203B41FA5}">
                       <a16:colId xmlns:a16="http://schemas.microsoft.com/office/drawing/2014/main" val="2062451749"/>
                     </a:ext>
                   </a:extLst>
                 </a:gridCol>
-                <a:gridCol w="983847">
+                <a:gridCol w="1072056">
                   <a:extLst>
                     <a:ext uri="{9D8B030D-6E8A-4147-A177-3AD203B41FA5}">
                       <a16:colId xmlns:a16="http://schemas.microsoft.com/office/drawing/2014/main" val="2207569799"/>
                     </a:ext>
                   </a:extLst>
                 </a:gridCol>
-                <a:gridCol w="983847">
+                <a:gridCol w="1030013">
                   <a:extLst>
                     <a:ext uri="{9D8B030D-6E8A-4147-A177-3AD203B41FA5}">
                       <a16:colId xmlns:a16="http://schemas.microsoft.com/office/drawing/2014/main" val="2389990835"/>
                     </a:ext>
                   </a:extLst>
                 </a:gridCol>
-                <a:gridCol w="983847">
+                <a:gridCol w="966952">
                   <a:extLst>
                     <a:ext uri="{9D8B030D-6E8A-4147-A177-3AD203B41FA5}">
                       <a16:colId xmlns:a16="http://schemas.microsoft.com/office/drawing/2014/main" val="2351764435"/>
                     </a:ext>
                   </a:extLst>
                 </a:gridCol>
-                <a:gridCol w="1557789">
+                <a:gridCol w="1119392">
                   <a:extLst>
                     <a:ext uri="{9D8B030D-6E8A-4147-A177-3AD203B41FA5}">
                       <a16:colId xmlns:a16="http://schemas.microsoft.com/office/drawing/2014/main" val="1259906589"/>
                     </a:ext>
                   </a:extLst>
                 </a:gridCol>
-                <a:gridCol w="1051034">
+                <a:gridCol w="1045741">
                   <a:extLst>
                     <a:ext uri="{9D8B030D-6E8A-4147-A177-3AD203B41FA5}">
                       <a16:colId xmlns:a16="http://schemas.microsoft.com/office/drawing/2014/main" val="4242141684"/>
@@ -17311,6 +17374,39 @@
                 </a:gridCol>
               </a:tblGrid>
               <a:tr h="370840">
+                <a:tc>
+                  <a:txBody>
+                    <a:bodyPr/>
+                    <a:lstStyle/>
+                    <a:p>
+                      <a:pPr algn="ctr"/>
+                      <a:r>
+                        <a:rPr lang="en-US" sz="1800" dirty="0">
+                          <a:solidFill>
+                            <a:schemeClr val="bg1"/>
+                          </a:solidFill>
+                          <a:latin typeface="Arial" panose="020B0604020202020204" pitchFamily="34" charset="0"/>
+                          <a:cs typeface="Arial" panose="020B0604020202020204" pitchFamily="34" charset="0"/>
+                        </a:rPr>
+                        <a:t>Command</a:t>
+                      </a:r>
+                    </a:p>
+                    <a:p>
+                      <a:pPr algn="ctr"/>
+                      <a:r>
+                        <a:rPr lang="en-US" sz="1800" dirty="0">
+                          <a:solidFill>
+                            <a:schemeClr val="bg1"/>
+                          </a:solidFill>
+                          <a:latin typeface="Arial" panose="020B0604020202020204" pitchFamily="34" charset="0"/>
+                          <a:cs typeface="Arial" panose="020B0604020202020204" pitchFamily="34" charset="0"/>
+                        </a:rPr>
+                        <a:t>Byte</a:t>
+                      </a:r>
+                    </a:p>
+                  </a:txBody>
+                  <a:tcPr/>
+                </a:tc>
                 <a:tc>
                   <a:txBody>
                     <a:bodyPr/>
@@ -17440,7 +17536,7 @@
                           <a:latin typeface="Arial" panose="020B0604020202020204" pitchFamily="34" charset="0"/>
                           <a:cs typeface="Arial" panose="020B0604020202020204" pitchFamily="34" charset="0"/>
                         </a:rPr>
-                        <a:t>Data Byte</a:t>
+                        <a:t>Data Byte 1</a:t>
                       </a:r>
                     </a:p>
                   </a:txBody>
@@ -17476,7 +17572,7 @@
                           <a:latin typeface="Arial" panose="020B0604020202020204" pitchFamily="34" charset="0"/>
                           <a:cs typeface="Arial" panose="020B0604020202020204" pitchFamily="34" charset="0"/>
                         </a:rPr>
-                        <a:t>. . . . . . . . . . .</a:t>
+                        <a:t>. . . . . . .</a:t>
                       </a:r>
                     </a:p>
                     <a:p>
@@ -17522,7 +17618,7 @@
                           <a:latin typeface="Arial" panose="020B0604020202020204" pitchFamily="34" charset="0"/>
                           <a:cs typeface="Arial" panose="020B0604020202020204" pitchFamily="34" charset="0"/>
                         </a:rPr>
-                        <a:t>Data Byte</a:t>
+                        <a:t>Data Byte N</a:t>
                       </a:r>
                     </a:p>
                   </a:txBody>
@@ -17669,7 +17765,7 @@
         </p:nvCxnSpPr>
         <p:spPr>
           <a:xfrm rot="10800000" flipV="1">
-            <a:off x="7998371" y="6155101"/>
+            <a:off x="8900642" y="6155101"/>
             <a:ext cx="466748" cy="447352"/>
           </a:xfrm>
           <a:prstGeom prst="bentConnector3">
@@ -17711,7 +17807,7 @@
         <p:spPr>
           <a:xfrm>
             <a:off x="1442720" y="6602453"/>
-            <a:ext cx="6610349" cy="0"/>
+            <a:ext cx="7457922" cy="1"/>
           </a:xfrm>
           <a:prstGeom prst="line">
             <a:avLst/>
@@ -18048,7 +18144,7 @@
                 <a:latin typeface="Arial" panose="020B0604020202020204" pitchFamily="34" charset="0"/>
                 <a:cs typeface="Arial" panose="020B0604020202020204" pitchFamily="34" charset="0"/>
               </a:rPr>
-              <a:t>48 MHz</a:t>
+              <a:t>16 MHz</a:t>
             </a:r>
           </a:p>
         </p:txBody>
@@ -18135,7 +18231,7 @@
         <p:spPr>
           <a:xfrm>
             <a:off x="1442720" y="5880542"/>
-            <a:ext cx="6544211" cy="338554"/>
+            <a:ext cx="6544211" cy="584775"/>
           </a:xfrm>
           <a:prstGeom prst="rect">
             <a:avLst/>
@@ -18154,7 +18250,17 @@
                 <a:latin typeface="Arial" panose="020B0604020202020204" pitchFamily="34" charset="0"/>
                 <a:cs typeface="Arial" panose="020B0604020202020204" pitchFamily="34" charset="0"/>
               </a:rPr>
-              <a:t>Minimum Rx buffer size = (3 + 1024) bytes = 1027 bytes</a:t>
+              <a:t>Minimum Rx buffer size = (4 + 1024) bytes = 1028 bytes</a:t>
+            </a:r>
+          </a:p>
+          <a:p>
+            <a:pPr algn="ctr"/>
+            <a:r>
+              <a:rPr lang="en-US" sz="1600" dirty="0">
+                <a:latin typeface="Arial" panose="020B0604020202020204" pitchFamily="34" charset="0"/>
+                <a:cs typeface="Arial" panose="020B0604020202020204" pitchFamily="34" charset="0"/>
+              </a:rPr>
+              <a:t>Command Byte = ‘T’ or ‘t’ (0x54 or 0x74)</a:t>
             </a:r>
           </a:p>
         </p:txBody>

--- a/AO-Smith-MSFT-MCHP-r6.pptx
+++ b/AO-Smith-MSFT-MCHP-r6.pptx
@@ -18144,7 +18144,7 @@
                 <a:latin typeface="Arial" panose="020B0604020202020204" pitchFamily="34" charset="0"/>
                 <a:cs typeface="Arial" panose="020B0604020202020204" pitchFamily="34" charset="0"/>
               </a:rPr>
-              <a:t>16 MHz</a:t>
+              <a:t>1 MHz</a:t>
             </a:r>
           </a:p>
         </p:txBody>
@@ -32297,48 +32297,11 @@
 
 <file path=customXml/item2.xml><?xml version="1.0" encoding="utf-8"?>
 <?mso-contentType ?>
-<spe:Receivers xmlns:spe="http://schemas.microsoft.com/sharepoint/events">
-  <Receiver>
-    <Name>Document ID Generator</Name>
-    <Synchronization>Synchronous</Synchronization>
-    <Type>10001</Type>
-    <SequenceNumber>1000</SequenceNumber>
-    <Assembly>Microsoft.Office.DocumentManagement, Version=14.0.0.0, Culture=neutral, PublicKeyToken=71e9bce111e9429c</Assembly>
-    <Class>Microsoft.Office.DocumentManagement.Internal.DocIdHandler</Class>
-    <Data/>
-    <Filter/>
-  </Receiver>
-  <Receiver>
-    <Name>Document ID Generator</Name>
-    <Synchronization>Synchronous</Synchronization>
-    <Type>10002</Type>
-    <SequenceNumber>1001</SequenceNumber>
-    <Assembly>Microsoft.Office.DocumentManagement, Version=14.0.0.0, Culture=neutral, PublicKeyToken=71e9bce111e9429c</Assembly>
-    <Class>Microsoft.Office.DocumentManagement.Internal.DocIdHandler</Class>
-    <Data/>
-    <Filter/>
-  </Receiver>
-  <Receiver>
-    <Name>Document ID Generator</Name>
-    <Synchronization>Synchronous</Synchronization>
-    <Type>10004</Type>
-    <SequenceNumber>1002</SequenceNumber>
-    <Assembly>Microsoft.Office.DocumentManagement, Version=14.0.0.0, Culture=neutral, PublicKeyToken=71e9bce111e9429c</Assembly>
-    <Class>Microsoft.Office.DocumentManagement.Internal.DocIdHandler</Class>
-    <Data/>
-    <Filter/>
-  </Receiver>
-  <Receiver>
-    <Name>Document ID Generator</Name>
-    <Synchronization>Synchronous</Synchronization>
-    <Type>10006</Type>
-    <SequenceNumber>1003</SequenceNumber>
-    <Assembly>Microsoft.Office.DocumentManagement, Version=14.0.0.0, Culture=neutral, PublicKeyToken=71e9bce111e9429c</Assembly>
-    <Class>Microsoft.Office.DocumentManagement.Internal.DocIdHandler</Class>
-    <Data/>
-    <Filter/>
-  </Receiver>
-</spe:Receivers>
+<FormTemplates xmlns="http://schemas.microsoft.com/sharepoint/v3/contenttype/forms">
+  <Display>DocumentLibraryForm</Display>
+  <Edit>DocumentLibraryForm</Edit>
+  <New>DocumentLibraryForm</New>
+</FormTemplates>
 </file>
 
 <file path=customXml/item3.xml><?xml version="1.0" encoding="utf-8"?>
@@ -32499,11 +32462,48 @@
 
 <file path=customXml/item4.xml><?xml version="1.0" encoding="utf-8"?>
 <?mso-contentType ?>
-<FormTemplates xmlns="http://schemas.microsoft.com/sharepoint/v3/contenttype/forms">
-  <Display>DocumentLibraryForm</Display>
-  <Edit>DocumentLibraryForm</Edit>
-  <New>DocumentLibraryForm</New>
-</FormTemplates>
+<spe:Receivers xmlns:spe="http://schemas.microsoft.com/sharepoint/events">
+  <Receiver>
+    <Name>Document ID Generator</Name>
+    <Synchronization>Synchronous</Synchronization>
+    <Type>10001</Type>
+    <SequenceNumber>1000</SequenceNumber>
+    <Assembly>Microsoft.Office.DocumentManagement, Version=14.0.0.0, Culture=neutral, PublicKeyToken=71e9bce111e9429c</Assembly>
+    <Class>Microsoft.Office.DocumentManagement.Internal.DocIdHandler</Class>
+    <Data/>
+    <Filter/>
+  </Receiver>
+  <Receiver>
+    <Name>Document ID Generator</Name>
+    <Synchronization>Synchronous</Synchronization>
+    <Type>10002</Type>
+    <SequenceNumber>1001</SequenceNumber>
+    <Assembly>Microsoft.Office.DocumentManagement, Version=14.0.0.0, Culture=neutral, PublicKeyToken=71e9bce111e9429c</Assembly>
+    <Class>Microsoft.Office.DocumentManagement.Internal.DocIdHandler</Class>
+    <Data/>
+    <Filter/>
+  </Receiver>
+  <Receiver>
+    <Name>Document ID Generator</Name>
+    <Synchronization>Synchronous</Synchronization>
+    <Type>10004</Type>
+    <SequenceNumber>1002</SequenceNumber>
+    <Assembly>Microsoft.Office.DocumentManagement, Version=14.0.0.0, Culture=neutral, PublicKeyToken=71e9bce111e9429c</Assembly>
+    <Class>Microsoft.Office.DocumentManagement.Internal.DocIdHandler</Class>
+    <Data/>
+    <Filter/>
+  </Receiver>
+  <Receiver>
+    <Name>Document ID Generator</Name>
+    <Synchronization>Synchronous</Synchronization>
+    <Type>10006</Type>
+    <SequenceNumber>1003</SequenceNumber>
+    <Assembly>Microsoft.Office.DocumentManagement, Version=14.0.0.0, Culture=neutral, PublicKeyToken=71e9bce111e9429c</Assembly>
+    <Class>Microsoft.Office.DocumentManagement.Internal.DocIdHandler</Class>
+    <Data/>
+    <Filter/>
+  </Receiver>
+</spe:Receivers>
 </file>
 
 <file path=customXml/itemProps1.xml><?xml version="1.0" encoding="utf-8"?>
@@ -32518,9 +32518,9 @@
 </file>
 
 <file path=customXml/itemProps2.xml><?xml version="1.0" encoding="utf-8"?>
-<ds:datastoreItem xmlns:ds="http://schemas.openxmlformats.org/officeDocument/2006/customXml" ds:itemID="{36ECED7C-7E24-4B80-B6AD-5BF0A508FB7B}">
+<ds:datastoreItem xmlns:ds="http://schemas.openxmlformats.org/officeDocument/2006/customXml" ds:itemID="{0CE24DD7-9317-4AD8-82D4-5A6998DA79C7}">
   <ds:schemaRefs>
-    <ds:schemaRef ds:uri="http://schemas.microsoft.com/sharepoint/events"/>
+    <ds:schemaRef ds:uri="http://schemas.microsoft.com/sharepoint/v3/contenttype/forms"/>
   </ds:schemaRefs>
 </ds:datastoreItem>
 </file>
@@ -32545,9 +32545,9 @@
 </file>
 
 <file path=customXml/itemProps4.xml><?xml version="1.0" encoding="utf-8"?>
-<ds:datastoreItem xmlns:ds="http://schemas.openxmlformats.org/officeDocument/2006/customXml" ds:itemID="{0CE24DD7-9317-4AD8-82D4-5A6998DA79C7}">
+<ds:datastoreItem xmlns:ds="http://schemas.openxmlformats.org/officeDocument/2006/customXml" ds:itemID="{36ECED7C-7E24-4B80-B6AD-5BF0A508FB7B}">
   <ds:schemaRefs>
-    <ds:schemaRef ds:uri="http://schemas.microsoft.com/sharepoint/v3/contenttype/forms"/>
+    <ds:schemaRef ds:uri="http://schemas.microsoft.com/sharepoint/events"/>
   </ds:schemaRefs>
 </ds:datastoreItem>
 </file>
--- a/AO-Smith-MSFT-MCHP-r6.pptx
+++ b/AO-Smith-MSFT-MCHP-r6.pptx
@@ -26,8 +26,8 @@
     <p:sldId id="1977" r:id="rId18"/>
     <p:sldId id="2146846840" r:id="rId19"/>
     <p:sldId id="1973" r:id="rId20"/>
-    <p:sldId id="2146846839" r:id="rId21"/>
-    <p:sldId id="2146846837" r:id="rId22"/>
+    <p:sldId id="2146846837" r:id="rId21"/>
+    <p:sldId id="2146846841" r:id="rId22"/>
     <p:sldId id="1974" r:id="rId23"/>
     <p:sldId id="1975" r:id="rId24"/>
     <p:sldId id="1976" r:id="rId25"/>
@@ -510,7 +510,7 @@
           <a:p>
             <a:fld id="{98615C2D-FB91-8740-95C2-23C11A10F2F2}" type="datetimeFigureOut">
               <a:rPr lang="en-US" smtClean="0"/>
-              <a:t>10/27/21</a:t>
+              <a:t>10/29/21</a:t>
             </a:fld>
             <a:endParaRPr lang="en-US"/>
           </a:p>
@@ -688,7 +688,7 @@
           <a:p>
             <a:fld id="{F154E49F-5C3A-ED4E-A68A-CCB3AA3B5D59}" type="datetimeFigureOut">
               <a:rPr lang="en-US" smtClean="0"/>
-              <a:t>10/27/21</a:t>
+              <a:t>10/29/21</a:t>
             </a:fld>
             <a:endParaRPr lang="en-US"/>
           </a:p>
@@ -1402,12 +1402,6 @@
           <a:bodyPr/>
           <a:lstStyle/>
           <a:p>
-            <a:r>
-              <a:rPr lang="en-US" dirty="0"/>
-              <a:t>4096 Bytes = 2048 Words = 1024 Integers</a:t>
-            </a:r>
-          </a:p>
-          <a:p>
             <a:endParaRPr lang="en-US" dirty="0"/>
           </a:p>
           <a:p>
@@ -1467,7 +1461,7 @@
     </p:spTree>
     <p:extLst>
       <p:ext uri="{BB962C8B-B14F-4D97-AF65-F5344CB8AC3E}">
-        <p14:creationId xmlns:p14="http://schemas.microsoft.com/office/powerpoint/2010/main" val="904166358"/>
+        <p14:creationId xmlns:p14="http://schemas.microsoft.com/office/powerpoint/2010/main" val="3757753522"/>
       </p:ext>
     </p:extLst>
   </p:cSld>
@@ -1580,7 +1574,7 @@
     </p:spTree>
     <p:extLst>
       <p:ext uri="{BB962C8B-B14F-4D97-AF65-F5344CB8AC3E}">
-        <p14:creationId xmlns:p14="http://schemas.microsoft.com/office/powerpoint/2010/main" val="3757753522"/>
+        <p14:creationId xmlns:p14="http://schemas.microsoft.com/office/powerpoint/2010/main" val="526381479"/>
       </p:ext>
     </p:extLst>
   </p:cSld>
@@ -15339,7 +15333,7 @@
           <a:p>
             <a:r>
               <a:rPr lang="en-US" sz="4000" dirty="0"/>
-              <a:t>Enhancement: Dedicated Telemetry Interface (UART)</a:t>
+              <a:t>Enhancement: Dedicated Telemetry Interface (SPI)</a:t>
             </a:r>
           </a:p>
         </p:txBody>
@@ -15447,8 +15441,8 @@
         </p:nvSpPr>
         <p:spPr>
           <a:xfrm>
-            <a:off x="535681" y="1316136"/>
-            <a:ext cx="2620597" cy="2286842"/>
+            <a:off x="535681" y="1011338"/>
+            <a:ext cx="2620597" cy="2675304"/>
           </a:xfrm>
           <a:prstGeom prst="rect">
             <a:avLst/>
@@ -15482,25 +15476,9 @@
           </a:p>
           <a:p>
             <a:pPr algn="ctr"/>
-            <a:endParaRPr lang="en-US" sz="2399" dirty="0"/>
-          </a:p>
-          <a:p>
-            <a:pPr algn="ctr"/>
             <a:r>
               <a:rPr lang="en-US" sz="2399" dirty="0"/>
-              <a:t>UART </a:t>
-            </a:r>
-            <a:r>
-              <a:rPr lang="en-US" sz="2399" dirty="0">
-                <a:solidFill>
-                  <a:srgbClr val="FFFF00"/>
-                </a:solidFill>
-              </a:rPr>
-              <a:t>921.6K</a:t>
-            </a:r>
-            <a:r>
-              <a:rPr lang="en-US" sz="2399" dirty="0"/>
-              <a:t>baud</a:t>
+              <a:t>(SPI Master)</a:t>
             </a:r>
           </a:p>
         </p:txBody>
@@ -15556,7 +15534,7 @@
           </a:bodyPr>
           <a:lstStyle/>
           <a:p>
-            <a:pPr algn="ctr"/>
+            <a:pPr algn="r"/>
             <a:r>
               <a:rPr lang="en-US" sz="1800" dirty="0">
                 <a:solidFill>
@@ -15565,7 +15543,72 @@
                 <a:latin typeface="Arial" panose="020B0604020202020204" pitchFamily="34" charset="0"/>
                 <a:cs typeface="Arial" panose="020B0604020202020204" pitchFamily="34" charset="0"/>
               </a:rPr>
-              <a:t>INT (PA24)</a:t>
+              <a:t>CS (PA06)</a:t>
+            </a:r>
+          </a:p>
+        </p:txBody>
+      </p:sp>
+      <p:sp>
+        <p:nvSpPr>
+          <p:cNvPr id="12" name="Right Arrow 11">
+            <a:extLst>
+              <a:ext uri="{FF2B5EF4-FFF2-40B4-BE49-F238E27FC236}">
+                <a16:creationId xmlns:a16="http://schemas.microsoft.com/office/drawing/2014/main" id="{62C44380-1F31-9D46-B006-F3A25D96DCA7}"/>
+              </a:ext>
+            </a:extLst>
+          </p:cNvPr>
+          <p:cNvSpPr/>
+          <p:nvPr/>
+        </p:nvSpPr>
+        <p:spPr>
+          <a:xfrm>
+            <a:off x="3181013" y="2274426"/>
+            <a:ext cx="3965663" cy="435562"/>
+          </a:xfrm>
+          <a:prstGeom prst="rightArrow">
+            <a:avLst/>
+          </a:prstGeom>
+          <a:solidFill>
+            <a:srgbClr val="FFC000"/>
+          </a:solidFill>
+          <a:ln>
+            <a:noFill/>
+          </a:ln>
+          <a:effectLst/>
+        </p:spPr>
+        <p:style>
+          <a:lnRef idx="1">
+            <a:schemeClr val="accent1"/>
+          </a:lnRef>
+          <a:fillRef idx="3">
+            <a:schemeClr val="accent1"/>
+          </a:fillRef>
+          <a:effectRef idx="2">
+            <a:schemeClr val="accent1"/>
+          </a:effectRef>
+          <a:fontRef idx="minor">
+            <a:schemeClr val="lt1"/>
+          </a:fontRef>
+        </p:style>
+        <p:txBody>
+          <a:bodyPr rot="0" spcFirstLastPara="0" vertOverflow="overflow" horzOverflow="overflow" vert="horz" wrap="square" lIns="91440" tIns="45720" rIns="91440" bIns="45720" numCol="1" spcCol="0" rtlCol="0" fromWordArt="0" anchor="ctr" anchorCtr="0" forceAA="0" compatLnSpc="1">
+            <a:prstTxWarp prst="textNoShape">
+              <a:avLst/>
+            </a:prstTxWarp>
+            <a:noAutofit/>
+          </a:bodyPr>
+          <a:lstStyle/>
+          <a:p>
+            <a:pPr algn="r"/>
+            <a:r>
+              <a:rPr lang="en-US" sz="1800" dirty="0">
+                <a:solidFill>
+                  <a:schemeClr val="tx1"/>
+                </a:solidFill>
+                <a:latin typeface="Arial" panose="020B0604020202020204" pitchFamily="34" charset="0"/>
+                <a:cs typeface="Arial" panose="020B0604020202020204" pitchFamily="34" charset="0"/>
+              </a:rPr>
+              <a:t>SCK (PA05)</a:t>
             </a:r>
           </a:p>
         </p:txBody>
@@ -15584,7 +15627,7 @@
         </p:nvSpPr>
         <p:spPr>
           <a:xfrm>
-            <a:off x="3170412" y="2257106"/>
+            <a:off x="3181013" y="1788213"/>
             <a:ext cx="3965663" cy="435562"/>
           </a:xfrm>
           <a:prstGeom prst="rightArrow">
@@ -15621,7 +15664,7 @@
           </a:bodyPr>
           <a:lstStyle/>
           <a:p>
-            <a:pPr algn="ctr"/>
+            <a:pPr algn="r"/>
             <a:r>
               <a:rPr lang="en-US" sz="1800" dirty="0">
                 <a:solidFill>
@@ -15630,72 +15673,7 @@
                 <a:latin typeface="Arial" panose="020B0604020202020204" pitchFamily="34" charset="0"/>
                 <a:cs typeface="Arial" panose="020B0604020202020204" pitchFamily="34" charset="0"/>
               </a:rPr>
-              <a:t>TXD (PA08)</a:t>
-            </a:r>
-          </a:p>
-        </p:txBody>
-      </p:sp>
-      <p:sp>
-        <p:nvSpPr>
-          <p:cNvPr id="7" name="Left Arrow 6">
-            <a:extLst>
-              <a:ext uri="{FF2B5EF4-FFF2-40B4-BE49-F238E27FC236}">
-                <a16:creationId xmlns:a16="http://schemas.microsoft.com/office/drawing/2014/main" id="{F876F9C6-46B1-EE4A-8AD0-928E6CD6C8E7}"/>
-              </a:ext>
-            </a:extLst>
-          </p:cNvPr>
-          <p:cNvSpPr/>
-          <p:nvPr/>
-        </p:nvSpPr>
-        <p:spPr>
-          <a:xfrm>
-            <a:off x="3180791" y="1779535"/>
-            <a:ext cx="3965663" cy="436880"/>
-          </a:xfrm>
-          <a:prstGeom prst="leftArrow">
-            <a:avLst/>
-          </a:prstGeom>
-          <a:solidFill>
-            <a:srgbClr val="FFC000"/>
-          </a:solidFill>
-          <a:ln>
-            <a:noFill/>
-          </a:ln>
-          <a:effectLst/>
-        </p:spPr>
-        <p:style>
-          <a:lnRef idx="1">
-            <a:schemeClr val="accent1"/>
-          </a:lnRef>
-          <a:fillRef idx="3">
-            <a:schemeClr val="accent1"/>
-          </a:fillRef>
-          <a:effectRef idx="2">
-            <a:schemeClr val="accent1"/>
-          </a:effectRef>
-          <a:fontRef idx="minor">
-            <a:schemeClr val="lt1"/>
-          </a:fontRef>
-        </p:style>
-        <p:txBody>
-          <a:bodyPr rot="0" spcFirstLastPara="0" vertOverflow="overflow" horzOverflow="overflow" vert="horz" wrap="square" lIns="91440" tIns="45720" rIns="91440" bIns="45720" numCol="1" spcCol="0" rtlCol="0" fromWordArt="0" anchor="ctr" anchorCtr="0" forceAA="0" compatLnSpc="1">
-            <a:prstTxWarp prst="textNoShape">
-              <a:avLst/>
-            </a:prstTxWarp>
-            <a:noAutofit/>
-          </a:bodyPr>
-          <a:lstStyle/>
-          <a:p>
-            <a:pPr algn="ctr"/>
-            <a:r>
-              <a:rPr lang="en-US" sz="1800" dirty="0">
-                <a:solidFill>
-                  <a:schemeClr val="tx1"/>
-                </a:solidFill>
-                <a:latin typeface="Arial" panose="020B0604020202020204" pitchFamily="34" charset="0"/>
-                <a:cs typeface="Arial" panose="020B0604020202020204" pitchFamily="34" charset="0"/>
-              </a:rPr>
-              <a:t>RXD (PA09)</a:t>
+              <a:t>MOSI (PA04)</a:t>
             </a:r>
           </a:p>
         </p:txBody>
@@ -15767,45 +15745,6 @@
       </p:sp>
       <p:sp>
         <p:nvSpPr>
-          <p:cNvPr id="60" name="TextBox 59">
-            <a:extLst>
-              <a:ext uri="{FF2B5EF4-FFF2-40B4-BE49-F238E27FC236}">
-                <a16:creationId xmlns:a16="http://schemas.microsoft.com/office/drawing/2014/main" id="{ADE814F8-2063-E446-8FAF-8298B9B54BAD}"/>
-              </a:ext>
-            </a:extLst>
-          </p:cNvPr>
-          <p:cNvSpPr txBox="1"/>
-          <p:nvPr/>
-        </p:nvSpPr>
-        <p:spPr>
-          <a:xfrm>
-            <a:off x="3191172" y="1333191"/>
-            <a:ext cx="3944903" cy="400110"/>
-          </a:xfrm>
-          <a:prstGeom prst="rect">
-            <a:avLst/>
-          </a:prstGeom>
-          <a:noFill/>
-        </p:spPr>
-        <p:txBody>
-          <a:bodyPr wrap="square" rtlCol="0">
-            <a:spAutoFit/>
-          </a:bodyPr>
-          <a:lstStyle/>
-          <a:p>
-            <a:pPr algn="ctr"/>
-            <a:r>
-              <a:rPr lang="en-US" sz="2000" u="sng" dirty="0">
-                <a:latin typeface="Arial" panose="020B0604020202020204" pitchFamily="34" charset="0"/>
-                <a:cs typeface="Arial" panose="020B0604020202020204" pitchFamily="34" charset="0"/>
-              </a:rPr>
-              <a:t>SERCOM2</a:t>
-            </a:r>
-          </a:p>
-        </p:txBody>
-      </p:sp>
-      <p:sp>
-        <p:nvSpPr>
           <p:cNvPr id="63" name="TextBox 62">
             <a:extLst>
               <a:ext uri="{FF2B5EF4-FFF2-40B4-BE49-F238E27FC236}">
@@ -15845,134 +15784,57 @@
       </p:sp>
       <p:sp>
         <p:nvSpPr>
-          <p:cNvPr id="4" name="Rectangular Callout 3">
+          <p:cNvPr id="64" name="TextBox 63">
             <a:extLst>
               <a:ext uri="{FF2B5EF4-FFF2-40B4-BE49-F238E27FC236}">
-                <a16:creationId xmlns:a16="http://schemas.microsoft.com/office/drawing/2014/main" id="{AEB2807A-E1C6-724D-955E-AD31860AB627}"/>
+                <a16:creationId xmlns:a16="http://schemas.microsoft.com/office/drawing/2014/main" id="{384DC0D3-021B-124B-B500-11E18A1E917A}"/>
               </a:ext>
             </a:extLst>
           </p:cNvPr>
-          <p:cNvSpPr/>
+          <p:cNvSpPr txBox="1"/>
           <p:nvPr/>
         </p:nvSpPr>
         <p:spPr>
-          <a:xfrm>
-            <a:off x="1432209" y="4305668"/>
-            <a:ext cx="5703865" cy="486213"/>
+          <a:xfrm rot="16200000">
+            <a:off x="6883416" y="2102611"/>
+            <a:ext cx="1560442" cy="584775"/>
           </a:xfrm>
-          <a:prstGeom prst="wedgeRectCallout">
-            <a:avLst>
-              <a:gd name="adj1" fmla="val 8048"/>
-              <a:gd name="adj2" fmla="val -307254"/>
-            </a:avLst>
+          <a:prstGeom prst="rect">
+            <a:avLst/>
           </a:prstGeom>
           <a:solidFill>
             <a:srgbClr val="7030A0"/>
           </a:solidFill>
-          <a:ln>
-            <a:noFill/>
-          </a:ln>
-          <a:effectLst/>
         </p:spPr>
-        <p:style>
-          <a:lnRef idx="1">
-            <a:schemeClr val="accent1"/>
-          </a:lnRef>
-          <a:fillRef idx="3">
-            <a:schemeClr val="accent1"/>
-          </a:fillRef>
-          <a:effectRef idx="2">
-            <a:schemeClr val="accent1"/>
-          </a:effectRef>
-          <a:fontRef idx="minor">
-            <a:schemeClr val="lt1"/>
-          </a:fontRef>
-        </p:style>
         <p:txBody>
-          <a:bodyPr rot="0" spcFirstLastPara="0" vertOverflow="overflow" horzOverflow="overflow" vert="horz" wrap="square" lIns="91440" tIns="45720" rIns="91440" bIns="45720" numCol="1" spcCol="0" rtlCol="0" fromWordArt="0" anchor="ctr" anchorCtr="0" forceAA="0" compatLnSpc="1">
-            <a:prstTxWarp prst="textNoShape">
-              <a:avLst/>
-            </a:prstTxWarp>
-            <a:noAutofit/>
+          <a:bodyPr wrap="square" rtlCol="0">
+            <a:spAutoFit/>
           </a:bodyPr>
           <a:lstStyle/>
           <a:p>
-            <a:r>
-              <a:rPr lang="en-US" sz="1800" dirty="0">
+            <a:pPr algn="ctr"/>
+            <a:r>
+              <a:rPr lang="en-US" sz="1600" dirty="0">
                 <a:solidFill>
                   <a:schemeClr val="bg1"/>
                 </a:solidFill>
                 <a:latin typeface="Arial" panose="020B0604020202020204" pitchFamily="34" charset="0"/>
                 <a:cs typeface="Arial" panose="020B0604020202020204" pitchFamily="34" charset="0"/>
               </a:rPr>
-              <a:t>Send Telemetry Data Frame after generating interrupt</a:t>
-            </a:r>
-          </a:p>
-        </p:txBody>
-      </p:sp>
-      <p:sp>
-        <p:nvSpPr>
-          <p:cNvPr id="20" name="Rectangular Callout 19">
-            <a:extLst>
-              <a:ext uri="{FF2B5EF4-FFF2-40B4-BE49-F238E27FC236}">
-                <a16:creationId xmlns:a16="http://schemas.microsoft.com/office/drawing/2014/main" id="{21920869-7145-6A4B-9353-F214CE231241}"/>
-              </a:ext>
-            </a:extLst>
-          </p:cNvPr>
-          <p:cNvSpPr/>
-          <p:nvPr/>
-        </p:nvSpPr>
-        <p:spPr>
-          <a:xfrm>
-            <a:off x="8933793" y="3882796"/>
-            <a:ext cx="3016469" cy="777241"/>
-          </a:xfrm>
-          <a:prstGeom prst="wedgeRectCallout">
-            <a:avLst>
-              <a:gd name="adj1" fmla="val 14691"/>
-              <a:gd name="adj2" fmla="val -192006"/>
-            </a:avLst>
-          </a:prstGeom>
-          <a:solidFill>
-            <a:srgbClr val="92D050"/>
-          </a:solidFill>
-          <a:ln>
-            <a:noFill/>
-          </a:ln>
-          <a:effectLst/>
-        </p:spPr>
-        <p:style>
-          <a:lnRef idx="1">
-            <a:schemeClr val="accent1"/>
-          </a:lnRef>
-          <a:fillRef idx="3">
-            <a:schemeClr val="accent1"/>
-          </a:fillRef>
-          <a:effectRef idx="2">
-            <a:schemeClr val="accent1"/>
-          </a:effectRef>
-          <a:fontRef idx="minor">
-            <a:schemeClr val="lt1"/>
-          </a:fontRef>
-        </p:style>
-        <p:txBody>
-          <a:bodyPr rot="0" spcFirstLastPara="0" vertOverflow="overflow" horzOverflow="overflow" vert="horz" wrap="square" lIns="91440" tIns="45720" rIns="91440" bIns="45720" numCol="1" spcCol="0" rtlCol="0" fromWordArt="0" anchor="ctr" anchorCtr="0" forceAA="0" compatLnSpc="1">
-            <a:prstTxWarp prst="textNoShape">
-              <a:avLst/>
-            </a:prstTxWarp>
-            <a:noAutofit/>
-          </a:bodyPr>
-          <a:lstStyle/>
-          <a:p>
-            <a:r>
-              <a:rPr lang="en-US" sz="2000" dirty="0">
+              <a:t>SAM-IoT</a:t>
+            </a:r>
+          </a:p>
+          <a:p>
+            <a:pPr algn="ctr"/>
+            <a:r>
+              <a:rPr lang="en-US" sz="1600" dirty="0">
                 <a:solidFill>
-                  <a:schemeClr val="tx1"/>
+                  <a:schemeClr val="bg1"/>
                 </a:solidFill>
                 <a:latin typeface="Arial" panose="020B0604020202020204" pitchFamily="34" charset="0"/>
                 <a:cs typeface="Arial" panose="020B0604020202020204" pitchFamily="34" charset="0"/>
               </a:rPr>
-              <a:t>Larger telemetry strings can get updated faster</a:t>
+              <a:t>(SPI Slave)</a:t>
             </a:r>
           </a:p>
         </p:txBody>
@@ -16007,126 +15869,12 @@
           </a:prstGeom>
         </p:spPr>
       </p:pic>
-      <p:sp>
-        <p:nvSpPr>
-          <p:cNvPr id="27" name="Rectangle 26">
+      <p:graphicFrame>
+        <p:nvGraphicFramePr>
+          <p:cNvPr id="44" name="Table 10">
             <a:extLst>
               <a:ext uri="{FF2B5EF4-FFF2-40B4-BE49-F238E27FC236}">
-                <a16:creationId xmlns:a16="http://schemas.microsoft.com/office/drawing/2014/main" id="{6F44C02D-EEC8-2847-87C0-25C73BD1F821}"/>
-              </a:ext>
-            </a:extLst>
-          </p:cNvPr>
-          <p:cNvSpPr/>
-          <p:nvPr/>
-        </p:nvSpPr>
-        <p:spPr>
-          <a:xfrm>
-            <a:off x="4234298" y="1316137"/>
-            <a:ext cx="1803879" cy="1424332"/>
-          </a:xfrm>
-          <a:prstGeom prst="rect">
-            <a:avLst/>
-          </a:prstGeom>
-          <a:noFill/>
-          <a:ln w="25400">
-            <a:solidFill>
-              <a:schemeClr val="tx1"/>
-            </a:solidFill>
-            <a:prstDash val="solid"/>
-          </a:ln>
-          <a:effectLst/>
-        </p:spPr>
-        <p:style>
-          <a:lnRef idx="1">
-            <a:schemeClr val="accent1"/>
-          </a:lnRef>
-          <a:fillRef idx="3">
-            <a:schemeClr val="accent1"/>
-          </a:fillRef>
-          <a:effectRef idx="2">
-            <a:schemeClr val="accent1"/>
-          </a:effectRef>
-          <a:fontRef idx="minor">
-            <a:schemeClr val="lt1"/>
-          </a:fontRef>
-        </p:style>
-        <p:txBody>
-          <a:bodyPr rot="0" spcFirstLastPara="0" vertOverflow="overflow" horzOverflow="overflow" vert="horz" wrap="square" lIns="91440" tIns="45720" rIns="91440" bIns="45720" numCol="1" spcCol="0" rtlCol="0" fromWordArt="0" anchor="ctr" anchorCtr="0" forceAA="0" compatLnSpc="1">
-            <a:prstTxWarp prst="textNoShape">
-              <a:avLst/>
-            </a:prstTxWarp>
-            <a:noAutofit/>
-          </a:bodyPr>
-          <a:lstStyle/>
-          <a:p>
-            <a:pPr algn="ctr"/>
-            <a:endParaRPr lang="en-US"/>
-          </a:p>
-        </p:txBody>
-      </p:sp>
-      <p:sp>
-        <p:nvSpPr>
-          <p:cNvPr id="23" name="Rectangle 22">
-            <a:extLst>
-              <a:ext uri="{FF2B5EF4-FFF2-40B4-BE49-F238E27FC236}">
-                <a16:creationId xmlns:a16="http://schemas.microsoft.com/office/drawing/2014/main" id="{DB9BD300-FC0A-EE46-A83C-F416A76D4A5A}"/>
-              </a:ext>
-            </a:extLst>
-          </p:cNvPr>
-          <p:cNvSpPr/>
-          <p:nvPr/>
-        </p:nvSpPr>
-        <p:spPr>
-          <a:xfrm>
-            <a:off x="4374045" y="2226924"/>
-            <a:ext cx="1470164" cy="949105"/>
-          </a:xfrm>
-          <a:prstGeom prst="rect">
-            <a:avLst/>
-          </a:prstGeom>
-          <a:noFill/>
-          <a:ln w="19050">
-            <a:solidFill>
-              <a:srgbClr val="FF0000"/>
-            </a:solidFill>
-            <a:prstDash val="dash"/>
-          </a:ln>
-          <a:effectLst/>
-        </p:spPr>
-        <p:style>
-          <a:lnRef idx="1">
-            <a:schemeClr val="accent1"/>
-          </a:lnRef>
-          <a:fillRef idx="3">
-            <a:schemeClr val="accent1"/>
-          </a:fillRef>
-          <a:effectRef idx="2">
-            <a:schemeClr val="accent1"/>
-          </a:effectRef>
-          <a:fontRef idx="minor">
-            <a:schemeClr val="lt1"/>
-          </a:fontRef>
-        </p:style>
-        <p:txBody>
-          <a:bodyPr rot="0" spcFirstLastPara="0" vertOverflow="overflow" horzOverflow="overflow" vert="horz" wrap="square" lIns="91440" tIns="45720" rIns="91440" bIns="45720" numCol="1" spcCol="0" rtlCol="0" fromWordArt="0" anchor="ctr" anchorCtr="0" forceAA="0" compatLnSpc="1">
-            <a:prstTxWarp prst="textNoShape">
-              <a:avLst/>
-            </a:prstTxWarp>
-            <a:noAutofit/>
-          </a:bodyPr>
-          <a:lstStyle/>
-          <a:p>
-            <a:pPr algn="ctr"/>
-            <a:endParaRPr lang="en-US"/>
-          </a:p>
-        </p:txBody>
-      </p:sp>
-      <p:graphicFrame>
-        <p:nvGraphicFramePr>
-          <p:cNvPr id="25" name="Table 10">
-            <a:extLst>
-              <a:ext uri="{FF2B5EF4-FFF2-40B4-BE49-F238E27FC236}">
-                <a16:creationId xmlns:a16="http://schemas.microsoft.com/office/drawing/2014/main" id="{59F1D05C-6F57-FF4E-98B2-425D1C59B706}"/>
+                <a16:creationId xmlns:a16="http://schemas.microsoft.com/office/drawing/2014/main" id="{7F3CC601-6F85-3B4F-B9F0-ABA25CCDA96B}"/>
               </a:ext>
             </a:extLst>
           </p:cNvPr>
@@ -16136,13 +15884,13 @@
           <p:nvPr>
             <p:extLst>
               <p:ext uri="{D42A27DB-BD31-4B8C-83A1-F6EECF244321}">
-                <p14:modId xmlns:p14="http://schemas.microsoft.com/office/powerpoint/2010/main" val="1532898753"/>
+                <p14:modId xmlns:p14="http://schemas.microsoft.com/office/powerpoint/2010/main" val="4032869655"/>
               </p:ext>
             </p:extLst>
           </p:nvPr>
         </p:nvGraphicFramePr>
         <p:xfrm>
-          <a:off x="1443650" y="5186645"/>
+          <a:off x="536611" y="4791394"/>
           <a:ext cx="7490145" cy="640080"/>
         </p:xfrm>
         <a:graphic>
@@ -16465,10 +16213,10 @@
       </p:graphicFrame>
       <p:sp>
         <p:nvSpPr>
-          <p:cNvPr id="29" name="TextBox 28">
+          <p:cNvPr id="45" name="TextBox 44">
             <a:extLst>
               <a:ext uri="{FF2B5EF4-FFF2-40B4-BE49-F238E27FC236}">
-                <a16:creationId xmlns:a16="http://schemas.microsoft.com/office/drawing/2014/main" id="{8A2139BD-E853-654E-B91F-97C910AD770F}"/>
+                <a16:creationId xmlns:a16="http://schemas.microsoft.com/office/drawing/2014/main" id="{3CAC89B1-8DC1-B54D-B08C-E3A80EAE200D}"/>
               </a:ext>
             </a:extLst>
           </p:cNvPr>
@@ -16477,8 +16225,8 @@
         </p:nvSpPr>
         <p:spPr>
           <a:xfrm>
-            <a:off x="355510" y="5287507"/>
-            <a:ext cx="805048" cy="400110"/>
+            <a:off x="535681" y="5485291"/>
+            <a:ext cx="7490145" cy="1077218"/>
           </a:xfrm>
           <a:prstGeom prst="rect">
             <a:avLst/>
@@ -16491,60 +16239,99 @@
           </a:bodyPr>
           <a:lstStyle/>
           <a:p>
-            <a:r>
-              <a:rPr lang="en-US" sz="2000" dirty="0">
+            <a:pPr marL="285750" indent="-285750">
+              <a:buFont typeface="Arial" panose="020B0604020202020204" pitchFamily="34" charset="0"/>
+              <a:buChar char="•"/>
+            </a:pPr>
+            <a:r>
+              <a:rPr lang="en-US" sz="1600" dirty="0">
+                <a:latin typeface="Arial" panose="020B0604020202020204" pitchFamily="34" charset="0"/>
+                <a:cs typeface="Arial" panose="020B0604020202020204" pitchFamily="34" charset="0"/>
+              </a:rPr>
+              <a:t>Command = ASCII char ‘</a:t>
+            </a:r>
+            <a:r>
+              <a:rPr lang="en-US" sz="1600" dirty="0">
+                <a:solidFill>
+                  <a:srgbClr val="FF0000"/>
+                </a:solidFill>
                 <a:latin typeface="Courier" pitchFamily="2" charset="0"/>
                 <a:cs typeface="Arial" panose="020B0604020202020204" pitchFamily="34" charset="0"/>
               </a:rPr>
-              <a:t>MOSI</a:t>
-            </a:r>
-          </a:p>
-        </p:txBody>
-      </p:sp>
-      <p:sp>
-        <p:nvSpPr>
-          <p:cNvPr id="30" name="TextBox 29">
-            <a:extLst>
-              <a:ext uri="{FF2B5EF4-FFF2-40B4-BE49-F238E27FC236}">
-                <a16:creationId xmlns:a16="http://schemas.microsoft.com/office/drawing/2014/main" id="{A58B835B-9272-F143-872B-01319CEFA72C}"/>
-              </a:ext>
-            </a:extLst>
-          </p:cNvPr>
-          <p:cNvSpPr txBox="1"/>
-          <p:nvPr/>
-        </p:nvSpPr>
-        <p:spPr>
-          <a:xfrm>
-            <a:off x="239900" y="5955046"/>
-            <a:ext cx="805048" cy="400110"/>
-          </a:xfrm>
-          <a:prstGeom prst="rect">
-            <a:avLst/>
-          </a:prstGeom>
-          <a:noFill/>
-        </p:spPr>
-        <p:txBody>
-          <a:bodyPr wrap="square" rtlCol="0">
-            <a:spAutoFit/>
-          </a:bodyPr>
-          <a:lstStyle/>
-          <a:p>
-            <a:r>
-              <a:rPr lang="en-US" sz="2000" dirty="0">
+              <a:t>T</a:t>
+            </a:r>
+            <a:r>
+              <a:rPr lang="en-US" sz="1600" dirty="0">
+                <a:latin typeface="Arial" panose="020B0604020202020204" pitchFamily="34" charset="0"/>
+                <a:cs typeface="Arial" panose="020B0604020202020204" pitchFamily="34" charset="0"/>
+              </a:rPr>
+              <a:t>’ or ‘</a:t>
+            </a:r>
+            <a:r>
+              <a:rPr lang="en-US" sz="1600" dirty="0">
+                <a:solidFill>
+                  <a:srgbClr val="FF0000"/>
+                </a:solidFill>
                 <a:latin typeface="Courier" pitchFamily="2" charset="0"/>
                 <a:cs typeface="Arial" panose="020B0604020202020204" pitchFamily="34" charset="0"/>
               </a:rPr>
-              <a:t>/INT</a:t>
+              <a:t>t</a:t>
+            </a:r>
+            <a:r>
+              <a:rPr lang="en-US" sz="1600" dirty="0">
+                <a:latin typeface="Arial" panose="020B0604020202020204" pitchFamily="34" charset="0"/>
+                <a:cs typeface="Arial" panose="020B0604020202020204" pitchFamily="34" charset="0"/>
+              </a:rPr>
+              <a:t>’ (hex value 0x54 or 0x74)</a:t>
+            </a:r>
+          </a:p>
+          <a:p>
+            <a:pPr marL="285750" indent="-285750">
+              <a:buFont typeface="Arial" panose="020B0604020202020204" pitchFamily="34" charset="0"/>
+              <a:buChar char="•"/>
+            </a:pPr>
+            <a:r>
+              <a:rPr lang="en-US" sz="1600" dirty="0">
+                <a:latin typeface="Arial" panose="020B0604020202020204" pitchFamily="34" charset="0"/>
+                <a:cs typeface="Arial" panose="020B0604020202020204" pitchFamily="34" charset="0"/>
+              </a:rPr>
+              <a:t>Index is defined by parameter table of the CLI telemetry command</a:t>
+            </a:r>
+          </a:p>
+          <a:p>
+            <a:pPr marL="285750" indent="-285750">
+              <a:buFont typeface="Arial" panose="020B0604020202020204" pitchFamily="34" charset="0"/>
+              <a:buChar char="•"/>
+            </a:pPr>
+            <a:r>
+              <a:rPr lang="en-US" sz="1600" dirty="0">
+                <a:latin typeface="Arial" panose="020B0604020202020204" pitchFamily="34" charset="0"/>
+                <a:cs typeface="Arial" panose="020B0604020202020204" pitchFamily="34" charset="0"/>
+              </a:rPr>
+              <a:t>Length (16-bits) = total # of payload bytes</a:t>
+            </a:r>
+          </a:p>
+          <a:p>
+            <a:pPr marL="285750" indent="-285750">
+              <a:buFont typeface="Arial" panose="020B0604020202020204" pitchFamily="34" charset="0"/>
+              <a:buChar char="•"/>
+            </a:pPr>
+            <a:r>
+              <a:rPr lang="en-US" sz="1600" dirty="0">
+                <a:latin typeface="Arial" panose="020B0604020202020204" pitchFamily="34" charset="0"/>
+                <a:cs typeface="Arial" panose="020B0604020202020204" pitchFamily="34" charset="0"/>
+              </a:rPr>
+              <a:t>Max frame length = (4B header + 1024B max payload) bytes = 1028 bytes</a:t>
             </a:r>
           </a:p>
         </p:txBody>
       </p:sp>
       <p:cxnSp>
         <p:nvCxnSpPr>
-          <p:cNvPr id="32" name="Elbow Connector 31">
+          <p:cNvPr id="46" name="Straight Arrow Connector 45">
             <a:extLst>
               <a:ext uri="{FF2B5EF4-FFF2-40B4-BE49-F238E27FC236}">
-                <a16:creationId xmlns:a16="http://schemas.microsoft.com/office/drawing/2014/main" id="{D85B8093-8522-1F4E-B8A3-D260564518BC}"/>
+                <a16:creationId xmlns:a16="http://schemas.microsoft.com/office/drawing/2014/main" id="{3F8C47DC-355D-6F44-8E19-49C0615162D0}"/>
               </a:ext>
             </a:extLst>
           </p:cNvPr>
@@ -16555,12 +16342,16 @@
         </p:nvCxnSpPr>
         <p:spPr>
           <a:xfrm>
-            <a:off x="965200" y="6144591"/>
-            <a:ext cx="477520" cy="447352"/>
+            <a:off x="535681" y="4527523"/>
+            <a:ext cx="4334108" cy="0"/>
           </a:xfrm>
-          <a:prstGeom prst="bentConnector3">
+          <a:prstGeom prst="straightConnector1">
             <a:avLst/>
           </a:prstGeom>
+          <a:ln>
+            <a:headEnd type="triangle"/>
+            <a:tailEnd type="triangle"/>
+          </a:ln>
           <a:effectLst/>
         </p:spPr>
         <p:style>
@@ -16580,10 +16371,52 @@
       </p:cxnSp>
       <p:cxnSp>
         <p:nvCxnSpPr>
-          <p:cNvPr id="33" name="Elbow Connector 32">
+          <p:cNvPr id="47" name="Straight Connector 46">
             <a:extLst>
               <a:ext uri="{FF2B5EF4-FFF2-40B4-BE49-F238E27FC236}">
-                <a16:creationId xmlns:a16="http://schemas.microsoft.com/office/drawing/2014/main" id="{1B518957-6A07-CA4B-99FC-1D01797B4990}"/>
+                <a16:creationId xmlns:a16="http://schemas.microsoft.com/office/drawing/2014/main" id="{6830EA13-F274-5942-AC45-6C95339A9C7D}"/>
+              </a:ext>
+            </a:extLst>
+          </p:cNvPr>
+          <p:cNvCxnSpPr/>
+          <p:nvPr/>
+        </p:nvCxnSpPr>
+        <p:spPr>
+          <a:xfrm flipV="1">
+            <a:off x="4869789" y="4319947"/>
+            <a:ext cx="0" cy="471447"/>
+          </a:xfrm>
+          <a:prstGeom prst="line">
+            <a:avLst/>
+          </a:prstGeom>
+          <a:ln>
+            <a:solidFill>
+              <a:schemeClr val="tx1"/>
+            </a:solidFill>
+          </a:ln>
+          <a:effectLst/>
+        </p:spPr>
+        <p:style>
+          <a:lnRef idx="2">
+            <a:schemeClr val="accent1"/>
+          </a:lnRef>
+          <a:fillRef idx="0">
+            <a:schemeClr val="accent1"/>
+          </a:fillRef>
+          <a:effectRef idx="1">
+            <a:schemeClr val="accent1"/>
+          </a:effectRef>
+          <a:fontRef idx="minor">
+            <a:schemeClr val="tx1"/>
+          </a:fontRef>
+        </p:style>
+      </p:cxnSp>
+      <p:cxnSp>
+        <p:nvCxnSpPr>
+          <p:cNvPr id="48" name="Straight Connector 47">
+            <a:extLst>
+              <a:ext uri="{FF2B5EF4-FFF2-40B4-BE49-F238E27FC236}">
+                <a16:creationId xmlns:a16="http://schemas.microsoft.com/office/drawing/2014/main" id="{88B97EE1-0F67-FC47-AE0A-BC0B75913C82}"/>
               </a:ext>
             </a:extLst>
           </p:cNvPr>
@@ -16593,15 +16426,18 @@
           <p:nvPr/>
         </p:nvCxnSpPr>
         <p:spPr>
-          <a:xfrm rot="10800000" flipV="1">
-            <a:off x="8900642" y="6155101"/>
-            <a:ext cx="466748" cy="447352"/>
+          <a:xfrm flipV="1">
+            <a:off x="8025826" y="3920358"/>
+            <a:ext cx="0" cy="871037"/>
           </a:xfrm>
-          <a:prstGeom prst="bentConnector3">
-            <a:avLst>
-              <a:gd name="adj1" fmla="val 45646"/>
-            </a:avLst>
+          <a:prstGeom prst="line">
+            <a:avLst/>
           </a:prstGeom>
+          <a:ln>
+            <a:solidFill>
+              <a:schemeClr val="tx1"/>
+            </a:solidFill>
+          </a:ln>
           <a:effectLst/>
         </p:spPr>
         <p:style>
@@ -16621,10 +16457,10 @@
       </p:cxnSp>
       <p:cxnSp>
         <p:nvCxnSpPr>
-          <p:cNvPr id="34" name="Straight Connector 33">
+          <p:cNvPr id="49" name="Straight Arrow Connector 48">
             <a:extLst>
               <a:ext uri="{FF2B5EF4-FFF2-40B4-BE49-F238E27FC236}">
-                <a16:creationId xmlns:a16="http://schemas.microsoft.com/office/drawing/2014/main" id="{16B70E58-A534-A546-AAA1-7DA6FD3E1D7F}"/>
+                <a16:creationId xmlns:a16="http://schemas.microsoft.com/office/drawing/2014/main" id="{DAB32D58-7D91-AB4A-BF80-C14A7285169E}"/>
               </a:ext>
             </a:extLst>
           </p:cNvPr>
@@ -16635,12 +16471,16 @@
         </p:nvCxnSpPr>
         <p:spPr>
           <a:xfrm>
-            <a:off x="1442720" y="6602453"/>
-            <a:ext cx="7457922" cy="1"/>
+            <a:off x="4865172" y="4525217"/>
+            <a:ext cx="3160654" cy="2306"/>
           </a:xfrm>
-          <a:prstGeom prst="line">
+          <a:prstGeom prst="straightConnector1">
             <a:avLst/>
           </a:prstGeom>
+          <a:ln>
+            <a:headEnd type="triangle"/>
+            <a:tailEnd type="triangle"/>
+          </a:ln>
           <a:effectLst/>
         </p:spPr>
         <p:style>
@@ -16660,10 +16500,10 @@
       </p:cxnSp>
       <p:sp>
         <p:nvSpPr>
-          <p:cNvPr id="35" name="TextBox 34">
+          <p:cNvPr id="51" name="TextBox 50">
             <a:extLst>
               <a:ext uri="{FF2B5EF4-FFF2-40B4-BE49-F238E27FC236}">
-                <a16:creationId xmlns:a16="http://schemas.microsoft.com/office/drawing/2014/main" id="{A191CA53-4F96-E44F-B280-D7E4832A3656}"/>
+                <a16:creationId xmlns:a16="http://schemas.microsoft.com/office/drawing/2014/main" id="{98B6045B-BFD5-7440-9A6F-E84F68686DB2}"/>
               </a:ext>
             </a:extLst>
           </p:cNvPr>
@@ -16672,13 +16512,15 @@
         </p:nvSpPr>
         <p:spPr>
           <a:xfrm>
-            <a:off x="1442720" y="5880542"/>
-            <a:ext cx="6544211" cy="584775"/>
+            <a:off x="2024385" y="4267366"/>
+            <a:ext cx="1131893" cy="461665"/>
           </a:xfrm>
           <a:prstGeom prst="rect">
             <a:avLst/>
           </a:prstGeom>
-          <a:noFill/>
+          <a:solidFill>
+            <a:schemeClr val="bg1"/>
+          </a:solidFill>
         </p:spPr>
         <p:txBody>
           <a:bodyPr wrap="square" rtlCol="0">
@@ -16688,21 +16530,171 @@
           <a:p>
             <a:pPr algn="ctr"/>
             <a:r>
-              <a:rPr lang="en-US" sz="1600" dirty="0">
-                <a:latin typeface="Arial" panose="020B0604020202020204" pitchFamily="34" charset="0"/>
-                <a:cs typeface="Arial" panose="020B0604020202020204" pitchFamily="34" charset="0"/>
-              </a:rPr>
-              <a:t>Minimum Rx buffer size = (4 + 1024) bytes = 1028 bytes</a:t>
-            </a:r>
-          </a:p>
+              <a:rPr lang="en-US" dirty="0"/>
+              <a:t>Header</a:t>
+            </a:r>
+          </a:p>
+        </p:txBody>
+      </p:sp>
+      <p:sp>
+        <p:nvSpPr>
+          <p:cNvPr id="52" name="TextBox 51">
+            <a:extLst>
+              <a:ext uri="{FF2B5EF4-FFF2-40B4-BE49-F238E27FC236}">
+                <a16:creationId xmlns:a16="http://schemas.microsoft.com/office/drawing/2014/main" id="{9A85D939-F262-E646-8243-CF080D197AD2}"/>
+              </a:ext>
+            </a:extLst>
+          </p:cNvPr>
+          <p:cNvSpPr txBox="1"/>
+          <p:nvPr/>
+        </p:nvSpPr>
+        <p:spPr>
+          <a:xfrm>
+            <a:off x="5876693" y="4249941"/>
+            <a:ext cx="1245245" cy="461665"/>
+          </a:xfrm>
+          <a:prstGeom prst="rect">
+            <a:avLst/>
+          </a:prstGeom>
+          <a:solidFill>
+            <a:schemeClr val="bg1"/>
+          </a:solidFill>
+        </p:spPr>
+        <p:txBody>
+          <a:bodyPr wrap="square" rtlCol="0">
+            <a:spAutoFit/>
+          </a:bodyPr>
+          <a:lstStyle/>
           <a:p>
             <a:pPr algn="ctr"/>
             <a:r>
-              <a:rPr lang="en-US" sz="1600" dirty="0">
-                <a:latin typeface="Arial" panose="020B0604020202020204" pitchFamily="34" charset="0"/>
-                <a:cs typeface="Arial" panose="020B0604020202020204" pitchFamily="34" charset="0"/>
-              </a:rPr>
-              <a:t>Command Byte = ‘T’ or ‘t’ (0x54 or 0x74)</a:t>
+              <a:rPr lang="en-US" dirty="0"/>
+              <a:t>Payload</a:t>
+            </a:r>
+          </a:p>
+        </p:txBody>
+      </p:sp>
+      <p:cxnSp>
+        <p:nvCxnSpPr>
+          <p:cNvPr id="53" name="Straight Connector 52">
+            <a:extLst>
+              <a:ext uri="{FF2B5EF4-FFF2-40B4-BE49-F238E27FC236}">
+                <a16:creationId xmlns:a16="http://schemas.microsoft.com/office/drawing/2014/main" id="{91ADF97B-ED2D-0740-BC8B-EB22797F4702}"/>
+              </a:ext>
+            </a:extLst>
+          </p:cNvPr>
+          <p:cNvCxnSpPr>
+            <a:cxnSpLocks/>
+          </p:cNvCxnSpPr>
+          <p:nvPr/>
+        </p:nvCxnSpPr>
+        <p:spPr>
+          <a:xfrm flipV="1">
+            <a:off x="547369" y="3920357"/>
+            <a:ext cx="0" cy="871037"/>
+          </a:xfrm>
+          <a:prstGeom prst="line">
+            <a:avLst/>
+          </a:prstGeom>
+          <a:ln>
+            <a:solidFill>
+              <a:schemeClr val="tx1"/>
+            </a:solidFill>
+          </a:ln>
+          <a:effectLst/>
+        </p:spPr>
+        <p:style>
+          <a:lnRef idx="2">
+            <a:schemeClr val="accent1"/>
+          </a:lnRef>
+          <a:fillRef idx="0">
+            <a:schemeClr val="accent1"/>
+          </a:fillRef>
+          <a:effectRef idx="1">
+            <a:schemeClr val="accent1"/>
+          </a:effectRef>
+          <a:fontRef idx="minor">
+            <a:schemeClr val="tx1"/>
+          </a:fontRef>
+        </p:style>
+      </p:cxnSp>
+      <p:cxnSp>
+        <p:nvCxnSpPr>
+          <p:cNvPr id="54" name="Straight Arrow Connector 53">
+            <a:extLst>
+              <a:ext uri="{FF2B5EF4-FFF2-40B4-BE49-F238E27FC236}">
+                <a16:creationId xmlns:a16="http://schemas.microsoft.com/office/drawing/2014/main" id="{D733B5EA-1FC9-074E-93F6-43D7362F8694}"/>
+              </a:ext>
+            </a:extLst>
+          </p:cNvPr>
+          <p:cNvCxnSpPr>
+            <a:cxnSpLocks/>
+          </p:cNvCxnSpPr>
+          <p:nvPr/>
+        </p:nvCxnSpPr>
+        <p:spPr>
+          <a:xfrm>
+            <a:off x="547369" y="4112365"/>
+            <a:ext cx="7478457" cy="0"/>
+          </a:xfrm>
+          <a:prstGeom prst="straightConnector1">
+            <a:avLst/>
+          </a:prstGeom>
+          <a:ln>
+            <a:headEnd type="triangle"/>
+            <a:tailEnd type="triangle"/>
+          </a:ln>
+          <a:effectLst/>
+        </p:spPr>
+        <p:style>
+          <a:lnRef idx="2">
+            <a:schemeClr val="accent1"/>
+          </a:lnRef>
+          <a:fillRef idx="0">
+            <a:schemeClr val="accent1"/>
+          </a:fillRef>
+          <a:effectRef idx="1">
+            <a:schemeClr val="accent1"/>
+          </a:effectRef>
+          <a:fontRef idx="minor">
+            <a:schemeClr val="tx1"/>
+          </a:fontRef>
+        </p:style>
+      </p:cxnSp>
+      <p:sp>
+        <p:nvSpPr>
+          <p:cNvPr id="55" name="TextBox 54">
+            <a:extLst>
+              <a:ext uri="{FF2B5EF4-FFF2-40B4-BE49-F238E27FC236}">
+                <a16:creationId xmlns:a16="http://schemas.microsoft.com/office/drawing/2014/main" id="{69FB2F1D-C770-E249-B974-6A2D7CFCF65E}"/>
+              </a:ext>
+            </a:extLst>
+          </p:cNvPr>
+          <p:cNvSpPr txBox="1"/>
+          <p:nvPr/>
+        </p:nvSpPr>
+        <p:spPr>
+          <a:xfrm>
+            <a:off x="4060166" y="3850845"/>
+            <a:ext cx="1610717" cy="461665"/>
+          </a:xfrm>
+          <a:prstGeom prst="rect">
+            <a:avLst/>
+          </a:prstGeom>
+          <a:solidFill>
+            <a:schemeClr val="bg1"/>
+          </a:solidFill>
+        </p:spPr>
+        <p:txBody>
+          <a:bodyPr wrap="square" rtlCol="0">
+            <a:spAutoFit/>
+          </a:bodyPr>
+          <a:lstStyle/>
+          <a:p>
+            <a:pPr algn="ctr"/>
+            <a:r>
+              <a:rPr lang="en-US" dirty="0"/>
+              <a:t>Data Frame</a:t>
             </a:r>
           </a:p>
         </p:txBody>
@@ -16710,7 +16702,7 @@
     </p:spTree>
     <p:extLst>
       <p:ext uri="{BB962C8B-B14F-4D97-AF65-F5344CB8AC3E}">
-        <p14:creationId xmlns:p14="http://schemas.microsoft.com/office/powerpoint/2010/main" val="724382900"/>
+        <p14:creationId xmlns:p14="http://schemas.microsoft.com/office/powerpoint/2010/main" val="3298024551"/>
       </p:ext>
     </p:extLst>
   </p:cSld>
@@ -16760,7 +16752,7 @@
           <a:p>
             <a:r>
               <a:rPr lang="en-US" sz="4000" dirty="0"/>
-              <a:t>Enhancement: Dedicated Telemetry Interface (SPI)</a:t>
+              <a:t>Test Platform for Dedicated Telemetry Interface (SPI)</a:t>
             </a:r>
           </a:p>
         </p:txBody>
@@ -16786,8 +16778,8 @@
           </a:stretch>
         </p:blipFill>
         <p:spPr>
-          <a:xfrm rot="16200000">
-            <a:off x="6265970" y="1841312"/>
+          <a:xfrm>
+            <a:off x="1671181" y="1624006"/>
             <a:ext cx="2733675" cy="1162050"/>
           </a:xfrm>
           <a:prstGeom prst="rect">
@@ -16795,1136 +16787,6 @@
           </a:prstGeom>
         </p:spPr>
       </p:pic>
-      <p:sp>
-        <p:nvSpPr>
-          <p:cNvPr id="3" name="Cloud 2">
-            <a:extLst>
-              <a:ext uri="{FF2B5EF4-FFF2-40B4-BE49-F238E27FC236}">
-                <a16:creationId xmlns:a16="http://schemas.microsoft.com/office/drawing/2014/main" id="{31F5091D-CD34-E241-A496-934E4B669D2C}"/>
-              </a:ext>
-            </a:extLst>
-          </p:cNvPr>
-          <p:cNvSpPr/>
-          <p:nvPr/>
-        </p:nvSpPr>
-        <p:spPr>
-          <a:xfrm>
-            <a:off x="9227439" y="1055500"/>
-            <a:ext cx="2931570" cy="2322846"/>
-          </a:xfrm>
-          <a:prstGeom prst="cloud">
-            <a:avLst/>
-          </a:prstGeom>
-          <a:solidFill>
-            <a:schemeClr val="accent3">
-              <a:lumMod val="60000"/>
-              <a:lumOff val="40000"/>
-            </a:schemeClr>
-          </a:solidFill>
-          <a:ln>
-            <a:noFill/>
-          </a:ln>
-          <a:effectLst/>
-        </p:spPr>
-        <p:style>
-          <a:lnRef idx="1">
-            <a:schemeClr val="accent1"/>
-          </a:lnRef>
-          <a:fillRef idx="3">
-            <a:schemeClr val="accent1"/>
-          </a:fillRef>
-          <a:effectRef idx="2">
-            <a:schemeClr val="accent1"/>
-          </a:effectRef>
-          <a:fontRef idx="minor">
-            <a:schemeClr val="lt1"/>
-          </a:fontRef>
-        </p:style>
-        <p:txBody>
-          <a:bodyPr rot="0" spcFirstLastPara="0" vertOverflow="overflow" horzOverflow="overflow" vert="horz" wrap="square" lIns="91440" tIns="45720" rIns="91440" bIns="45720" numCol="1" spcCol="0" rtlCol="0" fromWordArt="0" anchor="ctr" anchorCtr="0" forceAA="0" compatLnSpc="1">
-            <a:prstTxWarp prst="textNoShape">
-              <a:avLst/>
-            </a:prstTxWarp>
-            <a:noAutofit/>
-          </a:bodyPr>
-          <a:lstStyle/>
-          <a:p>
-            <a:pPr algn="ctr"/>
-            <a:endParaRPr lang="en-US" dirty="0"/>
-          </a:p>
-        </p:txBody>
-      </p:sp>
-      <p:sp>
-        <p:nvSpPr>
-          <p:cNvPr id="16" name="Rectangle 15">
-            <a:extLst>
-              <a:ext uri="{FF2B5EF4-FFF2-40B4-BE49-F238E27FC236}">
-                <a16:creationId xmlns:a16="http://schemas.microsoft.com/office/drawing/2014/main" id="{EC6B95A8-CB8D-DA4B-8131-E8699978C57B}"/>
-              </a:ext>
-            </a:extLst>
-          </p:cNvPr>
-          <p:cNvSpPr/>
-          <p:nvPr/>
-        </p:nvSpPr>
-        <p:spPr>
-          <a:xfrm>
-            <a:off x="535681" y="1011338"/>
-            <a:ext cx="2620597" cy="2286842"/>
-          </a:xfrm>
-          <a:prstGeom prst="rect">
-            <a:avLst/>
-          </a:prstGeom>
-        </p:spPr>
-        <p:style>
-          <a:lnRef idx="2">
-            <a:schemeClr val="accent1">
-              <a:shade val="50000"/>
-            </a:schemeClr>
-          </a:lnRef>
-          <a:fillRef idx="1">
-            <a:schemeClr val="accent1"/>
-          </a:fillRef>
-          <a:effectRef idx="0">
-            <a:schemeClr val="accent1"/>
-          </a:effectRef>
-          <a:fontRef idx="minor">
-            <a:schemeClr val="lt1"/>
-          </a:fontRef>
-        </p:style>
-        <p:txBody>
-          <a:bodyPr rtlCol="0" anchor="ctr"/>
-          <a:lstStyle/>
-          <a:p>
-            <a:pPr algn="ctr"/>
-            <a:r>
-              <a:rPr lang="en-US" sz="2399" dirty="0"/>
-              <a:t>Application MCU</a:t>
-            </a:r>
-          </a:p>
-          <a:p>
-            <a:pPr algn="ctr"/>
-            <a:r>
-              <a:rPr lang="en-US" sz="2399" dirty="0"/>
-              <a:t>(SPI Master)</a:t>
-            </a:r>
-          </a:p>
-        </p:txBody>
-      </p:sp>
-      <p:sp>
-        <p:nvSpPr>
-          <p:cNvPr id="5" name="Right Arrow 4">
-            <a:extLst>
-              <a:ext uri="{FF2B5EF4-FFF2-40B4-BE49-F238E27FC236}">
-                <a16:creationId xmlns:a16="http://schemas.microsoft.com/office/drawing/2014/main" id="{858B5250-744F-364A-8323-94316619C120}"/>
-              </a:ext>
-            </a:extLst>
-          </p:cNvPr>
-          <p:cNvSpPr/>
-          <p:nvPr/>
-        </p:nvSpPr>
-        <p:spPr>
-          <a:xfrm>
-            <a:off x="3181233" y="2740468"/>
-            <a:ext cx="3965663" cy="435562"/>
-          </a:xfrm>
-          <a:prstGeom prst="rightArrow">
-            <a:avLst/>
-          </a:prstGeom>
-          <a:solidFill>
-            <a:srgbClr val="FFC000"/>
-          </a:solidFill>
-          <a:ln>
-            <a:noFill/>
-          </a:ln>
-          <a:effectLst/>
-        </p:spPr>
-        <p:style>
-          <a:lnRef idx="1">
-            <a:schemeClr val="accent1"/>
-          </a:lnRef>
-          <a:fillRef idx="3">
-            <a:schemeClr val="accent1"/>
-          </a:fillRef>
-          <a:effectRef idx="2">
-            <a:schemeClr val="accent1"/>
-          </a:effectRef>
-          <a:fontRef idx="minor">
-            <a:schemeClr val="lt1"/>
-          </a:fontRef>
-        </p:style>
-        <p:txBody>
-          <a:bodyPr rot="0" spcFirstLastPara="0" vertOverflow="overflow" horzOverflow="overflow" vert="horz" wrap="square" lIns="91440" tIns="45720" rIns="91440" bIns="45720" numCol="1" spcCol="0" rtlCol="0" fromWordArt="0" anchor="ctr" anchorCtr="0" forceAA="0" compatLnSpc="1">
-            <a:prstTxWarp prst="textNoShape">
-              <a:avLst/>
-            </a:prstTxWarp>
-            <a:noAutofit/>
-          </a:bodyPr>
-          <a:lstStyle/>
-          <a:p>
-            <a:pPr algn="ctr"/>
-            <a:r>
-              <a:rPr lang="en-US" sz="1800" dirty="0">
-                <a:solidFill>
-                  <a:schemeClr val="tx1"/>
-                </a:solidFill>
-                <a:latin typeface="Arial" panose="020B0604020202020204" pitchFamily="34" charset="0"/>
-                <a:cs typeface="Arial" panose="020B0604020202020204" pitchFamily="34" charset="0"/>
-              </a:rPr>
-              <a:t>CS (PA06)</a:t>
-            </a:r>
-          </a:p>
-        </p:txBody>
-      </p:sp>
-      <p:sp>
-        <p:nvSpPr>
-          <p:cNvPr id="12" name="Right Arrow 11">
-            <a:extLst>
-              <a:ext uri="{FF2B5EF4-FFF2-40B4-BE49-F238E27FC236}">
-                <a16:creationId xmlns:a16="http://schemas.microsoft.com/office/drawing/2014/main" id="{62C44380-1F31-9D46-B006-F3A25D96DCA7}"/>
-              </a:ext>
-            </a:extLst>
-          </p:cNvPr>
-          <p:cNvSpPr/>
-          <p:nvPr/>
-        </p:nvSpPr>
-        <p:spPr>
-          <a:xfrm>
-            <a:off x="3181013" y="2274426"/>
-            <a:ext cx="3965663" cy="435562"/>
-          </a:xfrm>
-          <a:prstGeom prst="rightArrow">
-            <a:avLst/>
-          </a:prstGeom>
-          <a:solidFill>
-            <a:srgbClr val="FFC000"/>
-          </a:solidFill>
-          <a:ln>
-            <a:noFill/>
-          </a:ln>
-          <a:effectLst/>
-        </p:spPr>
-        <p:style>
-          <a:lnRef idx="1">
-            <a:schemeClr val="accent1"/>
-          </a:lnRef>
-          <a:fillRef idx="3">
-            <a:schemeClr val="accent1"/>
-          </a:fillRef>
-          <a:effectRef idx="2">
-            <a:schemeClr val="accent1"/>
-          </a:effectRef>
-          <a:fontRef idx="minor">
-            <a:schemeClr val="lt1"/>
-          </a:fontRef>
-        </p:style>
-        <p:txBody>
-          <a:bodyPr rot="0" spcFirstLastPara="0" vertOverflow="overflow" horzOverflow="overflow" vert="horz" wrap="square" lIns="91440" tIns="45720" rIns="91440" bIns="45720" numCol="1" spcCol="0" rtlCol="0" fromWordArt="0" anchor="ctr" anchorCtr="0" forceAA="0" compatLnSpc="1">
-            <a:prstTxWarp prst="textNoShape">
-              <a:avLst/>
-            </a:prstTxWarp>
-            <a:noAutofit/>
-          </a:bodyPr>
-          <a:lstStyle/>
-          <a:p>
-            <a:pPr algn="ctr"/>
-            <a:r>
-              <a:rPr lang="en-US" sz="1800" dirty="0">
-                <a:solidFill>
-                  <a:schemeClr val="tx1"/>
-                </a:solidFill>
-                <a:latin typeface="Arial" panose="020B0604020202020204" pitchFamily="34" charset="0"/>
-                <a:cs typeface="Arial" panose="020B0604020202020204" pitchFamily="34" charset="0"/>
-              </a:rPr>
-              <a:t>SCK (PA05)</a:t>
-            </a:r>
-          </a:p>
-        </p:txBody>
-      </p:sp>
-      <p:sp>
-        <p:nvSpPr>
-          <p:cNvPr id="14" name="Right Arrow 13">
-            <a:extLst>
-              <a:ext uri="{FF2B5EF4-FFF2-40B4-BE49-F238E27FC236}">
-                <a16:creationId xmlns:a16="http://schemas.microsoft.com/office/drawing/2014/main" id="{499BA48B-41C7-4848-8E42-92B93C924073}"/>
-              </a:ext>
-            </a:extLst>
-          </p:cNvPr>
-          <p:cNvSpPr/>
-          <p:nvPr/>
-        </p:nvSpPr>
-        <p:spPr>
-          <a:xfrm>
-            <a:off x="3181013" y="1788213"/>
-            <a:ext cx="3965663" cy="435562"/>
-          </a:xfrm>
-          <a:prstGeom prst="rightArrow">
-            <a:avLst/>
-          </a:prstGeom>
-          <a:solidFill>
-            <a:srgbClr val="FFC000"/>
-          </a:solidFill>
-          <a:ln>
-            <a:noFill/>
-          </a:ln>
-          <a:effectLst/>
-        </p:spPr>
-        <p:style>
-          <a:lnRef idx="1">
-            <a:schemeClr val="accent1"/>
-          </a:lnRef>
-          <a:fillRef idx="3">
-            <a:schemeClr val="accent1"/>
-          </a:fillRef>
-          <a:effectRef idx="2">
-            <a:schemeClr val="accent1"/>
-          </a:effectRef>
-          <a:fontRef idx="minor">
-            <a:schemeClr val="lt1"/>
-          </a:fontRef>
-        </p:style>
-        <p:txBody>
-          <a:bodyPr rot="0" spcFirstLastPara="0" vertOverflow="overflow" horzOverflow="overflow" vert="horz" wrap="square" lIns="91440" tIns="45720" rIns="91440" bIns="45720" numCol="1" spcCol="0" rtlCol="0" fromWordArt="0" anchor="ctr" anchorCtr="0" forceAA="0" compatLnSpc="1">
-            <a:prstTxWarp prst="textNoShape">
-              <a:avLst/>
-            </a:prstTxWarp>
-            <a:noAutofit/>
-          </a:bodyPr>
-          <a:lstStyle/>
-          <a:p>
-            <a:pPr algn="ctr"/>
-            <a:r>
-              <a:rPr lang="en-US" sz="1800" dirty="0">
-                <a:solidFill>
-                  <a:schemeClr val="tx1"/>
-                </a:solidFill>
-                <a:latin typeface="Arial" panose="020B0604020202020204" pitchFamily="34" charset="0"/>
-                <a:cs typeface="Arial" panose="020B0604020202020204" pitchFamily="34" charset="0"/>
-              </a:rPr>
-              <a:t>MOSI (PA04)</a:t>
-            </a:r>
-          </a:p>
-        </p:txBody>
-      </p:sp>
-      <p:sp>
-        <p:nvSpPr>
-          <p:cNvPr id="7" name="Left Arrow 6">
-            <a:extLst>
-              <a:ext uri="{FF2B5EF4-FFF2-40B4-BE49-F238E27FC236}">
-                <a16:creationId xmlns:a16="http://schemas.microsoft.com/office/drawing/2014/main" id="{F876F9C6-46B1-EE4A-8AD0-928E6CD6C8E7}"/>
-              </a:ext>
-            </a:extLst>
-          </p:cNvPr>
-          <p:cNvSpPr/>
-          <p:nvPr/>
-        </p:nvSpPr>
-        <p:spPr>
-          <a:xfrm>
-            <a:off x="3170412" y="1337776"/>
-            <a:ext cx="3965663" cy="436880"/>
-          </a:xfrm>
-          <a:prstGeom prst="leftArrow">
-            <a:avLst/>
-          </a:prstGeom>
-          <a:solidFill>
-            <a:srgbClr val="FFC000"/>
-          </a:solidFill>
-          <a:ln>
-            <a:noFill/>
-          </a:ln>
-          <a:effectLst/>
-        </p:spPr>
-        <p:style>
-          <a:lnRef idx="1">
-            <a:schemeClr val="accent1"/>
-          </a:lnRef>
-          <a:fillRef idx="3">
-            <a:schemeClr val="accent1"/>
-          </a:fillRef>
-          <a:effectRef idx="2">
-            <a:schemeClr val="accent1"/>
-          </a:effectRef>
-          <a:fontRef idx="minor">
-            <a:schemeClr val="lt1"/>
-          </a:fontRef>
-        </p:style>
-        <p:txBody>
-          <a:bodyPr rot="0" spcFirstLastPara="0" vertOverflow="overflow" horzOverflow="overflow" vert="horz" wrap="square" lIns="91440" tIns="45720" rIns="91440" bIns="45720" numCol="1" spcCol="0" rtlCol="0" fromWordArt="0" anchor="ctr" anchorCtr="0" forceAA="0" compatLnSpc="1">
-            <a:prstTxWarp prst="textNoShape">
-              <a:avLst/>
-            </a:prstTxWarp>
-            <a:noAutofit/>
-          </a:bodyPr>
-          <a:lstStyle/>
-          <a:p>
-            <a:pPr algn="ctr"/>
-            <a:r>
-              <a:rPr lang="en-US" sz="1800" dirty="0">
-                <a:solidFill>
-                  <a:schemeClr val="tx1"/>
-                </a:solidFill>
-                <a:latin typeface="Arial" panose="020B0604020202020204" pitchFamily="34" charset="0"/>
-                <a:cs typeface="Arial" panose="020B0604020202020204" pitchFamily="34" charset="0"/>
-              </a:rPr>
-              <a:t>MISO (PA07)</a:t>
-            </a:r>
-          </a:p>
-        </p:txBody>
-      </p:sp>
-      <p:sp>
-        <p:nvSpPr>
-          <p:cNvPr id="18" name="Right Arrow 17">
-            <a:extLst>
-              <a:ext uri="{FF2B5EF4-FFF2-40B4-BE49-F238E27FC236}">
-                <a16:creationId xmlns:a16="http://schemas.microsoft.com/office/drawing/2014/main" id="{C4F9AF54-FA0A-214E-8A35-AC851040A1B1}"/>
-              </a:ext>
-            </a:extLst>
-          </p:cNvPr>
-          <p:cNvSpPr/>
-          <p:nvPr/>
-        </p:nvSpPr>
-        <p:spPr>
-          <a:xfrm>
-            <a:off x="8170438" y="2006379"/>
-            <a:ext cx="1763243" cy="777240"/>
-          </a:xfrm>
-          <a:prstGeom prst="rightArrow">
-            <a:avLst/>
-          </a:prstGeom>
-          <a:solidFill>
-            <a:srgbClr val="FFC000"/>
-          </a:solidFill>
-          <a:ln>
-            <a:noFill/>
-          </a:ln>
-          <a:effectLst/>
-        </p:spPr>
-        <p:style>
-          <a:lnRef idx="1">
-            <a:schemeClr val="accent1"/>
-          </a:lnRef>
-          <a:fillRef idx="3">
-            <a:schemeClr val="accent1"/>
-          </a:fillRef>
-          <a:effectRef idx="2">
-            <a:schemeClr val="accent1"/>
-          </a:effectRef>
-          <a:fontRef idx="minor">
-            <a:schemeClr val="lt1"/>
-          </a:fontRef>
-        </p:style>
-        <p:txBody>
-          <a:bodyPr rot="0" spcFirstLastPara="0" vertOverflow="overflow" horzOverflow="overflow" vert="horz" wrap="square" lIns="91440" tIns="45720" rIns="91440" bIns="45720" numCol="1" spcCol="0" rtlCol="0" fromWordArt="0" anchor="ctr" anchorCtr="0" forceAA="0" compatLnSpc="1">
-            <a:prstTxWarp prst="textNoShape">
-              <a:avLst/>
-            </a:prstTxWarp>
-            <a:noAutofit/>
-          </a:bodyPr>
-          <a:lstStyle/>
-          <a:p>
-            <a:pPr algn="ctr"/>
-            <a:r>
-              <a:rPr lang="en-US" sz="1800" dirty="0">
-                <a:solidFill>
-                  <a:schemeClr val="tx1"/>
-                </a:solidFill>
-                <a:latin typeface="Arial" panose="020B0604020202020204" pitchFamily="34" charset="0"/>
-                <a:cs typeface="Arial" panose="020B0604020202020204" pitchFamily="34" charset="0"/>
-              </a:rPr>
-              <a:t>MQTT</a:t>
-            </a:r>
-          </a:p>
-        </p:txBody>
-      </p:sp>
-      <p:sp>
-        <p:nvSpPr>
-          <p:cNvPr id="9" name="Rectangle 8">
-            <a:extLst>
-              <a:ext uri="{FF2B5EF4-FFF2-40B4-BE49-F238E27FC236}">
-                <a16:creationId xmlns:a16="http://schemas.microsoft.com/office/drawing/2014/main" id="{EC849F9E-A622-2C4C-94A1-957CF7F026A3}"/>
-              </a:ext>
-            </a:extLst>
-          </p:cNvPr>
-          <p:cNvSpPr/>
-          <p:nvPr/>
-        </p:nvSpPr>
-        <p:spPr>
-          <a:xfrm>
-            <a:off x="4374045" y="1774656"/>
-            <a:ext cx="1470164" cy="1401374"/>
-          </a:xfrm>
-          <a:prstGeom prst="rect">
-            <a:avLst/>
-          </a:prstGeom>
-          <a:noFill/>
-          <a:ln w="19050">
-            <a:solidFill>
-              <a:srgbClr val="FF0000"/>
-            </a:solidFill>
-            <a:prstDash val="dash"/>
-          </a:ln>
-          <a:effectLst/>
-        </p:spPr>
-        <p:style>
-          <a:lnRef idx="1">
-            <a:schemeClr val="accent1"/>
-          </a:lnRef>
-          <a:fillRef idx="3">
-            <a:schemeClr val="accent1"/>
-          </a:fillRef>
-          <a:effectRef idx="2">
-            <a:schemeClr val="accent1"/>
-          </a:effectRef>
-          <a:fontRef idx="minor">
-            <a:schemeClr val="lt1"/>
-          </a:fontRef>
-        </p:style>
-        <p:txBody>
-          <a:bodyPr rot="0" spcFirstLastPara="0" vertOverflow="overflow" horzOverflow="overflow" vert="horz" wrap="square" lIns="91440" tIns="45720" rIns="91440" bIns="45720" numCol="1" spcCol="0" rtlCol="0" fromWordArt="0" anchor="ctr" anchorCtr="0" forceAA="0" compatLnSpc="1">
-            <a:prstTxWarp prst="textNoShape">
-              <a:avLst/>
-            </a:prstTxWarp>
-            <a:noAutofit/>
-          </a:bodyPr>
-          <a:lstStyle/>
-          <a:p>
-            <a:pPr algn="ctr"/>
-            <a:endParaRPr lang="en-US"/>
-          </a:p>
-        </p:txBody>
-      </p:sp>
-      <p:graphicFrame>
-        <p:nvGraphicFramePr>
-          <p:cNvPr id="10" name="Table 10">
-            <a:extLst>
-              <a:ext uri="{FF2B5EF4-FFF2-40B4-BE49-F238E27FC236}">
-                <a16:creationId xmlns:a16="http://schemas.microsoft.com/office/drawing/2014/main" id="{BF78424B-A652-EC45-9AE7-6C51CBFEFCBE}"/>
-              </a:ext>
-            </a:extLst>
-          </p:cNvPr>
-          <p:cNvGraphicFramePr>
-            <a:graphicFrameLocks noGrp="1"/>
-          </p:cNvGraphicFramePr>
-          <p:nvPr>
-            <p:extLst>
-              <p:ext uri="{D42A27DB-BD31-4B8C-83A1-F6EECF244321}">
-                <p14:modId xmlns:p14="http://schemas.microsoft.com/office/powerpoint/2010/main" val="3948870421"/>
-              </p:ext>
-            </p:extLst>
-          </p:nvPr>
-        </p:nvGraphicFramePr>
-        <p:xfrm>
-          <a:off x="1443650" y="5186645"/>
-          <a:ext cx="7490145" cy="640080"/>
-        </p:xfrm>
-        <a:graphic>
-          <a:graphicData uri="http://schemas.openxmlformats.org/drawingml/2006/table">
-            <a:tbl>
-              <a:tblPr firstRow="1" bandRow="1">
-                <a:tableStyleId>{5C22544A-7EE6-4342-B048-85BDC9FD1C3A}</a:tableStyleId>
-              </a:tblPr>
-              <a:tblGrid>
-                <a:gridCol w="1310060">
-                  <a:extLst>
-                    <a:ext uri="{9D8B030D-6E8A-4147-A177-3AD203B41FA5}">
-                      <a16:colId xmlns:a16="http://schemas.microsoft.com/office/drawing/2014/main" val="740228285"/>
-                    </a:ext>
-                  </a:extLst>
-                </a:gridCol>
-                <a:gridCol w="945931">
-                  <a:extLst>
-                    <a:ext uri="{9D8B030D-6E8A-4147-A177-3AD203B41FA5}">
-                      <a16:colId xmlns:a16="http://schemas.microsoft.com/office/drawing/2014/main" val="2062451749"/>
-                    </a:ext>
-                  </a:extLst>
-                </a:gridCol>
-                <a:gridCol w="1072056">
-                  <a:extLst>
-                    <a:ext uri="{9D8B030D-6E8A-4147-A177-3AD203B41FA5}">
-                      <a16:colId xmlns:a16="http://schemas.microsoft.com/office/drawing/2014/main" val="2207569799"/>
-                    </a:ext>
-                  </a:extLst>
-                </a:gridCol>
-                <a:gridCol w="1030013">
-                  <a:extLst>
-                    <a:ext uri="{9D8B030D-6E8A-4147-A177-3AD203B41FA5}">
-                      <a16:colId xmlns:a16="http://schemas.microsoft.com/office/drawing/2014/main" val="2389990835"/>
-                    </a:ext>
-                  </a:extLst>
-                </a:gridCol>
-                <a:gridCol w="966952">
-                  <a:extLst>
-                    <a:ext uri="{9D8B030D-6E8A-4147-A177-3AD203B41FA5}">
-                      <a16:colId xmlns:a16="http://schemas.microsoft.com/office/drawing/2014/main" val="2351764435"/>
-                    </a:ext>
-                  </a:extLst>
-                </a:gridCol>
-                <a:gridCol w="1119392">
-                  <a:extLst>
-                    <a:ext uri="{9D8B030D-6E8A-4147-A177-3AD203B41FA5}">
-                      <a16:colId xmlns:a16="http://schemas.microsoft.com/office/drawing/2014/main" val="1259906589"/>
-                    </a:ext>
-                  </a:extLst>
-                </a:gridCol>
-                <a:gridCol w="1045741">
-                  <a:extLst>
-                    <a:ext uri="{9D8B030D-6E8A-4147-A177-3AD203B41FA5}">
-                      <a16:colId xmlns:a16="http://schemas.microsoft.com/office/drawing/2014/main" val="4242141684"/>
-                    </a:ext>
-                  </a:extLst>
-                </a:gridCol>
-              </a:tblGrid>
-              <a:tr h="370840">
-                <a:tc>
-                  <a:txBody>
-                    <a:bodyPr/>
-                    <a:lstStyle/>
-                    <a:p>
-                      <a:pPr algn="ctr"/>
-                      <a:r>
-                        <a:rPr lang="en-US" sz="1800" dirty="0">
-                          <a:solidFill>
-                            <a:schemeClr val="bg1"/>
-                          </a:solidFill>
-                          <a:latin typeface="Arial" panose="020B0604020202020204" pitchFamily="34" charset="0"/>
-                          <a:cs typeface="Arial" panose="020B0604020202020204" pitchFamily="34" charset="0"/>
-                        </a:rPr>
-                        <a:t>Command</a:t>
-                      </a:r>
-                    </a:p>
-                    <a:p>
-                      <a:pPr algn="ctr"/>
-                      <a:r>
-                        <a:rPr lang="en-US" sz="1800" dirty="0">
-                          <a:solidFill>
-                            <a:schemeClr val="bg1"/>
-                          </a:solidFill>
-                          <a:latin typeface="Arial" panose="020B0604020202020204" pitchFamily="34" charset="0"/>
-                          <a:cs typeface="Arial" panose="020B0604020202020204" pitchFamily="34" charset="0"/>
-                        </a:rPr>
-                        <a:t>Byte</a:t>
-                      </a:r>
-                    </a:p>
-                  </a:txBody>
-                  <a:tcPr/>
-                </a:tc>
-                <a:tc>
-                  <a:txBody>
-                    <a:bodyPr/>
-                    <a:lstStyle/>
-                    <a:p>
-                      <a:pPr algn="ctr"/>
-                      <a:r>
-                        <a:rPr lang="en-US" sz="1800" dirty="0">
-                          <a:solidFill>
-                            <a:schemeClr val="bg1"/>
-                          </a:solidFill>
-                          <a:latin typeface="Arial" panose="020B0604020202020204" pitchFamily="34" charset="0"/>
-                          <a:cs typeface="Arial" panose="020B0604020202020204" pitchFamily="34" charset="0"/>
-                        </a:rPr>
-                        <a:t>Index</a:t>
-                      </a:r>
-                    </a:p>
-                    <a:p>
-                      <a:pPr algn="ctr"/>
-                      <a:r>
-                        <a:rPr lang="en-US" sz="1800" dirty="0">
-                          <a:solidFill>
-                            <a:schemeClr val="bg1"/>
-                          </a:solidFill>
-                          <a:latin typeface="Arial" panose="020B0604020202020204" pitchFamily="34" charset="0"/>
-                          <a:cs typeface="Arial" panose="020B0604020202020204" pitchFamily="34" charset="0"/>
-                        </a:rPr>
-                        <a:t>Byte</a:t>
-                      </a:r>
-                    </a:p>
-                  </a:txBody>
-                  <a:tcPr/>
-                </a:tc>
-                <a:tc>
-                  <a:txBody>
-                    <a:bodyPr/>
-                    <a:lstStyle/>
-                    <a:p>
-                      <a:pPr algn="ctr"/>
-                      <a:r>
-                        <a:rPr lang="en-US" sz="1800" dirty="0">
-                          <a:solidFill>
-                            <a:schemeClr val="bg1"/>
-                          </a:solidFill>
-                          <a:latin typeface="Arial" panose="020B0604020202020204" pitchFamily="34" charset="0"/>
-                          <a:cs typeface="Arial" panose="020B0604020202020204" pitchFamily="34" charset="0"/>
-                        </a:rPr>
-                        <a:t>Length</a:t>
-                      </a:r>
-                    </a:p>
-                    <a:p>
-                      <a:pPr algn="ctr"/>
-                      <a:r>
-                        <a:rPr lang="en-US" sz="1800" dirty="0">
-                          <a:solidFill>
-                            <a:schemeClr val="bg1"/>
-                          </a:solidFill>
-                          <a:latin typeface="Arial" panose="020B0604020202020204" pitchFamily="34" charset="0"/>
-                          <a:cs typeface="Arial" panose="020B0604020202020204" pitchFamily="34" charset="0"/>
-                        </a:rPr>
-                        <a:t>(MSB)</a:t>
-                      </a:r>
-                    </a:p>
-                  </a:txBody>
-                  <a:tcPr/>
-                </a:tc>
-                <a:tc>
-                  <a:txBody>
-                    <a:bodyPr/>
-                    <a:lstStyle/>
-                    <a:p>
-                      <a:pPr algn="ctr"/>
-                      <a:r>
-                        <a:rPr lang="en-US" sz="1800" dirty="0">
-                          <a:solidFill>
-                            <a:schemeClr val="bg1"/>
-                          </a:solidFill>
-                          <a:latin typeface="Arial" panose="020B0604020202020204" pitchFamily="34" charset="0"/>
-                          <a:cs typeface="Arial" panose="020B0604020202020204" pitchFamily="34" charset="0"/>
-                        </a:rPr>
-                        <a:t>Length</a:t>
-                      </a:r>
-                    </a:p>
-                    <a:p>
-                      <a:pPr algn="ctr"/>
-                      <a:r>
-                        <a:rPr lang="en-US" sz="1800" dirty="0">
-                          <a:solidFill>
-                            <a:schemeClr val="bg1"/>
-                          </a:solidFill>
-                          <a:latin typeface="Arial" panose="020B0604020202020204" pitchFamily="34" charset="0"/>
-                          <a:cs typeface="Arial" panose="020B0604020202020204" pitchFamily="34" charset="0"/>
-                        </a:rPr>
-                        <a:t>(LSB)</a:t>
-                      </a:r>
-                    </a:p>
-                  </a:txBody>
-                  <a:tcPr/>
-                </a:tc>
-                <a:tc>
-                  <a:txBody>
-                    <a:bodyPr/>
-                    <a:lstStyle/>
-                    <a:p>
-                      <a:pPr marL="0" marR="0" lvl="0" indent="0" algn="ctr" defTabSz="609443" rtl="0" eaLnBrk="1" fontAlgn="auto" latinLnBrk="0" hangingPunct="1">
-                        <a:lnSpc>
-                          <a:spcPct val="100000"/>
-                        </a:lnSpc>
-                        <a:spcBef>
-                          <a:spcPts val="0"/>
-                        </a:spcBef>
-                        <a:spcAft>
-                          <a:spcPts val="0"/>
-                        </a:spcAft>
-                        <a:buClrTx/>
-                        <a:buSzTx/>
-                        <a:buFontTx/>
-                        <a:buNone/>
-                        <a:tabLst/>
-                        <a:defRPr/>
-                      </a:pPr>
-                      <a:r>
-                        <a:rPr lang="en-US" sz="1800" dirty="0">
-                          <a:solidFill>
-                            <a:schemeClr val="bg1"/>
-                          </a:solidFill>
-                          <a:latin typeface="Arial" panose="020B0604020202020204" pitchFamily="34" charset="0"/>
-                          <a:cs typeface="Arial" panose="020B0604020202020204" pitchFamily="34" charset="0"/>
-                        </a:rPr>
-                        <a:t>Data Byte 1</a:t>
-                      </a:r>
-                    </a:p>
-                  </a:txBody>
-                  <a:tcPr/>
-                </a:tc>
-                <a:tc>
-                  <a:txBody>
-                    <a:bodyPr/>
-                    <a:lstStyle/>
-                    <a:p>
-                      <a:pPr marL="0" marR="0" lvl="0" indent="0" algn="ctr" defTabSz="609443" rtl="0" eaLnBrk="1" fontAlgn="auto" latinLnBrk="0" hangingPunct="1">
-                        <a:lnSpc>
-                          <a:spcPct val="100000"/>
-                        </a:lnSpc>
-                        <a:spcBef>
-                          <a:spcPts val="0"/>
-                        </a:spcBef>
-                        <a:spcAft>
-                          <a:spcPts val="0"/>
-                        </a:spcAft>
-                        <a:buClrTx/>
-                        <a:buSzTx/>
-                        <a:buFontTx/>
-                        <a:buNone/>
-                        <a:tabLst/>
-                        <a:defRPr/>
-                      </a:pPr>
-                      <a:r>
-                        <a:rPr lang="en-US" sz="1800" dirty="0">
-                          <a:solidFill>
-                            <a:schemeClr val="bg1"/>
-                          </a:solidFill>
-                          <a:latin typeface="Arial" panose="020B0604020202020204" pitchFamily="34" charset="0"/>
-                          <a:cs typeface="Arial" panose="020B0604020202020204" pitchFamily="34" charset="0"/>
-                        </a:rPr>
-                        <a:t>. . . . . . .</a:t>
-                      </a:r>
-                    </a:p>
-                    <a:p>
-                      <a:pPr algn="ctr"/>
-                      <a:endParaRPr lang="en-US" sz="1800" dirty="0">
-                        <a:solidFill>
-                          <a:schemeClr val="bg1"/>
-                        </a:solidFill>
-                        <a:latin typeface="Arial" panose="020B0604020202020204" pitchFamily="34" charset="0"/>
-                        <a:cs typeface="Arial" panose="020B0604020202020204" pitchFamily="34" charset="0"/>
-                      </a:endParaRPr>
-                    </a:p>
-                  </a:txBody>
-                  <a:tcPr/>
-                </a:tc>
-                <a:tc>
-                  <a:txBody>
-                    <a:bodyPr/>
-                    <a:lstStyle/>
-                    <a:p>
-                      <a:pPr marL="0" marR="0" lvl="0" indent="0" algn="ctr" defTabSz="609443" rtl="0" eaLnBrk="1" fontAlgn="auto" latinLnBrk="0" hangingPunct="1">
-                        <a:lnSpc>
-                          <a:spcPct val="100000"/>
-                        </a:lnSpc>
-                        <a:spcBef>
-                          <a:spcPts val="0"/>
-                        </a:spcBef>
-                        <a:spcAft>
-                          <a:spcPts val="0"/>
-                        </a:spcAft>
-                        <a:buClrTx/>
-                        <a:buSzTx/>
-                        <a:buFontTx/>
-                        <a:buNone/>
-                        <a:tabLst/>
-                        <a:defRPr/>
-                      </a:pPr>
-                      <a:r>
-                        <a:rPr lang="en-US" sz="1800" dirty="0">
-                          <a:solidFill>
-                            <a:schemeClr val="bg1"/>
-                          </a:solidFill>
-                          <a:latin typeface="Arial" panose="020B0604020202020204" pitchFamily="34" charset="0"/>
-                          <a:cs typeface="Arial" panose="020B0604020202020204" pitchFamily="34" charset="0"/>
-                        </a:rPr>
-                        <a:t>Data Byte N</a:t>
-                      </a:r>
-                    </a:p>
-                  </a:txBody>
-                  <a:tcPr/>
-                </a:tc>
-                <a:extLst>
-                  <a:ext uri="{0D108BD9-81ED-4DB2-BD59-A6C34878D82A}">
-                    <a16:rowId xmlns:a16="http://schemas.microsoft.com/office/drawing/2014/main" val="2389518491"/>
-                  </a:ext>
-                </a:extLst>
-              </a:tr>
-            </a:tbl>
-          </a:graphicData>
-        </a:graphic>
-      </p:graphicFrame>
-      <p:sp>
-        <p:nvSpPr>
-          <p:cNvPr id="11" name="TextBox 10">
-            <a:extLst>
-              <a:ext uri="{FF2B5EF4-FFF2-40B4-BE49-F238E27FC236}">
-                <a16:creationId xmlns:a16="http://schemas.microsoft.com/office/drawing/2014/main" id="{990E4138-BA1B-6D43-8D1E-04D8B4BC1A4D}"/>
-              </a:ext>
-            </a:extLst>
-          </p:cNvPr>
-          <p:cNvSpPr txBox="1"/>
-          <p:nvPr/>
-        </p:nvSpPr>
-        <p:spPr>
-          <a:xfrm>
-            <a:off x="355510" y="5287507"/>
-            <a:ext cx="805048" cy="400110"/>
-          </a:xfrm>
-          <a:prstGeom prst="rect">
-            <a:avLst/>
-          </a:prstGeom>
-          <a:noFill/>
-        </p:spPr>
-        <p:txBody>
-          <a:bodyPr wrap="square" rtlCol="0">
-            <a:spAutoFit/>
-          </a:bodyPr>
-          <a:lstStyle/>
-          <a:p>
-            <a:r>
-              <a:rPr lang="en-US" sz="2000" dirty="0">
-                <a:latin typeface="Courier" pitchFamily="2" charset="0"/>
-                <a:cs typeface="Arial" panose="020B0604020202020204" pitchFamily="34" charset="0"/>
-              </a:rPr>
-              <a:t>MOSI</a:t>
-            </a:r>
-          </a:p>
-        </p:txBody>
-      </p:sp>
-      <p:sp>
-        <p:nvSpPr>
-          <p:cNvPr id="24" name="TextBox 23">
-            <a:extLst>
-              <a:ext uri="{FF2B5EF4-FFF2-40B4-BE49-F238E27FC236}">
-                <a16:creationId xmlns:a16="http://schemas.microsoft.com/office/drawing/2014/main" id="{F2ABB784-408D-B346-ADC0-B407A51F5238}"/>
-              </a:ext>
-            </a:extLst>
-          </p:cNvPr>
-          <p:cNvSpPr txBox="1"/>
-          <p:nvPr/>
-        </p:nvSpPr>
-        <p:spPr>
-          <a:xfrm>
-            <a:off x="355510" y="5955046"/>
-            <a:ext cx="805048" cy="400110"/>
-          </a:xfrm>
-          <a:prstGeom prst="rect">
-            <a:avLst/>
-          </a:prstGeom>
-          <a:noFill/>
-        </p:spPr>
-        <p:txBody>
-          <a:bodyPr wrap="square" rtlCol="0">
-            <a:spAutoFit/>
-          </a:bodyPr>
-          <a:lstStyle/>
-          <a:p>
-            <a:r>
-              <a:rPr lang="en-US" sz="2000" dirty="0">
-                <a:latin typeface="Courier" pitchFamily="2" charset="0"/>
-                <a:cs typeface="Arial" panose="020B0604020202020204" pitchFamily="34" charset="0"/>
-              </a:rPr>
-              <a:t>/CS</a:t>
-            </a:r>
-          </a:p>
-        </p:txBody>
-      </p:sp>
-      <p:cxnSp>
-        <p:nvCxnSpPr>
-          <p:cNvPr id="26" name="Elbow Connector 25">
-            <a:extLst>
-              <a:ext uri="{FF2B5EF4-FFF2-40B4-BE49-F238E27FC236}">
-                <a16:creationId xmlns:a16="http://schemas.microsoft.com/office/drawing/2014/main" id="{2E0AF413-9808-9241-B5D3-C6788A9FFDF6}"/>
-              </a:ext>
-            </a:extLst>
-          </p:cNvPr>
-          <p:cNvCxnSpPr>
-            <a:cxnSpLocks/>
-          </p:cNvCxnSpPr>
-          <p:nvPr/>
-        </p:nvCxnSpPr>
-        <p:spPr>
-          <a:xfrm>
-            <a:off x="965200" y="6144591"/>
-            <a:ext cx="477520" cy="447352"/>
-          </a:xfrm>
-          <a:prstGeom prst="bentConnector3">
-            <a:avLst/>
-          </a:prstGeom>
-          <a:effectLst/>
-        </p:spPr>
-        <p:style>
-          <a:lnRef idx="2">
-            <a:schemeClr val="accent1"/>
-          </a:lnRef>
-          <a:fillRef idx="0">
-            <a:schemeClr val="accent1"/>
-          </a:fillRef>
-          <a:effectRef idx="1">
-            <a:schemeClr val="accent1"/>
-          </a:effectRef>
-          <a:fontRef idx="minor">
-            <a:schemeClr val="tx1"/>
-          </a:fontRef>
-        </p:style>
-      </p:cxnSp>
-      <p:cxnSp>
-        <p:nvCxnSpPr>
-          <p:cNvPr id="31" name="Elbow Connector 30">
-            <a:extLst>
-              <a:ext uri="{FF2B5EF4-FFF2-40B4-BE49-F238E27FC236}">
-                <a16:creationId xmlns:a16="http://schemas.microsoft.com/office/drawing/2014/main" id="{8616908D-CF4C-9947-93C3-69925F4007E4}"/>
-              </a:ext>
-            </a:extLst>
-          </p:cNvPr>
-          <p:cNvCxnSpPr>
-            <a:cxnSpLocks/>
-          </p:cNvCxnSpPr>
-          <p:nvPr/>
-        </p:nvCxnSpPr>
-        <p:spPr>
-          <a:xfrm rot="10800000" flipV="1">
-            <a:off x="8900642" y="6155101"/>
-            <a:ext cx="466748" cy="447352"/>
-          </a:xfrm>
-          <a:prstGeom prst="bentConnector3">
-            <a:avLst>
-              <a:gd name="adj1" fmla="val 45646"/>
-            </a:avLst>
-          </a:prstGeom>
-          <a:effectLst/>
-        </p:spPr>
-        <p:style>
-          <a:lnRef idx="2">
-            <a:schemeClr val="accent1"/>
-          </a:lnRef>
-          <a:fillRef idx="0">
-            <a:schemeClr val="accent1"/>
-          </a:fillRef>
-          <a:effectRef idx="1">
-            <a:schemeClr val="accent1"/>
-          </a:effectRef>
-          <a:fontRef idx="minor">
-            <a:schemeClr val="tx1"/>
-          </a:fontRef>
-        </p:style>
-      </p:cxnSp>
-      <p:cxnSp>
-        <p:nvCxnSpPr>
-          <p:cNvPr id="36" name="Straight Connector 35">
-            <a:extLst>
-              <a:ext uri="{FF2B5EF4-FFF2-40B4-BE49-F238E27FC236}">
-                <a16:creationId xmlns:a16="http://schemas.microsoft.com/office/drawing/2014/main" id="{D97F5425-C89D-C548-8859-D29DECE9C886}"/>
-              </a:ext>
-            </a:extLst>
-          </p:cNvPr>
-          <p:cNvCxnSpPr>
-            <a:cxnSpLocks/>
-          </p:cNvCxnSpPr>
-          <p:nvPr/>
-        </p:nvCxnSpPr>
-        <p:spPr>
-          <a:xfrm>
-            <a:off x="1442720" y="6602453"/>
-            <a:ext cx="7457922" cy="1"/>
-          </a:xfrm>
-          <a:prstGeom prst="line">
-            <a:avLst/>
-          </a:prstGeom>
-          <a:effectLst/>
-        </p:spPr>
-        <p:style>
-          <a:lnRef idx="2">
-            <a:schemeClr val="accent1"/>
-          </a:lnRef>
-          <a:fillRef idx="0">
-            <a:schemeClr val="accent1"/>
-          </a:fillRef>
-          <a:effectRef idx="1">
-            <a:schemeClr val="accent1"/>
-          </a:effectRef>
-          <a:fontRef idx="minor">
-            <a:schemeClr val="tx1"/>
-          </a:fontRef>
-        </p:style>
-      </p:cxnSp>
-      <p:sp>
-        <p:nvSpPr>
-          <p:cNvPr id="60" name="TextBox 59">
-            <a:extLst>
-              <a:ext uri="{FF2B5EF4-FFF2-40B4-BE49-F238E27FC236}">
-                <a16:creationId xmlns:a16="http://schemas.microsoft.com/office/drawing/2014/main" id="{ADE814F8-2063-E446-8FAF-8298B9B54BAD}"/>
-              </a:ext>
-            </a:extLst>
-          </p:cNvPr>
-          <p:cNvSpPr txBox="1"/>
-          <p:nvPr/>
-        </p:nvSpPr>
-        <p:spPr>
-          <a:xfrm>
-            <a:off x="3191172" y="996862"/>
-            <a:ext cx="3944903" cy="400110"/>
-          </a:xfrm>
-          <a:prstGeom prst="rect">
-            <a:avLst/>
-          </a:prstGeom>
-          <a:noFill/>
-        </p:spPr>
-        <p:txBody>
-          <a:bodyPr wrap="square" rtlCol="0">
-            <a:spAutoFit/>
-          </a:bodyPr>
-          <a:lstStyle/>
-          <a:p>
-            <a:pPr algn="ctr"/>
-            <a:r>
-              <a:rPr lang="en-US" sz="2000" u="sng" dirty="0">
-                <a:latin typeface="Arial" panose="020B0604020202020204" pitchFamily="34" charset="0"/>
-                <a:cs typeface="Arial" panose="020B0604020202020204" pitchFamily="34" charset="0"/>
-              </a:rPr>
-              <a:t>SERCOM0</a:t>
-            </a:r>
-          </a:p>
-        </p:txBody>
-      </p:sp>
-      <p:sp>
-        <p:nvSpPr>
-          <p:cNvPr id="62" name="Rectangle 61">
-            <a:extLst>
-              <a:ext uri="{FF2B5EF4-FFF2-40B4-BE49-F238E27FC236}">
-                <a16:creationId xmlns:a16="http://schemas.microsoft.com/office/drawing/2014/main" id="{07070F2B-7E6A-CE43-A4AB-0C9CDD828B5A}"/>
-              </a:ext>
-            </a:extLst>
-          </p:cNvPr>
-          <p:cNvSpPr/>
-          <p:nvPr/>
-        </p:nvSpPr>
-        <p:spPr>
-          <a:xfrm>
-            <a:off x="4234298" y="1013748"/>
-            <a:ext cx="1803879" cy="2284432"/>
-          </a:xfrm>
-          <a:prstGeom prst="rect">
-            <a:avLst/>
-          </a:prstGeom>
-          <a:noFill/>
-          <a:ln w="25400">
-            <a:solidFill>
-              <a:schemeClr val="tx1"/>
-            </a:solidFill>
-            <a:prstDash val="solid"/>
-          </a:ln>
-          <a:effectLst/>
-        </p:spPr>
-        <p:style>
-          <a:lnRef idx="1">
-            <a:schemeClr val="accent1"/>
-          </a:lnRef>
-          <a:fillRef idx="3">
-            <a:schemeClr val="accent1"/>
-          </a:fillRef>
-          <a:effectRef idx="2">
-            <a:schemeClr val="accent1"/>
-          </a:effectRef>
-          <a:fontRef idx="minor">
-            <a:schemeClr val="lt1"/>
-          </a:fontRef>
-        </p:style>
-        <p:txBody>
-          <a:bodyPr rot="0" spcFirstLastPara="0" vertOverflow="overflow" horzOverflow="overflow" vert="horz" wrap="square" lIns="91440" tIns="45720" rIns="91440" bIns="45720" numCol="1" spcCol="0" rtlCol="0" fromWordArt="0" anchor="ctr" anchorCtr="0" forceAA="0" compatLnSpc="1">
-            <a:prstTxWarp prst="textNoShape">
-              <a:avLst/>
-            </a:prstTxWarp>
-            <a:noAutofit/>
-          </a:bodyPr>
-          <a:lstStyle/>
-          <a:p>
-            <a:pPr algn="ctr"/>
-            <a:endParaRPr lang="en-US"/>
-          </a:p>
-        </p:txBody>
-      </p:sp>
       <p:sp>
         <p:nvSpPr>
           <p:cNvPr id="63" name="TextBox 62">
@@ -17939,8 +16801,8 @@
         </p:nvSpPr>
         <p:spPr>
           <a:xfrm>
-            <a:off x="9933681" y="1341006"/>
-            <a:ext cx="1597438" cy="400110"/>
+            <a:off x="1760743" y="918214"/>
+            <a:ext cx="2554546" cy="707886"/>
           </a:xfrm>
           <a:prstGeom prst="rect">
             <a:avLst/>
@@ -17959,17 +16821,302 @@
                 <a:latin typeface="Arial" panose="020B0604020202020204" pitchFamily="34" charset="0"/>
                 <a:cs typeface="Arial" panose="020B0604020202020204" pitchFamily="34" charset="0"/>
               </a:rPr>
-              <a:t>Azure Cloud</a:t>
+              <a:t>SPI Master</a:t>
+            </a:r>
+          </a:p>
+          <a:p>
+            <a:pPr algn="ctr"/>
+            <a:r>
+              <a:rPr lang="en-US" sz="2000" dirty="0">
+                <a:latin typeface="Arial" panose="020B0604020202020204" pitchFamily="34" charset="0"/>
+                <a:cs typeface="Arial" panose="020B0604020202020204" pitchFamily="34" charset="0"/>
+              </a:rPr>
+              <a:t>(PIC-IoT)</a:t>
+            </a:r>
+          </a:p>
+        </p:txBody>
+      </p:sp>
+      <p:pic>
+        <p:nvPicPr>
+          <p:cNvPr id="50" name="Picture 49">
+            <a:extLst>
+              <a:ext uri="{FF2B5EF4-FFF2-40B4-BE49-F238E27FC236}">
+                <a16:creationId xmlns:a16="http://schemas.microsoft.com/office/drawing/2014/main" id="{7529D44F-8AD0-004F-8AAC-11AE8115EB8B}"/>
+              </a:ext>
+            </a:extLst>
+          </p:cNvPr>
+          <p:cNvPicPr>
+            <a:picLocks noChangeAspect="1"/>
+          </p:cNvPicPr>
+          <p:nvPr/>
+        </p:nvPicPr>
+        <p:blipFill>
+          <a:blip r:embed="rId3"/>
+          <a:stretch>
+            <a:fillRect/>
+          </a:stretch>
+        </p:blipFill>
+        <p:spPr>
+          <a:xfrm>
+            <a:off x="8473300" y="1624006"/>
+            <a:ext cx="2733675" cy="1162050"/>
+          </a:xfrm>
+          <a:prstGeom prst="rect">
+            <a:avLst/>
+          </a:prstGeom>
+        </p:spPr>
+      </p:pic>
+      <p:sp>
+        <p:nvSpPr>
+          <p:cNvPr id="51" name="TextBox 50">
+            <a:extLst>
+              <a:ext uri="{FF2B5EF4-FFF2-40B4-BE49-F238E27FC236}">
+                <a16:creationId xmlns:a16="http://schemas.microsoft.com/office/drawing/2014/main" id="{3EE2ED04-2992-5A4B-819A-248A871778F2}"/>
+              </a:ext>
+            </a:extLst>
+          </p:cNvPr>
+          <p:cNvSpPr txBox="1"/>
+          <p:nvPr/>
+        </p:nvSpPr>
+        <p:spPr>
+          <a:xfrm>
+            <a:off x="8782987" y="918214"/>
+            <a:ext cx="1935174" cy="707886"/>
+          </a:xfrm>
+          <a:prstGeom prst="rect">
+            <a:avLst/>
+          </a:prstGeom>
+          <a:noFill/>
+        </p:spPr>
+        <p:txBody>
+          <a:bodyPr wrap="square" rtlCol="0">
+            <a:spAutoFit/>
+          </a:bodyPr>
+          <a:lstStyle/>
+          <a:p>
+            <a:pPr algn="ctr"/>
+            <a:r>
+              <a:rPr lang="en-US" sz="2000" dirty="0">
+                <a:latin typeface="Arial" panose="020B0604020202020204" pitchFamily="34" charset="0"/>
+                <a:cs typeface="Arial" panose="020B0604020202020204" pitchFamily="34" charset="0"/>
+              </a:rPr>
+              <a:t>SPI Slave</a:t>
+            </a:r>
+          </a:p>
+          <a:p>
+            <a:pPr algn="ctr"/>
+            <a:r>
+              <a:rPr lang="en-US" sz="2000" dirty="0">
+                <a:latin typeface="Arial" panose="020B0604020202020204" pitchFamily="34" charset="0"/>
+                <a:cs typeface="Arial" panose="020B0604020202020204" pitchFamily="34" charset="0"/>
+              </a:rPr>
+              <a:t>(SAM-IoT)</a:t>
             </a:r>
           </a:p>
         </p:txBody>
       </p:sp>
       <p:sp>
         <p:nvSpPr>
-          <p:cNvPr id="4" name="Rectangular Callout 3">
+          <p:cNvPr id="15" name="TextBox 14">
             <a:extLst>
               <a:ext uri="{FF2B5EF4-FFF2-40B4-BE49-F238E27FC236}">
-                <a16:creationId xmlns:a16="http://schemas.microsoft.com/office/drawing/2014/main" id="{AEB2807A-E1C6-724D-955E-AD31860AB627}"/>
+                <a16:creationId xmlns:a16="http://schemas.microsoft.com/office/drawing/2014/main" id="{63DA1591-EB3D-1E45-BEEB-016693835322}"/>
+              </a:ext>
+            </a:extLst>
+          </p:cNvPr>
+          <p:cNvSpPr txBox="1"/>
+          <p:nvPr/>
+        </p:nvSpPr>
+        <p:spPr>
+          <a:xfrm rot="16200000">
+            <a:off x="2565052" y="3405889"/>
+            <a:ext cx="945931" cy="2554545"/>
+          </a:xfrm>
+          <a:prstGeom prst="rect">
+            <a:avLst/>
+          </a:prstGeom>
+          <a:noFill/>
+          <a:ln w="12700">
+            <a:solidFill>
+              <a:schemeClr val="accent1"/>
+            </a:solidFill>
+          </a:ln>
+        </p:spPr>
+        <p:txBody>
+          <a:bodyPr wrap="square" rtlCol="0">
+            <a:spAutoFit/>
+          </a:bodyPr>
+          <a:lstStyle/>
+          <a:p>
+            <a:r>
+              <a:rPr lang="en-US" sz="2000" dirty="0">
+                <a:latin typeface="Courier" pitchFamily="2" charset="0"/>
+              </a:rPr>
+              <a:t>AN</a:t>
+            </a:r>
+          </a:p>
+          <a:p>
+            <a:r>
+              <a:rPr lang="en-US" sz="2000" dirty="0">
+                <a:latin typeface="Courier" pitchFamily="2" charset="0"/>
+              </a:rPr>
+              <a:t>RST</a:t>
+            </a:r>
+          </a:p>
+          <a:p>
+            <a:r>
+              <a:rPr lang="en-US" sz="2000" dirty="0">
+                <a:latin typeface="Courier" pitchFamily="2" charset="0"/>
+              </a:rPr>
+              <a:t>CS</a:t>
+            </a:r>
+          </a:p>
+          <a:p>
+            <a:r>
+              <a:rPr lang="en-US" sz="2000" dirty="0">
+                <a:latin typeface="Courier" pitchFamily="2" charset="0"/>
+              </a:rPr>
+              <a:t>SCK</a:t>
+            </a:r>
+          </a:p>
+          <a:p>
+            <a:r>
+              <a:rPr lang="en-US" sz="2000" dirty="0">
+                <a:latin typeface="Courier" pitchFamily="2" charset="0"/>
+              </a:rPr>
+              <a:t>MISO</a:t>
+            </a:r>
+          </a:p>
+          <a:p>
+            <a:r>
+              <a:rPr lang="en-US" sz="2000" dirty="0">
+                <a:latin typeface="Courier" pitchFamily="2" charset="0"/>
+              </a:rPr>
+              <a:t>MOSI</a:t>
+            </a:r>
+          </a:p>
+          <a:p>
+            <a:r>
+              <a:rPr lang="en-US" sz="2000" dirty="0">
+                <a:latin typeface="Courier" pitchFamily="2" charset="0"/>
+              </a:rPr>
+              <a:t>+3.3V</a:t>
+            </a:r>
+          </a:p>
+          <a:p>
+            <a:r>
+              <a:rPr lang="en-US" sz="2000" dirty="0">
+                <a:latin typeface="Courier" pitchFamily="2" charset="0"/>
+              </a:rPr>
+              <a:t>GND</a:t>
+            </a:r>
+          </a:p>
+        </p:txBody>
+      </p:sp>
+      <p:sp>
+        <p:nvSpPr>
+          <p:cNvPr id="53" name="TextBox 52">
+            <a:extLst>
+              <a:ext uri="{FF2B5EF4-FFF2-40B4-BE49-F238E27FC236}">
+                <a16:creationId xmlns:a16="http://schemas.microsoft.com/office/drawing/2014/main" id="{E5CC1169-2E52-2C4A-B379-855CB0159D82}"/>
+              </a:ext>
+            </a:extLst>
+          </p:cNvPr>
+          <p:cNvSpPr txBox="1"/>
+          <p:nvPr/>
+        </p:nvSpPr>
+        <p:spPr>
+          <a:xfrm rot="16200000">
+            <a:off x="9367171" y="3387127"/>
+            <a:ext cx="945931" cy="2554545"/>
+          </a:xfrm>
+          <a:prstGeom prst="rect">
+            <a:avLst/>
+          </a:prstGeom>
+          <a:noFill/>
+          <a:ln w="12700">
+            <a:solidFill>
+              <a:schemeClr val="accent1"/>
+            </a:solidFill>
+          </a:ln>
+        </p:spPr>
+        <p:txBody>
+          <a:bodyPr wrap="square" rtlCol="0">
+            <a:spAutoFit/>
+          </a:bodyPr>
+          <a:lstStyle/>
+          <a:p>
+            <a:r>
+              <a:rPr lang="en-US" sz="2000" dirty="0">
+                <a:latin typeface="Courier" pitchFamily="2" charset="0"/>
+              </a:rPr>
+              <a:t>AN</a:t>
+            </a:r>
+          </a:p>
+          <a:p>
+            <a:r>
+              <a:rPr lang="en-US" sz="2000" dirty="0">
+                <a:latin typeface="Courier" pitchFamily="2" charset="0"/>
+              </a:rPr>
+              <a:t>RST</a:t>
+            </a:r>
+          </a:p>
+          <a:p>
+            <a:r>
+              <a:rPr lang="en-US" sz="2000" dirty="0">
+                <a:latin typeface="Courier" pitchFamily="2" charset="0"/>
+              </a:rPr>
+              <a:t>CS</a:t>
+            </a:r>
+          </a:p>
+          <a:p>
+            <a:r>
+              <a:rPr lang="en-US" sz="2000" dirty="0">
+                <a:latin typeface="Courier" pitchFamily="2" charset="0"/>
+              </a:rPr>
+              <a:t>SCK</a:t>
+            </a:r>
+          </a:p>
+          <a:p>
+            <a:r>
+              <a:rPr lang="en-US" sz="2000" dirty="0">
+                <a:latin typeface="Courier" pitchFamily="2" charset="0"/>
+              </a:rPr>
+              <a:t>MISO</a:t>
+            </a:r>
+          </a:p>
+          <a:p>
+            <a:r>
+              <a:rPr lang="en-US" sz="2000" dirty="0">
+                <a:latin typeface="Courier" pitchFamily="2" charset="0"/>
+              </a:rPr>
+              <a:t>MOSI</a:t>
+            </a:r>
+          </a:p>
+          <a:p>
+            <a:r>
+              <a:rPr lang="en-US" sz="2000" dirty="0">
+                <a:latin typeface="Courier" pitchFamily="2" charset="0"/>
+              </a:rPr>
+              <a:t>+3.3V</a:t>
+            </a:r>
+          </a:p>
+          <a:p>
+            <a:r>
+              <a:rPr lang="en-US" sz="2000" dirty="0">
+                <a:latin typeface="Courier" pitchFamily="2" charset="0"/>
+              </a:rPr>
+              <a:t>GND</a:t>
+            </a:r>
+          </a:p>
+        </p:txBody>
+      </p:sp>
+      <p:sp>
+        <p:nvSpPr>
+          <p:cNvPr id="19" name="Oval 18">
+            <a:extLst>
+              <a:ext uri="{FF2B5EF4-FFF2-40B4-BE49-F238E27FC236}">
+                <a16:creationId xmlns:a16="http://schemas.microsoft.com/office/drawing/2014/main" id="{F7D700AE-CB42-D849-9EA0-73002516DC72}"/>
               </a:ext>
             </a:extLst>
           </p:cNvPr>
@@ -17978,20 +17125,17 @@
         </p:nvSpPr>
         <p:spPr>
           <a:xfrm>
-            <a:off x="1432209" y="4337198"/>
-            <a:ext cx="5703865" cy="486213"/>
+            <a:off x="2397510" y="2491092"/>
+            <a:ext cx="1115122" cy="412595"/>
           </a:xfrm>
-          <a:prstGeom prst="wedgeRectCallout">
-            <a:avLst>
-              <a:gd name="adj1" fmla="val 8048"/>
-              <a:gd name="adj2" fmla="val -307254"/>
-            </a:avLst>
+          <a:prstGeom prst="ellipse">
+            <a:avLst/>
           </a:prstGeom>
-          <a:solidFill>
-            <a:srgbClr val="7030A0"/>
-          </a:solidFill>
-          <a:ln>
-            <a:noFill/>
+          <a:noFill/>
+          <a:ln w="25400">
+            <a:solidFill>
+              <a:srgbClr val="5EBF33"/>
+            </a:solidFill>
           </a:ln>
           <a:effectLst/>
         </p:spPr>
@@ -18018,143 +17162,17 @@
           </a:bodyPr>
           <a:lstStyle/>
           <a:p>
-            <a:r>
-              <a:rPr lang="en-US" sz="1800" dirty="0">
-                <a:solidFill>
-                  <a:schemeClr val="bg1"/>
-                </a:solidFill>
-                <a:latin typeface="Arial" panose="020B0604020202020204" pitchFamily="34" charset="0"/>
-                <a:cs typeface="Arial" panose="020B0604020202020204" pitchFamily="34" charset="0"/>
-              </a:rPr>
-              <a:t>Send Telemetry Data Frame after setting Chip Select</a:t>
-            </a:r>
+            <a:pPr algn="ctr"/>
+            <a:endParaRPr lang="en-US"/>
           </a:p>
         </p:txBody>
       </p:sp>
       <p:sp>
         <p:nvSpPr>
-          <p:cNvPr id="64" name="TextBox 63">
+          <p:cNvPr id="54" name="Oval 53">
             <a:extLst>
               <a:ext uri="{FF2B5EF4-FFF2-40B4-BE49-F238E27FC236}">
-                <a16:creationId xmlns:a16="http://schemas.microsoft.com/office/drawing/2014/main" id="{384DC0D3-021B-124B-B500-11E18A1E917A}"/>
-              </a:ext>
-            </a:extLst>
-          </p:cNvPr>
-          <p:cNvSpPr txBox="1"/>
-          <p:nvPr/>
-        </p:nvSpPr>
-        <p:spPr>
-          <a:xfrm>
-            <a:off x="6872464" y="3686642"/>
-            <a:ext cx="1560442" cy="584775"/>
-          </a:xfrm>
-          <a:prstGeom prst="rect">
-            <a:avLst/>
-          </a:prstGeom>
-          <a:noFill/>
-        </p:spPr>
-        <p:txBody>
-          <a:bodyPr wrap="square" rtlCol="0">
-            <a:spAutoFit/>
-          </a:bodyPr>
-          <a:lstStyle/>
-          <a:p>
-            <a:pPr algn="ctr"/>
-            <a:r>
-              <a:rPr lang="en-US" sz="1600" dirty="0">
-                <a:latin typeface="Arial" panose="020B0604020202020204" pitchFamily="34" charset="0"/>
-                <a:cs typeface="Arial" panose="020B0604020202020204" pitchFamily="34" charset="0"/>
-              </a:rPr>
-              <a:t>SAMD21G18A</a:t>
-            </a:r>
-          </a:p>
-          <a:p>
-            <a:pPr algn="ctr"/>
-            <a:r>
-              <a:rPr lang="en-US" sz="1600" dirty="0">
-                <a:latin typeface="Arial" panose="020B0604020202020204" pitchFamily="34" charset="0"/>
-                <a:cs typeface="Arial" panose="020B0604020202020204" pitchFamily="34" charset="0"/>
-              </a:rPr>
-              <a:t>(SPI Slave)</a:t>
-            </a:r>
-          </a:p>
-        </p:txBody>
-      </p:sp>
-      <p:pic>
-        <p:nvPicPr>
-          <p:cNvPr id="13" name="Picture 12" descr="Text&#10;&#10;Description automatically generated">
-            <a:extLst>
-              <a:ext uri="{FF2B5EF4-FFF2-40B4-BE49-F238E27FC236}">
-                <a16:creationId xmlns:a16="http://schemas.microsoft.com/office/drawing/2014/main" id="{947D16E8-74BB-EA4D-B4C7-C27F846EF625}"/>
-              </a:ext>
-            </a:extLst>
-          </p:cNvPr>
-          <p:cNvPicPr>
-            <a:picLocks noChangeAspect="1"/>
-          </p:cNvPicPr>
-          <p:nvPr/>
-        </p:nvPicPr>
-        <p:blipFill>
-          <a:blip r:embed="rId4"/>
-          <a:stretch>
-            <a:fillRect/>
-          </a:stretch>
-        </p:blipFill>
-        <p:spPr>
-          <a:xfrm>
-            <a:off x="9933681" y="1822804"/>
-            <a:ext cx="1600200" cy="952500"/>
-          </a:xfrm>
-          <a:prstGeom prst="rect">
-            <a:avLst/>
-          </a:prstGeom>
-        </p:spPr>
-      </p:pic>
-      <p:sp>
-        <p:nvSpPr>
-          <p:cNvPr id="27" name="TextBox 26">
-            <a:extLst>
-              <a:ext uri="{FF2B5EF4-FFF2-40B4-BE49-F238E27FC236}">
-                <a16:creationId xmlns:a16="http://schemas.microsoft.com/office/drawing/2014/main" id="{5623C924-1EA8-6C4C-ACAA-84956E0EE26A}"/>
-              </a:ext>
-            </a:extLst>
-          </p:cNvPr>
-          <p:cNvSpPr txBox="1"/>
-          <p:nvPr/>
-        </p:nvSpPr>
-        <p:spPr>
-          <a:xfrm>
-            <a:off x="3177083" y="2304929"/>
-            <a:ext cx="1022321" cy="369332"/>
-          </a:xfrm>
-          <a:prstGeom prst="rect">
-            <a:avLst/>
-          </a:prstGeom>
-          <a:noFill/>
-        </p:spPr>
-        <p:txBody>
-          <a:bodyPr wrap="square" rtlCol="0">
-            <a:spAutoFit/>
-          </a:bodyPr>
-          <a:lstStyle/>
-          <a:p>
-            <a:pPr algn="ctr"/>
-            <a:r>
-              <a:rPr lang="en-US" sz="1800" dirty="0">
-                <a:latin typeface="Arial" panose="020B0604020202020204" pitchFamily="34" charset="0"/>
-                <a:cs typeface="Arial" panose="020B0604020202020204" pitchFamily="34" charset="0"/>
-              </a:rPr>
-              <a:t>1 MHz</a:t>
-            </a:r>
-          </a:p>
-        </p:txBody>
-      </p:sp>
-      <p:sp>
-        <p:nvSpPr>
-          <p:cNvPr id="29" name="Rectangular Callout 28">
-            <a:extLst>
-              <a:ext uri="{FF2B5EF4-FFF2-40B4-BE49-F238E27FC236}">
-                <a16:creationId xmlns:a16="http://schemas.microsoft.com/office/drawing/2014/main" id="{EA68255D-5EBB-774C-8AF4-B98F22FB672B}"/>
+                <a16:creationId xmlns:a16="http://schemas.microsoft.com/office/drawing/2014/main" id="{391D6BB3-C27F-1640-A169-C95E6E517D9C}"/>
               </a:ext>
             </a:extLst>
           </p:cNvPr>
@@ -18163,20 +17181,17 @@
         </p:nvSpPr>
         <p:spPr>
           <a:xfrm>
-            <a:off x="8933793" y="3882796"/>
-            <a:ext cx="3016469" cy="777241"/>
+            <a:off x="9193013" y="2478026"/>
+            <a:ext cx="1115122" cy="412595"/>
           </a:xfrm>
-          <a:prstGeom prst="wedgeRectCallout">
-            <a:avLst>
-              <a:gd name="adj1" fmla="val 14691"/>
-              <a:gd name="adj2" fmla="val -192006"/>
-            </a:avLst>
+          <a:prstGeom prst="ellipse">
+            <a:avLst/>
           </a:prstGeom>
-          <a:solidFill>
-            <a:srgbClr val="92D050"/>
-          </a:solidFill>
-          <a:ln>
-            <a:noFill/>
+          <a:noFill/>
+          <a:ln w="25400">
+            <a:solidFill>
+              <a:srgbClr val="5EBF33"/>
+            </a:solidFill>
           </a:ln>
           <a:effectLst/>
         </p:spPr>
@@ -18203,25 +17218,161 @@
           </a:bodyPr>
           <a:lstStyle/>
           <a:p>
-            <a:r>
-              <a:rPr lang="en-US" sz="2000" dirty="0">
-                <a:solidFill>
-                  <a:schemeClr val="tx1"/>
-                </a:solidFill>
-                <a:latin typeface="Arial" panose="020B0604020202020204" pitchFamily="34" charset="0"/>
-                <a:cs typeface="Arial" panose="020B0604020202020204" pitchFamily="34" charset="0"/>
-              </a:rPr>
-              <a:t>Larger telemetry strings can get updated faster</a:t>
-            </a:r>
+            <a:pPr algn="ctr"/>
+            <a:endParaRPr lang="en-US"/>
           </a:p>
         </p:txBody>
       </p:sp>
+      <p:cxnSp>
+        <p:nvCxnSpPr>
+          <p:cNvPr id="74" name="Elbow Connector 73">
+            <a:extLst>
+              <a:ext uri="{FF2B5EF4-FFF2-40B4-BE49-F238E27FC236}">
+                <a16:creationId xmlns:a16="http://schemas.microsoft.com/office/drawing/2014/main" id="{2A12D115-3FF4-554B-9E5A-392EA8B26893}"/>
+              </a:ext>
+            </a:extLst>
+          </p:cNvPr>
+          <p:cNvCxnSpPr>
+            <a:cxnSpLocks/>
+          </p:cNvCxnSpPr>
+          <p:nvPr/>
+        </p:nvCxnSpPr>
+        <p:spPr>
+          <a:xfrm rot="5400000" flipH="1" flipV="1">
+            <a:off x="6226375" y="1765029"/>
+            <a:ext cx="24217" cy="6795503"/>
+          </a:xfrm>
+          <a:prstGeom prst="bentConnector3">
+            <a:avLst>
+              <a:gd name="adj1" fmla="val -5436995"/>
+            </a:avLst>
+          </a:prstGeom>
+          <a:ln>
+            <a:solidFill>
+              <a:srgbClr val="00B0F0"/>
+            </a:solidFill>
+            <a:headEnd type="none"/>
+            <a:tailEnd type="triangle"/>
+          </a:ln>
+          <a:effectLst/>
+        </p:spPr>
+        <p:style>
+          <a:lnRef idx="2">
+            <a:schemeClr val="accent1"/>
+          </a:lnRef>
+          <a:fillRef idx="0">
+            <a:schemeClr val="accent1"/>
+          </a:fillRef>
+          <a:effectRef idx="1">
+            <a:schemeClr val="accent1"/>
+          </a:effectRef>
+          <a:fontRef idx="minor">
+            <a:schemeClr val="tx1"/>
+          </a:fontRef>
+        </p:style>
+      </p:cxnSp>
+      <p:cxnSp>
+        <p:nvCxnSpPr>
+          <p:cNvPr id="76" name="Elbow Connector 75">
+            <a:extLst>
+              <a:ext uri="{FF2B5EF4-FFF2-40B4-BE49-F238E27FC236}">
+                <a16:creationId xmlns:a16="http://schemas.microsoft.com/office/drawing/2014/main" id="{044B4101-C37E-9F4E-A238-BFB5FF304035}"/>
+              </a:ext>
+            </a:extLst>
+          </p:cNvPr>
+          <p:cNvCxnSpPr>
+            <a:cxnSpLocks/>
+          </p:cNvCxnSpPr>
+          <p:nvPr/>
+        </p:nvCxnSpPr>
+        <p:spPr>
+          <a:xfrm rot="5400000" flipH="1" flipV="1">
+            <a:off x="5910424" y="1760809"/>
+            <a:ext cx="24217" cy="6795503"/>
+          </a:xfrm>
+          <a:prstGeom prst="bentConnector3">
+            <a:avLst>
+              <a:gd name="adj1" fmla="val -6427803"/>
+            </a:avLst>
+          </a:prstGeom>
+          <a:ln>
+            <a:solidFill>
+              <a:srgbClr val="7030A0"/>
+            </a:solidFill>
+            <a:headEnd type="none"/>
+            <a:tailEnd type="triangle"/>
+          </a:ln>
+          <a:effectLst/>
+        </p:spPr>
+        <p:style>
+          <a:lnRef idx="2">
+            <a:schemeClr val="accent1"/>
+          </a:lnRef>
+          <a:fillRef idx="0">
+            <a:schemeClr val="accent1"/>
+          </a:fillRef>
+          <a:effectRef idx="1">
+            <a:schemeClr val="accent1"/>
+          </a:effectRef>
+          <a:fontRef idx="minor">
+            <a:schemeClr val="tx1"/>
+          </a:fontRef>
+        </p:style>
+      </p:cxnSp>
+      <p:cxnSp>
+        <p:nvCxnSpPr>
+          <p:cNvPr id="80" name="Elbow Connector 79">
+            <a:extLst>
+              <a:ext uri="{FF2B5EF4-FFF2-40B4-BE49-F238E27FC236}">
+                <a16:creationId xmlns:a16="http://schemas.microsoft.com/office/drawing/2014/main" id="{D3E15F38-9450-E747-833D-7A8F1AD47EF8}"/>
+              </a:ext>
+            </a:extLst>
+          </p:cNvPr>
+          <p:cNvCxnSpPr>
+            <a:cxnSpLocks/>
+          </p:cNvCxnSpPr>
+          <p:nvPr/>
+        </p:nvCxnSpPr>
+        <p:spPr>
+          <a:xfrm rot="5400000" flipH="1" flipV="1">
+            <a:off x="6883827" y="1762815"/>
+            <a:ext cx="24217" cy="6795503"/>
+          </a:xfrm>
+          <a:prstGeom prst="bentConnector3">
+            <a:avLst>
+              <a:gd name="adj1" fmla="val -4362031"/>
+            </a:avLst>
+          </a:prstGeom>
+          <a:ln>
+            <a:solidFill>
+              <a:srgbClr val="00B050"/>
+            </a:solidFill>
+            <a:headEnd type="none"/>
+            <a:tailEnd type="triangle"/>
+          </a:ln>
+          <a:effectLst/>
+        </p:spPr>
+        <p:style>
+          <a:lnRef idx="2">
+            <a:schemeClr val="accent1"/>
+          </a:lnRef>
+          <a:fillRef idx="0">
+            <a:schemeClr val="accent1"/>
+          </a:fillRef>
+          <a:effectRef idx="1">
+            <a:schemeClr val="accent1"/>
+          </a:effectRef>
+          <a:fontRef idx="minor">
+            <a:schemeClr val="tx1"/>
+          </a:fontRef>
+        </p:style>
+      </p:cxnSp>
       <p:sp>
         <p:nvSpPr>
-          <p:cNvPr id="30" name="TextBox 29">
+          <p:cNvPr id="86" name="TextBox 85">
             <a:extLst>
               <a:ext uri="{FF2B5EF4-FFF2-40B4-BE49-F238E27FC236}">
-                <a16:creationId xmlns:a16="http://schemas.microsoft.com/office/drawing/2014/main" id="{7EC2B60D-F419-7A47-8449-3CB9A286B10A}"/>
+                <a16:creationId xmlns:a16="http://schemas.microsoft.com/office/drawing/2014/main" id="{20DCA818-5A95-AE4C-A44A-BA0F5C3CF5B0}"/>
               </a:ext>
             </a:extLst>
           </p:cNvPr>
@@ -18229,14 +17380,19 @@
           <p:nvPr/>
         </p:nvSpPr>
         <p:spPr>
-          <a:xfrm>
-            <a:off x="1442720" y="5880542"/>
-            <a:ext cx="6544211" cy="584775"/>
+          <a:xfrm rot="16200000">
+            <a:off x="9390269" y="2470916"/>
+            <a:ext cx="899734" cy="2554545"/>
           </a:xfrm>
           <a:prstGeom prst="rect">
             <a:avLst/>
           </a:prstGeom>
           <a:noFill/>
+          <a:ln w="12700">
+            <a:solidFill>
+              <a:schemeClr val="accent1"/>
+            </a:solidFill>
+          </a:ln>
         </p:spPr>
         <p:txBody>
           <a:bodyPr wrap="square" rtlCol="0">
@@ -18244,31 +17400,498 @@
           </a:bodyPr>
           <a:lstStyle/>
           <a:p>
-            <a:pPr algn="ctr"/>
+            <a:r>
+              <a:rPr lang="en-US" sz="2000" dirty="0">
+                <a:latin typeface="Courier" pitchFamily="2" charset="0"/>
+              </a:rPr>
+              <a:t>PA02</a:t>
+            </a:r>
+          </a:p>
+          <a:p>
+            <a:r>
+              <a:rPr lang="en-US" sz="2000" dirty="0">
+                <a:latin typeface="Courier" pitchFamily="2" charset="0"/>
+              </a:rPr>
+              <a:t>PA03</a:t>
+            </a:r>
+          </a:p>
+          <a:p>
+            <a:r>
+              <a:rPr lang="en-US" sz="2000" dirty="0">
+                <a:latin typeface="Courier" pitchFamily="2" charset="0"/>
+              </a:rPr>
+              <a:t>PA06</a:t>
+            </a:r>
+          </a:p>
+          <a:p>
+            <a:r>
+              <a:rPr lang="en-US" sz="2000" dirty="0">
+                <a:latin typeface="Courier" pitchFamily="2" charset="0"/>
+              </a:rPr>
+              <a:t>PA05</a:t>
+            </a:r>
+          </a:p>
+          <a:p>
+            <a:r>
+              <a:rPr lang="en-US" sz="2000" dirty="0">
+                <a:latin typeface="Courier" pitchFamily="2" charset="0"/>
+              </a:rPr>
+              <a:t>PA07</a:t>
+            </a:r>
+          </a:p>
+          <a:p>
+            <a:r>
+              <a:rPr lang="en-US" sz="2000" dirty="0">
+                <a:latin typeface="Courier" pitchFamily="2" charset="0"/>
+              </a:rPr>
+              <a:t>PA04</a:t>
+            </a:r>
+          </a:p>
+          <a:p>
+            <a:endParaRPr lang="en-US" sz="2000" dirty="0">
+              <a:latin typeface="Courier" pitchFamily="2" charset="0"/>
+            </a:endParaRPr>
+          </a:p>
+          <a:p>
+            <a:endParaRPr lang="en-US" sz="2000" dirty="0">
+              <a:latin typeface="Courier" pitchFamily="2" charset="0"/>
+            </a:endParaRPr>
+          </a:p>
+        </p:txBody>
+      </p:sp>
+      <p:sp>
+        <p:nvSpPr>
+          <p:cNvPr id="87" name="TextBox 86">
+            <a:extLst>
+              <a:ext uri="{FF2B5EF4-FFF2-40B4-BE49-F238E27FC236}">
+                <a16:creationId xmlns:a16="http://schemas.microsoft.com/office/drawing/2014/main" id="{658F9CE6-16D6-764E-B7F4-9BFB37C2A2BA}"/>
+              </a:ext>
+            </a:extLst>
+          </p:cNvPr>
+          <p:cNvSpPr txBox="1"/>
+          <p:nvPr/>
+        </p:nvSpPr>
+        <p:spPr>
+          <a:xfrm rot="16200000">
+            <a:off x="2588149" y="2488696"/>
+            <a:ext cx="899734" cy="2554545"/>
+          </a:xfrm>
+          <a:prstGeom prst="rect">
+            <a:avLst/>
+          </a:prstGeom>
+          <a:noFill/>
+          <a:ln w="12700">
+            <a:solidFill>
+              <a:schemeClr val="accent1"/>
+            </a:solidFill>
+          </a:ln>
+        </p:spPr>
+        <p:txBody>
+          <a:bodyPr wrap="square" rtlCol="0">
+            <a:spAutoFit/>
+          </a:bodyPr>
+          <a:lstStyle/>
+          <a:p>
+            <a:r>
+              <a:rPr lang="en-US" sz="2000" dirty="0">
+                <a:latin typeface="Courier" pitchFamily="2" charset="0"/>
+              </a:rPr>
+              <a:t>RB14</a:t>
+            </a:r>
+          </a:p>
+          <a:p>
+            <a:r>
+              <a:rPr lang="en-US" sz="2000" dirty="0">
+                <a:latin typeface="Courier" pitchFamily="2" charset="0"/>
+              </a:rPr>
+              <a:t>RB15</a:t>
+            </a:r>
+          </a:p>
+          <a:p>
+            <a:r>
+              <a:rPr lang="en-US" sz="2000" dirty="0">
+                <a:latin typeface="Courier" pitchFamily="2" charset="0"/>
+              </a:rPr>
+              <a:t>RA0</a:t>
+            </a:r>
+          </a:p>
+          <a:p>
+            <a:r>
+              <a:rPr lang="en-US" sz="2000" dirty="0">
+                <a:latin typeface="Courier" pitchFamily="2" charset="0"/>
+              </a:rPr>
+              <a:t>RA1</a:t>
+            </a:r>
+          </a:p>
+          <a:p>
+            <a:r>
+              <a:rPr lang="en-US" sz="2000" dirty="0">
+                <a:latin typeface="Courier" pitchFamily="2" charset="0"/>
+              </a:rPr>
+              <a:t>RB0</a:t>
+            </a:r>
+          </a:p>
+          <a:p>
+            <a:r>
+              <a:rPr lang="en-US" sz="2000" dirty="0">
+                <a:latin typeface="Courier" pitchFamily="2" charset="0"/>
+              </a:rPr>
+              <a:t>RB1</a:t>
+            </a:r>
+          </a:p>
+          <a:p>
+            <a:endParaRPr lang="en-US" sz="2000" dirty="0">
+              <a:latin typeface="Courier" pitchFamily="2" charset="0"/>
+            </a:endParaRPr>
+          </a:p>
+          <a:p>
+            <a:endParaRPr lang="en-US" sz="2000" dirty="0">
+              <a:latin typeface="Courier" pitchFamily="2" charset="0"/>
+            </a:endParaRPr>
+          </a:p>
+        </p:txBody>
+      </p:sp>
+      <p:sp>
+        <p:nvSpPr>
+          <p:cNvPr id="88" name="TextBox 87">
+            <a:extLst>
+              <a:ext uri="{FF2B5EF4-FFF2-40B4-BE49-F238E27FC236}">
+                <a16:creationId xmlns:a16="http://schemas.microsoft.com/office/drawing/2014/main" id="{13C804CC-F179-4E41-B04A-CC6845D21442}"/>
+              </a:ext>
+            </a:extLst>
+          </p:cNvPr>
+          <p:cNvSpPr txBox="1"/>
+          <p:nvPr/>
+        </p:nvSpPr>
+        <p:spPr>
+          <a:xfrm rot="16200000">
+            <a:off x="965364" y="4368874"/>
+            <a:ext cx="945931" cy="646331"/>
+          </a:xfrm>
+          <a:prstGeom prst="rect">
+            <a:avLst/>
+          </a:prstGeom>
+          <a:noFill/>
+          <a:ln w="12700">
+            <a:solidFill>
+              <a:schemeClr val="accent1"/>
+            </a:solidFill>
+          </a:ln>
+        </p:spPr>
+        <p:txBody>
+          <a:bodyPr wrap="square" rtlCol="0">
+            <a:spAutoFit/>
+          </a:bodyPr>
+          <a:lstStyle/>
+          <a:p>
+            <a:r>
+              <a:rPr lang="en-US" sz="1800" dirty="0" err="1">
+                <a:latin typeface="Arial" panose="020B0604020202020204" pitchFamily="34" charset="0"/>
+                <a:cs typeface="Arial" panose="020B0604020202020204" pitchFamily="34" charset="0"/>
+              </a:rPr>
+              <a:t>Mikro</a:t>
+            </a:r>
+            <a:endParaRPr lang="en-US" sz="1800" dirty="0">
+              <a:latin typeface="Arial" panose="020B0604020202020204" pitchFamily="34" charset="0"/>
+              <a:cs typeface="Arial" panose="020B0604020202020204" pitchFamily="34" charset="0"/>
+            </a:endParaRPr>
+          </a:p>
+          <a:p>
+            <a:r>
+              <a:rPr lang="en-US" sz="1800" dirty="0">
+                <a:latin typeface="Arial" panose="020B0604020202020204" pitchFamily="34" charset="0"/>
+                <a:cs typeface="Arial" panose="020B0604020202020204" pitchFamily="34" charset="0"/>
+              </a:rPr>
+              <a:t>BUS</a:t>
+            </a:r>
+          </a:p>
+        </p:txBody>
+      </p:sp>
+      <p:sp>
+        <p:nvSpPr>
+          <p:cNvPr id="89" name="TextBox 88">
+            <a:extLst>
+              <a:ext uri="{FF2B5EF4-FFF2-40B4-BE49-F238E27FC236}">
+                <a16:creationId xmlns:a16="http://schemas.microsoft.com/office/drawing/2014/main" id="{CBE1A7F2-11D5-0449-9C77-0EAD6CFC0824}"/>
+              </a:ext>
+            </a:extLst>
+          </p:cNvPr>
+          <p:cNvSpPr txBox="1"/>
+          <p:nvPr/>
+        </p:nvSpPr>
+        <p:spPr>
+          <a:xfrm rot="16200000">
+            <a:off x="7767486" y="4344466"/>
+            <a:ext cx="945931" cy="646331"/>
+          </a:xfrm>
+          <a:prstGeom prst="rect">
+            <a:avLst/>
+          </a:prstGeom>
+          <a:noFill/>
+          <a:ln w="12700">
+            <a:solidFill>
+              <a:schemeClr val="accent1"/>
+            </a:solidFill>
+          </a:ln>
+        </p:spPr>
+        <p:txBody>
+          <a:bodyPr wrap="square" rtlCol="0">
+            <a:spAutoFit/>
+          </a:bodyPr>
+          <a:lstStyle/>
+          <a:p>
+            <a:r>
+              <a:rPr lang="en-US" sz="1800" dirty="0" err="1">
+                <a:latin typeface="Arial" panose="020B0604020202020204" pitchFamily="34" charset="0"/>
+                <a:cs typeface="Arial" panose="020B0604020202020204" pitchFamily="34" charset="0"/>
+              </a:rPr>
+              <a:t>Mikro</a:t>
+            </a:r>
+            <a:endParaRPr lang="en-US" sz="1800" dirty="0">
+              <a:latin typeface="Arial" panose="020B0604020202020204" pitchFamily="34" charset="0"/>
+              <a:cs typeface="Arial" panose="020B0604020202020204" pitchFamily="34" charset="0"/>
+            </a:endParaRPr>
+          </a:p>
+          <a:p>
+            <a:r>
+              <a:rPr lang="en-US" sz="1800" dirty="0">
+                <a:latin typeface="Arial" panose="020B0604020202020204" pitchFamily="34" charset="0"/>
+                <a:cs typeface="Arial" panose="020B0604020202020204" pitchFamily="34" charset="0"/>
+              </a:rPr>
+              <a:t>BUS</a:t>
+            </a:r>
+          </a:p>
+        </p:txBody>
+      </p:sp>
+      <p:sp>
+        <p:nvSpPr>
+          <p:cNvPr id="90" name="TextBox 89">
+            <a:extLst>
+              <a:ext uri="{FF2B5EF4-FFF2-40B4-BE49-F238E27FC236}">
+                <a16:creationId xmlns:a16="http://schemas.microsoft.com/office/drawing/2014/main" id="{DFB12184-75A5-0B4B-B82F-336719D851D4}"/>
+              </a:ext>
+            </a:extLst>
+          </p:cNvPr>
+          <p:cNvSpPr txBox="1"/>
+          <p:nvPr/>
+        </p:nvSpPr>
+        <p:spPr>
+          <a:xfrm rot="16200000">
+            <a:off x="7727172" y="3386421"/>
+            <a:ext cx="1031989" cy="584775"/>
+          </a:xfrm>
+          <a:prstGeom prst="rect">
+            <a:avLst/>
+          </a:prstGeom>
+          <a:noFill/>
+          <a:ln w="12700">
+            <a:solidFill>
+              <a:schemeClr val="accent1"/>
+            </a:solidFill>
+          </a:ln>
+        </p:spPr>
+        <p:txBody>
+          <a:bodyPr wrap="square" rtlCol="0">
+            <a:spAutoFit/>
+          </a:bodyPr>
+          <a:lstStyle/>
+          <a:p>
             <a:r>
               <a:rPr lang="en-US" sz="1600" dirty="0">
                 <a:latin typeface="Arial" panose="020B0604020202020204" pitchFamily="34" charset="0"/>
                 <a:cs typeface="Arial" panose="020B0604020202020204" pitchFamily="34" charset="0"/>
               </a:rPr>
-              <a:t>Minimum Rx buffer size = (4 + 1024) bytes = 1028 bytes</a:t>
-            </a:r>
-          </a:p>
-          <a:p>
-            <a:pPr algn="ctr"/>
+              <a:t>SAMD21</a:t>
+            </a:r>
+          </a:p>
+          <a:p>
             <a:r>
               <a:rPr lang="en-US" sz="1600" dirty="0">
                 <a:latin typeface="Arial" panose="020B0604020202020204" pitchFamily="34" charset="0"/>
                 <a:cs typeface="Arial" panose="020B0604020202020204" pitchFamily="34" charset="0"/>
               </a:rPr>
-              <a:t>Command Byte = ‘T’ or ‘t’ (0x54 or 0x74)</a:t>
-            </a:r>
+              <a:t>G18A</a:t>
+            </a:r>
+          </a:p>
+        </p:txBody>
+      </p:sp>
+      <p:sp>
+        <p:nvSpPr>
+          <p:cNvPr id="91" name="TextBox 90">
+            <a:extLst>
+              <a:ext uri="{FF2B5EF4-FFF2-40B4-BE49-F238E27FC236}">
+                <a16:creationId xmlns:a16="http://schemas.microsoft.com/office/drawing/2014/main" id="{97A7F95E-5763-6541-9EC3-4F830DA25646}"/>
+              </a:ext>
+            </a:extLst>
+          </p:cNvPr>
+          <p:cNvSpPr txBox="1"/>
+          <p:nvPr/>
+        </p:nvSpPr>
+        <p:spPr>
+          <a:xfrm rot="16200000">
+            <a:off x="867256" y="3312943"/>
+            <a:ext cx="962227" cy="830997"/>
+          </a:xfrm>
+          <a:prstGeom prst="rect">
+            <a:avLst/>
+          </a:prstGeom>
+          <a:noFill/>
+          <a:ln w="12700">
+            <a:solidFill>
+              <a:schemeClr val="accent1"/>
+            </a:solidFill>
+          </a:ln>
+        </p:spPr>
+        <p:txBody>
+          <a:bodyPr wrap="square" rtlCol="0">
+            <a:spAutoFit/>
+          </a:bodyPr>
+          <a:lstStyle/>
+          <a:p>
+            <a:r>
+              <a:rPr lang="en-US" sz="1600" dirty="0">
+                <a:latin typeface="Arial" panose="020B0604020202020204" pitchFamily="34" charset="0"/>
+                <a:cs typeface="Arial" panose="020B0604020202020204" pitchFamily="34" charset="0"/>
+              </a:rPr>
+              <a:t>PIC24</a:t>
+            </a:r>
+          </a:p>
+          <a:p>
+            <a:r>
+              <a:rPr lang="en-US" sz="1600" dirty="0">
+                <a:latin typeface="Arial" panose="020B0604020202020204" pitchFamily="34" charset="0"/>
+                <a:cs typeface="Arial" panose="020B0604020202020204" pitchFamily="34" charset="0"/>
+              </a:rPr>
+              <a:t>FJ128</a:t>
+            </a:r>
+          </a:p>
+          <a:p>
+            <a:r>
+              <a:rPr lang="en-US" sz="1600" dirty="0">
+                <a:latin typeface="Arial" panose="020B0604020202020204" pitchFamily="34" charset="0"/>
+                <a:cs typeface="Arial" panose="020B0604020202020204" pitchFamily="34" charset="0"/>
+              </a:rPr>
+              <a:t>GA705</a:t>
+            </a:r>
+          </a:p>
+        </p:txBody>
+      </p:sp>
+      <p:sp>
+        <p:nvSpPr>
+          <p:cNvPr id="7" name="Down Arrow 6">
+            <a:extLst>
+              <a:ext uri="{FF2B5EF4-FFF2-40B4-BE49-F238E27FC236}">
+                <a16:creationId xmlns:a16="http://schemas.microsoft.com/office/drawing/2014/main" id="{356C482E-16A1-7445-9870-81008F73DC68}"/>
+              </a:ext>
+            </a:extLst>
+          </p:cNvPr>
+          <p:cNvSpPr/>
+          <p:nvPr/>
+        </p:nvSpPr>
+        <p:spPr>
+          <a:xfrm>
+            <a:off x="2787801" y="2913311"/>
+            <a:ext cx="334539" cy="412414"/>
+          </a:xfrm>
+          <a:prstGeom prst="downArrow">
+            <a:avLst/>
+          </a:prstGeom>
+          <a:solidFill>
+            <a:srgbClr val="92D050"/>
+          </a:solidFill>
+          <a:ln>
+            <a:noFill/>
+          </a:ln>
+          <a:effectLst/>
+        </p:spPr>
+        <p:style>
+          <a:lnRef idx="1">
+            <a:schemeClr val="accent1"/>
+          </a:lnRef>
+          <a:fillRef idx="3">
+            <a:schemeClr val="accent1"/>
+          </a:fillRef>
+          <a:effectRef idx="2">
+            <a:schemeClr val="accent1"/>
+          </a:effectRef>
+          <a:fontRef idx="minor">
+            <a:schemeClr val="lt1"/>
+          </a:fontRef>
+        </p:style>
+        <p:txBody>
+          <a:bodyPr rot="0" spcFirstLastPara="0" vertOverflow="overflow" horzOverflow="overflow" vert="horz" wrap="square" lIns="91440" tIns="45720" rIns="91440" bIns="45720" numCol="1" spcCol="0" rtlCol="0" fromWordArt="0" anchor="ctr" anchorCtr="0" forceAA="0" compatLnSpc="1">
+            <a:prstTxWarp prst="textNoShape">
+              <a:avLst/>
+            </a:prstTxWarp>
+            <a:noAutofit/>
+          </a:bodyPr>
+          <a:lstStyle/>
+          <a:p>
+            <a:pPr algn="ctr"/>
+            <a:endParaRPr lang="en-US"/>
+          </a:p>
+        </p:txBody>
+      </p:sp>
+      <p:sp>
+        <p:nvSpPr>
+          <p:cNvPr id="29" name="Down Arrow 28">
+            <a:extLst>
+              <a:ext uri="{FF2B5EF4-FFF2-40B4-BE49-F238E27FC236}">
+                <a16:creationId xmlns:a16="http://schemas.microsoft.com/office/drawing/2014/main" id="{04E8C09F-3015-DE45-AA83-BA938E5F84D3}"/>
+              </a:ext>
+            </a:extLst>
+          </p:cNvPr>
+          <p:cNvSpPr/>
+          <p:nvPr/>
+        </p:nvSpPr>
+        <p:spPr>
+          <a:xfrm>
+            <a:off x="9614820" y="2897503"/>
+            <a:ext cx="334539" cy="412414"/>
+          </a:xfrm>
+          <a:prstGeom prst="downArrow">
+            <a:avLst/>
+          </a:prstGeom>
+          <a:solidFill>
+            <a:srgbClr val="92D050"/>
+          </a:solidFill>
+          <a:ln>
+            <a:noFill/>
+          </a:ln>
+          <a:effectLst/>
+        </p:spPr>
+        <p:style>
+          <a:lnRef idx="1">
+            <a:schemeClr val="accent1"/>
+          </a:lnRef>
+          <a:fillRef idx="3">
+            <a:schemeClr val="accent1"/>
+          </a:fillRef>
+          <a:effectRef idx="2">
+            <a:schemeClr val="accent1"/>
+          </a:effectRef>
+          <a:fontRef idx="minor">
+            <a:schemeClr val="lt1"/>
+          </a:fontRef>
+        </p:style>
+        <p:txBody>
+          <a:bodyPr rot="0" spcFirstLastPara="0" vertOverflow="overflow" horzOverflow="overflow" vert="horz" wrap="square" lIns="91440" tIns="45720" rIns="91440" bIns="45720" numCol="1" spcCol="0" rtlCol="0" fromWordArt="0" anchor="ctr" anchorCtr="0" forceAA="0" compatLnSpc="1">
+            <a:prstTxWarp prst="textNoShape">
+              <a:avLst/>
+            </a:prstTxWarp>
+            <a:noAutofit/>
+          </a:bodyPr>
+          <a:lstStyle/>
+          <a:p>
+            <a:pPr algn="ctr"/>
+            <a:endParaRPr lang="en-US"/>
           </a:p>
         </p:txBody>
       </p:sp>
     </p:spTree>
     <p:extLst>
       <p:ext uri="{BB962C8B-B14F-4D97-AF65-F5344CB8AC3E}">
-        <p14:creationId xmlns:p14="http://schemas.microsoft.com/office/powerpoint/2010/main" val="3298024551"/>
+        <p14:creationId xmlns:p14="http://schemas.microsoft.com/office/powerpoint/2010/main" val="1800061925"/>
       </p:ext>
     </p:extLst>
   </p:cSld>
@@ -32297,11 +31920,48 @@
 
 <file path=customXml/item2.xml><?xml version="1.0" encoding="utf-8"?>
 <?mso-contentType ?>
-<FormTemplates xmlns="http://schemas.microsoft.com/sharepoint/v3/contenttype/forms">
-  <Display>DocumentLibraryForm</Display>
-  <Edit>DocumentLibraryForm</Edit>
-  <New>DocumentLibraryForm</New>
-</FormTemplates>
+<spe:Receivers xmlns:spe="http://schemas.microsoft.com/sharepoint/events">
+  <Receiver>
+    <Name>Document ID Generator</Name>
+    <Synchronization>Synchronous</Synchronization>
+    <Type>10001</Type>
+    <SequenceNumber>1000</SequenceNumber>
+    <Assembly>Microsoft.Office.DocumentManagement, Version=14.0.0.0, Culture=neutral, PublicKeyToken=71e9bce111e9429c</Assembly>
+    <Class>Microsoft.Office.DocumentManagement.Internal.DocIdHandler</Class>
+    <Data/>
+    <Filter/>
+  </Receiver>
+  <Receiver>
+    <Name>Document ID Generator</Name>
+    <Synchronization>Synchronous</Synchronization>
+    <Type>10002</Type>
+    <SequenceNumber>1001</SequenceNumber>
+    <Assembly>Microsoft.Office.DocumentManagement, Version=14.0.0.0, Culture=neutral, PublicKeyToken=71e9bce111e9429c</Assembly>
+    <Class>Microsoft.Office.DocumentManagement.Internal.DocIdHandler</Class>
+    <Data/>
+    <Filter/>
+  </Receiver>
+  <Receiver>
+    <Name>Document ID Generator</Name>
+    <Synchronization>Synchronous</Synchronization>
+    <Type>10004</Type>
+    <SequenceNumber>1002</SequenceNumber>
+    <Assembly>Microsoft.Office.DocumentManagement, Version=14.0.0.0, Culture=neutral, PublicKeyToken=71e9bce111e9429c</Assembly>
+    <Class>Microsoft.Office.DocumentManagement.Internal.DocIdHandler</Class>
+    <Data/>
+    <Filter/>
+  </Receiver>
+  <Receiver>
+    <Name>Document ID Generator</Name>
+    <Synchronization>Synchronous</Synchronization>
+    <Type>10006</Type>
+    <SequenceNumber>1003</SequenceNumber>
+    <Assembly>Microsoft.Office.DocumentManagement, Version=14.0.0.0, Culture=neutral, PublicKeyToken=71e9bce111e9429c</Assembly>
+    <Class>Microsoft.Office.DocumentManagement.Internal.DocIdHandler</Class>
+    <Data/>
+    <Filter/>
+  </Receiver>
+</spe:Receivers>
 </file>
 
 <file path=customXml/item3.xml><?xml version="1.0" encoding="utf-8"?>
@@ -32462,48 +32122,11 @@
 
 <file path=customXml/item4.xml><?xml version="1.0" encoding="utf-8"?>
 <?mso-contentType ?>
-<spe:Receivers xmlns:spe="http://schemas.microsoft.com/sharepoint/events">
-  <Receiver>
-    <Name>Document ID Generator</Name>
-    <Synchronization>Synchronous</Synchronization>
-    <Type>10001</Type>
-    <SequenceNumber>1000</SequenceNumber>
-    <Assembly>Microsoft.Office.DocumentManagement, Version=14.0.0.0, Culture=neutral, PublicKeyToken=71e9bce111e9429c</Assembly>
-    <Class>Microsoft.Office.DocumentManagement.Internal.DocIdHandler</Class>
-    <Data/>
-    <Filter/>
-  </Receiver>
-  <Receiver>
-    <Name>Document ID Generator</Name>
-    <Synchronization>Synchronous</Synchronization>
-    <Type>10002</Type>
-    <SequenceNumber>1001</SequenceNumber>
-    <Assembly>Microsoft.Office.DocumentManagement, Version=14.0.0.0, Culture=neutral, PublicKeyToken=71e9bce111e9429c</Assembly>
-    <Class>Microsoft.Office.DocumentManagement.Internal.DocIdHandler</Class>
-    <Data/>
-    <Filter/>
-  </Receiver>
-  <Receiver>
-    <Name>Document ID Generator</Name>
-    <Synchronization>Synchronous</Synchronization>
-    <Type>10004</Type>
-    <SequenceNumber>1002</SequenceNumber>
-    <Assembly>Microsoft.Office.DocumentManagement, Version=14.0.0.0, Culture=neutral, PublicKeyToken=71e9bce111e9429c</Assembly>
-    <Class>Microsoft.Office.DocumentManagement.Internal.DocIdHandler</Class>
-    <Data/>
-    <Filter/>
-  </Receiver>
-  <Receiver>
-    <Name>Document ID Generator</Name>
-    <Synchronization>Synchronous</Synchronization>
-    <Type>10006</Type>
-    <SequenceNumber>1003</SequenceNumber>
-    <Assembly>Microsoft.Office.DocumentManagement, Version=14.0.0.0, Culture=neutral, PublicKeyToken=71e9bce111e9429c</Assembly>
-    <Class>Microsoft.Office.DocumentManagement.Internal.DocIdHandler</Class>
-    <Data/>
-    <Filter/>
-  </Receiver>
-</spe:Receivers>
+<FormTemplates xmlns="http://schemas.microsoft.com/sharepoint/v3/contenttype/forms">
+  <Display>DocumentLibraryForm</Display>
+  <Edit>DocumentLibraryForm</Edit>
+  <New>DocumentLibraryForm</New>
+</FormTemplates>
 </file>
 
 <file path=customXml/itemProps1.xml><?xml version="1.0" encoding="utf-8"?>
@@ -32518,9 +32141,9 @@
 </file>
 
 <file path=customXml/itemProps2.xml><?xml version="1.0" encoding="utf-8"?>
-<ds:datastoreItem xmlns:ds="http://schemas.openxmlformats.org/officeDocument/2006/customXml" ds:itemID="{0CE24DD7-9317-4AD8-82D4-5A6998DA79C7}">
+<ds:datastoreItem xmlns:ds="http://schemas.openxmlformats.org/officeDocument/2006/customXml" ds:itemID="{36ECED7C-7E24-4B80-B6AD-5BF0A508FB7B}">
   <ds:schemaRefs>
-    <ds:schemaRef ds:uri="http://schemas.microsoft.com/sharepoint/v3/contenttype/forms"/>
+    <ds:schemaRef ds:uri="http://schemas.microsoft.com/sharepoint/events"/>
   </ds:schemaRefs>
 </ds:datastoreItem>
 </file>
@@ -32545,9 +32168,9 @@
 </file>
 
 <file path=customXml/itemProps4.xml><?xml version="1.0" encoding="utf-8"?>
-<ds:datastoreItem xmlns:ds="http://schemas.openxmlformats.org/officeDocument/2006/customXml" ds:itemID="{36ECED7C-7E24-4B80-B6AD-5BF0A508FB7B}">
+<ds:datastoreItem xmlns:ds="http://schemas.openxmlformats.org/officeDocument/2006/customXml" ds:itemID="{0CE24DD7-9317-4AD8-82D4-5A6998DA79C7}">
   <ds:schemaRefs>
-    <ds:schemaRef ds:uri="http://schemas.microsoft.com/sharepoint/events"/>
+    <ds:schemaRef ds:uri="http://schemas.microsoft.com/sharepoint/v3/contenttype/forms"/>
   </ds:schemaRefs>
 </ds:datastoreItem>
 </file>
--- a/AO-Smith-MSFT-MCHP-r6.pptx
+++ b/AO-Smith-MSFT-MCHP-r6.pptx
@@ -510,7 +510,7 @@
           <a:p>
             <a:fld id="{98615C2D-FB91-8740-95C2-23C11A10F2F2}" type="datetimeFigureOut">
               <a:rPr lang="en-US" smtClean="0"/>
-              <a:t>10/29/21</a:t>
+              <a:t>10/31/21</a:t>
             </a:fld>
             <a:endParaRPr lang="en-US"/>
           </a:p>
@@ -688,7 +688,7 @@
           <a:p>
             <a:fld id="{F154E49F-5C3A-ED4E-A68A-CCB3AA3B5D59}" type="datetimeFigureOut">
               <a:rPr lang="en-US" smtClean="0"/>
-              <a:t>10/29/21</a:t>
+              <a:t>10/31/21</a:t>
             </a:fld>
             <a:endParaRPr lang="en-US"/>
           </a:p>
@@ -17888,6 +17888,560 @@
           </a:p>
         </p:txBody>
       </p:sp>
+      <p:grpSp>
+        <p:nvGrpSpPr>
+          <p:cNvPr id="6" name="Group 5">
+            <a:extLst>
+              <a:ext uri="{FF2B5EF4-FFF2-40B4-BE49-F238E27FC236}">
+                <a16:creationId xmlns:a16="http://schemas.microsoft.com/office/drawing/2014/main" id="{86383954-CA34-CA4A-ADAE-6229C7A6A143}"/>
+              </a:ext>
+            </a:extLst>
+          </p:cNvPr>
+          <p:cNvGrpSpPr/>
+          <p:nvPr/>
+        </p:nvGrpSpPr>
+        <p:grpSpPr>
+          <a:xfrm>
+            <a:off x="3793543" y="2491092"/>
+            <a:ext cx="2464466" cy="527229"/>
+            <a:chOff x="3793543" y="2491092"/>
+            <a:chExt cx="2464466" cy="527229"/>
+          </a:xfrm>
+        </p:grpSpPr>
+        <p:cxnSp>
+          <p:nvCxnSpPr>
+            <p:cNvPr id="4" name="Straight Arrow Connector 3">
+              <a:extLst>
+                <a:ext uri="{FF2B5EF4-FFF2-40B4-BE49-F238E27FC236}">
+                  <a16:creationId xmlns:a16="http://schemas.microsoft.com/office/drawing/2014/main" id="{5252D2C5-A586-A04E-ACC4-E62CD3184AF5}"/>
+                </a:ext>
+              </a:extLst>
+            </p:cNvPr>
+            <p:cNvCxnSpPr/>
+            <p:nvPr/>
+          </p:nvCxnSpPr>
+          <p:spPr>
+            <a:xfrm flipH="1">
+              <a:off x="4134823" y="2635585"/>
+              <a:ext cx="735724" cy="0"/>
+            </a:xfrm>
+            <a:prstGeom prst="straightConnector1">
+              <a:avLst/>
+            </a:prstGeom>
+            <a:ln w="38100">
+              <a:solidFill>
+                <a:srgbClr val="00B0F0"/>
+              </a:solidFill>
+              <a:headEnd type="none" w="lg" len="med"/>
+              <a:tailEnd type="arrow"/>
+            </a:ln>
+            <a:effectLst/>
+          </p:spPr>
+          <p:style>
+            <a:lnRef idx="2">
+              <a:schemeClr val="accent1"/>
+            </a:lnRef>
+            <a:fillRef idx="0">
+              <a:schemeClr val="accent1"/>
+            </a:fillRef>
+            <a:effectRef idx="1">
+              <a:schemeClr val="accent1"/>
+            </a:effectRef>
+            <a:fontRef idx="minor">
+              <a:schemeClr val="tx1"/>
+            </a:fontRef>
+          </p:style>
+        </p:cxnSp>
+        <p:sp>
+          <p:nvSpPr>
+            <p:cNvPr id="24" name="Oval 23">
+              <a:extLst>
+                <a:ext uri="{FF2B5EF4-FFF2-40B4-BE49-F238E27FC236}">
+                  <a16:creationId xmlns:a16="http://schemas.microsoft.com/office/drawing/2014/main" id="{A274C0DC-25BF-1B45-B531-F099DA16727B}"/>
+                </a:ext>
+              </a:extLst>
+            </p:cNvPr>
+            <p:cNvSpPr/>
+            <p:nvPr/>
+          </p:nvSpPr>
+          <p:spPr>
+            <a:xfrm>
+              <a:off x="3793543" y="2497734"/>
+              <a:ext cx="330401" cy="317116"/>
+            </a:xfrm>
+            <a:prstGeom prst="ellipse">
+              <a:avLst/>
+            </a:prstGeom>
+            <a:noFill/>
+            <a:ln w="25400">
+              <a:solidFill>
+                <a:srgbClr val="00B0F0"/>
+              </a:solidFill>
+            </a:ln>
+            <a:effectLst/>
+          </p:spPr>
+          <p:style>
+            <a:lnRef idx="1">
+              <a:schemeClr val="accent1"/>
+            </a:lnRef>
+            <a:fillRef idx="3">
+              <a:schemeClr val="accent1"/>
+            </a:fillRef>
+            <a:effectRef idx="2">
+              <a:schemeClr val="accent1"/>
+            </a:effectRef>
+            <a:fontRef idx="minor">
+              <a:schemeClr val="lt1"/>
+            </a:fontRef>
+          </p:style>
+          <p:txBody>
+            <a:bodyPr rot="0" spcFirstLastPara="0" vertOverflow="overflow" horzOverflow="overflow" vert="horz" wrap="square" lIns="91440" tIns="45720" rIns="91440" bIns="45720" numCol="1" spcCol="0" rtlCol="0" fromWordArt="0" anchor="ctr" anchorCtr="0" forceAA="0" compatLnSpc="1">
+              <a:prstTxWarp prst="textNoShape">
+                <a:avLst/>
+              </a:prstTxWarp>
+              <a:noAutofit/>
+            </a:bodyPr>
+            <a:lstStyle/>
+            <a:p>
+              <a:pPr algn="ctr"/>
+              <a:endParaRPr lang="en-US"/>
+            </a:p>
+          </p:txBody>
+        </p:sp>
+        <p:sp>
+          <p:nvSpPr>
+            <p:cNvPr id="5" name="Rectangle 4">
+              <a:extLst>
+                <a:ext uri="{FF2B5EF4-FFF2-40B4-BE49-F238E27FC236}">
+                  <a16:creationId xmlns:a16="http://schemas.microsoft.com/office/drawing/2014/main" id="{04BADD81-AD1B-4D41-B299-2F044EA1EFD5}"/>
+                </a:ext>
+              </a:extLst>
+            </p:cNvPr>
+            <p:cNvSpPr/>
+            <p:nvPr/>
+          </p:nvSpPr>
+          <p:spPr>
+            <a:xfrm>
+              <a:off x="4770268" y="2491092"/>
+              <a:ext cx="1487741" cy="527229"/>
+            </a:xfrm>
+            <a:prstGeom prst="rect">
+              <a:avLst/>
+            </a:prstGeom>
+            <a:noFill/>
+            <a:ln>
+              <a:noFill/>
+            </a:ln>
+            <a:effectLst/>
+          </p:spPr>
+          <p:style>
+            <a:lnRef idx="1">
+              <a:schemeClr val="accent1"/>
+            </a:lnRef>
+            <a:fillRef idx="3">
+              <a:schemeClr val="accent1"/>
+            </a:fillRef>
+            <a:effectRef idx="2">
+              <a:schemeClr val="accent1"/>
+            </a:effectRef>
+            <a:fontRef idx="minor">
+              <a:schemeClr val="lt1"/>
+            </a:fontRef>
+          </p:style>
+          <p:txBody>
+            <a:bodyPr rot="0" spcFirstLastPara="0" vertOverflow="overflow" horzOverflow="overflow" vert="horz" wrap="square" lIns="91440" tIns="45720" rIns="91440" bIns="45720" numCol="1" spcCol="0" rtlCol="0" fromWordArt="0" anchor="ctr" anchorCtr="0" forceAA="0" compatLnSpc="1">
+              <a:prstTxWarp prst="textNoShape">
+                <a:avLst/>
+              </a:prstTxWarp>
+              <a:noAutofit/>
+            </a:bodyPr>
+            <a:lstStyle/>
+            <a:p>
+              <a:pPr algn="ctr"/>
+              <a:r>
+                <a:rPr lang="en-US" sz="1800" dirty="0">
+                  <a:solidFill>
+                    <a:schemeClr val="tx1"/>
+                  </a:solidFill>
+                  <a:latin typeface="Arial" panose="020B0604020202020204" pitchFamily="34" charset="0"/>
+                  <a:cs typeface="Arial" panose="020B0604020202020204" pitchFamily="34" charset="0"/>
+                </a:rPr>
+                <a:t>1. Press the SW0 Button</a:t>
+              </a:r>
+            </a:p>
+          </p:txBody>
+        </p:sp>
+      </p:grpSp>
+      <p:grpSp>
+        <p:nvGrpSpPr>
+          <p:cNvPr id="8" name="Group 7">
+            <a:extLst>
+              <a:ext uri="{FF2B5EF4-FFF2-40B4-BE49-F238E27FC236}">
+                <a16:creationId xmlns:a16="http://schemas.microsoft.com/office/drawing/2014/main" id="{DA304DFE-ED12-7D48-8EF5-9A738AD7B4B6}"/>
+              </a:ext>
+            </a:extLst>
+          </p:cNvPr>
+          <p:cNvGrpSpPr/>
+          <p:nvPr/>
+        </p:nvGrpSpPr>
+        <p:grpSpPr>
+          <a:xfrm>
+            <a:off x="3910402" y="1662194"/>
+            <a:ext cx="2284640" cy="527229"/>
+            <a:chOff x="3910402" y="1662194"/>
+            <a:chExt cx="2284640" cy="527229"/>
+          </a:xfrm>
+        </p:grpSpPr>
+        <p:sp>
+          <p:nvSpPr>
+            <p:cNvPr id="25" name="Oval 24">
+              <a:extLst>
+                <a:ext uri="{FF2B5EF4-FFF2-40B4-BE49-F238E27FC236}">
+                  <a16:creationId xmlns:a16="http://schemas.microsoft.com/office/drawing/2014/main" id="{B4FF2B61-3E96-044E-9429-DEC0A00573B6}"/>
+                </a:ext>
+              </a:extLst>
+            </p:cNvPr>
+            <p:cNvSpPr/>
+            <p:nvPr/>
+          </p:nvSpPr>
+          <p:spPr>
+            <a:xfrm>
+              <a:off x="3910402" y="1689865"/>
+              <a:ext cx="182012" cy="194689"/>
+            </a:xfrm>
+            <a:prstGeom prst="ellipse">
+              <a:avLst/>
+            </a:prstGeom>
+            <a:noFill/>
+            <a:ln w="25400">
+              <a:solidFill>
+                <a:srgbClr val="00B0F0"/>
+              </a:solidFill>
+            </a:ln>
+            <a:effectLst/>
+          </p:spPr>
+          <p:style>
+            <a:lnRef idx="1">
+              <a:schemeClr val="accent1"/>
+            </a:lnRef>
+            <a:fillRef idx="3">
+              <a:schemeClr val="accent1"/>
+            </a:fillRef>
+            <a:effectRef idx="2">
+              <a:schemeClr val="accent1"/>
+            </a:effectRef>
+            <a:fontRef idx="minor">
+              <a:schemeClr val="lt1"/>
+            </a:fontRef>
+          </p:style>
+          <p:txBody>
+            <a:bodyPr rot="0" spcFirstLastPara="0" vertOverflow="overflow" horzOverflow="overflow" vert="horz" wrap="square" lIns="91440" tIns="45720" rIns="91440" bIns="45720" numCol="1" spcCol="0" rtlCol="0" fromWordArt="0" anchor="ctr" anchorCtr="0" forceAA="0" compatLnSpc="1">
+              <a:prstTxWarp prst="textNoShape">
+                <a:avLst/>
+              </a:prstTxWarp>
+              <a:noAutofit/>
+            </a:bodyPr>
+            <a:lstStyle/>
+            <a:p>
+              <a:pPr algn="ctr"/>
+              <a:endParaRPr lang="en-US"/>
+            </a:p>
+          </p:txBody>
+        </p:sp>
+        <p:cxnSp>
+          <p:nvCxnSpPr>
+            <p:cNvPr id="27" name="Straight Arrow Connector 26">
+              <a:extLst>
+                <a:ext uri="{FF2B5EF4-FFF2-40B4-BE49-F238E27FC236}">
+                  <a16:creationId xmlns:a16="http://schemas.microsoft.com/office/drawing/2014/main" id="{DB4A0FDE-74C6-CD47-A779-3BDD29CD3FBD}"/>
+                </a:ext>
+              </a:extLst>
+            </p:cNvPr>
+            <p:cNvCxnSpPr/>
+            <p:nvPr/>
+          </p:nvCxnSpPr>
+          <p:spPr>
+            <a:xfrm flipH="1">
+              <a:off x="4092414" y="1787209"/>
+              <a:ext cx="735724" cy="0"/>
+            </a:xfrm>
+            <a:prstGeom prst="straightConnector1">
+              <a:avLst/>
+            </a:prstGeom>
+            <a:ln w="38100">
+              <a:solidFill>
+                <a:srgbClr val="00B0F0"/>
+              </a:solidFill>
+              <a:headEnd type="none" w="lg" len="med"/>
+              <a:tailEnd type="arrow"/>
+            </a:ln>
+            <a:effectLst/>
+          </p:spPr>
+          <p:style>
+            <a:lnRef idx="2">
+              <a:schemeClr val="accent1"/>
+            </a:lnRef>
+            <a:fillRef idx="0">
+              <a:schemeClr val="accent1"/>
+            </a:fillRef>
+            <a:effectRef idx="1">
+              <a:schemeClr val="accent1"/>
+            </a:effectRef>
+            <a:fontRef idx="minor">
+              <a:schemeClr val="tx1"/>
+            </a:fontRef>
+          </p:style>
+        </p:cxnSp>
+        <p:sp>
+          <p:nvSpPr>
+            <p:cNvPr id="30" name="Rectangle 29">
+              <a:extLst>
+                <a:ext uri="{FF2B5EF4-FFF2-40B4-BE49-F238E27FC236}">
+                  <a16:creationId xmlns:a16="http://schemas.microsoft.com/office/drawing/2014/main" id="{AC7A6D54-A5DB-E04B-89B5-643AD722C591}"/>
+                </a:ext>
+              </a:extLst>
+            </p:cNvPr>
+            <p:cNvSpPr/>
+            <p:nvPr/>
+          </p:nvSpPr>
+          <p:spPr>
+            <a:xfrm>
+              <a:off x="4707301" y="1662194"/>
+              <a:ext cx="1487741" cy="527229"/>
+            </a:xfrm>
+            <a:prstGeom prst="rect">
+              <a:avLst/>
+            </a:prstGeom>
+            <a:noFill/>
+            <a:ln>
+              <a:noFill/>
+            </a:ln>
+            <a:effectLst/>
+          </p:spPr>
+          <p:style>
+            <a:lnRef idx="1">
+              <a:schemeClr val="accent1"/>
+            </a:lnRef>
+            <a:fillRef idx="3">
+              <a:schemeClr val="accent1"/>
+            </a:fillRef>
+            <a:effectRef idx="2">
+              <a:schemeClr val="accent1"/>
+            </a:effectRef>
+            <a:fontRef idx="minor">
+              <a:schemeClr val="lt1"/>
+            </a:fontRef>
+          </p:style>
+          <p:txBody>
+            <a:bodyPr rot="0" spcFirstLastPara="0" vertOverflow="overflow" horzOverflow="overflow" vert="horz" wrap="square" lIns="91440" tIns="45720" rIns="91440" bIns="45720" numCol="1" spcCol="0" rtlCol="0" fromWordArt="0" anchor="ctr" anchorCtr="0" forceAA="0" compatLnSpc="1">
+              <a:prstTxWarp prst="textNoShape">
+                <a:avLst/>
+              </a:prstTxWarp>
+              <a:noAutofit/>
+            </a:bodyPr>
+            <a:lstStyle/>
+            <a:p>
+              <a:pPr algn="ctr"/>
+              <a:r>
+                <a:rPr lang="en-US" sz="1800" dirty="0">
+                  <a:solidFill>
+                    <a:schemeClr val="tx1"/>
+                  </a:solidFill>
+                  <a:latin typeface="Arial" panose="020B0604020202020204" pitchFamily="34" charset="0"/>
+                  <a:cs typeface="Arial" panose="020B0604020202020204" pitchFamily="34" charset="0"/>
+                </a:rPr>
+                <a:t>2. Red LED Toggles</a:t>
+              </a:r>
+            </a:p>
+          </p:txBody>
+        </p:sp>
+      </p:grpSp>
+      <p:grpSp>
+        <p:nvGrpSpPr>
+          <p:cNvPr id="10" name="Group 9">
+            <a:extLst>
+              <a:ext uri="{FF2B5EF4-FFF2-40B4-BE49-F238E27FC236}">
+                <a16:creationId xmlns:a16="http://schemas.microsoft.com/office/drawing/2014/main" id="{636B80DF-A247-5C46-886C-C646D62A1BF8}"/>
+              </a:ext>
+            </a:extLst>
+          </p:cNvPr>
+          <p:cNvGrpSpPr/>
+          <p:nvPr/>
+        </p:nvGrpSpPr>
+        <p:grpSpPr>
+          <a:xfrm>
+            <a:off x="10707651" y="530508"/>
+            <a:ext cx="1427753" cy="1487741"/>
+            <a:chOff x="10707651" y="530508"/>
+            <a:chExt cx="1427753" cy="1487741"/>
+          </a:xfrm>
+        </p:grpSpPr>
+        <p:sp>
+          <p:nvSpPr>
+            <p:cNvPr id="26" name="Oval 25">
+              <a:extLst>
+                <a:ext uri="{FF2B5EF4-FFF2-40B4-BE49-F238E27FC236}">
+                  <a16:creationId xmlns:a16="http://schemas.microsoft.com/office/drawing/2014/main" id="{BC34A803-BC36-2845-98E9-E4B643ABFFE1}"/>
+                </a:ext>
+              </a:extLst>
+            </p:cNvPr>
+            <p:cNvSpPr/>
+            <p:nvPr/>
+          </p:nvSpPr>
+          <p:spPr>
+            <a:xfrm>
+              <a:off x="10707651" y="1689865"/>
+              <a:ext cx="182012" cy="194689"/>
+            </a:xfrm>
+            <a:prstGeom prst="ellipse">
+              <a:avLst/>
+            </a:prstGeom>
+            <a:noFill/>
+            <a:ln w="25400">
+              <a:solidFill>
+                <a:srgbClr val="00B0F0"/>
+              </a:solidFill>
+            </a:ln>
+            <a:effectLst/>
+          </p:spPr>
+          <p:style>
+            <a:lnRef idx="1">
+              <a:schemeClr val="accent1"/>
+            </a:lnRef>
+            <a:fillRef idx="3">
+              <a:schemeClr val="accent1"/>
+            </a:fillRef>
+            <a:effectRef idx="2">
+              <a:schemeClr val="accent1"/>
+            </a:effectRef>
+            <a:fontRef idx="minor">
+              <a:schemeClr val="lt1"/>
+            </a:fontRef>
+          </p:style>
+          <p:txBody>
+            <a:bodyPr rot="0" spcFirstLastPara="0" vertOverflow="overflow" horzOverflow="overflow" vert="horz" wrap="square" lIns="91440" tIns="45720" rIns="91440" bIns="45720" numCol="1" spcCol="0" rtlCol="0" fromWordArt="0" anchor="ctr" anchorCtr="0" forceAA="0" compatLnSpc="1">
+              <a:prstTxWarp prst="textNoShape">
+                <a:avLst/>
+              </a:prstTxWarp>
+              <a:noAutofit/>
+            </a:bodyPr>
+            <a:lstStyle/>
+            <a:p>
+              <a:pPr algn="ctr"/>
+              <a:endParaRPr lang="en-US"/>
+            </a:p>
+          </p:txBody>
+        </p:sp>
+        <p:cxnSp>
+          <p:nvCxnSpPr>
+            <p:cNvPr id="31" name="Straight Arrow Connector 30">
+              <a:extLst>
+                <a:ext uri="{FF2B5EF4-FFF2-40B4-BE49-F238E27FC236}">
+                  <a16:creationId xmlns:a16="http://schemas.microsoft.com/office/drawing/2014/main" id="{1FA0A764-6134-B947-953B-EEBCB4297E31}"/>
+                </a:ext>
+              </a:extLst>
+            </p:cNvPr>
+            <p:cNvCxnSpPr>
+              <a:cxnSpLocks/>
+            </p:cNvCxnSpPr>
+            <p:nvPr/>
+          </p:nvCxnSpPr>
+          <p:spPr>
+            <a:xfrm flipH="1">
+              <a:off x="10889663" y="1787209"/>
+              <a:ext cx="708002" cy="0"/>
+            </a:xfrm>
+            <a:prstGeom prst="straightConnector1">
+              <a:avLst/>
+            </a:prstGeom>
+            <a:ln w="38100">
+              <a:solidFill>
+                <a:srgbClr val="00B0F0"/>
+              </a:solidFill>
+              <a:headEnd type="none" w="lg" len="med"/>
+              <a:tailEnd type="arrow"/>
+            </a:ln>
+            <a:effectLst/>
+          </p:spPr>
+          <p:style>
+            <a:lnRef idx="2">
+              <a:schemeClr val="accent1"/>
+            </a:lnRef>
+            <a:fillRef idx="0">
+              <a:schemeClr val="accent1"/>
+            </a:fillRef>
+            <a:effectRef idx="1">
+              <a:schemeClr val="accent1"/>
+            </a:effectRef>
+            <a:fontRef idx="minor">
+              <a:schemeClr val="tx1"/>
+            </a:fontRef>
+          </p:style>
+        </p:cxnSp>
+        <p:sp>
+          <p:nvSpPr>
+            <p:cNvPr id="32" name="Rectangle 31">
+              <a:extLst>
+                <a:ext uri="{FF2B5EF4-FFF2-40B4-BE49-F238E27FC236}">
+                  <a16:creationId xmlns:a16="http://schemas.microsoft.com/office/drawing/2014/main" id="{705EEFCC-D80D-EB4A-9F04-E711408584E5}"/>
+                </a:ext>
+              </a:extLst>
+            </p:cNvPr>
+            <p:cNvSpPr/>
+            <p:nvPr/>
+          </p:nvSpPr>
+          <p:spPr>
+            <a:xfrm rot="16200000">
+              <a:off x="11127919" y="1010764"/>
+              <a:ext cx="1487741" cy="527229"/>
+            </a:xfrm>
+            <a:prstGeom prst="rect">
+              <a:avLst/>
+            </a:prstGeom>
+            <a:noFill/>
+            <a:ln>
+              <a:noFill/>
+            </a:ln>
+            <a:effectLst/>
+          </p:spPr>
+          <p:style>
+            <a:lnRef idx="1">
+              <a:schemeClr val="accent1"/>
+            </a:lnRef>
+            <a:fillRef idx="3">
+              <a:schemeClr val="accent1"/>
+            </a:fillRef>
+            <a:effectRef idx="2">
+              <a:schemeClr val="accent1"/>
+            </a:effectRef>
+            <a:fontRef idx="minor">
+              <a:schemeClr val="lt1"/>
+            </a:fontRef>
+          </p:style>
+          <p:txBody>
+            <a:bodyPr rot="0" spcFirstLastPara="0" vertOverflow="overflow" horzOverflow="overflow" vert="horz" wrap="square" lIns="91440" tIns="45720" rIns="91440" bIns="45720" numCol="1" spcCol="0" rtlCol="0" fromWordArt="0" anchor="ctr" anchorCtr="0" forceAA="0" compatLnSpc="1">
+              <a:prstTxWarp prst="textNoShape">
+                <a:avLst/>
+              </a:prstTxWarp>
+              <a:noAutofit/>
+            </a:bodyPr>
+            <a:lstStyle/>
+            <a:p>
+              <a:pPr algn="ctr"/>
+              <a:r>
+                <a:rPr lang="en-US" sz="1800" dirty="0">
+                  <a:solidFill>
+                    <a:schemeClr val="tx1"/>
+                  </a:solidFill>
+                  <a:latin typeface="Arial" panose="020B0604020202020204" pitchFamily="34" charset="0"/>
+                  <a:cs typeface="Arial" panose="020B0604020202020204" pitchFamily="34" charset="0"/>
+                </a:rPr>
+                <a:t>3. Red LED Toggles</a:t>
+              </a:r>
+            </a:p>
+          </p:txBody>
+        </p:sp>
+      </p:grpSp>
     </p:spTree>
     <p:extLst>
       <p:ext uri="{BB962C8B-B14F-4D97-AF65-F5344CB8AC3E}">
@@ -17898,6 +18452,171 @@
   <p:clrMapOvr>
     <a:masterClrMapping/>
   </p:clrMapOvr>
+  <p:timing>
+    <p:tnLst>
+      <p:par>
+        <p:cTn id="1" dur="indefinite" restart="never" nodeType="tmRoot">
+          <p:childTnLst>
+            <p:seq concurrent="1" nextAc="seek">
+              <p:cTn id="2" dur="indefinite" nodeType="mainSeq">
+                <p:childTnLst>
+                  <p:par>
+                    <p:cTn id="3" fill="hold">
+                      <p:stCondLst>
+                        <p:cond delay="indefinite"/>
+                      </p:stCondLst>
+                      <p:childTnLst>
+                        <p:par>
+                          <p:cTn id="4" fill="hold">
+                            <p:stCondLst>
+                              <p:cond delay="0"/>
+                            </p:stCondLst>
+                            <p:childTnLst>
+                              <p:par>
+                                <p:cTn id="5" presetID="1" presetClass="entr" presetSubtype="0" fill="hold" nodeType="clickEffect">
+                                  <p:stCondLst>
+                                    <p:cond delay="0"/>
+                                  </p:stCondLst>
+                                  <p:childTnLst>
+                                    <p:set>
+                                      <p:cBhvr>
+                                        <p:cTn id="6" dur="1" fill="hold">
+                                          <p:stCondLst>
+                                            <p:cond delay="0"/>
+                                          </p:stCondLst>
+                                        </p:cTn>
+                                        <p:tgtEl>
+                                          <p:spTgt spid="6"/>
+                                        </p:tgtEl>
+                                        <p:attrNameLst>
+                                          <p:attrName>style.visibility</p:attrName>
+                                        </p:attrNameLst>
+                                      </p:cBhvr>
+                                      <p:to>
+                                        <p:strVal val="visible"/>
+                                      </p:to>
+                                    </p:set>
+                                  </p:childTnLst>
+                                </p:cTn>
+                              </p:par>
+                            </p:childTnLst>
+                          </p:cTn>
+                        </p:par>
+                      </p:childTnLst>
+                    </p:cTn>
+                  </p:par>
+                  <p:par>
+                    <p:cTn id="7" fill="hold">
+                      <p:stCondLst>
+                        <p:cond delay="indefinite"/>
+                      </p:stCondLst>
+                      <p:childTnLst>
+                        <p:par>
+                          <p:cTn id="8" fill="hold">
+                            <p:stCondLst>
+                              <p:cond delay="0"/>
+                            </p:stCondLst>
+                            <p:childTnLst>
+                              <p:par>
+                                <p:cTn id="9" presetID="1" presetClass="entr" presetSubtype="0" fill="hold" nodeType="clickEffect">
+                                  <p:stCondLst>
+                                    <p:cond delay="0"/>
+                                  </p:stCondLst>
+                                  <p:childTnLst>
+                                    <p:set>
+                                      <p:cBhvr>
+                                        <p:cTn id="10" dur="1" fill="hold">
+                                          <p:stCondLst>
+                                            <p:cond delay="0"/>
+                                          </p:stCondLst>
+                                        </p:cTn>
+                                        <p:tgtEl>
+                                          <p:spTgt spid="8"/>
+                                        </p:tgtEl>
+                                        <p:attrNameLst>
+                                          <p:attrName>style.visibility</p:attrName>
+                                        </p:attrNameLst>
+                                      </p:cBhvr>
+                                      <p:to>
+                                        <p:strVal val="visible"/>
+                                      </p:to>
+                                    </p:set>
+                                  </p:childTnLst>
+                                </p:cTn>
+                              </p:par>
+                            </p:childTnLst>
+                          </p:cTn>
+                        </p:par>
+                      </p:childTnLst>
+                    </p:cTn>
+                  </p:par>
+                  <p:par>
+                    <p:cTn id="11" fill="hold">
+                      <p:stCondLst>
+                        <p:cond delay="indefinite"/>
+                      </p:stCondLst>
+                      <p:childTnLst>
+                        <p:par>
+                          <p:cTn id="12" fill="hold">
+                            <p:stCondLst>
+                              <p:cond delay="0"/>
+                            </p:stCondLst>
+                            <p:childTnLst>
+                              <p:par>
+                                <p:cTn id="13" presetID="1" presetClass="entr" presetSubtype="0" fill="hold" nodeType="clickEffect">
+                                  <p:stCondLst>
+                                    <p:cond delay="0"/>
+                                  </p:stCondLst>
+                                  <p:childTnLst>
+                                    <p:set>
+                                      <p:cBhvr>
+                                        <p:cTn id="14" dur="1" fill="hold">
+                                          <p:stCondLst>
+                                            <p:cond delay="0"/>
+                                          </p:stCondLst>
+                                        </p:cTn>
+                                        <p:tgtEl>
+                                          <p:spTgt spid="10"/>
+                                        </p:tgtEl>
+                                        <p:attrNameLst>
+                                          <p:attrName>style.visibility</p:attrName>
+                                        </p:attrNameLst>
+                                      </p:cBhvr>
+                                      <p:to>
+                                        <p:strVal val="visible"/>
+                                      </p:to>
+                                    </p:set>
+                                  </p:childTnLst>
+                                </p:cTn>
+                              </p:par>
+                            </p:childTnLst>
+                          </p:cTn>
+                        </p:par>
+                      </p:childTnLst>
+                    </p:cTn>
+                  </p:par>
+                </p:childTnLst>
+              </p:cTn>
+              <p:prevCondLst>
+                <p:cond evt="onPrev" delay="0">
+                  <p:tgtEl>
+                    <p:sldTgt/>
+                  </p:tgtEl>
+                </p:cond>
+              </p:prevCondLst>
+              <p:nextCondLst>
+                <p:cond evt="onNext" delay="0">
+                  <p:tgtEl>
+                    <p:sldTgt/>
+                  </p:tgtEl>
+                </p:cond>
+              </p:nextCondLst>
+            </p:seq>
+          </p:childTnLst>
+        </p:cTn>
+      </p:par>
+    </p:tnLst>
+  </p:timing>
 </p:sld>
 </file>
 

--- a/AO-Smith-MSFT-MCHP-r6.pptx
+++ b/AO-Smith-MSFT-MCHP-r6.pptx
@@ -17239,7 +17239,7 @@
         </p:nvCxnSpPr>
         <p:spPr>
           <a:xfrm rot="5400000" flipH="1" flipV="1">
-            <a:off x="6226375" y="1765029"/>
+            <a:off x="6226375" y="1754519"/>
             <a:ext cx="24217" cy="6795503"/>
           </a:xfrm>
           <a:prstGeom prst="bentConnector3">
@@ -17287,7 +17287,7 @@
         </p:nvCxnSpPr>
         <p:spPr>
           <a:xfrm rot="5400000" flipH="1" flipV="1">
-            <a:off x="5910424" y="1760809"/>
+            <a:off x="5910424" y="1750299"/>
             <a:ext cx="24217" cy="6795503"/>
           </a:xfrm>
           <a:prstGeom prst="bentConnector3">
@@ -17335,12 +17335,12 @@
         </p:nvCxnSpPr>
         <p:spPr>
           <a:xfrm rot="5400000" flipH="1" flipV="1">
-            <a:off x="6883827" y="1762815"/>
+            <a:off x="6883827" y="1752305"/>
             <a:ext cx="24217" cy="6795503"/>
           </a:xfrm>
           <a:prstGeom prst="bentConnector3">
             <a:avLst>
-              <a:gd name="adj1" fmla="val -4362031"/>
+              <a:gd name="adj1" fmla="val -2886406"/>
             </a:avLst>
           </a:prstGeom>
           <a:ln>
@@ -18250,18 +18250,86 @@
                   <a:latin typeface="Arial" panose="020B0604020202020204" pitchFamily="34" charset="0"/>
                   <a:cs typeface="Arial" panose="020B0604020202020204" pitchFamily="34" charset="0"/>
                 </a:rPr>
-                <a:t>2. Red LED Toggles</a:t>
+                <a:t>2. </a:t>
+              </a:r>
+              <a:r>
+                <a:rPr lang="en-US" sz="1800" dirty="0">
+                  <a:solidFill>
+                    <a:srgbClr val="FF0000"/>
+                  </a:solidFill>
+                  <a:latin typeface="Arial" panose="020B0604020202020204" pitchFamily="34" charset="0"/>
+                  <a:cs typeface="Arial" panose="020B0604020202020204" pitchFamily="34" charset="0"/>
+                </a:rPr>
+                <a:t>Red</a:t>
+              </a:r>
+              <a:r>
+                <a:rPr lang="en-US" sz="1800" dirty="0">
+                  <a:solidFill>
+                    <a:schemeClr val="tx1"/>
+                  </a:solidFill>
+                  <a:latin typeface="Arial" panose="020B0604020202020204" pitchFamily="34" charset="0"/>
+                  <a:cs typeface="Arial" panose="020B0604020202020204" pitchFamily="34" charset="0"/>
+                </a:rPr>
+                <a:t> LED Toggles</a:t>
               </a:r>
             </a:p>
           </p:txBody>
         </p:sp>
       </p:grpSp>
+      <p:cxnSp>
+        <p:nvCxnSpPr>
+          <p:cNvPr id="34" name="Elbow Connector 33">
+            <a:extLst>
+              <a:ext uri="{FF2B5EF4-FFF2-40B4-BE49-F238E27FC236}">
+                <a16:creationId xmlns:a16="http://schemas.microsoft.com/office/drawing/2014/main" id="{34DD8E6E-7D75-2D4F-9DEC-4790498E2B5E}"/>
+              </a:ext>
+            </a:extLst>
+          </p:cNvPr>
+          <p:cNvCxnSpPr>
+            <a:cxnSpLocks/>
+          </p:cNvCxnSpPr>
+          <p:nvPr/>
+        </p:nvCxnSpPr>
+        <p:spPr>
+          <a:xfrm rot="5400000" flipH="1" flipV="1">
+            <a:off x="6567876" y="1756734"/>
+            <a:ext cx="24217" cy="6795503"/>
+          </a:xfrm>
+          <a:prstGeom prst="bentConnector3">
+            <a:avLst>
+              <a:gd name="adj1" fmla="val -4145026"/>
+            </a:avLst>
+          </a:prstGeom>
+          <a:ln>
+            <a:solidFill>
+              <a:srgbClr val="C00000"/>
+            </a:solidFill>
+            <a:headEnd type="triangle"/>
+            <a:tailEnd type="none"/>
+          </a:ln>
+          <a:effectLst/>
+        </p:spPr>
+        <p:style>
+          <a:lnRef idx="2">
+            <a:schemeClr val="accent1"/>
+          </a:lnRef>
+          <a:fillRef idx="0">
+            <a:schemeClr val="accent1"/>
+          </a:fillRef>
+          <a:effectRef idx="1">
+            <a:schemeClr val="accent1"/>
+          </a:effectRef>
+          <a:fontRef idx="minor">
+            <a:schemeClr val="tx1"/>
+          </a:fontRef>
+        </p:style>
+      </p:cxnSp>
       <p:grpSp>
         <p:nvGrpSpPr>
-          <p:cNvPr id="10" name="Group 9">
+          <p:cNvPr id="38" name="Group 37">
             <a:extLst>
               <a:ext uri="{FF2B5EF4-FFF2-40B4-BE49-F238E27FC236}">
-                <a16:creationId xmlns:a16="http://schemas.microsoft.com/office/drawing/2014/main" id="{636B80DF-A247-5C46-886C-C646D62A1BF8}"/>
+                <a16:creationId xmlns:a16="http://schemas.microsoft.com/office/drawing/2014/main" id="{A7012541-3C27-324F-AE4F-75A8F3F87EC3}"/>
               </a:ext>
             </a:extLst>
           </p:cNvPr>
@@ -18270,10 +18338,10 @@
         </p:nvGrpSpPr>
         <p:grpSpPr>
           <a:xfrm>
-            <a:off x="10707651" y="530508"/>
-            <a:ext cx="1427753" cy="1487741"/>
-            <a:chOff x="10707651" y="530508"/>
-            <a:chExt cx="1427753" cy="1487741"/>
+            <a:off x="10707651" y="940531"/>
+            <a:ext cx="1498251" cy="944023"/>
+            <a:chOff x="10707651" y="940531"/>
+            <a:chExt cx="1498251" cy="944023"/>
           </a:xfrm>
         </p:grpSpPr>
         <p:sp>
@@ -18332,52 +18400,6 @@
             </a:p>
           </p:txBody>
         </p:sp>
-        <p:cxnSp>
-          <p:nvCxnSpPr>
-            <p:cNvPr id="31" name="Straight Arrow Connector 30">
-              <a:extLst>
-                <a:ext uri="{FF2B5EF4-FFF2-40B4-BE49-F238E27FC236}">
-                  <a16:creationId xmlns:a16="http://schemas.microsoft.com/office/drawing/2014/main" id="{1FA0A764-6134-B947-953B-EEBCB4297E31}"/>
-                </a:ext>
-              </a:extLst>
-            </p:cNvPr>
-            <p:cNvCxnSpPr>
-              <a:cxnSpLocks/>
-            </p:cNvCxnSpPr>
-            <p:nvPr/>
-          </p:nvCxnSpPr>
-          <p:spPr>
-            <a:xfrm flipH="1">
-              <a:off x="10889663" y="1787209"/>
-              <a:ext cx="708002" cy="0"/>
-            </a:xfrm>
-            <a:prstGeom prst="straightConnector1">
-              <a:avLst/>
-            </a:prstGeom>
-            <a:ln w="38100">
-              <a:solidFill>
-                <a:srgbClr val="00B0F0"/>
-              </a:solidFill>
-              <a:headEnd type="none" w="lg" len="med"/>
-              <a:tailEnd type="arrow"/>
-            </a:ln>
-            <a:effectLst/>
-          </p:spPr>
-          <p:style>
-            <a:lnRef idx="2">
-              <a:schemeClr val="accent1"/>
-            </a:lnRef>
-            <a:fillRef idx="0">
-              <a:schemeClr val="accent1"/>
-            </a:fillRef>
-            <a:effectRef idx="1">
-              <a:schemeClr val="accent1"/>
-            </a:effectRef>
-            <a:fontRef idx="minor">
-              <a:schemeClr val="tx1"/>
-            </a:fontRef>
-          </p:style>
-        </p:cxnSp>
         <p:sp>
           <p:nvSpPr>
             <p:cNvPr id="32" name="Rectangle 31">
@@ -18391,8 +18413,8 @@
             <p:nvPr/>
           </p:nvSpPr>
           <p:spPr>
-            <a:xfrm rot="16200000">
-              <a:off x="11127919" y="1010764"/>
+            <a:xfrm>
+              <a:off x="10718161" y="940531"/>
               <a:ext cx="1487741" cy="527229"/>
             </a:xfrm>
             <a:prstGeom prst="rect">
@@ -18436,11 +18458,78 @@
                   <a:latin typeface="Arial" panose="020B0604020202020204" pitchFamily="34" charset="0"/>
                   <a:cs typeface="Arial" panose="020B0604020202020204" pitchFamily="34" charset="0"/>
                 </a:rPr>
-                <a:t>3. Red LED Toggles</a:t>
+                <a:t>3. </a:t>
+              </a:r>
+              <a:r>
+                <a:rPr lang="en-US" sz="1800" dirty="0">
+                  <a:solidFill>
+                    <a:srgbClr val="FF0000"/>
+                  </a:solidFill>
+                  <a:latin typeface="Arial" panose="020B0604020202020204" pitchFamily="34" charset="0"/>
+                  <a:cs typeface="Arial" panose="020B0604020202020204" pitchFamily="34" charset="0"/>
+                </a:rPr>
+                <a:t>Red</a:t>
+              </a:r>
+              <a:r>
+                <a:rPr lang="en-US" sz="1800" dirty="0">
+                  <a:solidFill>
+                    <a:schemeClr val="tx1"/>
+                  </a:solidFill>
+                  <a:latin typeface="Arial" panose="020B0604020202020204" pitchFamily="34" charset="0"/>
+                  <a:cs typeface="Arial" panose="020B0604020202020204" pitchFamily="34" charset="0"/>
+                </a:rPr>
+                <a:t> LED Toggles</a:t>
               </a:r>
             </a:p>
           </p:txBody>
         </p:sp>
+        <p:cxnSp>
+          <p:nvCxnSpPr>
+            <p:cNvPr id="17" name="Elbow Connector 16">
+              <a:extLst>
+                <a:ext uri="{FF2B5EF4-FFF2-40B4-BE49-F238E27FC236}">
+                  <a16:creationId xmlns:a16="http://schemas.microsoft.com/office/drawing/2014/main" id="{89E6EC24-BBDD-4546-8E91-4E97DAAFE83B}"/>
+                </a:ext>
+              </a:extLst>
+            </p:cNvPr>
+            <p:cNvCxnSpPr>
+              <a:cxnSpLocks/>
+              <a:stCxn id="32" idx="2"/>
+              <a:endCxn id="26" idx="6"/>
+            </p:cNvCxnSpPr>
+            <p:nvPr/>
+          </p:nvCxnSpPr>
+          <p:spPr>
+            <a:xfrm rot="5400000">
+              <a:off x="11016123" y="1341301"/>
+              <a:ext cx="319450" cy="572369"/>
+            </a:xfrm>
+            <a:prstGeom prst="bentConnector2">
+              <a:avLst/>
+            </a:prstGeom>
+            <a:ln w="38100">
+              <a:solidFill>
+                <a:srgbClr val="00B0F0"/>
+              </a:solidFill>
+              <a:tailEnd type="triangle"/>
+            </a:ln>
+            <a:effectLst/>
+          </p:spPr>
+          <p:style>
+            <a:lnRef idx="2">
+              <a:schemeClr val="accent1"/>
+            </a:lnRef>
+            <a:fillRef idx="0">
+              <a:schemeClr val="accent1"/>
+            </a:fillRef>
+            <a:effectRef idx="1">
+              <a:schemeClr val="accent1"/>
+            </a:effectRef>
+            <a:fontRef idx="minor">
+              <a:schemeClr val="tx1"/>
+            </a:fontRef>
+          </p:style>
+        </p:cxnSp>
       </p:grpSp>
     </p:spTree>
     <p:extLst>
@@ -18576,7 +18665,7 @@
                                           </p:stCondLst>
                                         </p:cTn>
                                         <p:tgtEl>
-                                          <p:spTgt spid="10"/>
+                                          <p:spTgt spid="38"/>
                                         </p:tgtEl>
                                         <p:attrNameLst>
                                           <p:attrName>style.visibility</p:attrName>
@@ -32639,48 +32728,11 @@
 
 <file path=customXml/item2.xml><?xml version="1.0" encoding="utf-8"?>
 <?mso-contentType ?>
-<spe:Receivers xmlns:spe="http://schemas.microsoft.com/sharepoint/events">
-  <Receiver>
-    <Name>Document ID Generator</Name>
-    <Synchronization>Synchronous</Synchronization>
-    <Type>10001</Type>
-    <SequenceNumber>1000</SequenceNumber>
-    <Assembly>Microsoft.Office.DocumentManagement, Version=14.0.0.0, Culture=neutral, PublicKeyToken=71e9bce111e9429c</Assembly>
-    <Class>Microsoft.Office.DocumentManagement.Internal.DocIdHandler</Class>
-    <Data/>
-    <Filter/>
-  </Receiver>
-  <Receiver>
-    <Name>Document ID Generator</Name>
-    <Synchronization>Synchronous</Synchronization>
-    <Type>10002</Type>
-    <SequenceNumber>1001</SequenceNumber>
-    <Assembly>Microsoft.Office.DocumentManagement, Version=14.0.0.0, Culture=neutral, PublicKeyToken=71e9bce111e9429c</Assembly>
-    <Class>Microsoft.Office.DocumentManagement.Internal.DocIdHandler</Class>
-    <Data/>
-    <Filter/>
-  </Receiver>
-  <Receiver>
-    <Name>Document ID Generator</Name>
-    <Synchronization>Synchronous</Synchronization>
-    <Type>10004</Type>
-    <SequenceNumber>1002</SequenceNumber>
-    <Assembly>Microsoft.Office.DocumentManagement, Version=14.0.0.0, Culture=neutral, PublicKeyToken=71e9bce111e9429c</Assembly>
-    <Class>Microsoft.Office.DocumentManagement.Internal.DocIdHandler</Class>
-    <Data/>
-    <Filter/>
-  </Receiver>
-  <Receiver>
-    <Name>Document ID Generator</Name>
-    <Synchronization>Synchronous</Synchronization>
-    <Type>10006</Type>
-    <SequenceNumber>1003</SequenceNumber>
-    <Assembly>Microsoft.Office.DocumentManagement, Version=14.0.0.0, Culture=neutral, PublicKeyToken=71e9bce111e9429c</Assembly>
-    <Class>Microsoft.Office.DocumentManagement.Internal.DocIdHandler</Class>
-    <Data/>
-    <Filter/>
-  </Receiver>
-</spe:Receivers>
+<FormTemplates xmlns="http://schemas.microsoft.com/sharepoint/v3/contenttype/forms">
+  <Display>DocumentLibraryForm</Display>
+  <Edit>DocumentLibraryForm</Edit>
+  <New>DocumentLibraryForm</New>
+</FormTemplates>
 </file>
 
 <file path=customXml/item3.xml><?xml version="1.0" encoding="utf-8"?>
@@ -32841,11 +32893,48 @@
 
 <file path=customXml/item4.xml><?xml version="1.0" encoding="utf-8"?>
 <?mso-contentType ?>
-<FormTemplates xmlns="http://schemas.microsoft.com/sharepoint/v3/contenttype/forms">
-  <Display>DocumentLibraryForm</Display>
-  <Edit>DocumentLibraryForm</Edit>
-  <New>DocumentLibraryForm</New>
-</FormTemplates>
+<spe:Receivers xmlns:spe="http://schemas.microsoft.com/sharepoint/events">
+  <Receiver>
+    <Name>Document ID Generator</Name>
+    <Synchronization>Synchronous</Synchronization>
+    <Type>10001</Type>
+    <SequenceNumber>1000</SequenceNumber>
+    <Assembly>Microsoft.Office.DocumentManagement, Version=14.0.0.0, Culture=neutral, PublicKeyToken=71e9bce111e9429c</Assembly>
+    <Class>Microsoft.Office.DocumentManagement.Internal.DocIdHandler</Class>
+    <Data/>
+    <Filter/>
+  </Receiver>
+  <Receiver>
+    <Name>Document ID Generator</Name>
+    <Synchronization>Synchronous</Synchronization>
+    <Type>10002</Type>
+    <SequenceNumber>1001</SequenceNumber>
+    <Assembly>Microsoft.Office.DocumentManagement, Version=14.0.0.0, Culture=neutral, PublicKeyToken=71e9bce111e9429c</Assembly>
+    <Class>Microsoft.Office.DocumentManagement.Internal.DocIdHandler</Class>
+    <Data/>
+    <Filter/>
+  </Receiver>
+  <Receiver>
+    <Name>Document ID Generator</Name>
+    <Synchronization>Synchronous</Synchronization>
+    <Type>10004</Type>
+    <SequenceNumber>1002</SequenceNumber>
+    <Assembly>Microsoft.Office.DocumentManagement, Version=14.0.0.0, Culture=neutral, PublicKeyToken=71e9bce111e9429c</Assembly>
+    <Class>Microsoft.Office.DocumentManagement.Internal.DocIdHandler</Class>
+    <Data/>
+    <Filter/>
+  </Receiver>
+  <Receiver>
+    <Name>Document ID Generator</Name>
+    <Synchronization>Synchronous</Synchronization>
+    <Type>10006</Type>
+    <SequenceNumber>1003</SequenceNumber>
+    <Assembly>Microsoft.Office.DocumentManagement, Version=14.0.0.0, Culture=neutral, PublicKeyToken=71e9bce111e9429c</Assembly>
+    <Class>Microsoft.Office.DocumentManagement.Internal.DocIdHandler</Class>
+    <Data/>
+    <Filter/>
+  </Receiver>
+</spe:Receivers>
 </file>
 
 <file path=customXml/itemProps1.xml><?xml version="1.0" encoding="utf-8"?>
@@ -32860,9 +32949,9 @@
 </file>
 
 <file path=customXml/itemProps2.xml><?xml version="1.0" encoding="utf-8"?>
-<ds:datastoreItem xmlns:ds="http://schemas.openxmlformats.org/officeDocument/2006/customXml" ds:itemID="{36ECED7C-7E24-4B80-B6AD-5BF0A508FB7B}">
+<ds:datastoreItem xmlns:ds="http://schemas.openxmlformats.org/officeDocument/2006/customXml" ds:itemID="{0CE24DD7-9317-4AD8-82D4-5A6998DA79C7}">
   <ds:schemaRefs>
-    <ds:schemaRef ds:uri="http://schemas.microsoft.com/sharepoint/events"/>
+    <ds:schemaRef ds:uri="http://schemas.microsoft.com/sharepoint/v3/contenttype/forms"/>
   </ds:schemaRefs>
 </ds:datastoreItem>
 </file>
@@ -32887,9 +32976,9 @@
 </file>
 
 <file path=customXml/itemProps4.xml><?xml version="1.0" encoding="utf-8"?>
-<ds:datastoreItem xmlns:ds="http://schemas.openxmlformats.org/officeDocument/2006/customXml" ds:itemID="{0CE24DD7-9317-4AD8-82D4-5A6998DA79C7}">
+<ds:datastoreItem xmlns:ds="http://schemas.openxmlformats.org/officeDocument/2006/customXml" ds:itemID="{36ECED7C-7E24-4B80-B6AD-5BF0A508FB7B}">
   <ds:schemaRefs>
-    <ds:schemaRef ds:uri="http://schemas.microsoft.com/sharepoint/v3/contenttype/forms"/>
+    <ds:schemaRef ds:uri="http://schemas.microsoft.com/sharepoint/events"/>
   </ds:schemaRefs>
 </ds:datastoreItem>
 </file>
--- a/AO-Smith-MSFT-MCHP-r6.pptx
+++ b/AO-Smith-MSFT-MCHP-r6.pptx
@@ -15382,8 +15382,8 @@
         </p:nvSpPr>
         <p:spPr>
           <a:xfrm>
-            <a:off x="9227439" y="1055500"/>
-            <a:ext cx="2931570" cy="2322846"/>
+            <a:off x="8965324" y="1055499"/>
+            <a:ext cx="3193685" cy="2733675"/>
           </a:xfrm>
           <a:prstGeom prst="cloud">
             <a:avLst/>
@@ -15693,7 +15693,7 @@
         <p:spPr>
           <a:xfrm>
             <a:off x="8170438" y="2006379"/>
-            <a:ext cx="1763243" cy="777240"/>
+            <a:ext cx="1565127" cy="777240"/>
           </a:xfrm>
           <a:prstGeom prst="rightArrow">
             <a:avLst/>
@@ -15839,36 +15839,6 @@
           </a:p>
         </p:txBody>
       </p:sp>
-      <p:pic>
-        <p:nvPicPr>
-          <p:cNvPr id="13" name="Picture 12" descr="Text&#10;&#10;Description automatically generated">
-            <a:extLst>
-              <a:ext uri="{FF2B5EF4-FFF2-40B4-BE49-F238E27FC236}">
-                <a16:creationId xmlns:a16="http://schemas.microsoft.com/office/drawing/2014/main" id="{947D16E8-74BB-EA4D-B4C7-C27F846EF625}"/>
-              </a:ext>
-            </a:extLst>
-          </p:cNvPr>
-          <p:cNvPicPr>
-            <a:picLocks noChangeAspect="1"/>
-          </p:cNvPicPr>
-          <p:nvPr/>
-        </p:nvPicPr>
-        <p:blipFill>
-          <a:blip r:embed="rId4"/>
-          <a:stretch>
-            <a:fillRect/>
-          </a:stretch>
-        </p:blipFill>
-        <p:spPr>
-          <a:xfrm>
-            <a:off x="9933681" y="1822804"/>
-            <a:ext cx="1600200" cy="952500"/>
-          </a:xfrm>
-          <a:prstGeom prst="rect">
-            <a:avLst/>
-          </a:prstGeom>
-        </p:spPr>
-      </p:pic>
       <p:graphicFrame>
         <p:nvGraphicFramePr>
           <p:cNvPr id="44" name="Table 10">
@@ -16699,6 +16669,36 @@
           </a:p>
         </p:txBody>
       </p:sp>
+      <p:pic>
+        <p:nvPicPr>
+          <p:cNvPr id="6" name="Picture 5" descr="Table&#10;&#10;Description automatically generated">
+            <a:extLst>
+              <a:ext uri="{FF2B5EF4-FFF2-40B4-BE49-F238E27FC236}">
+                <a16:creationId xmlns:a16="http://schemas.microsoft.com/office/drawing/2014/main" id="{C62DB720-F2C8-4C40-BAA2-7E22A907E995}"/>
+              </a:ext>
+            </a:extLst>
+          </p:cNvPr>
+          <p:cNvPicPr>
+            <a:picLocks noChangeAspect="1"/>
+          </p:cNvPicPr>
+          <p:nvPr/>
+        </p:nvPicPr>
+        <p:blipFill>
+          <a:blip r:embed="rId4"/>
+          <a:stretch>
+            <a:fillRect/>
+          </a:stretch>
+        </p:blipFill>
+        <p:spPr>
+          <a:xfrm>
+            <a:off x="9716400" y="1728326"/>
+            <a:ext cx="2032000" cy="1092200"/>
+          </a:xfrm>
+          <a:prstGeom prst="rect">
+            <a:avLst/>
+          </a:prstGeom>
+        </p:spPr>
+      </p:pic>
     </p:spTree>
     <p:extLst>
       <p:ext uri="{BB962C8B-B14F-4D97-AF65-F5344CB8AC3E}">
@@ -32728,11 +32728,48 @@
 
 <file path=customXml/item2.xml><?xml version="1.0" encoding="utf-8"?>
 <?mso-contentType ?>
-<FormTemplates xmlns="http://schemas.microsoft.com/sharepoint/v3/contenttype/forms">
-  <Display>DocumentLibraryForm</Display>
-  <Edit>DocumentLibraryForm</Edit>
-  <New>DocumentLibraryForm</New>
-</FormTemplates>
+<spe:Receivers xmlns:spe="http://schemas.microsoft.com/sharepoint/events">
+  <Receiver>
+    <Name>Document ID Generator</Name>
+    <Synchronization>Synchronous</Synchronization>
+    <Type>10001</Type>
+    <SequenceNumber>1000</SequenceNumber>
+    <Assembly>Microsoft.Office.DocumentManagement, Version=14.0.0.0, Culture=neutral, PublicKeyToken=71e9bce111e9429c</Assembly>
+    <Class>Microsoft.Office.DocumentManagement.Internal.DocIdHandler</Class>
+    <Data/>
+    <Filter/>
+  </Receiver>
+  <Receiver>
+    <Name>Document ID Generator</Name>
+    <Synchronization>Synchronous</Synchronization>
+    <Type>10002</Type>
+    <SequenceNumber>1001</SequenceNumber>
+    <Assembly>Microsoft.Office.DocumentManagement, Version=14.0.0.0, Culture=neutral, PublicKeyToken=71e9bce111e9429c</Assembly>
+    <Class>Microsoft.Office.DocumentManagement.Internal.DocIdHandler</Class>
+    <Data/>
+    <Filter/>
+  </Receiver>
+  <Receiver>
+    <Name>Document ID Generator</Name>
+    <Synchronization>Synchronous</Synchronization>
+    <Type>10004</Type>
+    <SequenceNumber>1002</SequenceNumber>
+    <Assembly>Microsoft.Office.DocumentManagement, Version=14.0.0.0, Culture=neutral, PublicKeyToken=71e9bce111e9429c</Assembly>
+    <Class>Microsoft.Office.DocumentManagement.Internal.DocIdHandler</Class>
+    <Data/>
+    <Filter/>
+  </Receiver>
+  <Receiver>
+    <Name>Document ID Generator</Name>
+    <Synchronization>Synchronous</Synchronization>
+    <Type>10006</Type>
+    <SequenceNumber>1003</SequenceNumber>
+    <Assembly>Microsoft.Office.DocumentManagement, Version=14.0.0.0, Culture=neutral, PublicKeyToken=71e9bce111e9429c</Assembly>
+    <Class>Microsoft.Office.DocumentManagement.Internal.DocIdHandler</Class>
+    <Data/>
+    <Filter/>
+  </Receiver>
+</spe:Receivers>
 </file>
 
 <file path=customXml/item3.xml><?xml version="1.0" encoding="utf-8"?>
@@ -32893,48 +32930,11 @@
 
 <file path=customXml/item4.xml><?xml version="1.0" encoding="utf-8"?>
 <?mso-contentType ?>
-<spe:Receivers xmlns:spe="http://schemas.microsoft.com/sharepoint/events">
-  <Receiver>
-    <Name>Document ID Generator</Name>
-    <Synchronization>Synchronous</Synchronization>
-    <Type>10001</Type>
-    <SequenceNumber>1000</SequenceNumber>
-    <Assembly>Microsoft.Office.DocumentManagement, Version=14.0.0.0, Culture=neutral, PublicKeyToken=71e9bce111e9429c</Assembly>
-    <Class>Microsoft.Office.DocumentManagement.Internal.DocIdHandler</Class>
-    <Data/>
-    <Filter/>
-  </Receiver>
-  <Receiver>
-    <Name>Document ID Generator</Name>
-    <Synchronization>Synchronous</Synchronization>
-    <Type>10002</Type>
-    <SequenceNumber>1001</SequenceNumber>
-    <Assembly>Microsoft.Office.DocumentManagement, Version=14.0.0.0, Culture=neutral, PublicKeyToken=71e9bce111e9429c</Assembly>
-    <Class>Microsoft.Office.DocumentManagement.Internal.DocIdHandler</Class>
-    <Data/>
-    <Filter/>
-  </Receiver>
-  <Receiver>
-    <Name>Document ID Generator</Name>
-    <Synchronization>Synchronous</Synchronization>
-    <Type>10004</Type>
-    <SequenceNumber>1002</SequenceNumber>
-    <Assembly>Microsoft.Office.DocumentManagement, Version=14.0.0.0, Culture=neutral, PublicKeyToken=71e9bce111e9429c</Assembly>
-    <Class>Microsoft.Office.DocumentManagement.Internal.DocIdHandler</Class>
-    <Data/>
-    <Filter/>
-  </Receiver>
-  <Receiver>
-    <Name>Document ID Generator</Name>
-    <Synchronization>Synchronous</Synchronization>
-    <Type>10006</Type>
-    <SequenceNumber>1003</SequenceNumber>
-    <Assembly>Microsoft.Office.DocumentManagement, Version=14.0.0.0, Culture=neutral, PublicKeyToken=71e9bce111e9429c</Assembly>
-    <Class>Microsoft.Office.DocumentManagement.Internal.DocIdHandler</Class>
-    <Data/>
-    <Filter/>
-  </Receiver>
-</spe:Receivers>
+<FormTemplates xmlns="http://schemas.microsoft.com/sharepoint/v3/contenttype/forms">
+  <Display>DocumentLibraryForm</Display>
+  <Edit>DocumentLibraryForm</Edit>
+  <New>DocumentLibraryForm</New>
+</FormTemplates>
 </file>
 
 <file path=customXml/itemProps1.xml><?xml version="1.0" encoding="utf-8"?>
@@ -32949,9 +32949,9 @@
 </file>
 
 <file path=customXml/itemProps2.xml><?xml version="1.0" encoding="utf-8"?>
-<ds:datastoreItem xmlns:ds="http://schemas.openxmlformats.org/officeDocument/2006/customXml" ds:itemID="{0CE24DD7-9317-4AD8-82D4-5A6998DA79C7}">
+<ds:datastoreItem xmlns:ds="http://schemas.openxmlformats.org/officeDocument/2006/customXml" ds:itemID="{36ECED7C-7E24-4B80-B6AD-5BF0A508FB7B}">
   <ds:schemaRefs>
-    <ds:schemaRef ds:uri="http://schemas.microsoft.com/sharepoint/v3/contenttype/forms"/>
+    <ds:schemaRef ds:uri="http://schemas.microsoft.com/sharepoint/events"/>
   </ds:schemaRefs>
 </ds:datastoreItem>
 </file>
@@ -32976,9 +32976,9 @@
 </file>
 
 <file path=customXml/itemProps4.xml><?xml version="1.0" encoding="utf-8"?>
-<ds:datastoreItem xmlns:ds="http://schemas.openxmlformats.org/officeDocument/2006/customXml" ds:itemID="{36ECED7C-7E24-4B80-B6AD-5BF0A508FB7B}">
+<ds:datastoreItem xmlns:ds="http://schemas.openxmlformats.org/officeDocument/2006/customXml" ds:itemID="{0CE24DD7-9317-4AD8-82D4-5A6998DA79C7}">
   <ds:schemaRefs>
-    <ds:schemaRef ds:uri="http://schemas.microsoft.com/sharepoint/events"/>
+    <ds:schemaRef ds:uri="http://schemas.microsoft.com/sharepoint/v3/contenttype/forms"/>
   </ds:schemaRefs>
 </ds:datastoreItem>
 </file>
--- a/AO-Smith-MSFT-MCHP-r6.pptx
+++ b/AO-Smith-MSFT-MCHP-r6.pptx
@@ -16278,7 +16278,7 @@
                 <a:latin typeface="Arial" panose="020B0604020202020204" pitchFamily="34" charset="0"/>
                 <a:cs typeface="Arial" panose="020B0604020202020204" pitchFamily="34" charset="0"/>
               </a:rPr>
-              <a:t>Length (16-bits) = total # of payload bytes</a:t>
+              <a:t>Length (16-bit word) = total # of bytes in the payload</a:t>
             </a:r>
           </a:p>
           <a:p>
@@ -31684,7 +31684,7 @@
         <p:spPr>
           <a:xfrm>
             <a:off x="548740" y="4870174"/>
-            <a:ext cx="11378218" cy="1200329"/>
+            <a:ext cx="11378218" cy="1569660"/>
           </a:xfrm>
           <a:prstGeom prst="rect">
             <a:avLst/>
@@ -31715,7 +31715,7 @@
                 <a:latin typeface="Arial" panose="020B0604020202020204" pitchFamily="34" charset="0"/>
                 <a:cs typeface="Arial" panose="020B0604020202020204" pitchFamily="34" charset="0"/>
               </a:rPr>
-              <a:t>Confirm IoT Hub receives data using Azure IoT Explorer</a:t>
+              <a:t>Create 4 data buckets (strings of bytes) in Azure IoT Hub </a:t>
             </a:r>
           </a:p>
           <a:p>
@@ -31728,7 +31728,20 @@
                 <a:latin typeface="Arial" panose="020B0604020202020204" pitchFamily="34" charset="0"/>
                 <a:cs typeface="Arial" panose="020B0604020202020204" pitchFamily="34" charset="0"/>
               </a:rPr>
-              <a:t>All 4 operations should be completed within 5 seconds</a:t>
+              <a:t>Confirm IoT Hub receives correct data in each bucket using Azure IoT Explorer</a:t>
+            </a:r>
+          </a:p>
+          <a:p>
+            <a:pPr marL="457200" indent="-457200">
+              <a:buFont typeface="+mj-lt"/>
+              <a:buAutoNum type="arabicPeriod"/>
+            </a:pPr>
+            <a:r>
+              <a:rPr lang="en-US" dirty="0">
+                <a:latin typeface="Arial" panose="020B0604020202020204" pitchFamily="34" charset="0"/>
+                <a:cs typeface="Arial" panose="020B0604020202020204" pitchFamily="34" charset="0"/>
+              </a:rPr>
+              <a:t>All 8KB of data must be received within 5 seconds</a:t>
             </a:r>
           </a:p>
         </p:txBody>
@@ -31764,6 +31777,162 @@
             <a:r>
               <a:rPr lang="en-US" dirty="0"/>
               <a:t>Azure IoT Hub</a:t>
+            </a:r>
+          </a:p>
+        </p:txBody>
+      </p:sp>
+      <p:sp>
+        <p:nvSpPr>
+          <p:cNvPr id="4" name="TextBox 3">
+            <a:extLst>
+              <a:ext uri="{FF2B5EF4-FFF2-40B4-BE49-F238E27FC236}">
+                <a16:creationId xmlns:a16="http://schemas.microsoft.com/office/drawing/2014/main" id="{AA0B81FA-2035-FE4A-95E9-FEF82C721AA7}"/>
+              </a:ext>
+            </a:extLst>
+          </p:cNvPr>
+          <p:cNvSpPr txBox="1"/>
+          <p:nvPr/>
+        </p:nvSpPr>
+        <p:spPr>
+          <a:xfrm>
+            <a:off x="8562177" y="1460573"/>
+            <a:ext cx="1303283" cy="369332"/>
+          </a:xfrm>
+          <a:prstGeom prst="rect">
+            <a:avLst/>
+          </a:prstGeom>
+          <a:noFill/>
+        </p:spPr>
+        <p:txBody>
+          <a:bodyPr wrap="square" rtlCol="0">
+            <a:spAutoFit/>
+          </a:bodyPr>
+          <a:lstStyle/>
+          <a:p>
+            <a:pPr algn="ctr"/>
+            <a:r>
+              <a:rPr lang="en-US" sz="1800" dirty="0">
+                <a:latin typeface="Arial" panose="020B0604020202020204" pitchFamily="34" charset="0"/>
+                <a:cs typeface="Arial" panose="020B0604020202020204" pitchFamily="34" charset="0"/>
+              </a:rPr>
+              <a:t>string</a:t>
+            </a:r>
+          </a:p>
+        </p:txBody>
+      </p:sp>
+      <p:sp>
+        <p:nvSpPr>
+          <p:cNvPr id="35" name="TextBox 34">
+            <a:extLst>
+              <a:ext uri="{FF2B5EF4-FFF2-40B4-BE49-F238E27FC236}">
+                <a16:creationId xmlns:a16="http://schemas.microsoft.com/office/drawing/2014/main" id="{243A1843-F085-944A-9EFF-D262FC3D7F73}"/>
+              </a:ext>
+            </a:extLst>
+          </p:cNvPr>
+          <p:cNvSpPr txBox="1"/>
+          <p:nvPr/>
+        </p:nvSpPr>
+        <p:spPr>
+          <a:xfrm>
+            <a:off x="10126423" y="2159529"/>
+            <a:ext cx="1303283" cy="369332"/>
+          </a:xfrm>
+          <a:prstGeom prst="rect">
+            <a:avLst/>
+          </a:prstGeom>
+          <a:noFill/>
+        </p:spPr>
+        <p:txBody>
+          <a:bodyPr wrap="square" rtlCol="0">
+            <a:spAutoFit/>
+          </a:bodyPr>
+          <a:lstStyle/>
+          <a:p>
+            <a:pPr algn="ctr"/>
+            <a:r>
+              <a:rPr lang="en-US" sz="1800" dirty="0">
+                <a:latin typeface="Arial" panose="020B0604020202020204" pitchFamily="34" charset="0"/>
+                <a:cs typeface="Arial" panose="020B0604020202020204" pitchFamily="34" charset="0"/>
+              </a:rPr>
+              <a:t>string</a:t>
+            </a:r>
+          </a:p>
+        </p:txBody>
+      </p:sp>
+      <p:sp>
+        <p:nvSpPr>
+          <p:cNvPr id="36" name="TextBox 35">
+            <a:extLst>
+              <a:ext uri="{FF2B5EF4-FFF2-40B4-BE49-F238E27FC236}">
+                <a16:creationId xmlns:a16="http://schemas.microsoft.com/office/drawing/2014/main" id="{6EDF9CC4-4913-5746-89E2-2434470D73A7}"/>
+              </a:ext>
+            </a:extLst>
+          </p:cNvPr>
+          <p:cNvSpPr txBox="1"/>
+          <p:nvPr/>
+        </p:nvSpPr>
+        <p:spPr>
+          <a:xfrm>
+            <a:off x="9635359" y="3386955"/>
+            <a:ext cx="1303283" cy="369332"/>
+          </a:xfrm>
+          <a:prstGeom prst="rect">
+            <a:avLst/>
+          </a:prstGeom>
+          <a:noFill/>
+        </p:spPr>
+        <p:txBody>
+          <a:bodyPr wrap="square" rtlCol="0">
+            <a:spAutoFit/>
+          </a:bodyPr>
+          <a:lstStyle/>
+          <a:p>
+            <a:pPr algn="ctr"/>
+            <a:r>
+              <a:rPr lang="en-US" sz="1800" dirty="0">
+                <a:latin typeface="Arial" panose="020B0604020202020204" pitchFamily="34" charset="0"/>
+                <a:cs typeface="Arial" panose="020B0604020202020204" pitchFamily="34" charset="0"/>
+              </a:rPr>
+              <a:t>string</a:t>
+            </a:r>
+          </a:p>
+        </p:txBody>
+      </p:sp>
+      <p:sp>
+        <p:nvSpPr>
+          <p:cNvPr id="37" name="TextBox 36">
+            <a:extLst>
+              <a:ext uri="{FF2B5EF4-FFF2-40B4-BE49-F238E27FC236}">
+                <a16:creationId xmlns:a16="http://schemas.microsoft.com/office/drawing/2014/main" id="{EB91F9D2-6D52-3148-AFD0-B8FD51D9496A}"/>
+              </a:ext>
+            </a:extLst>
+          </p:cNvPr>
+          <p:cNvSpPr txBox="1"/>
+          <p:nvPr/>
+        </p:nvSpPr>
+        <p:spPr>
+          <a:xfrm>
+            <a:off x="7717512" y="2833070"/>
+            <a:ext cx="1303283" cy="369332"/>
+          </a:xfrm>
+          <a:prstGeom prst="rect">
+            <a:avLst/>
+          </a:prstGeom>
+          <a:noFill/>
+        </p:spPr>
+        <p:txBody>
+          <a:bodyPr wrap="square" rtlCol="0">
+            <a:spAutoFit/>
+          </a:bodyPr>
+          <a:lstStyle/>
+          <a:p>
+            <a:pPr algn="ctr"/>
+            <a:r>
+              <a:rPr lang="en-US" sz="1800" dirty="0">
+                <a:latin typeface="Arial" panose="020B0604020202020204" pitchFamily="34" charset="0"/>
+                <a:cs typeface="Arial" panose="020B0604020202020204" pitchFamily="34" charset="0"/>
+              </a:rPr>
+              <a:t>string</a:t>
             </a:r>
           </a:p>
         </p:txBody>
@@ -32728,48 +32897,11 @@
 
 <file path=customXml/item2.xml><?xml version="1.0" encoding="utf-8"?>
 <?mso-contentType ?>
-<spe:Receivers xmlns:spe="http://schemas.microsoft.com/sharepoint/events">
-  <Receiver>
-    <Name>Document ID Generator</Name>
-    <Synchronization>Synchronous</Synchronization>
-    <Type>10001</Type>
-    <SequenceNumber>1000</SequenceNumber>
-    <Assembly>Microsoft.Office.DocumentManagement, Version=14.0.0.0, Culture=neutral, PublicKeyToken=71e9bce111e9429c</Assembly>
-    <Class>Microsoft.Office.DocumentManagement.Internal.DocIdHandler</Class>
-    <Data/>
-    <Filter/>
-  </Receiver>
-  <Receiver>
-    <Name>Document ID Generator</Name>
-    <Synchronization>Synchronous</Synchronization>
-    <Type>10002</Type>
-    <SequenceNumber>1001</SequenceNumber>
-    <Assembly>Microsoft.Office.DocumentManagement, Version=14.0.0.0, Culture=neutral, PublicKeyToken=71e9bce111e9429c</Assembly>
-    <Class>Microsoft.Office.DocumentManagement.Internal.DocIdHandler</Class>
-    <Data/>
-    <Filter/>
-  </Receiver>
-  <Receiver>
-    <Name>Document ID Generator</Name>
-    <Synchronization>Synchronous</Synchronization>
-    <Type>10004</Type>
-    <SequenceNumber>1002</SequenceNumber>
-    <Assembly>Microsoft.Office.DocumentManagement, Version=14.0.0.0, Culture=neutral, PublicKeyToken=71e9bce111e9429c</Assembly>
-    <Class>Microsoft.Office.DocumentManagement.Internal.DocIdHandler</Class>
-    <Data/>
-    <Filter/>
-  </Receiver>
-  <Receiver>
-    <Name>Document ID Generator</Name>
-    <Synchronization>Synchronous</Synchronization>
-    <Type>10006</Type>
-    <SequenceNumber>1003</SequenceNumber>
-    <Assembly>Microsoft.Office.DocumentManagement, Version=14.0.0.0, Culture=neutral, PublicKeyToken=71e9bce111e9429c</Assembly>
-    <Class>Microsoft.Office.DocumentManagement.Internal.DocIdHandler</Class>
-    <Data/>
-    <Filter/>
-  </Receiver>
-</spe:Receivers>
+<FormTemplates xmlns="http://schemas.microsoft.com/sharepoint/v3/contenttype/forms">
+  <Display>DocumentLibraryForm</Display>
+  <Edit>DocumentLibraryForm</Edit>
+  <New>DocumentLibraryForm</New>
+</FormTemplates>
 </file>
 
 <file path=customXml/item3.xml><?xml version="1.0" encoding="utf-8"?>
@@ -32930,11 +33062,48 @@
 
 <file path=customXml/item4.xml><?xml version="1.0" encoding="utf-8"?>
 <?mso-contentType ?>
-<FormTemplates xmlns="http://schemas.microsoft.com/sharepoint/v3/contenttype/forms">
-  <Display>DocumentLibraryForm</Display>
-  <Edit>DocumentLibraryForm</Edit>
-  <New>DocumentLibraryForm</New>
-</FormTemplates>
+<spe:Receivers xmlns:spe="http://schemas.microsoft.com/sharepoint/events">
+  <Receiver>
+    <Name>Document ID Generator</Name>
+    <Synchronization>Synchronous</Synchronization>
+    <Type>10001</Type>
+    <SequenceNumber>1000</SequenceNumber>
+    <Assembly>Microsoft.Office.DocumentManagement, Version=14.0.0.0, Culture=neutral, PublicKeyToken=71e9bce111e9429c</Assembly>
+    <Class>Microsoft.Office.DocumentManagement.Internal.DocIdHandler</Class>
+    <Data/>
+    <Filter/>
+  </Receiver>
+  <Receiver>
+    <Name>Document ID Generator</Name>
+    <Synchronization>Synchronous</Synchronization>
+    <Type>10002</Type>
+    <SequenceNumber>1001</SequenceNumber>
+    <Assembly>Microsoft.Office.DocumentManagement, Version=14.0.0.0, Culture=neutral, PublicKeyToken=71e9bce111e9429c</Assembly>
+    <Class>Microsoft.Office.DocumentManagement.Internal.DocIdHandler</Class>
+    <Data/>
+    <Filter/>
+  </Receiver>
+  <Receiver>
+    <Name>Document ID Generator</Name>
+    <Synchronization>Synchronous</Synchronization>
+    <Type>10004</Type>
+    <SequenceNumber>1002</SequenceNumber>
+    <Assembly>Microsoft.Office.DocumentManagement, Version=14.0.0.0, Culture=neutral, PublicKeyToken=71e9bce111e9429c</Assembly>
+    <Class>Microsoft.Office.DocumentManagement.Internal.DocIdHandler</Class>
+    <Data/>
+    <Filter/>
+  </Receiver>
+  <Receiver>
+    <Name>Document ID Generator</Name>
+    <Synchronization>Synchronous</Synchronization>
+    <Type>10006</Type>
+    <SequenceNumber>1003</SequenceNumber>
+    <Assembly>Microsoft.Office.DocumentManagement, Version=14.0.0.0, Culture=neutral, PublicKeyToken=71e9bce111e9429c</Assembly>
+    <Class>Microsoft.Office.DocumentManagement.Internal.DocIdHandler</Class>
+    <Data/>
+    <Filter/>
+  </Receiver>
+</spe:Receivers>
 </file>
 
 <file path=customXml/itemProps1.xml><?xml version="1.0" encoding="utf-8"?>
@@ -32949,9 +33118,9 @@
 </file>
 
 <file path=customXml/itemProps2.xml><?xml version="1.0" encoding="utf-8"?>
-<ds:datastoreItem xmlns:ds="http://schemas.openxmlformats.org/officeDocument/2006/customXml" ds:itemID="{36ECED7C-7E24-4B80-B6AD-5BF0A508FB7B}">
+<ds:datastoreItem xmlns:ds="http://schemas.openxmlformats.org/officeDocument/2006/customXml" ds:itemID="{0CE24DD7-9317-4AD8-82D4-5A6998DA79C7}">
   <ds:schemaRefs>
-    <ds:schemaRef ds:uri="http://schemas.microsoft.com/sharepoint/events"/>
+    <ds:schemaRef ds:uri="http://schemas.microsoft.com/sharepoint/v3/contenttype/forms"/>
   </ds:schemaRefs>
 </ds:datastoreItem>
 </file>
@@ -32976,9 +33145,9 @@
 </file>
 
 <file path=customXml/itemProps4.xml><?xml version="1.0" encoding="utf-8"?>
-<ds:datastoreItem xmlns:ds="http://schemas.openxmlformats.org/officeDocument/2006/customXml" ds:itemID="{0CE24DD7-9317-4AD8-82D4-5A6998DA79C7}">
+<ds:datastoreItem xmlns:ds="http://schemas.openxmlformats.org/officeDocument/2006/customXml" ds:itemID="{36ECED7C-7E24-4B80-B6AD-5BF0A508FB7B}">
   <ds:schemaRefs>
-    <ds:schemaRef ds:uri="http://schemas.microsoft.com/sharepoint/v3/contenttype/forms"/>
+    <ds:schemaRef ds:uri="http://schemas.microsoft.com/sharepoint/events"/>
   </ds:schemaRefs>
 </ds:datastoreItem>
 </file>
--- a/AO-Smith-MSFT-MCHP-r6.pptx
+++ b/AO-Smith-MSFT-MCHP-r6.pptx
@@ -510,7 +510,7 @@
           <a:p>
             <a:fld id="{98615C2D-FB91-8740-95C2-23C11A10F2F2}" type="datetimeFigureOut">
               <a:rPr lang="en-US" smtClean="0"/>
-              <a:t>10/31/21</a:t>
+              <a:t>11/1/21</a:t>
             </a:fld>
             <a:endParaRPr lang="en-US"/>
           </a:p>
@@ -688,7 +688,7 @@
           <a:p>
             <a:fld id="{F154E49F-5C3A-ED4E-A68A-CCB3AA3B5D59}" type="datetimeFigureOut">
               <a:rPr lang="en-US" smtClean="0"/>
-              <a:t>10/31/21</a:t>
+              <a:t>11/1/21</a:t>
             </a:fld>
             <a:endParaRPr lang="en-US"/>
           </a:p>
@@ -11779,14 +11779,14 @@
           <p:nvPr>
             <p:extLst>
               <p:ext uri="{D42A27DB-BD31-4B8C-83A1-F6EECF244321}">
-                <p14:modId xmlns:p14="http://schemas.microsoft.com/office/powerpoint/2010/main" val="3066852343"/>
+                <p14:modId xmlns:p14="http://schemas.microsoft.com/office/powerpoint/2010/main" val="1030662919"/>
               </p:ext>
             </p:extLst>
           </p:nvPr>
         </p:nvGraphicFramePr>
         <p:xfrm>
           <a:off x="682521" y="1966389"/>
-          <a:ext cx="11005896" cy="3108960"/>
+          <a:ext cx="11005896" cy="3291840"/>
         </p:xfrm>
         <a:graphic>
           <a:graphicData uri="http://schemas.openxmlformats.org/drawingml/2006/table">
@@ -11823,14 +11823,14 @@
                     </a:ext>
                   </a:extLst>
                 </a:gridCol>
-                <a:gridCol w="2997962">
+                <a:gridCol w="2858814">
                   <a:extLst>
                     <a:ext uri="{9D8B030D-6E8A-4147-A177-3AD203B41FA5}">
                       <a16:colId xmlns:a16="http://schemas.microsoft.com/office/drawing/2014/main" val="1610446745"/>
                     </a:ext>
                   </a:extLst>
                 </a:gridCol>
-                <a:gridCol w="3319669">
+                <a:gridCol w="3458817">
                   <a:extLst>
                     <a:ext uri="{9D8B030D-6E8A-4147-A177-3AD203B41FA5}">
                       <a16:colId xmlns:a16="http://schemas.microsoft.com/office/drawing/2014/main" val="3129042807"/>
@@ -11838,7 +11838,7 @@
                   </a:extLst>
                 </a:gridCol>
               </a:tblGrid>
-              <a:tr h="87035">
+              <a:tr h="144938">
                 <a:tc>
                   <a:txBody>
                     <a:bodyPr/>
@@ -12028,6 +12028,184 @@
                         </a:spcAft>
                       </a:pPr>
                       <a:r>
+                        <a:rPr lang="en-US" sz="1200" dirty="0">
+                          <a:effectLst/>
+                          <a:latin typeface="Calibri" panose="020F0502020204030204" pitchFamily="34" charset="0"/>
+                          <a:ea typeface="Calibri" panose="020F0502020204030204" pitchFamily="34" charset="0"/>
+                          <a:cs typeface="Times New Roman" panose="02020603050405020304" pitchFamily="18" charset="0"/>
+                        </a:rPr>
+                        <a:t>0</a:t>
+                      </a:r>
+                    </a:p>
+                  </a:txBody>
+                  <a:tcPr marL="68580" marR="68580" marT="0" marB="0"/>
+                </a:tc>
+                <a:tc>
+                  <a:txBody>
+                    <a:bodyPr/>
+                    <a:lstStyle/>
+                    <a:p>
+                      <a:pPr marL="0" marR="0" algn="ctr">
+                        <a:spcBef>
+                          <a:spcPts val="0"/>
+                        </a:spcBef>
+                        <a:spcAft>
+                          <a:spcPts val="0"/>
+                        </a:spcAft>
+                      </a:pPr>
+                      <a:r>
+                        <a:rPr lang="en-US" sz="1200" dirty="0">
+                          <a:effectLst/>
+                          <a:latin typeface="Calibri" panose="020F0502020204030204" pitchFamily="34" charset="0"/>
+                          <a:ea typeface="Calibri" panose="020F0502020204030204" pitchFamily="34" charset="0"/>
+                          <a:cs typeface="Times New Roman" panose="02020603050405020304" pitchFamily="18" charset="0"/>
+                        </a:rPr>
+                        <a:t>Reset DTI command buffer</a:t>
+                      </a:r>
+                    </a:p>
+                  </a:txBody>
+                  <a:tcPr marL="68580" marR="68580" marT="0" marB="0"/>
+                </a:tc>
+                <a:tc>
+                  <a:txBody>
+                    <a:bodyPr/>
+                    <a:lstStyle/>
+                    <a:p>
+                      <a:pPr marL="0" marR="0" algn="ctr">
+                        <a:spcBef>
+                          <a:spcPts val="0"/>
+                        </a:spcBef>
+                        <a:spcAft>
+                          <a:spcPts val="0"/>
+                        </a:spcAft>
+                      </a:pPr>
+                      <a:endParaRPr lang="en-US" sz="1200" dirty="0">
+                        <a:solidFill>
+                          <a:srgbClr val="FF0000"/>
+                        </a:solidFill>
+                        <a:effectLst/>
+                        <a:latin typeface="Calibri" panose="020F0502020204030204" pitchFamily="34" charset="0"/>
+                        <a:ea typeface="Calibri" panose="020F0502020204030204" pitchFamily="34" charset="0"/>
+                        <a:cs typeface="Times New Roman" panose="02020603050405020304" pitchFamily="18" charset="0"/>
+                      </a:endParaRPr>
+                    </a:p>
+                  </a:txBody>
+                  <a:tcPr marL="68580" marR="68580" marT="0" marB="0"/>
+                </a:tc>
+                <a:tc>
+                  <a:txBody>
+                    <a:bodyPr/>
+                    <a:lstStyle/>
+                    <a:p>
+                      <a:pPr marL="0" marR="0" algn="ctr">
+                        <a:spcBef>
+                          <a:spcPts val="0"/>
+                        </a:spcBef>
+                        <a:spcAft>
+                          <a:spcPts val="0"/>
+                        </a:spcAft>
+                      </a:pPr>
+                      <a:endParaRPr lang="en-US" sz="1200" dirty="0">
+                        <a:effectLst/>
+                        <a:latin typeface="Calibri" panose="020F0502020204030204" pitchFamily="34" charset="0"/>
+                        <a:ea typeface="Calibri" panose="020F0502020204030204" pitchFamily="34" charset="0"/>
+                        <a:cs typeface="Times New Roman" panose="02020603050405020304" pitchFamily="18" charset="0"/>
+                      </a:endParaRPr>
+                    </a:p>
+                  </a:txBody>
+                  <a:tcPr marL="68580" marR="68580" marT="0" marB="0"/>
+                </a:tc>
+                <a:tc>
+                  <a:txBody>
+                    <a:bodyPr/>
+                    <a:lstStyle/>
+                    <a:p>
+                      <a:pPr marL="0" marR="0" lvl="0" indent="0" algn="l" defTabSz="609443" rtl="0" eaLnBrk="1" fontAlgn="auto" latinLnBrk="0" hangingPunct="1">
+                        <a:lnSpc>
+                          <a:spcPct val="100000"/>
+                        </a:lnSpc>
+                        <a:spcBef>
+                          <a:spcPts val="0"/>
+                        </a:spcBef>
+                        <a:spcAft>
+                          <a:spcPts val="0"/>
+                        </a:spcAft>
+                        <a:buClrTx/>
+                        <a:buSzTx/>
+                        <a:buFontTx/>
+                        <a:buNone/>
+                        <a:tabLst/>
+                        <a:defRPr/>
+                      </a:pPr>
+                      <a:r>
+                        <a:rPr lang="en-US" sz="1200" dirty="0">
+                          <a:effectLst/>
+                          <a:latin typeface="Courier" pitchFamily="2" charset="0"/>
+                          <a:ea typeface="Calibri" panose="020F0502020204030204" pitchFamily="34" charset="0"/>
+                          <a:cs typeface="Times New Roman" panose="02020603050405020304" pitchFamily="18" charset="0"/>
+                        </a:rPr>
+                        <a:t>&gt;telemetry 0,0</a:t>
+                      </a:r>
+                    </a:p>
+                  </a:txBody>
+                  <a:tcPr marL="68580" marR="68580" marT="0" marB="0"/>
+                </a:tc>
+                <a:tc>
+                  <a:txBody>
+                    <a:bodyPr/>
+                    <a:lstStyle/>
+                    <a:p>
+                      <a:pPr marL="0" marR="0" lvl="0" indent="0" algn="ctr" defTabSz="609443" rtl="0" eaLnBrk="1" fontAlgn="auto" latinLnBrk="0" hangingPunct="1">
+                        <a:lnSpc>
+                          <a:spcPct val="100000"/>
+                        </a:lnSpc>
+                        <a:spcBef>
+                          <a:spcPts val="0"/>
+                        </a:spcBef>
+                        <a:spcAft>
+                          <a:spcPts val="0"/>
+                        </a:spcAft>
+                        <a:buClrTx/>
+                        <a:buSzTx/>
+                        <a:buFontTx/>
+                        <a:buNone/>
+                        <a:tabLst/>
+                        <a:defRPr/>
+                      </a:pPr>
+                      <a:r>
+                        <a:rPr lang="en-US" sz="1200" dirty="0">
+                          <a:effectLst/>
+                          <a:latin typeface="+mn-lt"/>
+                          <a:ea typeface="Calibri" panose="020F0502020204030204" pitchFamily="34" charset="0"/>
+                          <a:cs typeface="Times New Roman" panose="02020603050405020304" pitchFamily="18" charset="0"/>
+                        </a:rPr>
+                        <a:t>Recommended before sending out a DTI data frame</a:t>
+                      </a:r>
+                    </a:p>
+                  </a:txBody>
+                  <a:tcPr marL="68580" marR="68580" marT="0" marB="0"/>
+                </a:tc>
+                <a:extLst>
+                  <a:ext uri="{0D108BD9-81ED-4DB2-BD59-A6C34878D82A}">
+                    <a16:rowId xmlns:a16="http://schemas.microsoft.com/office/drawing/2014/main" val="2188356350"/>
+                  </a:ext>
+                </a:extLst>
+              </a:tr>
+              <a:tr h="0">
+                <a:tc>
+                  <a:txBody>
+                    <a:bodyPr/>
+                    <a:lstStyle/>
+                    <a:p>
+                      <a:pPr marL="0" marR="0" algn="ctr">
+                        <a:spcBef>
+                          <a:spcPts val="0"/>
+                        </a:spcBef>
+                        <a:spcAft>
+                          <a:spcPts val="0"/>
+                        </a:spcAft>
+                      </a:pPr>
+                      <a:r>
                         <a:rPr lang="en-US" sz="1200">
                           <a:effectLst/>
                         </a:rPr>
@@ -12057,12 +12235,12 @@
                         </a:spcAft>
                       </a:pPr>
                       <a:r>
-                        <a:rPr lang="en-US" sz="1200">
+                        <a:rPr lang="en-US" sz="1200" dirty="0">
                           <a:effectLst/>
                         </a:rPr>
                         <a:t>App Telemetry signed integer #1</a:t>
                       </a:r>
-                      <a:endParaRPr lang="en-US" sz="1200">
+                      <a:endParaRPr lang="en-US" sz="1200" dirty="0">
                         <a:effectLst/>
                         <a:latin typeface="Calibri" panose="020F0502020204030204" pitchFamily="34" charset="0"/>
                         <a:ea typeface="Calibri" panose="020F0502020204030204" pitchFamily="34" charset="0"/>
@@ -15239,7 +15417,7 @@
         </p:nvSpPr>
         <p:spPr>
           <a:xfrm>
-            <a:off x="682520" y="5216320"/>
+            <a:off x="682521" y="5537942"/>
             <a:ext cx="11005896" cy="400110"/>
           </a:xfrm>
           <a:prstGeom prst="rect">
@@ -32897,11 +33075,48 @@
 
 <file path=customXml/item2.xml><?xml version="1.0" encoding="utf-8"?>
 <?mso-contentType ?>
-<FormTemplates xmlns="http://schemas.microsoft.com/sharepoint/v3/contenttype/forms">
-  <Display>DocumentLibraryForm</Display>
-  <Edit>DocumentLibraryForm</Edit>
-  <New>DocumentLibraryForm</New>
-</FormTemplates>
+<spe:Receivers xmlns:spe="http://schemas.microsoft.com/sharepoint/events">
+  <Receiver>
+    <Name>Document ID Generator</Name>
+    <Synchronization>Synchronous</Synchronization>
+    <Type>10001</Type>
+    <SequenceNumber>1000</SequenceNumber>
+    <Assembly>Microsoft.Office.DocumentManagement, Version=14.0.0.0, Culture=neutral, PublicKeyToken=71e9bce111e9429c</Assembly>
+    <Class>Microsoft.Office.DocumentManagement.Internal.DocIdHandler</Class>
+    <Data/>
+    <Filter/>
+  </Receiver>
+  <Receiver>
+    <Name>Document ID Generator</Name>
+    <Synchronization>Synchronous</Synchronization>
+    <Type>10002</Type>
+    <SequenceNumber>1001</SequenceNumber>
+    <Assembly>Microsoft.Office.DocumentManagement, Version=14.0.0.0, Culture=neutral, PublicKeyToken=71e9bce111e9429c</Assembly>
+    <Class>Microsoft.Office.DocumentManagement.Internal.DocIdHandler</Class>
+    <Data/>
+    <Filter/>
+  </Receiver>
+  <Receiver>
+    <Name>Document ID Generator</Name>
+    <Synchronization>Synchronous</Synchronization>
+    <Type>10004</Type>
+    <SequenceNumber>1002</SequenceNumber>
+    <Assembly>Microsoft.Office.DocumentManagement, Version=14.0.0.0, Culture=neutral, PublicKeyToken=71e9bce111e9429c</Assembly>
+    <Class>Microsoft.Office.DocumentManagement.Internal.DocIdHandler</Class>
+    <Data/>
+    <Filter/>
+  </Receiver>
+  <Receiver>
+    <Name>Document ID Generator</Name>
+    <Synchronization>Synchronous</Synchronization>
+    <Type>10006</Type>
+    <SequenceNumber>1003</SequenceNumber>
+    <Assembly>Microsoft.Office.DocumentManagement, Version=14.0.0.0, Culture=neutral, PublicKeyToken=71e9bce111e9429c</Assembly>
+    <Class>Microsoft.Office.DocumentManagement.Internal.DocIdHandler</Class>
+    <Data/>
+    <Filter/>
+  </Receiver>
+</spe:Receivers>
 </file>
 
 <file path=customXml/item3.xml><?xml version="1.0" encoding="utf-8"?>
@@ -33062,48 +33277,11 @@
 
 <file path=customXml/item4.xml><?xml version="1.0" encoding="utf-8"?>
 <?mso-contentType ?>
-<spe:Receivers xmlns:spe="http://schemas.microsoft.com/sharepoint/events">
-  <Receiver>
-    <Name>Document ID Generator</Name>
-    <Synchronization>Synchronous</Synchronization>
-    <Type>10001</Type>
-    <SequenceNumber>1000</SequenceNumber>
-    <Assembly>Microsoft.Office.DocumentManagement, Version=14.0.0.0, Culture=neutral, PublicKeyToken=71e9bce111e9429c</Assembly>
-    <Class>Microsoft.Office.DocumentManagement.Internal.DocIdHandler</Class>
-    <Data/>
-    <Filter/>
-  </Receiver>
-  <Receiver>
-    <Name>Document ID Generator</Name>
-    <Synchronization>Synchronous</Synchronization>
-    <Type>10002</Type>
-    <SequenceNumber>1001</SequenceNumber>
-    <Assembly>Microsoft.Office.DocumentManagement, Version=14.0.0.0, Culture=neutral, PublicKeyToken=71e9bce111e9429c</Assembly>
-    <Class>Microsoft.Office.DocumentManagement.Internal.DocIdHandler</Class>
-    <Data/>
-    <Filter/>
-  </Receiver>
-  <Receiver>
-    <Name>Document ID Generator</Name>
-    <Synchronization>Synchronous</Synchronization>
-    <Type>10004</Type>
-    <SequenceNumber>1002</SequenceNumber>
-    <Assembly>Microsoft.Office.DocumentManagement, Version=14.0.0.0, Culture=neutral, PublicKeyToken=71e9bce111e9429c</Assembly>
-    <Class>Microsoft.Office.DocumentManagement.Internal.DocIdHandler</Class>
-    <Data/>
-    <Filter/>
-  </Receiver>
-  <Receiver>
-    <Name>Document ID Generator</Name>
-    <Synchronization>Synchronous</Synchronization>
-    <Type>10006</Type>
-    <SequenceNumber>1003</SequenceNumber>
-    <Assembly>Microsoft.Office.DocumentManagement, Version=14.0.0.0, Culture=neutral, PublicKeyToken=71e9bce111e9429c</Assembly>
-    <Class>Microsoft.Office.DocumentManagement.Internal.DocIdHandler</Class>
-    <Data/>
-    <Filter/>
-  </Receiver>
-</spe:Receivers>
+<FormTemplates xmlns="http://schemas.microsoft.com/sharepoint/v3/contenttype/forms">
+  <Display>DocumentLibraryForm</Display>
+  <Edit>DocumentLibraryForm</Edit>
+  <New>DocumentLibraryForm</New>
+</FormTemplates>
 </file>
 
 <file path=customXml/itemProps1.xml><?xml version="1.0" encoding="utf-8"?>
@@ -33118,9 +33296,9 @@
 </file>
 
 <file path=customXml/itemProps2.xml><?xml version="1.0" encoding="utf-8"?>
-<ds:datastoreItem xmlns:ds="http://schemas.openxmlformats.org/officeDocument/2006/customXml" ds:itemID="{0CE24DD7-9317-4AD8-82D4-5A6998DA79C7}">
+<ds:datastoreItem xmlns:ds="http://schemas.openxmlformats.org/officeDocument/2006/customXml" ds:itemID="{36ECED7C-7E24-4B80-B6AD-5BF0A508FB7B}">
   <ds:schemaRefs>
-    <ds:schemaRef ds:uri="http://schemas.microsoft.com/sharepoint/v3/contenttype/forms"/>
+    <ds:schemaRef ds:uri="http://schemas.microsoft.com/sharepoint/events"/>
   </ds:schemaRefs>
 </ds:datastoreItem>
 </file>
@@ -33145,9 +33323,9 @@
 </file>
 
 <file path=customXml/itemProps4.xml><?xml version="1.0" encoding="utf-8"?>
-<ds:datastoreItem xmlns:ds="http://schemas.openxmlformats.org/officeDocument/2006/customXml" ds:itemID="{36ECED7C-7E24-4B80-B6AD-5BF0A508FB7B}">
+<ds:datastoreItem xmlns:ds="http://schemas.openxmlformats.org/officeDocument/2006/customXml" ds:itemID="{0CE24DD7-9317-4AD8-82D4-5A6998DA79C7}">
   <ds:schemaRefs>
-    <ds:schemaRef ds:uri="http://schemas.microsoft.com/sharepoint/events"/>
+    <ds:schemaRef ds:uri="http://schemas.microsoft.com/sharepoint/v3/contenttype/forms"/>
   </ds:schemaRefs>
 </ds:datastoreItem>
 </file>
--- a/AO-Smith-MSFT-MCHP-r6.pptx
+++ b/AO-Smith-MSFT-MCHP-r6.pptx
@@ -510,7 +510,7 @@
           <a:p>
             <a:fld id="{98615C2D-FB91-8740-95C2-23C11A10F2F2}" type="datetimeFigureOut">
               <a:rPr lang="en-US" smtClean="0"/>
-              <a:t>11/1/21</a:t>
+              <a:t>11/2/21</a:t>
             </a:fld>
             <a:endParaRPr lang="en-US"/>
           </a:p>
@@ -688,7 +688,7 @@
           <a:p>
             <a:fld id="{F154E49F-5C3A-ED4E-A68A-CCB3AA3B5D59}" type="datetimeFigureOut">
               <a:rPr lang="en-US" smtClean="0"/>
-              <a:t>11/1/21</a:t>
+              <a:t>11/2/21</a:t>
             </a:fld>
             <a:endParaRPr lang="en-US"/>
           </a:p>
@@ -6240,8 +6240,12 @@
             <a:p>
               <a:pPr algn="ctr"/>
               <a:r>
-                <a:rPr lang="en-US" dirty="0"/>
-                <a:t>ADD</a:t>
+                <a:rPr lang="en-US" dirty="0">
+                  <a:solidFill>
+                    <a:srgbClr val="FFFF00"/>
+                  </a:solidFill>
+                </a:rPr>
+                <a:t>NEW</a:t>
               </a:r>
             </a:p>
           </p:txBody>
@@ -6415,8 +6419,12 @@
             <a:p>
               <a:pPr algn="ctr"/>
               <a:r>
-                <a:rPr lang="en-US" sz="2000" dirty="0"/>
-                <a:t>ADD</a:t>
+                <a:rPr lang="en-US" dirty="0">
+                  <a:solidFill>
+                    <a:srgbClr val="FFFF00"/>
+                  </a:solidFill>
+                </a:rPr>
+                <a:t>NEW</a:t>
               </a:r>
             </a:p>
           </p:txBody>
@@ -6560,8 +6568,12 @@
             <a:p>
               <a:pPr algn="ctr"/>
               <a:r>
-                <a:rPr lang="en-US" sz="2000" dirty="0"/>
-                <a:t>ADD</a:t>
+                <a:rPr lang="en-US" dirty="0">
+                  <a:solidFill>
+                    <a:srgbClr val="FFFF00"/>
+                  </a:solidFill>
+                </a:rPr>
+                <a:t>NEW</a:t>
               </a:r>
             </a:p>
           </p:txBody>
@@ -10451,6 +10463,128 @@
           </a:graphicData>
         </a:graphic>
       </p:graphicFrame>
+      <p:sp>
+        <p:nvSpPr>
+          <p:cNvPr id="4" name="Rectangle 3">
+            <a:extLst>
+              <a:ext uri="{FF2B5EF4-FFF2-40B4-BE49-F238E27FC236}">
+                <a16:creationId xmlns:a16="http://schemas.microsoft.com/office/drawing/2014/main" id="{3A56081A-A539-444F-A331-C748552E522C}"/>
+              </a:ext>
+            </a:extLst>
+          </p:cNvPr>
+          <p:cNvSpPr/>
+          <p:nvPr/>
+        </p:nvSpPr>
+        <p:spPr>
+          <a:xfrm>
+            <a:off x="452610" y="2662177"/>
+            <a:ext cx="2777124" cy="766823"/>
+          </a:xfrm>
+          <a:prstGeom prst="rect">
+            <a:avLst/>
+          </a:prstGeom>
+          <a:noFill/>
+          <a:ln w="38100">
+            <a:solidFill>
+              <a:srgbClr val="00B050"/>
+            </a:solidFill>
+            <a:prstDash val="solid"/>
+          </a:ln>
+          <a:effectLst/>
+        </p:spPr>
+        <p:style>
+          <a:lnRef idx="1">
+            <a:schemeClr val="accent1"/>
+          </a:lnRef>
+          <a:fillRef idx="3">
+            <a:schemeClr val="accent1"/>
+          </a:fillRef>
+          <a:effectRef idx="2">
+            <a:schemeClr val="accent1"/>
+          </a:effectRef>
+          <a:fontRef idx="minor">
+            <a:schemeClr val="lt1"/>
+          </a:fontRef>
+        </p:style>
+        <p:txBody>
+          <a:bodyPr rot="0" spcFirstLastPara="0" vertOverflow="overflow" horzOverflow="overflow" vert="horz" wrap="square" lIns="91440" tIns="45720" rIns="91440" bIns="45720" numCol="1" spcCol="0" rtlCol="0" fromWordArt="0" anchor="ctr" anchorCtr="0" forceAA="0" compatLnSpc="1">
+            <a:prstTxWarp prst="textNoShape">
+              <a:avLst/>
+            </a:prstTxWarp>
+            <a:noAutofit/>
+          </a:bodyPr>
+          <a:lstStyle/>
+          <a:p>
+            <a:pPr algn="ctr"/>
+            <a:endParaRPr lang="en-US"/>
+          </a:p>
+        </p:txBody>
+      </p:sp>
+      <p:sp>
+        <p:nvSpPr>
+          <p:cNvPr id="3" name="Explosion 2 2">
+            <a:extLst>
+              <a:ext uri="{FF2B5EF4-FFF2-40B4-BE49-F238E27FC236}">
+                <a16:creationId xmlns:a16="http://schemas.microsoft.com/office/drawing/2014/main" id="{58E221D7-6461-0F4E-9D4B-E43E53AA644E}"/>
+              </a:ext>
+            </a:extLst>
+          </p:cNvPr>
+          <p:cNvSpPr/>
+          <p:nvPr/>
+        </p:nvSpPr>
+        <p:spPr>
+          <a:xfrm>
+            <a:off x="2468690" y="3045588"/>
+            <a:ext cx="1919269" cy="766823"/>
+          </a:xfrm>
+          <a:prstGeom prst="irregularSeal2">
+            <a:avLst/>
+          </a:prstGeom>
+          <a:solidFill>
+            <a:srgbClr val="FF0000"/>
+          </a:solidFill>
+          <a:ln>
+            <a:noFill/>
+          </a:ln>
+          <a:effectLst/>
+        </p:spPr>
+        <p:style>
+          <a:lnRef idx="1">
+            <a:schemeClr val="accent1"/>
+          </a:lnRef>
+          <a:fillRef idx="3">
+            <a:schemeClr val="accent1"/>
+          </a:fillRef>
+          <a:effectRef idx="2">
+            <a:schemeClr val="accent1"/>
+          </a:effectRef>
+          <a:fontRef idx="minor">
+            <a:schemeClr val="lt1"/>
+          </a:fontRef>
+        </p:style>
+        <p:txBody>
+          <a:bodyPr rot="0" spcFirstLastPara="0" vertOverflow="overflow" horzOverflow="overflow" vert="horz" wrap="square" lIns="91440" tIns="45720" rIns="91440" bIns="45720" numCol="1" spcCol="0" rtlCol="0" fromWordArt="0" anchor="ctr" anchorCtr="0" forceAA="0" compatLnSpc="1">
+            <a:prstTxWarp prst="textNoShape">
+              <a:avLst/>
+            </a:prstTxWarp>
+            <a:noAutofit/>
+          </a:bodyPr>
+          <a:lstStyle/>
+          <a:p>
+            <a:pPr algn="ctr"/>
+            <a:r>
+              <a:rPr lang="en-US" sz="2000" dirty="0">
+                <a:solidFill>
+                  <a:srgbClr val="FFFF00"/>
+                </a:solidFill>
+                <a:latin typeface="Arial" panose="020B0604020202020204" pitchFamily="34" charset="0"/>
+                <a:cs typeface="Arial" panose="020B0604020202020204" pitchFamily="34" charset="0"/>
+              </a:rPr>
+              <a:t>NEW</a:t>
+            </a:r>
+          </a:p>
+        </p:txBody>
+      </p:sp>
     </p:spTree>
     <p:extLst>
       <p:ext uri="{BB962C8B-B14F-4D97-AF65-F5344CB8AC3E}">
@@ -33075,48 +33209,11 @@
 
 <file path=customXml/item2.xml><?xml version="1.0" encoding="utf-8"?>
 <?mso-contentType ?>
-<spe:Receivers xmlns:spe="http://schemas.microsoft.com/sharepoint/events">
-  <Receiver>
-    <Name>Document ID Generator</Name>
-    <Synchronization>Synchronous</Synchronization>
-    <Type>10001</Type>
-    <SequenceNumber>1000</SequenceNumber>
-    <Assembly>Microsoft.Office.DocumentManagement, Version=14.0.0.0, Culture=neutral, PublicKeyToken=71e9bce111e9429c</Assembly>
-    <Class>Microsoft.Office.DocumentManagement.Internal.DocIdHandler</Class>
-    <Data/>
-    <Filter/>
-  </Receiver>
-  <Receiver>
-    <Name>Document ID Generator</Name>
-    <Synchronization>Synchronous</Synchronization>
-    <Type>10002</Type>
-    <SequenceNumber>1001</SequenceNumber>
-    <Assembly>Microsoft.Office.DocumentManagement, Version=14.0.0.0, Culture=neutral, PublicKeyToken=71e9bce111e9429c</Assembly>
-    <Class>Microsoft.Office.DocumentManagement.Internal.DocIdHandler</Class>
-    <Data/>
-    <Filter/>
-  </Receiver>
-  <Receiver>
-    <Name>Document ID Generator</Name>
-    <Synchronization>Synchronous</Synchronization>
-    <Type>10004</Type>
-    <SequenceNumber>1002</SequenceNumber>
-    <Assembly>Microsoft.Office.DocumentManagement, Version=14.0.0.0, Culture=neutral, PublicKeyToken=71e9bce111e9429c</Assembly>
-    <Class>Microsoft.Office.DocumentManagement.Internal.DocIdHandler</Class>
-    <Data/>
-    <Filter/>
-  </Receiver>
-  <Receiver>
-    <Name>Document ID Generator</Name>
-    <Synchronization>Synchronous</Synchronization>
-    <Type>10006</Type>
-    <SequenceNumber>1003</SequenceNumber>
-    <Assembly>Microsoft.Office.DocumentManagement, Version=14.0.0.0, Culture=neutral, PublicKeyToken=71e9bce111e9429c</Assembly>
-    <Class>Microsoft.Office.DocumentManagement.Internal.DocIdHandler</Class>
-    <Data/>
-    <Filter/>
-  </Receiver>
-</spe:Receivers>
+<FormTemplates xmlns="http://schemas.microsoft.com/sharepoint/v3/contenttype/forms">
+  <Display>DocumentLibraryForm</Display>
+  <Edit>DocumentLibraryForm</Edit>
+  <New>DocumentLibraryForm</New>
+</FormTemplates>
 </file>
 
 <file path=customXml/item3.xml><?xml version="1.0" encoding="utf-8"?>
@@ -33277,11 +33374,48 @@
 
 <file path=customXml/item4.xml><?xml version="1.0" encoding="utf-8"?>
 <?mso-contentType ?>
-<FormTemplates xmlns="http://schemas.microsoft.com/sharepoint/v3/contenttype/forms">
-  <Display>DocumentLibraryForm</Display>
-  <Edit>DocumentLibraryForm</Edit>
-  <New>DocumentLibraryForm</New>
-</FormTemplates>
+<spe:Receivers xmlns:spe="http://schemas.microsoft.com/sharepoint/events">
+  <Receiver>
+    <Name>Document ID Generator</Name>
+    <Synchronization>Synchronous</Synchronization>
+    <Type>10001</Type>
+    <SequenceNumber>1000</SequenceNumber>
+    <Assembly>Microsoft.Office.DocumentManagement, Version=14.0.0.0, Culture=neutral, PublicKeyToken=71e9bce111e9429c</Assembly>
+    <Class>Microsoft.Office.DocumentManagement.Internal.DocIdHandler</Class>
+    <Data/>
+    <Filter/>
+  </Receiver>
+  <Receiver>
+    <Name>Document ID Generator</Name>
+    <Synchronization>Synchronous</Synchronization>
+    <Type>10002</Type>
+    <SequenceNumber>1001</SequenceNumber>
+    <Assembly>Microsoft.Office.DocumentManagement, Version=14.0.0.0, Culture=neutral, PublicKeyToken=71e9bce111e9429c</Assembly>
+    <Class>Microsoft.Office.DocumentManagement.Internal.DocIdHandler</Class>
+    <Data/>
+    <Filter/>
+  </Receiver>
+  <Receiver>
+    <Name>Document ID Generator</Name>
+    <Synchronization>Synchronous</Synchronization>
+    <Type>10004</Type>
+    <SequenceNumber>1002</SequenceNumber>
+    <Assembly>Microsoft.Office.DocumentManagement, Version=14.0.0.0, Culture=neutral, PublicKeyToken=71e9bce111e9429c</Assembly>
+    <Class>Microsoft.Office.DocumentManagement.Internal.DocIdHandler</Class>
+    <Data/>
+    <Filter/>
+  </Receiver>
+  <Receiver>
+    <Name>Document ID Generator</Name>
+    <Synchronization>Synchronous</Synchronization>
+    <Type>10006</Type>
+    <SequenceNumber>1003</SequenceNumber>
+    <Assembly>Microsoft.Office.DocumentManagement, Version=14.0.0.0, Culture=neutral, PublicKeyToken=71e9bce111e9429c</Assembly>
+    <Class>Microsoft.Office.DocumentManagement.Internal.DocIdHandler</Class>
+    <Data/>
+    <Filter/>
+  </Receiver>
+</spe:Receivers>
 </file>
 
 <file path=customXml/itemProps1.xml><?xml version="1.0" encoding="utf-8"?>
@@ -33296,9 +33430,9 @@
 </file>
 
 <file path=customXml/itemProps2.xml><?xml version="1.0" encoding="utf-8"?>
-<ds:datastoreItem xmlns:ds="http://schemas.openxmlformats.org/officeDocument/2006/customXml" ds:itemID="{36ECED7C-7E24-4B80-B6AD-5BF0A508FB7B}">
+<ds:datastoreItem xmlns:ds="http://schemas.openxmlformats.org/officeDocument/2006/customXml" ds:itemID="{0CE24DD7-9317-4AD8-82D4-5A6998DA79C7}">
   <ds:schemaRefs>
-    <ds:schemaRef ds:uri="http://schemas.microsoft.com/sharepoint/events"/>
+    <ds:schemaRef ds:uri="http://schemas.microsoft.com/sharepoint/v3/contenttype/forms"/>
   </ds:schemaRefs>
 </ds:datastoreItem>
 </file>
@@ -33323,9 +33457,9 @@
 </file>
 
 <file path=customXml/itemProps4.xml><?xml version="1.0" encoding="utf-8"?>
-<ds:datastoreItem xmlns:ds="http://schemas.openxmlformats.org/officeDocument/2006/customXml" ds:itemID="{0CE24DD7-9317-4AD8-82D4-5A6998DA79C7}">
+<ds:datastoreItem xmlns:ds="http://schemas.openxmlformats.org/officeDocument/2006/customXml" ds:itemID="{36ECED7C-7E24-4B80-B6AD-5BF0A508FB7B}">
   <ds:schemaRefs>
-    <ds:schemaRef ds:uri="http://schemas.microsoft.com/sharepoint/v3/contenttype/forms"/>
+    <ds:schemaRef ds:uri="http://schemas.microsoft.com/sharepoint/events"/>
   </ds:schemaRefs>
 </ds:datastoreItem>
 </file>
--- a/AO-Smith-MSFT-MCHP-r6.pptx
+++ b/AO-Smith-MSFT-MCHP-r6.pptx
@@ -510,7 +510,7 @@
           <a:p>
             <a:fld id="{98615C2D-FB91-8740-95C2-23C11A10F2F2}" type="datetimeFigureOut">
               <a:rPr lang="en-US" smtClean="0"/>
-              <a:t>11/2/21</a:t>
+              <a:t>11/3/21</a:t>
             </a:fld>
             <a:endParaRPr lang="en-US"/>
           </a:p>
@@ -688,7 +688,7 @@
           <a:p>
             <a:fld id="{F154E49F-5C3A-ED4E-A68A-CCB3AA3B5D59}" type="datetimeFigureOut">
               <a:rPr lang="en-US" smtClean="0"/>
-              <a:t>11/2/21</a:t>
+              <a:t>11/3/21</a:t>
             </a:fld>
             <a:endParaRPr lang="en-US"/>
           </a:p>
@@ -5568,8 +5568,11 @@
           <a:p>
             <a:r>
               <a:rPr lang="en-US" dirty="0"/>
-              <a:t>October 2021</a:t>
-            </a:r>
+              <a:t>Wireless Specialist (PACNW)</a:t>
+            </a:r>
+          </a:p>
+          <a:p>
+            <a:endParaRPr lang="en-US" dirty="0"/>
           </a:p>
         </p:txBody>
       </p:sp>
@@ -5596,7 +5599,7 @@
           <a:p>
             <a:r>
               <a:rPr lang="en-US" dirty="0"/>
-              <a:t>JR &amp; RW</a:t>
+              <a:t>Randy Wu, Principal ESE</a:t>
             </a:r>
           </a:p>
         </p:txBody>
@@ -33209,11 +33212,48 @@
 
 <file path=customXml/item2.xml><?xml version="1.0" encoding="utf-8"?>
 <?mso-contentType ?>
-<FormTemplates xmlns="http://schemas.microsoft.com/sharepoint/v3/contenttype/forms">
-  <Display>DocumentLibraryForm</Display>
-  <Edit>DocumentLibraryForm</Edit>
-  <New>DocumentLibraryForm</New>
-</FormTemplates>
+<spe:Receivers xmlns:spe="http://schemas.microsoft.com/sharepoint/events">
+  <Receiver>
+    <Name>Document ID Generator</Name>
+    <Synchronization>Synchronous</Synchronization>
+    <Type>10001</Type>
+    <SequenceNumber>1000</SequenceNumber>
+    <Assembly>Microsoft.Office.DocumentManagement, Version=14.0.0.0, Culture=neutral, PublicKeyToken=71e9bce111e9429c</Assembly>
+    <Class>Microsoft.Office.DocumentManagement.Internal.DocIdHandler</Class>
+    <Data/>
+    <Filter/>
+  </Receiver>
+  <Receiver>
+    <Name>Document ID Generator</Name>
+    <Synchronization>Synchronous</Synchronization>
+    <Type>10002</Type>
+    <SequenceNumber>1001</SequenceNumber>
+    <Assembly>Microsoft.Office.DocumentManagement, Version=14.0.0.0, Culture=neutral, PublicKeyToken=71e9bce111e9429c</Assembly>
+    <Class>Microsoft.Office.DocumentManagement.Internal.DocIdHandler</Class>
+    <Data/>
+    <Filter/>
+  </Receiver>
+  <Receiver>
+    <Name>Document ID Generator</Name>
+    <Synchronization>Synchronous</Synchronization>
+    <Type>10004</Type>
+    <SequenceNumber>1002</SequenceNumber>
+    <Assembly>Microsoft.Office.DocumentManagement, Version=14.0.0.0, Culture=neutral, PublicKeyToken=71e9bce111e9429c</Assembly>
+    <Class>Microsoft.Office.DocumentManagement.Internal.DocIdHandler</Class>
+    <Data/>
+    <Filter/>
+  </Receiver>
+  <Receiver>
+    <Name>Document ID Generator</Name>
+    <Synchronization>Synchronous</Synchronization>
+    <Type>10006</Type>
+    <SequenceNumber>1003</SequenceNumber>
+    <Assembly>Microsoft.Office.DocumentManagement, Version=14.0.0.0, Culture=neutral, PublicKeyToken=71e9bce111e9429c</Assembly>
+    <Class>Microsoft.Office.DocumentManagement.Internal.DocIdHandler</Class>
+    <Data/>
+    <Filter/>
+  </Receiver>
+</spe:Receivers>
 </file>
 
 <file path=customXml/item3.xml><?xml version="1.0" encoding="utf-8"?>
@@ -33374,48 +33414,11 @@
 
 <file path=customXml/item4.xml><?xml version="1.0" encoding="utf-8"?>
 <?mso-contentType ?>
-<spe:Receivers xmlns:spe="http://schemas.microsoft.com/sharepoint/events">
-  <Receiver>
-    <Name>Document ID Generator</Name>
-    <Synchronization>Synchronous</Synchronization>
-    <Type>10001</Type>
-    <SequenceNumber>1000</SequenceNumber>
-    <Assembly>Microsoft.Office.DocumentManagement, Version=14.0.0.0, Culture=neutral, PublicKeyToken=71e9bce111e9429c</Assembly>
-    <Class>Microsoft.Office.DocumentManagement.Internal.DocIdHandler</Class>
-    <Data/>
-    <Filter/>
-  </Receiver>
-  <Receiver>
-    <Name>Document ID Generator</Name>
-    <Synchronization>Synchronous</Synchronization>
-    <Type>10002</Type>
-    <SequenceNumber>1001</SequenceNumber>
-    <Assembly>Microsoft.Office.DocumentManagement, Version=14.0.0.0, Culture=neutral, PublicKeyToken=71e9bce111e9429c</Assembly>
-    <Class>Microsoft.Office.DocumentManagement.Internal.DocIdHandler</Class>
-    <Data/>
-    <Filter/>
-  </Receiver>
-  <Receiver>
-    <Name>Document ID Generator</Name>
-    <Synchronization>Synchronous</Synchronization>
-    <Type>10004</Type>
-    <SequenceNumber>1002</SequenceNumber>
-    <Assembly>Microsoft.Office.DocumentManagement, Version=14.0.0.0, Culture=neutral, PublicKeyToken=71e9bce111e9429c</Assembly>
-    <Class>Microsoft.Office.DocumentManagement.Internal.DocIdHandler</Class>
-    <Data/>
-    <Filter/>
-  </Receiver>
-  <Receiver>
-    <Name>Document ID Generator</Name>
-    <Synchronization>Synchronous</Synchronization>
-    <Type>10006</Type>
-    <SequenceNumber>1003</SequenceNumber>
-    <Assembly>Microsoft.Office.DocumentManagement, Version=14.0.0.0, Culture=neutral, PublicKeyToken=71e9bce111e9429c</Assembly>
-    <Class>Microsoft.Office.DocumentManagement.Internal.DocIdHandler</Class>
-    <Data/>
-    <Filter/>
-  </Receiver>
-</spe:Receivers>
+<FormTemplates xmlns="http://schemas.microsoft.com/sharepoint/v3/contenttype/forms">
+  <Display>DocumentLibraryForm</Display>
+  <Edit>DocumentLibraryForm</Edit>
+  <New>DocumentLibraryForm</New>
+</FormTemplates>
 </file>
 
 <file path=customXml/itemProps1.xml><?xml version="1.0" encoding="utf-8"?>
@@ -33430,9 +33433,9 @@
 </file>
 
 <file path=customXml/itemProps2.xml><?xml version="1.0" encoding="utf-8"?>
-<ds:datastoreItem xmlns:ds="http://schemas.openxmlformats.org/officeDocument/2006/customXml" ds:itemID="{0CE24DD7-9317-4AD8-82D4-5A6998DA79C7}">
+<ds:datastoreItem xmlns:ds="http://schemas.openxmlformats.org/officeDocument/2006/customXml" ds:itemID="{36ECED7C-7E24-4B80-B6AD-5BF0A508FB7B}">
   <ds:schemaRefs>
-    <ds:schemaRef ds:uri="http://schemas.microsoft.com/sharepoint/v3/contenttype/forms"/>
+    <ds:schemaRef ds:uri="http://schemas.microsoft.com/sharepoint/events"/>
   </ds:schemaRefs>
 </ds:datastoreItem>
 </file>
@@ -33457,9 +33460,9 @@
 </file>
 
 <file path=customXml/itemProps4.xml><?xml version="1.0" encoding="utf-8"?>
-<ds:datastoreItem xmlns:ds="http://schemas.openxmlformats.org/officeDocument/2006/customXml" ds:itemID="{36ECED7C-7E24-4B80-B6AD-5BF0A508FB7B}">
+<ds:datastoreItem xmlns:ds="http://schemas.openxmlformats.org/officeDocument/2006/customXml" ds:itemID="{0CE24DD7-9317-4AD8-82D4-5A6998DA79C7}">
   <ds:schemaRefs>
-    <ds:schemaRef ds:uri="http://schemas.microsoft.com/sharepoint/events"/>
+    <ds:schemaRef ds:uri="http://schemas.microsoft.com/sharepoint/v3/contenttype/forms"/>
   </ds:schemaRefs>
 </ds:datastoreItem>
 </file>
--- a/AO-Smith-MSFT-MCHP-r6.pptx
+++ b/AO-Smith-MSFT-MCHP-r6.pptx
@@ -15590,6 +15590,71 @@
           </a:p>
         </p:txBody>
       </p:sp>
+      <p:sp>
+        <p:nvSpPr>
+          <p:cNvPr id="6" name="Explosion 2 5">
+            <a:extLst>
+              <a:ext uri="{FF2B5EF4-FFF2-40B4-BE49-F238E27FC236}">
+                <a16:creationId xmlns:a16="http://schemas.microsoft.com/office/drawing/2014/main" id="{886799D9-A1CE-8446-B9E3-1226978437BA}"/>
+              </a:ext>
+            </a:extLst>
+          </p:cNvPr>
+          <p:cNvSpPr/>
+          <p:nvPr/>
+        </p:nvSpPr>
+        <p:spPr>
+          <a:xfrm>
+            <a:off x="3633347" y="873536"/>
+            <a:ext cx="1919269" cy="766823"/>
+          </a:xfrm>
+          <a:prstGeom prst="irregularSeal2">
+            <a:avLst/>
+          </a:prstGeom>
+          <a:solidFill>
+            <a:srgbClr val="FF0000"/>
+          </a:solidFill>
+          <a:ln>
+            <a:noFill/>
+          </a:ln>
+          <a:effectLst/>
+        </p:spPr>
+        <p:style>
+          <a:lnRef idx="1">
+            <a:schemeClr val="accent1"/>
+          </a:lnRef>
+          <a:fillRef idx="3">
+            <a:schemeClr val="accent1"/>
+          </a:fillRef>
+          <a:effectRef idx="2">
+            <a:schemeClr val="accent1"/>
+          </a:effectRef>
+          <a:fontRef idx="minor">
+            <a:schemeClr val="lt1"/>
+          </a:fontRef>
+        </p:style>
+        <p:txBody>
+          <a:bodyPr rot="0" spcFirstLastPara="0" vertOverflow="overflow" horzOverflow="overflow" vert="horz" wrap="square" lIns="91440" tIns="45720" rIns="91440" bIns="45720" numCol="1" spcCol="0" rtlCol="0" fromWordArt="0" anchor="ctr" anchorCtr="0" forceAA="0" compatLnSpc="1">
+            <a:prstTxWarp prst="textNoShape">
+              <a:avLst/>
+            </a:prstTxWarp>
+            <a:noAutofit/>
+          </a:bodyPr>
+          <a:lstStyle/>
+          <a:p>
+            <a:pPr algn="ctr"/>
+            <a:r>
+              <a:rPr lang="en-US" sz="2000" dirty="0">
+                <a:solidFill>
+                  <a:srgbClr val="FFFF00"/>
+                </a:solidFill>
+                <a:latin typeface="Arial" panose="020B0604020202020204" pitchFamily="34" charset="0"/>
+                <a:cs typeface="Arial" panose="020B0604020202020204" pitchFamily="34" charset="0"/>
+              </a:rPr>
+              <a:t>NEW</a:t>
+            </a:r>
+          </a:p>
+        </p:txBody>
+      </p:sp>
     </p:spTree>
     <p:extLst>
       <p:ext uri="{BB962C8B-B14F-4D97-AF65-F5344CB8AC3E}">
@@ -20398,6 +20463,71 @@
           </a:p>
         </p:txBody>
       </p:sp>
+      <p:sp>
+        <p:nvSpPr>
+          <p:cNvPr id="7" name="Explosion 2 6">
+            <a:extLst>
+              <a:ext uri="{FF2B5EF4-FFF2-40B4-BE49-F238E27FC236}">
+                <a16:creationId xmlns:a16="http://schemas.microsoft.com/office/drawing/2014/main" id="{AFA699EA-09BE-B04A-ABE5-5EB5A3068A01}"/>
+              </a:ext>
+            </a:extLst>
+          </p:cNvPr>
+          <p:cNvSpPr/>
+          <p:nvPr/>
+        </p:nvSpPr>
+        <p:spPr>
+          <a:xfrm>
+            <a:off x="3142458" y="709395"/>
+            <a:ext cx="1919269" cy="766823"/>
+          </a:xfrm>
+          <a:prstGeom prst="irregularSeal2">
+            <a:avLst/>
+          </a:prstGeom>
+          <a:solidFill>
+            <a:srgbClr val="FF0000"/>
+          </a:solidFill>
+          <a:ln>
+            <a:noFill/>
+          </a:ln>
+          <a:effectLst/>
+        </p:spPr>
+        <p:style>
+          <a:lnRef idx="1">
+            <a:schemeClr val="accent1"/>
+          </a:lnRef>
+          <a:fillRef idx="3">
+            <a:schemeClr val="accent1"/>
+          </a:fillRef>
+          <a:effectRef idx="2">
+            <a:schemeClr val="accent1"/>
+          </a:effectRef>
+          <a:fontRef idx="minor">
+            <a:schemeClr val="lt1"/>
+          </a:fontRef>
+        </p:style>
+        <p:txBody>
+          <a:bodyPr rot="0" spcFirstLastPara="0" vertOverflow="overflow" horzOverflow="overflow" vert="horz" wrap="square" lIns="91440" tIns="45720" rIns="91440" bIns="45720" numCol="1" spcCol="0" rtlCol="0" fromWordArt="0" anchor="ctr" anchorCtr="0" forceAA="0" compatLnSpc="1">
+            <a:prstTxWarp prst="textNoShape">
+              <a:avLst/>
+            </a:prstTxWarp>
+            <a:noAutofit/>
+          </a:bodyPr>
+          <a:lstStyle/>
+          <a:p>
+            <a:pPr algn="ctr"/>
+            <a:r>
+              <a:rPr lang="en-US" sz="2000" dirty="0">
+                <a:solidFill>
+                  <a:srgbClr val="FFFF00"/>
+                </a:solidFill>
+                <a:latin typeface="Arial" panose="020B0604020202020204" pitchFamily="34" charset="0"/>
+                <a:cs typeface="Arial" panose="020B0604020202020204" pitchFamily="34" charset="0"/>
+              </a:rPr>
+              <a:t>NEW</a:t>
+            </a:r>
+          </a:p>
+        </p:txBody>
+      </p:sp>
     </p:spTree>
     <p:extLst>
       <p:ext uri="{BB962C8B-B14F-4D97-AF65-F5344CB8AC3E}">
@@ -24236,6 +24366,71 @@
           </a:p>
         </p:txBody>
       </p:sp>
+      <p:sp>
+        <p:nvSpPr>
+          <p:cNvPr id="17" name="Explosion 2 16">
+            <a:extLst>
+              <a:ext uri="{FF2B5EF4-FFF2-40B4-BE49-F238E27FC236}">
+                <a16:creationId xmlns:a16="http://schemas.microsoft.com/office/drawing/2014/main" id="{FB351172-2E2E-A449-9690-064F145CE115}"/>
+              </a:ext>
+            </a:extLst>
+          </p:cNvPr>
+          <p:cNvSpPr/>
+          <p:nvPr/>
+        </p:nvSpPr>
+        <p:spPr>
+          <a:xfrm>
+            <a:off x="336934" y="1315873"/>
+            <a:ext cx="1919269" cy="766823"/>
+          </a:xfrm>
+          <a:prstGeom prst="irregularSeal2">
+            <a:avLst/>
+          </a:prstGeom>
+          <a:solidFill>
+            <a:srgbClr val="FF0000"/>
+          </a:solidFill>
+          <a:ln>
+            <a:noFill/>
+          </a:ln>
+          <a:effectLst/>
+        </p:spPr>
+        <p:style>
+          <a:lnRef idx="1">
+            <a:schemeClr val="accent1"/>
+          </a:lnRef>
+          <a:fillRef idx="3">
+            <a:schemeClr val="accent1"/>
+          </a:fillRef>
+          <a:effectRef idx="2">
+            <a:schemeClr val="accent1"/>
+          </a:effectRef>
+          <a:fontRef idx="minor">
+            <a:schemeClr val="lt1"/>
+          </a:fontRef>
+        </p:style>
+        <p:txBody>
+          <a:bodyPr rot="0" spcFirstLastPara="0" vertOverflow="overflow" horzOverflow="overflow" vert="horz" wrap="square" lIns="91440" tIns="45720" rIns="91440" bIns="45720" numCol="1" spcCol="0" rtlCol="0" fromWordArt="0" anchor="ctr" anchorCtr="0" forceAA="0" compatLnSpc="1">
+            <a:prstTxWarp prst="textNoShape">
+              <a:avLst/>
+            </a:prstTxWarp>
+            <a:noAutofit/>
+          </a:bodyPr>
+          <a:lstStyle/>
+          <a:p>
+            <a:pPr algn="ctr"/>
+            <a:r>
+              <a:rPr lang="en-US" sz="2000" dirty="0">
+                <a:solidFill>
+                  <a:srgbClr val="FFFF00"/>
+                </a:solidFill>
+                <a:latin typeface="Arial" panose="020B0604020202020204" pitchFamily="34" charset="0"/>
+                <a:cs typeface="Arial" panose="020B0604020202020204" pitchFamily="34" charset="0"/>
+              </a:rPr>
+              <a:t>NEW</a:t>
+            </a:r>
+          </a:p>
+        </p:txBody>
+      </p:sp>
     </p:spTree>
     <p:extLst>
       <p:ext uri="{BB962C8B-B14F-4D97-AF65-F5344CB8AC3E}">
@@ -24970,7 +25165,7 @@
             <a:r>
               <a:rPr lang="en-US" dirty="0">
                 <a:solidFill>
-                  <a:schemeClr val="tx1"/>
+                  <a:srgbClr val="FFFF00"/>
                 </a:solidFill>
               </a:rPr>
               <a:t>START HERE</a:t>
@@ -33212,48 +33407,11 @@
 
 <file path=customXml/item2.xml><?xml version="1.0" encoding="utf-8"?>
 <?mso-contentType ?>
-<spe:Receivers xmlns:spe="http://schemas.microsoft.com/sharepoint/events">
-  <Receiver>
-    <Name>Document ID Generator</Name>
-    <Synchronization>Synchronous</Synchronization>
-    <Type>10001</Type>
-    <SequenceNumber>1000</SequenceNumber>
-    <Assembly>Microsoft.Office.DocumentManagement, Version=14.0.0.0, Culture=neutral, PublicKeyToken=71e9bce111e9429c</Assembly>
-    <Class>Microsoft.Office.DocumentManagement.Internal.DocIdHandler</Class>
-    <Data/>
-    <Filter/>
-  </Receiver>
-  <Receiver>
-    <Name>Document ID Generator</Name>
-    <Synchronization>Synchronous</Synchronization>
-    <Type>10002</Type>
-    <SequenceNumber>1001</SequenceNumber>
-    <Assembly>Microsoft.Office.DocumentManagement, Version=14.0.0.0, Culture=neutral, PublicKeyToken=71e9bce111e9429c</Assembly>
-    <Class>Microsoft.Office.DocumentManagement.Internal.DocIdHandler</Class>
-    <Data/>
-    <Filter/>
-  </Receiver>
-  <Receiver>
-    <Name>Document ID Generator</Name>
-    <Synchronization>Synchronous</Synchronization>
-    <Type>10004</Type>
-    <SequenceNumber>1002</SequenceNumber>
-    <Assembly>Microsoft.Office.DocumentManagement, Version=14.0.0.0, Culture=neutral, PublicKeyToken=71e9bce111e9429c</Assembly>
-    <Class>Microsoft.Office.DocumentManagement.Internal.DocIdHandler</Class>
-    <Data/>
-    <Filter/>
-  </Receiver>
-  <Receiver>
-    <Name>Document ID Generator</Name>
-    <Synchronization>Synchronous</Synchronization>
-    <Type>10006</Type>
-    <SequenceNumber>1003</SequenceNumber>
-    <Assembly>Microsoft.Office.DocumentManagement, Version=14.0.0.0, Culture=neutral, PublicKeyToken=71e9bce111e9429c</Assembly>
-    <Class>Microsoft.Office.DocumentManagement.Internal.DocIdHandler</Class>
-    <Data/>
-    <Filter/>
-  </Receiver>
-</spe:Receivers>
+<FormTemplates xmlns="http://schemas.microsoft.com/sharepoint/v3/contenttype/forms">
+  <Display>DocumentLibraryForm</Display>
+  <Edit>DocumentLibraryForm</Edit>
+  <New>DocumentLibraryForm</New>
+</FormTemplates>
 </file>
 
 <file path=customXml/item3.xml><?xml version="1.0" encoding="utf-8"?>
@@ -33414,11 +33572,48 @@
 
 <file path=customXml/item4.xml><?xml version="1.0" encoding="utf-8"?>
 <?mso-contentType ?>
-<FormTemplates xmlns="http://schemas.microsoft.com/sharepoint/v3/contenttype/forms">
-  <Display>DocumentLibraryForm</Display>
-  <Edit>DocumentLibraryForm</Edit>
-  <New>DocumentLibraryForm</New>
-</FormTemplates>
+<spe:Receivers xmlns:spe="http://schemas.microsoft.com/sharepoint/events">
+  <Receiver>
+    <Name>Document ID Generator</Name>
+    <Synchronization>Synchronous</Synchronization>
+    <Type>10001</Type>
+    <SequenceNumber>1000</SequenceNumber>
+    <Assembly>Microsoft.Office.DocumentManagement, Version=14.0.0.0, Culture=neutral, PublicKeyToken=71e9bce111e9429c</Assembly>
+    <Class>Microsoft.Office.DocumentManagement.Internal.DocIdHandler</Class>
+    <Data/>
+    <Filter/>
+  </Receiver>
+  <Receiver>
+    <Name>Document ID Generator</Name>
+    <Synchronization>Synchronous</Synchronization>
+    <Type>10002</Type>
+    <SequenceNumber>1001</SequenceNumber>
+    <Assembly>Microsoft.Office.DocumentManagement, Version=14.0.0.0, Culture=neutral, PublicKeyToken=71e9bce111e9429c</Assembly>
+    <Class>Microsoft.Office.DocumentManagement.Internal.DocIdHandler</Class>
+    <Data/>
+    <Filter/>
+  </Receiver>
+  <Receiver>
+    <Name>Document ID Generator</Name>
+    <Synchronization>Synchronous</Synchronization>
+    <Type>10004</Type>
+    <SequenceNumber>1002</SequenceNumber>
+    <Assembly>Microsoft.Office.DocumentManagement, Version=14.0.0.0, Culture=neutral, PublicKeyToken=71e9bce111e9429c</Assembly>
+    <Class>Microsoft.Office.DocumentManagement.Internal.DocIdHandler</Class>
+    <Data/>
+    <Filter/>
+  </Receiver>
+  <Receiver>
+    <Name>Document ID Generator</Name>
+    <Synchronization>Synchronous</Synchronization>
+    <Type>10006</Type>
+    <SequenceNumber>1003</SequenceNumber>
+    <Assembly>Microsoft.Office.DocumentManagement, Version=14.0.0.0, Culture=neutral, PublicKeyToken=71e9bce111e9429c</Assembly>
+    <Class>Microsoft.Office.DocumentManagement.Internal.DocIdHandler</Class>
+    <Data/>
+    <Filter/>
+  </Receiver>
+</spe:Receivers>
 </file>
 
 <file path=customXml/itemProps1.xml><?xml version="1.0" encoding="utf-8"?>
@@ -33433,9 +33628,9 @@
 </file>
 
 <file path=customXml/itemProps2.xml><?xml version="1.0" encoding="utf-8"?>
-<ds:datastoreItem xmlns:ds="http://schemas.openxmlformats.org/officeDocument/2006/customXml" ds:itemID="{36ECED7C-7E24-4B80-B6AD-5BF0A508FB7B}">
+<ds:datastoreItem xmlns:ds="http://schemas.openxmlformats.org/officeDocument/2006/customXml" ds:itemID="{0CE24DD7-9317-4AD8-82D4-5A6998DA79C7}">
   <ds:schemaRefs>
-    <ds:schemaRef ds:uri="http://schemas.microsoft.com/sharepoint/events"/>
+    <ds:schemaRef ds:uri="http://schemas.microsoft.com/sharepoint/v3/contenttype/forms"/>
   </ds:schemaRefs>
 </ds:datastoreItem>
 </file>
@@ -33460,9 +33655,9 @@
 </file>
 
 <file path=customXml/itemProps4.xml><?xml version="1.0" encoding="utf-8"?>
-<ds:datastoreItem xmlns:ds="http://schemas.openxmlformats.org/officeDocument/2006/customXml" ds:itemID="{0CE24DD7-9317-4AD8-82D4-5A6998DA79C7}">
+<ds:datastoreItem xmlns:ds="http://schemas.openxmlformats.org/officeDocument/2006/customXml" ds:itemID="{36ECED7C-7E24-4B80-B6AD-5BF0A508FB7B}">
   <ds:schemaRefs>
-    <ds:schemaRef ds:uri="http://schemas.microsoft.com/sharepoint/v3/contenttype/forms"/>
+    <ds:schemaRef ds:uri="http://schemas.microsoft.com/sharepoint/events"/>
   </ds:schemaRefs>
 </ds:datastoreItem>
 </file>
--- a/AO-Smith-MSFT-MCHP-r6.pptx
+++ b/AO-Smith-MSFT-MCHP-r6.pptx
@@ -5,10 +5,10 @@
     <p:sldMasterId id="2147483648" r:id="rId5"/>
   </p:sldMasterIdLst>
   <p:notesMasterIdLst>
-    <p:notesMasterId r:id="rId28"/>
+    <p:notesMasterId r:id="rId30"/>
   </p:notesMasterIdLst>
   <p:handoutMasterIdLst>
-    <p:handoutMasterId r:id="rId29"/>
+    <p:handoutMasterId r:id="rId31"/>
   </p:handoutMasterIdLst>
   <p:sldIdLst>
     <p:sldId id="1954" r:id="rId6"/>
@@ -33,6 +33,8 @@
     <p:sldId id="1976" r:id="rId25"/>
     <p:sldId id="2146846836" r:id="rId26"/>
     <p:sldId id="2146846835" r:id="rId27"/>
+    <p:sldId id="2146846842" r:id="rId28"/>
+    <p:sldId id="2146846843" r:id="rId29"/>
   </p:sldIdLst>
   <p:sldSz cx="12188825" cy="6858000"/>
   <p:notesSz cx="6858000" cy="9144000"/>
@@ -510,7 +512,7 @@
           <a:p>
             <a:fld id="{98615C2D-FB91-8740-95C2-23C11A10F2F2}" type="datetimeFigureOut">
               <a:rPr lang="en-US" smtClean="0"/>
-              <a:t>11/3/21</a:t>
+              <a:t>11/11/21</a:t>
             </a:fld>
             <a:endParaRPr lang="en-US"/>
           </a:p>
@@ -688,7 +690,7 @@
           <a:p>
             <a:fld id="{F154E49F-5C3A-ED4E-A68A-CCB3AA3B5D59}" type="datetimeFigureOut">
               <a:rPr lang="en-US" smtClean="0"/>
-              <a:t>11/3/21</a:t>
+              <a:t>11/11/21</a:t>
             </a:fld>
             <a:endParaRPr lang="en-US"/>
           </a:p>
@@ -11621,7 +11623,7 @@
           <p:nvPr>
             <p:extLst>
               <p:ext uri="{D42A27DB-BD31-4B8C-83A1-F6EECF244321}">
-                <p14:modId xmlns:p14="http://schemas.microsoft.com/office/powerpoint/2010/main" val="3514607525"/>
+                <p14:modId xmlns:p14="http://schemas.microsoft.com/office/powerpoint/2010/main" val="999834"/>
               </p:ext>
             </p:extLst>
           </p:nvPr>
@@ -11734,7 +11736,7 @@
                           </a:solidFill>
                           <a:latin typeface="Courier" pitchFamily="2" charset="0"/>
                         </a:rPr>
-                        <a:t>false (not connected to cloud)</a:t>
+                        <a:t>false</a:t>
                       </a:r>
                     </a:p>
                   </a:txBody>
@@ -11809,7 +11811,7 @@
                           </a:solidFill>
                           <a:latin typeface="Courier" pitchFamily="2" charset="0"/>
                         </a:rPr>
-                        <a:t>true (connected to cloud) </a:t>
+                        <a:t>true</a:t>
                       </a:r>
                     </a:p>
                   </a:txBody>
@@ -18718,7 +18720,7 @@
         </p:nvGrpSpPr>
         <p:grpSpPr>
           <a:xfrm>
-            <a:off x="10707651" y="940531"/>
+            <a:off x="10572901" y="940531"/>
             <a:ext cx="1498251" cy="944023"/>
             <a:chOff x="10707651" y="940531"/>
             <a:chExt cx="1498251" cy="944023"/>
@@ -18843,12 +18845,15 @@
               <a:r>
                 <a:rPr lang="en-US" sz="1800" dirty="0">
                   <a:solidFill>
-                    <a:srgbClr val="FF0000"/>
+                    <a:srgbClr val="FFFF00"/>
                   </a:solidFill>
+                  <a:highlight>
+                    <a:srgbClr val="C0C0C0"/>
+                  </a:highlight>
                   <a:latin typeface="Arial" panose="020B0604020202020204" pitchFamily="34" charset="0"/>
                   <a:cs typeface="Arial" panose="020B0604020202020204" pitchFamily="34" charset="0"/>
                 </a:rPr>
-                <a:t>Red</a:t>
+                <a:t>Yellow</a:t>
               </a:r>
               <a:r>
                 <a:rPr lang="en-US" sz="1800" dirty="0">
@@ -25494,6 +25499,1219 @@
       <p:bldP spid="20" grpId="0" animBg="1"/>
     </p:bldLst>
   </p:timing>
+</p:sld>
+</file>
+
+<file path=ppt/slides/slide23.xml><?xml version="1.0" encoding="utf-8"?>
+<p:sld xmlns:a="http://schemas.openxmlformats.org/drawingml/2006/main" xmlns:r="http://schemas.openxmlformats.org/officeDocument/2006/relationships" xmlns:p="http://schemas.openxmlformats.org/presentationml/2006/main">
+  <p:cSld>
+    <p:spTree>
+      <p:nvGrpSpPr>
+        <p:cNvPr id="1" name=""/>
+        <p:cNvGrpSpPr/>
+        <p:nvPr/>
+      </p:nvGrpSpPr>
+      <p:grpSpPr>
+        <a:xfrm>
+          <a:off x="0" y="0"/>
+          <a:ext cx="0" cy="0"/>
+          <a:chOff x="0" y="0"/>
+          <a:chExt cx="0" cy="0"/>
+        </a:xfrm>
+      </p:grpSpPr>
+      <p:sp>
+        <p:nvSpPr>
+          <p:cNvPr id="2" name="Title 1">
+            <a:extLst>
+              <a:ext uri="{FF2B5EF4-FFF2-40B4-BE49-F238E27FC236}">
+                <a16:creationId xmlns:a16="http://schemas.microsoft.com/office/drawing/2014/main" id="{95AC07ED-0E8F-3341-BD66-CC6F287C0B94}"/>
+              </a:ext>
+            </a:extLst>
+          </p:cNvPr>
+          <p:cNvSpPr>
+            <a:spLocks noGrp="1"/>
+          </p:cNvSpPr>
+          <p:nvPr>
+            <p:ph type="title"/>
+          </p:nvPr>
+        </p:nvSpPr>
+        <p:spPr/>
+        <p:txBody>
+          <a:bodyPr/>
+          <a:lstStyle/>
+          <a:p>
+            <a:r>
+              <a:rPr lang="en-US" dirty="0"/>
+              <a:t>Application MCU Connections to SAM-IoT</a:t>
+            </a:r>
+          </a:p>
+        </p:txBody>
+      </p:sp>
+      <p:pic>
+        <p:nvPicPr>
+          <p:cNvPr id="28" name="Picture 27">
+            <a:extLst>
+              <a:ext uri="{FF2B5EF4-FFF2-40B4-BE49-F238E27FC236}">
+                <a16:creationId xmlns:a16="http://schemas.microsoft.com/office/drawing/2014/main" id="{96F59593-74EE-4111-83B3-ACE4E019F2A4}"/>
+              </a:ext>
+            </a:extLst>
+          </p:cNvPr>
+          <p:cNvPicPr>
+            <a:picLocks noChangeAspect="1"/>
+          </p:cNvPicPr>
+          <p:nvPr/>
+        </p:nvPicPr>
+        <p:blipFill>
+          <a:blip r:embed="rId2"/>
+          <a:stretch>
+            <a:fillRect/>
+          </a:stretch>
+        </p:blipFill>
+        <p:spPr>
+          <a:xfrm rot="16200000">
+            <a:off x="6188969" y="1790991"/>
+            <a:ext cx="2733675" cy="1162050"/>
+          </a:xfrm>
+          <a:prstGeom prst="rect">
+            <a:avLst/>
+          </a:prstGeom>
+        </p:spPr>
+      </p:pic>
+      <p:sp>
+        <p:nvSpPr>
+          <p:cNvPr id="3" name="Cloud 2">
+            <a:extLst>
+              <a:ext uri="{FF2B5EF4-FFF2-40B4-BE49-F238E27FC236}">
+                <a16:creationId xmlns:a16="http://schemas.microsoft.com/office/drawing/2014/main" id="{31F5091D-CD34-E241-A496-934E4B669D2C}"/>
+              </a:ext>
+            </a:extLst>
+          </p:cNvPr>
+          <p:cNvSpPr/>
+          <p:nvPr/>
+        </p:nvSpPr>
+        <p:spPr>
+          <a:xfrm>
+            <a:off x="9736209" y="1585748"/>
+            <a:ext cx="2361523" cy="1693440"/>
+          </a:xfrm>
+          <a:prstGeom prst="cloud">
+            <a:avLst/>
+          </a:prstGeom>
+          <a:solidFill>
+            <a:schemeClr val="accent3">
+              <a:lumMod val="60000"/>
+              <a:lumOff val="40000"/>
+            </a:schemeClr>
+          </a:solidFill>
+          <a:ln>
+            <a:noFill/>
+          </a:ln>
+          <a:effectLst/>
+        </p:spPr>
+        <p:style>
+          <a:lnRef idx="1">
+            <a:schemeClr val="accent1"/>
+          </a:lnRef>
+          <a:fillRef idx="3">
+            <a:schemeClr val="accent1"/>
+          </a:fillRef>
+          <a:effectRef idx="2">
+            <a:schemeClr val="accent1"/>
+          </a:effectRef>
+          <a:fontRef idx="minor">
+            <a:schemeClr val="lt1"/>
+          </a:fontRef>
+        </p:style>
+        <p:txBody>
+          <a:bodyPr rot="0" spcFirstLastPara="0" vertOverflow="overflow" horzOverflow="overflow" vert="horz" wrap="square" lIns="91440" tIns="45720" rIns="91440" bIns="45720" numCol="1" spcCol="0" rtlCol="0" fromWordArt="0" anchor="ctr" anchorCtr="0" forceAA="0" compatLnSpc="1">
+            <a:prstTxWarp prst="textNoShape">
+              <a:avLst/>
+            </a:prstTxWarp>
+            <a:noAutofit/>
+          </a:bodyPr>
+          <a:lstStyle/>
+          <a:p>
+            <a:pPr algn="ctr"/>
+            <a:r>
+              <a:rPr lang="en-US" dirty="0"/>
+              <a:t>Azure Cloud</a:t>
+            </a:r>
+          </a:p>
+        </p:txBody>
+      </p:sp>
+      <p:sp>
+        <p:nvSpPr>
+          <p:cNvPr id="16" name="Rectangle 15">
+            <a:extLst>
+              <a:ext uri="{FF2B5EF4-FFF2-40B4-BE49-F238E27FC236}">
+                <a16:creationId xmlns:a16="http://schemas.microsoft.com/office/drawing/2014/main" id="{EC6B95A8-CB8D-DA4B-8131-E8699978C57B}"/>
+              </a:ext>
+            </a:extLst>
+          </p:cNvPr>
+          <p:cNvSpPr/>
+          <p:nvPr/>
+        </p:nvSpPr>
+        <p:spPr>
+          <a:xfrm>
+            <a:off x="473035" y="1078031"/>
+            <a:ext cx="2620597" cy="2502568"/>
+          </a:xfrm>
+          <a:prstGeom prst="rect">
+            <a:avLst/>
+          </a:prstGeom>
+        </p:spPr>
+        <p:style>
+          <a:lnRef idx="2">
+            <a:schemeClr val="accent1">
+              <a:shade val="50000"/>
+            </a:schemeClr>
+          </a:lnRef>
+          <a:fillRef idx="1">
+            <a:schemeClr val="accent1"/>
+          </a:fillRef>
+          <a:effectRef idx="0">
+            <a:schemeClr val="accent1"/>
+          </a:effectRef>
+          <a:fontRef idx="minor">
+            <a:schemeClr val="lt1"/>
+          </a:fontRef>
+        </p:style>
+        <p:txBody>
+          <a:bodyPr rtlCol="0" anchor="ctr"/>
+          <a:lstStyle/>
+          <a:p>
+            <a:pPr algn="ctr"/>
+            <a:r>
+              <a:rPr lang="en-US" sz="2399" dirty="0"/>
+              <a:t>Application</a:t>
+            </a:r>
+          </a:p>
+          <a:p>
+            <a:pPr algn="ctr"/>
+            <a:r>
+              <a:rPr lang="en-US" sz="2399" dirty="0"/>
+              <a:t>MCU</a:t>
+            </a:r>
+          </a:p>
+        </p:txBody>
+      </p:sp>
+      <p:sp>
+        <p:nvSpPr>
+          <p:cNvPr id="17" name="Left-Right Arrow 16">
+            <a:extLst>
+              <a:ext uri="{FF2B5EF4-FFF2-40B4-BE49-F238E27FC236}">
+                <a16:creationId xmlns:a16="http://schemas.microsoft.com/office/drawing/2014/main" id="{51EFD0E5-9363-2E4C-AC47-0E9FD905EFAF}"/>
+              </a:ext>
+            </a:extLst>
+          </p:cNvPr>
+          <p:cNvSpPr/>
+          <p:nvPr/>
+        </p:nvSpPr>
+        <p:spPr>
+          <a:xfrm>
+            <a:off x="3093632" y="1257046"/>
+            <a:ext cx="3973776" cy="902958"/>
+          </a:xfrm>
+          <a:prstGeom prst="leftRightArrow">
+            <a:avLst/>
+          </a:prstGeom>
+          <a:solidFill>
+            <a:srgbClr val="92D050"/>
+          </a:solidFill>
+          <a:ln>
+            <a:noFill/>
+          </a:ln>
+          <a:effectLst/>
+        </p:spPr>
+        <p:style>
+          <a:lnRef idx="1">
+            <a:schemeClr val="accent1"/>
+          </a:lnRef>
+          <a:fillRef idx="3">
+            <a:schemeClr val="accent1"/>
+          </a:fillRef>
+          <a:effectRef idx="2">
+            <a:schemeClr val="accent1"/>
+          </a:effectRef>
+          <a:fontRef idx="minor">
+            <a:schemeClr val="lt1"/>
+          </a:fontRef>
+        </p:style>
+        <p:txBody>
+          <a:bodyPr rot="0" spcFirstLastPara="0" vertOverflow="overflow" horzOverflow="overflow" vert="horz" wrap="square" lIns="91440" tIns="45720" rIns="91440" bIns="45720" numCol="1" spcCol="0" rtlCol="0" fromWordArt="0" anchor="ctr" anchorCtr="0" forceAA="0" compatLnSpc="1">
+            <a:prstTxWarp prst="textNoShape">
+              <a:avLst/>
+            </a:prstTxWarp>
+            <a:noAutofit/>
+          </a:bodyPr>
+          <a:lstStyle/>
+          <a:p>
+            <a:pPr algn="ctr"/>
+            <a:r>
+              <a:rPr lang="en-US" sz="2000" dirty="0">
+                <a:solidFill>
+                  <a:schemeClr val="tx1"/>
+                </a:solidFill>
+                <a:latin typeface="Arial" panose="020B0604020202020204" pitchFamily="34" charset="0"/>
+                <a:cs typeface="Arial" panose="020B0604020202020204" pitchFamily="34" charset="0"/>
+              </a:rPr>
+              <a:t>UART (9600 baud)</a:t>
+            </a:r>
+          </a:p>
+        </p:txBody>
+      </p:sp>
+      <p:sp>
+        <p:nvSpPr>
+          <p:cNvPr id="12" name="Right Arrow 11">
+            <a:extLst>
+              <a:ext uri="{FF2B5EF4-FFF2-40B4-BE49-F238E27FC236}">
+                <a16:creationId xmlns:a16="http://schemas.microsoft.com/office/drawing/2014/main" id="{DD522764-5960-0443-B74A-1F6C7CA3D19D}"/>
+              </a:ext>
+            </a:extLst>
+          </p:cNvPr>
+          <p:cNvSpPr/>
+          <p:nvPr/>
+        </p:nvSpPr>
+        <p:spPr>
+          <a:xfrm>
+            <a:off x="3101768" y="2411871"/>
+            <a:ext cx="3973775" cy="884917"/>
+          </a:xfrm>
+          <a:prstGeom prst="rightArrow">
+            <a:avLst/>
+          </a:prstGeom>
+          <a:solidFill>
+            <a:srgbClr val="92D050"/>
+          </a:solidFill>
+          <a:ln>
+            <a:noFill/>
+          </a:ln>
+          <a:effectLst/>
+        </p:spPr>
+        <p:style>
+          <a:lnRef idx="1">
+            <a:schemeClr val="accent1"/>
+          </a:lnRef>
+          <a:fillRef idx="3">
+            <a:schemeClr val="accent1"/>
+          </a:fillRef>
+          <a:effectRef idx="2">
+            <a:schemeClr val="accent1"/>
+          </a:effectRef>
+          <a:fontRef idx="minor">
+            <a:schemeClr val="lt1"/>
+          </a:fontRef>
+        </p:style>
+        <p:txBody>
+          <a:bodyPr rot="0" spcFirstLastPara="0" vertOverflow="overflow" horzOverflow="overflow" vert="horz" wrap="square" lIns="91440" tIns="45720" rIns="91440" bIns="45720" numCol="1" spcCol="0" rtlCol="0" fromWordArt="0" anchor="ctr" anchorCtr="0" forceAA="0" compatLnSpc="1">
+            <a:prstTxWarp prst="textNoShape">
+              <a:avLst/>
+            </a:prstTxWarp>
+            <a:noAutofit/>
+          </a:bodyPr>
+          <a:lstStyle/>
+          <a:p>
+            <a:pPr algn="ctr"/>
+            <a:r>
+              <a:rPr lang="en-US" sz="2000" dirty="0">
+                <a:solidFill>
+                  <a:schemeClr val="tx1"/>
+                </a:solidFill>
+                <a:latin typeface="Arial" panose="020B0604020202020204" pitchFamily="34" charset="0"/>
+                <a:cs typeface="Arial" panose="020B0604020202020204" pitchFamily="34" charset="0"/>
+              </a:rPr>
+              <a:t>SPI (30 kHz)</a:t>
+            </a:r>
+          </a:p>
+        </p:txBody>
+      </p:sp>
+      <p:sp>
+        <p:nvSpPr>
+          <p:cNvPr id="14" name="Rectangle 13">
+            <a:extLst>
+              <a:ext uri="{FF2B5EF4-FFF2-40B4-BE49-F238E27FC236}">
+                <a16:creationId xmlns:a16="http://schemas.microsoft.com/office/drawing/2014/main" id="{69C2272C-1E39-6743-B6A9-470432F360C4}"/>
+              </a:ext>
+            </a:extLst>
+          </p:cNvPr>
+          <p:cNvSpPr/>
+          <p:nvPr/>
+        </p:nvSpPr>
+        <p:spPr>
+          <a:xfrm rot="16200000">
+            <a:off x="2507131" y="1501637"/>
+            <a:ext cx="822957" cy="333774"/>
+          </a:xfrm>
+          <a:prstGeom prst="rect">
+            <a:avLst/>
+          </a:prstGeom>
+          <a:solidFill>
+            <a:srgbClr val="FF0000"/>
+          </a:solidFill>
+          <a:ln>
+            <a:noFill/>
+          </a:ln>
+          <a:effectLst/>
+        </p:spPr>
+        <p:style>
+          <a:lnRef idx="1">
+            <a:schemeClr val="accent1"/>
+          </a:lnRef>
+          <a:fillRef idx="3">
+            <a:schemeClr val="accent1"/>
+          </a:fillRef>
+          <a:effectRef idx="2">
+            <a:schemeClr val="accent1"/>
+          </a:effectRef>
+          <a:fontRef idx="minor">
+            <a:schemeClr val="lt1"/>
+          </a:fontRef>
+        </p:style>
+        <p:txBody>
+          <a:bodyPr rot="0" spcFirstLastPara="0" vertOverflow="overflow" horzOverflow="overflow" vert="horz" wrap="square" lIns="91440" tIns="45720" rIns="91440" bIns="45720" numCol="1" spcCol="0" rtlCol="0" fromWordArt="0" anchor="ctr" anchorCtr="0" forceAA="0" compatLnSpc="1">
+            <a:prstTxWarp prst="textNoShape">
+              <a:avLst/>
+            </a:prstTxWarp>
+            <a:noAutofit/>
+          </a:bodyPr>
+          <a:lstStyle/>
+          <a:p>
+            <a:pPr algn="ctr"/>
+            <a:r>
+              <a:rPr lang="en-US" dirty="0">
+                <a:solidFill>
+                  <a:srgbClr val="FFFF00"/>
+                </a:solidFill>
+              </a:rPr>
+              <a:t>CLI</a:t>
+            </a:r>
+          </a:p>
+        </p:txBody>
+      </p:sp>
+      <p:sp>
+        <p:nvSpPr>
+          <p:cNvPr id="15" name="Rectangle 14">
+            <a:extLst>
+              <a:ext uri="{FF2B5EF4-FFF2-40B4-BE49-F238E27FC236}">
+                <a16:creationId xmlns:a16="http://schemas.microsoft.com/office/drawing/2014/main" id="{3230BB7D-D6BB-C641-A65F-B749D5607A52}"/>
+              </a:ext>
+            </a:extLst>
+          </p:cNvPr>
+          <p:cNvSpPr/>
+          <p:nvPr/>
+        </p:nvSpPr>
+        <p:spPr>
+          <a:xfrm rot="16200000">
+            <a:off x="2507131" y="2718422"/>
+            <a:ext cx="822957" cy="333774"/>
+          </a:xfrm>
+          <a:prstGeom prst="rect">
+            <a:avLst/>
+          </a:prstGeom>
+          <a:solidFill>
+            <a:srgbClr val="FF0000"/>
+          </a:solidFill>
+          <a:ln>
+            <a:noFill/>
+          </a:ln>
+          <a:effectLst/>
+        </p:spPr>
+        <p:style>
+          <a:lnRef idx="1">
+            <a:schemeClr val="accent1"/>
+          </a:lnRef>
+          <a:fillRef idx="3">
+            <a:schemeClr val="accent1"/>
+          </a:fillRef>
+          <a:effectRef idx="2">
+            <a:schemeClr val="accent1"/>
+          </a:effectRef>
+          <a:fontRef idx="minor">
+            <a:schemeClr val="lt1"/>
+          </a:fontRef>
+        </p:style>
+        <p:txBody>
+          <a:bodyPr rot="0" spcFirstLastPara="0" vertOverflow="overflow" horzOverflow="overflow" vert="horz" wrap="square" lIns="91440" tIns="45720" rIns="91440" bIns="45720" numCol="1" spcCol="0" rtlCol="0" fromWordArt="0" anchor="ctr" anchorCtr="0" forceAA="0" compatLnSpc="1">
+            <a:prstTxWarp prst="textNoShape">
+              <a:avLst/>
+            </a:prstTxWarp>
+            <a:noAutofit/>
+          </a:bodyPr>
+          <a:lstStyle/>
+          <a:p>
+            <a:pPr algn="ctr"/>
+            <a:r>
+              <a:rPr lang="en-US" dirty="0">
+                <a:solidFill>
+                  <a:srgbClr val="FFFF00"/>
+                </a:solidFill>
+              </a:rPr>
+              <a:t>DTI</a:t>
+            </a:r>
+          </a:p>
+        </p:txBody>
+      </p:sp>
+      <p:graphicFrame>
+        <p:nvGraphicFramePr>
+          <p:cNvPr id="4" name="Table 4">
+            <a:extLst>
+              <a:ext uri="{FF2B5EF4-FFF2-40B4-BE49-F238E27FC236}">
+                <a16:creationId xmlns:a16="http://schemas.microsoft.com/office/drawing/2014/main" id="{4EC877B5-4166-0A45-9BD3-A7182CF9B009}"/>
+              </a:ext>
+            </a:extLst>
+          </p:cNvPr>
+          <p:cNvGraphicFramePr>
+            <a:graphicFrameLocks noGrp="1"/>
+          </p:cNvGraphicFramePr>
+          <p:nvPr>
+            <p:extLst>
+              <p:ext uri="{D42A27DB-BD31-4B8C-83A1-F6EECF244321}">
+                <p14:modId xmlns:p14="http://schemas.microsoft.com/office/powerpoint/2010/main" val="3227162272"/>
+              </p:ext>
+            </p:extLst>
+          </p:nvPr>
+        </p:nvGraphicFramePr>
+        <p:xfrm>
+          <a:off x="7075543" y="3648021"/>
+          <a:ext cx="4301518" cy="2743200"/>
+        </p:xfrm>
+        <a:graphic>
+          <a:graphicData uri="http://schemas.openxmlformats.org/drawingml/2006/table">
+            <a:tbl>
+              <a:tblPr firstRow="1" bandRow="1">
+                <a:tableStyleId>{5C22544A-7EE6-4342-B048-85BDC9FD1C3A}</a:tableStyleId>
+              </a:tblPr>
+              <a:tblGrid>
+                <a:gridCol w="1161007">
+                  <a:extLst>
+                    <a:ext uri="{9D8B030D-6E8A-4147-A177-3AD203B41FA5}">
+                      <a16:colId xmlns:a16="http://schemas.microsoft.com/office/drawing/2014/main" val="776691185"/>
+                    </a:ext>
+                  </a:extLst>
+                </a:gridCol>
+                <a:gridCol w="753485">
+                  <a:extLst>
+                    <a:ext uri="{9D8B030D-6E8A-4147-A177-3AD203B41FA5}">
+                      <a16:colId xmlns:a16="http://schemas.microsoft.com/office/drawing/2014/main" val="3955616158"/>
+                    </a:ext>
+                  </a:extLst>
+                </a:gridCol>
+                <a:gridCol w="996682">
+                  <a:extLst>
+                    <a:ext uri="{9D8B030D-6E8A-4147-A177-3AD203B41FA5}">
+                      <a16:colId xmlns:a16="http://schemas.microsoft.com/office/drawing/2014/main" val="1143551255"/>
+                    </a:ext>
+                  </a:extLst>
+                </a:gridCol>
+                <a:gridCol w="1390344">
+                  <a:extLst>
+                    <a:ext uri="{9D8B030D-6E8A-4147-A177-3AD203B41FA5}">
+                      <a16:colId xmlns:a16="http://schemas.microsoft.com/office/drawing/2014/main" val="1437559582"/>
+                    </a:ext>
+                  </a:extLst>
+                </a:gridCol>
+              </a:tblGrid>
+              <a:tr h="422409">
+                <a:tc>
+                  <a:txBody>
+                    <a:bodyPr/>
+                    <a:lstStyle/>
+                    <a:p>
+                      <a:pPr algn="ctr"/>
+                      <a:r>
+                        <a:rPr lang="en-US" dirty="0"/>
+                        <a:t>FUNC</a:t>
+                      </a:r>
+                    </a:p>
+                  </a:txBody>
+                  <a:tcPr/>
+                </a:tc>
+                <a:tc>
+                  <a:txBody>
+                    <a:bodyPr/>
+                    <a:lstStyle/>
+                    <a:p>
+                      <a:pPr algn="ctr"/>
+                      <a:r>
+                        <a:rPr lang="en-US" dirty="0"/>
+                        <a:t>DIR</a:t>
+                      </a:r>
+                    </a:p>
+                  </a:txBody>
+                  <a:tcPr/>
+                </a:tc>
+                <a:tc>
+                  <a:txBody>
+                    <a:bodyPr/>
+                    <a:lstStyle/>
+                    <a:p>
+                      <a:pPr algn="ctr"/>
+                      <a:r>
+                        <a:rPr lang="en-US" dirty="0"/>
+                        <a:t>PIN</a:t>
+                      </a:r>
+                    </a:p>
+                  </a:txBody>
+                  <a:tcPr/>
+                </a:tc>
+                <a:tc>
+                  <a:txBody>
+                    <a:bodyPr/>
+                    <a:lstStyle/>
+                    <a:p>
+                      <a:pPr algn="ctr"/>
+                      <a:r>
+                        <a:rPr lang="en-US" dirty="0"/>
+                        <a:t>HEADER</a:t>
+                      </a:r>
+                    </a:p>
+                  </a:txBody>
+                  <a:tcPr/>
+                </a:tc>
+                <a:extLst>
+                  <a:ext uri="{0D108BD9-81ED-4DB2-BD59-A6C34878D82A}">
+                    <a16:rowId xmlns:a16="http://schemas.microsoft.com/office/drawing/2014/main" val="2753504131"/>
+                  </a:ext>
+                </a:extLst>
+              </a:tr>
+              <a:tr h="370840">
+                <a:tc>
+                  <a:txBody>
+                    <a:bodyPr/>
+                    <a:lstStyle/>
+                    <a:p>
+                      <a:pPr algn="ctr"/>
+                      <a:r>
+                        <a:rPr lang="en-US" dirty="0"/>
+                        <a:t>TXD</a:t>
+                      </a:r>
+                    </a:p>
+                  </a:txBody>
+                  <a:tcPr/>
+                </a:tc>
+                <a:tc>
+                  <a:txBody>
+                    <a:bodyPr/>
+                    <a:lstStyle/>
+                    <a:p>
+                      <a:pPr algn="ctr"/>
+                      <a:r>
+                        <a:rPr lang="en-US" dirty="0">
+                          <a:sym typeface="Wingdings" pitchFamily="2" charset="2"/>
+                        </a:rPr>
+                        <a:t></a:t>
+                      </a:r>
+                      <a:endParaRPr lang="en-US" dirty="0"/>
+                    </a:p>
+                  </a:txBody>
+                  <a:tcPr/>
+                </a:tc>
+                <a:tc>
+                  <a:txBody>
+                    <a:bodyPr/>
+                    <a:lstStyle/>
+                    <a:p>
+                      <a:pPr algn="ctr"/>
+                      <a:r>
+                        <a:rPr lang="en-US" dirty="0"/>
+                        <a:t>PB02</a:t>
+                      </a:r>
+                    </a:p>
+                  </a:txBody>
+                  <a:tcPr/>
+                </a:tc>
+                <a:tc>
+                  <a:txBody>
+                    <a:bodyPr/>
+                    <a:lstStyle/>
+                    <a:p>
+                      <a:pPr algn="ctr"/>
+                      <a:r>
+                        <a:rPr lang="en-US" dirty="0"/>
+                        <a:t>N/A</a:t>
+                      </a:r>
+                    </a:p>
+                  </a:txBody>
+                  <a:tcPr/>
+                </a:tc>
+                <a:extLst>
+                  <a:ext uri="{0D108BD9-81ED-4DB2-BD59-A6C34878D82A}">
+                    <a16:rowId xmlns:a16="http://schemas.microsoft.com/office/drawing/2014/main" val="479758039"/>
+                  </a:ext>
+                </a:extLst>
+              </a:tr>
+              <a:tr h="370840">
+                <a:tc>
+                  <a:txBody>
+                    <a:bodyPr/>
+                    <a:lstStyle/>
+                    <a:p>
+                      <a:pPr algn="ctr"/>
+                      <a:r>
+                        <a:rPr lang="en-US" dirty="0"/>
+                        <a:t>RXD</a:t>
+                      </a:r>
+                    </a:p>
+                  </a:txBody>
+                  <a:tcPr/>
+                </a:tc>
+                <a:tc>
+                  <a:txBody>
+                    <a:bodyPr/>
+                    <a:lstStyle/>
+                    <a:p>
+                      <a:pPr algn="ctr"/>
+                      <a:r>
+                        <a:rPr lang="en-US" dirty="0">
+                          <a:sym typeface="Wingdings" pitchFamily="2" charset="2"/>
+                        </a:rPr>
+                        <a:t></a:t>
+                      </a:r>
+                      <a:endParaRPr lang="en-US" dirty="0"/>
+                    </a:p>
+                  </a:txBody>
+                  <a:tcPr/>
+                </a:tc>
+                <a:tc>
+                  <a:txBody>
+                    <a:bodyPr/>
+                    <a:lstStyle/>
+                    <a:p>
+                      <a:pPr algn="ctr"/>
+                      <a:r>
+                        <a:rPr lang="en-US" dirty="0"/>
+                        <a:t>PB03</a:t>
+                      </a:r>
+                    </a:p>
+                  </a:txBody>
+                  <a:tcPr/>
+                </a:tc>
+                <a:tc>
+                  <a:txBody>
+                    <a:bodyPr/>
+                    <a:lstStyle/>
+                    <a:p>
+                      <a:pPr algn="ctr"/>
+                      <a:r>
+                        <a:rPr lang="en-US" dirty="0"/>
+                        <a:t>N/A</a:t>
+                      </a:r>
+                    </a:p>
+                  </a:txBody>
+                  <a:tcPr/>
+                </a:tc>
+                <a:extLst>
+                  <a:ext uri="{0D108BD9-81ED-4DB2-BD59-A6C34878D82A}">
+                    <a16:rowId xmlns:a16="http://schemas.microsoft.com/office/drawing/2014/main" val="944408060"/>
+                  </a:ext>
+                </a:extLst>
+              </a:tr>
+              <a:tr h="370840">
+                <a:tc>
+                  <a:txBody>
+                    <a:bodyPr/>
+                    <a:lstStyle/>
+                    <a:p>
+                      <a:pPr algn="ctr"/>
+                      <a:r>
+                        <a:rPr lang="en-US" dirty="0"/>
+                        <a:t>MOSI</a:t>
+                      </a:r>
+                    </a:p>
+                  </a:txBody>
+                  <a:tcPr/>
+                </a:tc>
+                <a:tc>
+                  <a:txBody>
+                    <a:bodyPr/>
+                    <a:lstStyle/>
+                    <a:p>
+                      <a:pPr algn="ctr"/>
+                      <a:r>
+                        <a:rPr lang="en-US" dirty="0">
+                          <a:sym typeface="Wingdings" pitchFamily="2" charset="2"/>
+                        </a:rPr>
+                        <a:t></a:t>
+                      </a:r>
+                      <a:endParaRPr lang="en-US" dirty="0"/>
+                    </a:p>
+                  </a:txBody>
+                  <a:tcPr/>
+                </a:tc>
+                <a:tc>
+                  <a:txBody>
+                    <a:bodyPr/>
+                    <a:lstStyle/>
+                    <a:p>
+                      <a:pPr algn="ctr"/>
+                      <a:r>
+                        <a:rPr lang="en-US" dirty="0"/>
+                        <a:t>PA04</a:t>
+                      </a:r>
+                    </a:p>
+                  </a:txBody>
+                  <a:tcPr/>
+                </a:tc>
+                <a:tc>
+                  <a:txBody>
+                    <a:bodyPr/>
+                    <a:lstStyle/>
+                    <a:p>
+                      <a:pPr algn="ctr"/>
+                      <a:r>
+                        <a:rPr lang="en-US" dirty="0"/>
+                        <a:t>J20-6</a:t>
+                      </a:r>
+                    </a:p>
+                  </a:txBody>
+                  <a:tcPr/>
+                </a:tc>
+                <a:extLst>
+                  <a:ext uri="{0D108BD9-81ED-4DB2-BD59-A6C34878D82A}">
+                    <a16:rowId xmlns:a16="http://schemas.microsoft.com/office/drawing/2014/main" val="923472587"/>
+                  </a:ext>
+                </a:extLst>
+              </a:tr>
+              <a:tr h="370840">
+                <a:tc>
+                  <a:txBody>
+                    <a:bodyPr/>
+                    <a:lstStyle/>
+                    <a:p>
+                      <a:pPr algn="ctr"/>
+                      <a:r>
+                        <a:rPr lang="en-US" dirty="0"/>
+                        <a:t>SCK</a:t>
+                      </a:r>
+                    </a:p>
+                  </a:txBody>
+                  <a:tcPr/>
+                </a:tc>
+                <a:tc>
+                  <a:txBody>
+                    <a:bodyPr/>
+                    <a:lstStyle/>
+                    <a:p>
+                      <a:pPr algn="ctr"/>
+                      <a:r>
+                        <a:rPr lang="en-US" dirty="0">
+                          <a:sym typeface="Wingdings" pitchFamily="2" charset="2"/>
+                        </a:rPr>
+                        <a:t></a:t>
+                      </a:r>
+                      <a:endParaRPr lang="en-US" dirty="0"/>
+                    </a:p>
+                  </a:txBody>
+                  <a:tcPr/>
+                </a:tc>
+                <a:tc>
+                  <a:txBody>
+                    <a:bodyPr/>
+                    <a:lstStyle/>
+                    <a:p>
+                      <a:pPr algn="ctr"/>
+                      <a:r>
+                        <a:rPr lang="en-US" dirty="0"/>
+                        <a:t>PA05</a:t>
+                      </a:r>
+                    </a:p>
+                  </a:txBody>
+                  <a:tcPr/>
+                </a:tc>
+                <a:tc>
+                  <a:txBody>
+                    <a:bodyPr/>
+                    <a:lstStyle/>
+                    <a:p>
+                      <a:pPr algn="ctr"/>
+                      <a:r>
+                        <a:rPr lang="en-US" dirty="0"/>
+                        <a:t>J20-4</a:t>
+                      </a:r>
+                    </a:p>
+                  </a:txBody>
+                  <a:tcPr/>
+                </a:tc>
+                <a:extLst>
+                  <a:ext uri="{0D108BD9-81ED-4DB2-BD59-A6C34878D82A}">
+                    <a16:rowId xmlns:a16="http://schemas.microsoft.com/office/drawing/2014/main" val="1335566704"/>
+                  </a:ext>
+                </a:extLst>
+              </a:tr>
+              <a:tr h="370840">
+                <a:tc>
+                  <a:txBody>
+                    <a:bodyPr/>
+                    <a:lstStyle/>
+                    <a:p>
+                      <a:pPr algn="ctr"/>
+                      <a:r>
+                        <a:rPr lang="en-US" dirty="0"/>
+                        <a:t>CS</a:t>
+                      </a:r>
+                    </a:p>
+                  </a:txBody>
+                  <a:tcPr/>
+                </a:tc>
+                <a:tc>
+                  <a:txBody>
+                    <a:bodyPr/>
+                    <a:lstStyle/>
+                    <a:p>
+                      <a:pPr algn="ctr"/>
+                      <a:r>
+                        <a:rPr lang="en-US" dirty="0">
+                          <a:sym typeface="Wingdings" pitchFamily="2" charset="2"/>
+                        </a:rPr>
+                        <a:t></a:t>
+                      </a:r>
+                      <a:endParaRPr lang="en-US" dirty="0"/>
+                    </a:p>
+                  </a:txBody>
+                  <a:tcPr/>
+                </a:tc>
+                <a:tc>
+                  <a:txBody>
+                    <a:bodyPr/>
+                    <a:lstStyle/>
+                    <a:p>
+                      <a:pPr algn="ctr"/>
+                      <a:r>
+                        <a:rPr lang="en-US" dirty="0"/>
+                        <a:t>PA06</a:t>
+                      </a:r>
+                    </a:p>
+                  </a:txBody>
+                  <a:tcPr/>
+                </a:tc>
+                <a:tc>
+                  <a:txBody>
+                    <a:bodyPr/>
+                    <a:lstStyle/>
+                    <a:p>
+                      <a:pPr algn="ctr"/>
+                      <a:r>
+                        <a:rPr lang="en-US" dirty="0"/>
+                        <a:t>J20-3</a:t>
+                      </a:r>
+                    </a:p>
+                  </a:txBody>
+                  <a:tcPr/>
+                </a:tc>
+                <a:extLst>
+                  <a:ext uri="{0D108BD9-81ED-4DB2-BD59-A6C34878D82A}">
+                    <a16:rowId xmlns:a16="http://schemas.microsoft.com/office/drawing/2014/main" val="3247303121"/>
+                  </a:ext>
+                </a:extLst>
+              </a:tr>
+            </a:tbl>
+          </a:graphicData>
+        </a:graphic>
+      </p:graphicFrame>
+      <p:sp>
+        <p:nvSpPr>
+          <p:cNvPr id="18" name="Rectangle 17">
+            <a:extLst>
+              <a:ext uri="{FF2B5EF4-FFF2-40B4-BE49-F238E27FC236}">
+                <a16:creationId xmlns:a16="http://schemas.microsoft.com/office/drawing/2014/main" id="{3D1E9B33-B316-DC46-9B67-675901E56709}"/>
+              </a:ext>
+            </a:extLst>
+          </p:cNvPr>
+          <p:cNvSpPr/>
+          <p:nvPr/>
+        </p:nvSpPr>
+        <p:spPr>
+          <a:xfrm rot="16200000">
+            <a:off x="6216643" y="5542862"/>
+            <a:ext cx="1367758" cy="333774"/>
+          </a:xfrm>
+          <a:prstGeom prst="rect">
+            <a:avLst/>
+          </a:prstGeom>
+          <a:solidFill>
+            <a:srgbClr val="FF0000"/>
+          </a:solidFill>
+          <a:ln w="25400">
+            <a:solidFill>
+              <a:schemeClr val="tx1"/>
+            </a:solidFill>
+          </a:ln>
+          <a:effectLst/>
+        </p:spPr>
+        <p:style>
+          <a:lnRef idx="1">
+            <a:schemeClr val="accent1"/>
+          </a:lnRef>
+          <a:fillRef idx="3">
+            <a:schemeClr val="accent1"/>
+          </a:fillRef>
+          <a:effectRef idx="2">
+            <a:schemeClr val="accent1"/>
+          </a:effectRef>
+          <a:fontRef idx="minor">
+            <a:schemeClr val="lt1"/>
+          </a:fontRef>
+        </p:style>
+        <p:txBody>
+          <a:bodyPr rot="0" spcFirstLastPara="0" vertOverflow="overflow" horzOverflow="overflow" vert="horz" wrap="square" lIns="91440" tIns="45720" rIns="91440" bIns="45720" numCol="1" spcCol="0" rtlCol="0" fromWordArt="0" anchor="ctr" anchorCtr="0" forceAA="0" compatLnSpc="1">
+            <a:prstTxWarp prst="textNoShape">
+              <a:avLst/>
+            </a:prstTxWarp>
+            <a:noAutofit/>
+          </a:bodyPr>
+          <a:lstStyle/>
+          <a:p>
+            <a:pPr algn="ctr"/>
+            <a:r>
+              <a:rPr lang="en-US" dirty="0">
+                <a:solidFill>
+                  <a:srgbClr val="FFFF00"/>
+                </a:solidFill>
+              </a:rPr>
+              <a:t>SPI</a:t>
+            </a:r>
+          </a:p>
+        </p:txBody>
+      </p:sp>
+      <p:sp>
+        <p:nvSpPr>
+          <p:cNvPr id="19" name="Rectangle 18">
+            <a:extLst>
+              <a:ext uri="{FF2B5EF4-FFF2-40B4-BE49-F238E27FC236}">
+                <a16:creationId xmlns:a16="http://schemas.microsoft.com/office/drawing/2014/main" id="{E34CBC76-EB66-FA4D-ADEB-928BB6935F54}"/>
+              </a:ext>
+            </a:extLst>
+          </p:cNvPr>
+          <p:cNvSpPr/>
+          <p:nvPr/>
+        </p:nvSpPr>
+        <p:spPr>
+          <a:xfrm rot="16200000">
+            <a:off x="6425119" y="4383580"/>
+            <a:ext cx="950806" cy="333774"/>
+          </a:xfrm>
+          <a:prstGeom prst="rect">
+            <a:avLst/>
+          </a:prstGeom>
+          <a:solidFill>
+            <a:srgbClr val="FF0000"/>
+          </a:solidFill>
+          <a:ln w="25400">
+            <a:solidFill>
+              <a:schemeClr val="accent1"/>
+            </a:solidFill>
+          </a:ln>
+          <a:effectLst/>
+        </p:spPr>
+        <p:style>
+          <a:lnRef idx="1">
+            <a:schemeClr val="accent1"/>
+          </a:lnRef>
+          <a:fillRef idx="3">
+            <a:schemeClr val="accent1"/>
+          </a:fillRef>
+          <a:effectRef idx="2">
+            <a:schemeClr val="accent1"/>
+          </a:effectRef>
+          <a:fontRef idx="minor">
+            <a:schemeClr val="lt1"/>
+          </a:fontRef>
+        </p:style>
+        <p:txBody>
+          <a:bodyPr rot="0" spcFirstLastPara="0" vertOverflow="overflow" horzOverflow="overflow" vert="horz" wrap="square" lIns="91440" tIns="45720" rIns="91440" bIns="45720" numCol="1" spcCol="0" rtlCol="0" fromWordArt="0" anchor="ctr" anchorCtr="0" forceAA="0" compatLnSpc="1">
+            <a:prstTxWarp prst="textNoShape">
+              <a:avLst/>
+            </a:prstTxWarp>
+            <a:noAutofit/>
+          </a:bodyPr>
+          <a:lstStyle/>
+          <a:p>
+            <a:pPr algn="ctr"/>
+            <a:r>
+              <a:rPr lang="en-US" dirty="0">
+                <a:solidFill>
+                  <a:srgbClr val="FFFF00"/>
+                </a:solidFill>
+              </a:rPr>
+              <a:t>UART</a:t>
+            </a:r>
+          </a:p>
+        </p:txBody>
+      </p:sp>
+      <p:sp>
+        <p:nvSpPr>
+          <p:cNvPr id="13" name="Left-Right Arrow 12">
+            <a:extLst>
+              <a:ext uri="{FF2B5EF4-FFF2-40B4-BE49-F238E27FC236}">
+                <a16:creationId xmlns:a16="http://schemas.microsoft.com/office/drawing/2014/main" id="{CF845E19-DA75-D044-B1AE-0C0167115640}"/>
+              </a:ext>
+            </a:extLst>
+          </p:cNvPr>
+          <p:cNvSpPr/>
+          <p:nvPr/>
+        </p:nvSpPr>
+        <p:spPr>
+          <a:xfrm>
+            <a:off x="8128695" y="1980989"/>
+            <a:ext cx="1634362" cy="902958"/>
+          </a:xfrm>
+          <a:prstGeom prst="leftRightArrow">
+            <a:avLst/>
+          </a:prstGeom>
+          <a:solidFill>
+            <a:srgbClr val="FFC000"/>
+          </a:solidFill>
+          <a:ln>
+            <a:noFill/>
+          </a:ln>
+          <a:effectLst/>
+        </p:spPr>
+        <p:style>
+          <a:lnRef idx="1">
+            <a:schemeClr val="accent1"/>
+          </a:lnRef>
+          <a:fillRef idx="3">
+            <a:schemeClr val="accent1"/>
+          </a:fillRef>
+          <a:effectRef idx="2">
+            <a:schemeClr val="accent1"/>
+          </a:effectRef>
+          <a:fontRef idx="minor">
+            <a:schemeClr val="lt1"/>
+          </a:fontRef>
+        </p:style>
+        <p:txBody>
+          <a:bodyPr rot="0" spcFirstLastPara="0" vertOverflow="overflow" horzOverflow="overflow" vert="horz" wrap="square" lIns="91440" tIns="45720" rIns="91440" bIns="45720" numCol="1" spcCol="0" rtlCol="0" fromWordArt="0" anchor="ctr" anchorCtr="0" forceAA="0" compatLnSpc="1">
+            <a:prstTxWarp prst="textNoShape">
+              <a:avLst/>
+            </a:prstTxWarp>
+            <a:noAutofit/>
+          </a:bodyPr>
+          <a:lstStyle/>
+          <a:p>
+            <a:pPr algn="ctr"/>
+            <a:r>
+              <a:rPr lang="en-US" dirty="0">
+                <a:solidFill>
+                  <a:schemeClr val="tx1"/>
+                </a:solidFill>
+              </a:rPr>
+              <a:t>MQTT</a:t>
+            </a:r>
+          </a:p>
+        </p:txBody>
+      </p:sp>
+    </p:spTree>
+    <p:extLst>
+      <p:ext uri="{BB962C8B-B14F-4D97-AF65-F5344CB8AC3E}">
+        <p14:creationId xmlns:p14="http://schemas.microsoft.com/office/powerpoint/2010/main" val="1710071360"/>
+      </p:ext>
+    </p:extLst>
+  </p:cSld>
+  <p:clrMapOvr>
+    <a:masterClrMapping/>
+  </p:clrMapOvr>
+</p:sld>
+</file>
+
+<file path=ppt/slides/slide24.xml><?xml version="1.0" encoding="utf-8"?>
+<p:sld xmlns:a="http://schemas.openxmlformats.org/drawingml/2006/main" xmlns:r="http://schemas.openxmlformats.org/officeDocument/2006/relationships" xmlns:p="http://schemas.openxmlformats.org/presentationml/2006/main">
+  <p:cSld>
+    <p:spTree>
+      <p:nvGrpSpPr>
+        <p:cNvPr id="1" name=""/>
+        <p:cNvGrpSpPr/>
+        <p:nvPr/>
+      </p:nvGrpSpPr>
+      <p:grpSpPr>
+        <a:xfrm>
+          <a:off x="0" y="0"/>
+          <a:ext cx="0" cy="0"/>
+          <a:chOff x="0" y="0"/>
+          <a:chExt cx="0" cy="0"/>
+        </a:xfrm>
+      </p:grpSpPr>
+      <p:sp>
+        <p:nvSpPr>
+          <p:cNvPr id="2" name="Title 1">
+            <a:extLst>
+              <a:ext uri="{FF2B5EF4-FFF2-40B4-BE49-F238E27FC236}">
+                <a16:creationId xmlns:a16="http://schemas.microsoft.com/office/drawing/2014/main" id="{EBC90E80-F8C7-234E-BF60-75FE26D5BC74}"/>
+              </a:ext>
+            </a:extLst>
+          </p:cNvPr>
+          <p:cNvSpPr>
+            <a:spLocks noGrp="1"/>
+          </p:cNvSpPr>
+          <p:nvPr>
+            <p:ph type="title"/>
+          </p:nvPr>
+        </p:nvSpPr>
+        <p:spPr>
+          <a:xfrm>
+            <a:off x="355509" y="96296"/>
+            <a:ext cx="11400661" cy="777240"/>
+          </a:xfrm>
+        </p:spPr>
+        <p:txBody>
+          <a:bodyPr anchor="t">
+            <a:normAutofit/>
+          </a:bodyPr>
+          <a:lstStyle/>
+          <a:p>
+            <a:pPr>
+              <a:lnSpc>
+                <a:spcPct val="90000"/>
+              </a:lnSpc>
+            </a:pPr>
+            <a:r>
+              <a:rPr lang="en-US" dirty="0"/>
+              <a:t>Azure IoT Central Application – Dashboard View</a:t>
+            </a:r>
+          </a:p>
+        </p:txBody>
+      </p:sp>
+      <p:pic>
+        <p:nvPicPr>
+          <p:cNvPr id="5" name="Picture 4" descr="Graphical user interface, table&#10;&#10;Description automatically generated">
+            <a:extLst>
+              <a:ext uri="{FF2B5EF4-FFF2-40B4-BE49-F238E27FC236}">
+                <a16:creationId xmlns:a16="http://schemas.microsoft.com/office/drawing/2014/main" id="{9F3BC8DA-A3B2-004F-9B23-DF9355F56DD6}"/>
+              </a:ext>
+            </a:extLst>
+          </p:cNvPr>
+          <p:cNvPicPr>
+            <a:picLocks noChangeAspect="1"/>
+          </p:cNvPicPr>
+          <p:nvPr/>
+        </p:nvPicPr>
+        <p:blipFill>
+          <a:blip r:embed="rId2"/>
+          <a:stretch>
+            <a:fillRect/>
+          </a:stretch>
+        </p:blipFill>
+        <p:spPr>
+          <a:xfrm>
+            <a:off x="354778" y="1008154"/>
+            <a:ext cx="11400660" cy="5215800"/>
+          </a:xfrm>
+          <a:prstGeom prst="rect">
+            <a:avLst/>
+          </a:prstGeom>
+          <a:noFill/>
+        </p:spPr>
+      </p:pic>
+    </p:spTree>
+    <p:extLst>
+      <p:ext uri="{BB962C8B-B14F-4D97-AF65-F5344CB8AC3E}">
+        <p14:creationId xmlns:p14="http://schemas.microsoft.com/office/powerpoint/2010/main" val="370542450"/>
+      </p:ext>
+    </p:extLst>
+  </p:cSld>
+  <p:clrMapOvr>
+    <a:masterClrMapping/>
+  </p:clrMapOvr>
 </p:sld>
 </file>
 
@@ -33407,11 +34625,48 @@
 
 <file path=customXml/item2.xml><?xml version="1.0" encoding="utf-8"?>
 <?mso-contentType ?>
-<FormTemplates xmlns="http://schemas.microsoft.com/sharepoint/v3/contenttype/forms">
-  <Display>DocumentLibraryForm</Display>
-  <Edit>DocumentLibraryForm</Edit>
-  <New>DocumentLibraryForm</New>
-</FormTemplates>
+<spe:Receivers xmlns:spe="http://schemas.microsoft.com/sharepoint/events">
+  <Receiver>
+    <Name>Document ID Generator</Name>
+    <Synchronization>Synchronous</Synchronization>
+    <Type>10001</Type>
+    <SequenceNumber>1000</SequenceNumber>
+    <Assembly>Microsoft.Office.DocumentManagement, Version=14.0.0.0, Culture=neutral, PublicKeyToken=71e9bce111e9429c</Assembly>
+    <Class>Microsoft.Office.DocumentManagement.Internal.DocIdHandler</Class>
+    <Data/>
+    <Filter/>
+  </Receiver>
+  <Receiver>
+    <Name>Document ID Generator</Name>
+    <Synchronization>Synchronous</Synchronization>
+    <Type>10002</Type>
+    <SequenceNumber>1001</SequenceNumber>
+    <Assembly>Microsoft.Office.DocumentManagement, Version=14.0.0.0, Culture=neutral, PublicKeyToken=71e9bce111e9429c</Assembly>
+    <Class>Microsoft.Office.DocumentManagement.Internal.DocIdHandler</Class>
+    <Data/>
+    <Filter/>
+  </Receiver>
+  <Receiver>
+    <Name>Document ID Generator</Name>
+    <Synchronization>Synchronous</Synchronization>
+    <Type>10004</Type>
+    <SequenceNumber>1002</SequenceNumber>
+    <Assembly>Microsoft.Office.DocumentManagement, Version=14.0.0.0, Culture=neutral, PublicKeyToken=71e9bce111e9429c</Assembly>
+    <Class>Microsoft.Office.DocumentManagement.Internal.DocIdHandler</Class>
+    <Data/>
+    <Filter/>
+  </Receiver>
+  <Receiver>
+    <Name>Document ID Generator</Name>
+    <Synchronization>Synchronous</Synchronization>
+    <Type>10006</Type>
+    <SequenceNumber>1003</SequenceNumber>
+    <Assembly>Microsoft.Office.DocumentManagement, Version=14.0.0.0, Culture=neutral, PublicKeyToken=71e9bce111e9429c</Assembly>
+    <Class>Microsoft.Office.DocumentManagement.Internal.DocIdHandler</Class>
+    <Data/>
+    <Filter/>
+  </Receiver>
+</spe:Receivers>
 </file>
 
 <file path=customXml/item3.xml><?xml version="1.0" encoding="utf-8"?>
@@ -33572,48 +34827,11 @@
 
 <file path=customXml/item4.xml><?xml version="1.0" encoding="utf-8"?>
 <?mso-contentType ?>
-<spe:Receivers xmlns:spe="http://schemas.microsoft.com/sharepoint/events">
-  <Receiver>
-    <Name>Document ID Generator</Name>
-    <Synchronization>Synchronous</Synchronization>
-    <Type>10001</Type>
-    <SequenceNumber>1000</SequenceNumber>
-    <Assembly>Microsoft.Office.DocumentManagement, Version=14.0.0.0, Culture=neutral, PublicKeyToken=71e9bce111e9429c</Assembly>
-    <Class>Microsoft.Office.DocumentManagement.Internal.DocIdHandler</Class>
-    <Data/>
-    <Filter/>
-  </Receiver>
-  <Receiver>
-    <Name>Document ID Generator</Name>
-    <Synchronization>Synchronous</Synchronization>
-    <Type>10002</Type>
-    <SequenceNumber>1001</SequenceNumber>
-    <Assembly>Microsoft.Office.DocumentManagement, Version=14.0.0.0, Culture=neutral, PublicKeyToken=71e9bce111e9429c</Assembly>
-    <Class>Microsoft.Office.DocumentManagement.Internal.DocIdHandler</Class>
-    <Data/>
-    <Filter/>
-  </Receiver>
-  <Receiver>
-    <Name>Document ID Generator</Name>
-    <Synchronization>Synchronous</Synchronization>
-    <Type>10004</Type>
-    <SequenceNumber>1002</SequenceNumber>
-    <Assembly>Microsoft.Office.DocumentManagement, Version=14.0.0.0, Culture=neutral, PublicKeyToken=71e9bce111e9429c</Assembly>
-    <Class>Microsoft.Office.DocumentManagement.Internal.DocIdHandler</Class>
-    <Data/>
-    <Filter/>
-  </Receiver>
-  <Receiver>
-    <Name>Document ID Generator</Name>
-    <Synchronization>Synchronous</Synchronization>
-    <Type>10006</Type>
-    <SequenceNumber>1003</SequenceNumber>
-    <Assembly>Microsoft.Office.DocumentManagement, Version=14.0.0.0, Culture=neutral, PublicKeyToken=71e9bce111e9429c</Assembly>
-    <Class>Microsoft.Office.DocumentManagement.Internal.DocIdHandler</Class>
-    <Data/>
-    <Filter/>
-  </Receiver>
-</spe:Receivers>
+<FormTemplates xmlns="http://schemas.microsoft.com/sharepoint/v3/contenttype/forms">
+  <Display>DocumentLibraryForm</Display>
+  <Edit>DocumentLibraryForm</Edit>
+  <New>DocumentLibraryForm</New>
+</FormTemplates>
 </file>
 
 <file path=customXml/itemProps1.xml><?xml version="1.0" encoding="utf-8"?>
@@ -33628,9 +34846,9 @@
 </file>
 
 <file path=customXml/itemProps2.xml><?xml version="1.0" encoding="utf-8"?>
-<ds:datastoreItem xmlns:ds="http://schemas.openxmlformats.org/officeDocument/2006/customXml" ds:itemID="{0CE24DD7-9317-4AD8-82D4-5A6998DA79C7}">
+<ds:datastoreItem xmlns:ds="http://schemas.openxmlformats.org/officeDocument/2006/customXml" ds:itemID="{36ECED7C-7E24-4B80-B6AD-5BF0A508FB7B}">
   <ds:schemaRefs>
-    <ds:schemaRef ds:uri="http://schemas.microsoft.com/sharepoint/v3/contenttype/forms"/>
+    <ds:schemaRef ds:uri="http://schemas.microsoft.com/sharepoint/events"/>
   </ds:schemaRefs>
 </ds:datastoreItem>
 </file>
@@ -33655,9 +34873,9 @@
 </file>
 
 <file path=customXml/itemProps4.xml><?xml version="1.0" encoding="utf-8"?>
-<ds:datastoreItem xmlns:ds="http://schemas.openxmlformats.org/officeDocument/2006/customXml" ds:itemID="{36ECED7C-7E24-4B80-B6AD-5BF0A508FB7B}">
+<ds:datastoreItem xmlns:ds="http://schemas.openxmlformats.org/officeDocument/2006/customXml" ds:itemID="{0CE24DD7-9317-4AD8-82D4-5A6998DA79C7}">
   <ds:schemaRefs>
-    <ds:schemaRef ds:uri="http://schemas.microsoft.com/sharepoint/events"/>
+    <ds:schemaRef ds:uri="http://schemas.microsoft.com/sharepoint/v3/contenttype/forms"/>
   </ds:schemaRefs>
 </ds:datastoreItem>
 </file>